--- a/Task Parallel Library.pptx
+++ b/Task Parallel Library.pptx
@@ -6,39 +6,40 @@
   </p:sldMasterIdLst>
   <p:sldIdLst>
     <p:sldId id="256" r:id="rId2"/>
-    <p:sldId id="257" r:id="rId3"/>
-    <p:sldId id="260" r:id="rId4"/>
-    <p:sldId id="258" r:id="rId5"/>
-    <p:sldId id="259" r:id="rId6"/>
-    <p:sldId id="261" r:id="rId7"/>
-    <p:sldId id="262" r:id="rId8"/>
-    <p:sldId id="263" r:id="rId9"/>
-    <p:sldId id="264" r:id="rId10"/>
-    <p:sldId id="265" r:id="rId11"/>
-    <p:sldId id="266" r:id="rId12"/>
-    <p:sldId id="286" r:id="rId13"/>
-    <p:sldId id="271" r:id="rId14"/>
-    <p:sldId id="269" r:id="rId15"/>
-    <p:sldId id="272" r:id="rId16"/>
-    <p:sldId id="270" r:id="rId17"/>
-    <p:sldId id="273" r:id="rId18"/>
-    <p:sldId id="288" r:id="rId19"/>
-    <p:sldId id="274" r:id="rId20"/>
-    <p:sldId id="275" r:id="rId21"/>
-    <p:sldId id="280" r:id="rId22"/>
-    <p:sldId id="281" r:id="rId23"/>
-    <p:sldId id="268" r:id="rId24"/>
-    <p:sldId id="276" r:id="rId25"/>
-    <p:sldId id="282" r:id="rId26"/>
-    <p:sldId id="283" r:id="rId27"/>
-    <p:sldId id="284" r:id="rId28"/>
-    <p:sldId id="285" r:id="rId29"/>
-    <p:sldId id="289" r:id="rId30"/>
-    <p:sldId id="290" r:id="rId31"/>
-    <p:sldId id="291" r:id="rId32"/>
-    <p:sldId id="292" r:id="rId33"/>
-    <p:sldId id="279" r:id="rId34"/>
-    <p:sldId id="277" r:id="rId35"/>
+    <p:sldId id="293" r:id="rId3"/>
+    <p:sldId id="257" r:id="rId4"/>
+    <p:sldId id="260" r:id="rId5"/>
+    <p:sldId id="258" r:id="rId6"/>
+    <p:sldId id="259" r:id="rId7"/>
+    <p:sldId id="261" r:id="rId8"/>
+    <p:sldId id="262" r:id="rId9"/>
+    <p:sldId id="263" r:id="rId10"/>
+    <p:sldId id="264" r:id="rId11"/>
+    <p:sldId id="265" r:id="rId12"/>
+    <p:sldId id="266" r:id="rId13"/>
+    <p:sldId id="286" r:id="rId14"/>
+    <p:sldId id="271" r:id="rId15"/>
+    <p:sldId id="269" r:id="rId16"/>
+    <p:sldId id="272" r:id="rId17"/>
+    <p:sldId id="270" r:id="rId18"/>
+    <p:sldId id="273" r:id="rId19"/>
+    <p:sldId id="288" r:id="rId20"/>
+    <p:sldId id="274" r:id="rId21"/>
+    <p:sldId id="275" r:id="rId22"/>
+    <p:sldId id="280" r:id="rId23"/>
+    <p:sldId id="281" r:id="rId24"/>
+    <p:sldId id="268" r:id="rId25"/>
+    <p:sldId id="276" r:id="rId26"/>
+    <p:sldId id="282" r:id="rId27"/>
+    <p:sldId id="283" r:id="rId28"/>
+    <p:sldId id="284" r:id="rId29"/>
+    <p:sldId id="285" r:id="rId30"/>
+    <p:sldId id="289" r:id="rId31"/>
+    <p:sldId id="290" r:id="rId32"/>
+    <p:sldId id="291" r:id="rId33"/>
+    <p:sldId id="292" r:id="rId34"/>
+    <p:sldId id="279" r:id="rId35"/>
+    <p:sldId id="277" r:id="rId36"/>
   </p:sldIdLst>
   <p:sldSz cx="9144000" cy="6858000" type="screen4x3"/>
   <p:notesSz cx="6858000" cy="9144000"/>
@@ -198,7 +199,7 @@
             <a:fld id="{A6E1DDAD-5252-C048-A5F8-1776C8665A85}" type="datetimeFigureOut">
               <a:rPr lang="en-GB" smtClean="0"/>
               <a:pPr/>
-              <a:t>6/2/10</a:t>
+              <a:t>6/3/10</a:t>
             </a:fld>
             <a:endParaRPr lang="en-GB"/>
           </a:p>
@@ -323,15 +324,28 @@
                 </a:rPr>
                 <a:t>CTO</a:t>
               </a:r>
+              <a:endParaRPr lang="en-GB" sz="1600" dirty="0" smtClean="0">
+                <a:solidFill>
+                  <a:srgbClr val="013478"/>
+                </a:solidFill>
+              </a:endParaRPr>
             </a:p>
             <a:p>
               <a:r>
-                <a:rPr lang="en-GB" sz="1200" dirty="0" smtClean="0">
+                <a:rPr lang="en-GB" sz="1200" dirty="0" err="1" smtClean="0">
                   <a:solidFill>
-                    <a:srgbClr val="9ED6F4"/>
+                    <a:srgbClr val="013478"/>
                   </a:solidFill>
                 </a:rPr>
-                <a:t>E</a:t>
+                <a:t>sstrong</a:t>
+              </a:r>
+              <a:r>
+                <a:rPr lang="en-GB" sz="1200" dirty="0" err="1" smtClean="0">
+                  <a:solidFill>
+                    <a:srgbClr val="013478"/>
+                  </a:solidFill>
+                </a:rPr>
+                <a:t>@imeta.co.uk</a:t>
               </a:r>
               <a:r>
                 <a:rPr lang="en-GB" sz="1200" dirty="0" smtClean="0">
@@ -339,24 +353,21 @@
                     <a:srgbClr val="013478"/>
                   </a:solidFill>
                 </a:rPr>
-                <a:t> sstrong@imeta.co.uk </a:t>
+                <a:t> 	@</a:t>
               </a:r>
               <a:r>
-                <a:rPr lang="en-GB" sz="1200" dirty="0" smtClean="0">
-                  <a:solidFill>
-                    <a:srgbClr val="9ED6F4"/>
-                  </a:solidFill>
-                </a:rPr>
-                <a:t>M</a:t>
-              </a:r>
-              <a:r>
-                <a:rPr lang="en-GB" sz="1200" dirty="0" smtClean="0">
+                <a:rPr lang="en-GB" sz="1200" dirty="0" err="1" smtClean="0">
                   <a:solidFill>
                     <a:srgbClr val="013478"/>
                   </a:solidFill>
                 </a:rPr>
-                <a:t> +34 636451137</a:t>
+                <a:t>srstrong</a:t>
               </a:r>
+              <a:endParaRPr lang="en-GB" sz="1200" dirty="0" smtClean="0">
+                <a:solidFill>
+                  <a:srgbClr val="013478"/>
+                </a:solidFill>
+              </a:endParaRPr>
             </a:p>
             <a:p>
               <a:endParaRPr lang="en-GB" sz="1200" dirty="0" smtClean="0">
@@ -441,15 +452,20 @@
                 </a:rPr>
                 <a:t>Phi House, Enterprise Road, Southampton Science Park, UK, SO16 7NS</a:t>
               </a:r>
+              <a:endParaRPr lang="en-GB" sz="1200" baseline="0" dirty="0" smtClean="0">
+                <a:solidFill>
+                  <a:srgbClr val="013478"/>
+                </a:solidFill>
+              </a:endParaRPr>
             </a:p>
             <a:p>
               <a:r>
-                <a:rPr lang="en-GB" sz="1200" baseline="0" dirty="0" smtClean="0">
+                <a:rPr lang="en-GB" sz="1200" baseline="0" dirty="0" err="1" smtClean="0">
                   <a:solidFill>
-                    <a:srgbClr val="9ED6F4"/>
+                    <a:srgbClr val="013478"/>
                   </a:solidFill>
                 </a:rPr>
-                <a:t>T </a:t>
+                <a:t>www.imeta.co.uk</a:t>
               </a:r>
               <a:r>
                 <a:rPr lang="en-GB" sz="1200" baseline="0" dirty="0" smtClean="0">
@@ -457,15 +473,7 @@
                     <a:srgbClr val="013478"/>
                   </a:solidFill>
                 </a:rPr>
-                <a:t>+44 (0) 23 8076 2012 </a:t>
-              </a:r>
-              <a:r>
-                <a:rPr lang="en-GB" sz="1200" baseline="0" dirty="0" smtClean="0">
-                  <a:solidFill>
-                    <a:srgbClr val="9ED6F4"/>
-                  </a:solidFill>
-                </a:rPr>
-                <a:t>W</a:t>
+                <a:t>   +</a:t>
               </a:r>
               <a:r>
                 <a:rPr lang="en-GB" sz="1200" baseline="0" dirty="0" smtClean="0">
@@ -473,15 +481,15 @@
                     <a:srgbClr val="013478"/>
                   </a:solidFill>
                 </a:rPr>
-                <a:t> </a:t>
+                <a:t>44 (0) 23 8076 </a:t>
               </a:r>
               <a:r>
-                <a:rPr lang="en-GB" sz="1200" baseline="0" dirty="0" err="1" smtClean="0">
+                <a:rPr lang="en-GB" sz="1200" baseline="0" dirty="0" smtClean="0">
                   <a:solidFill>
                     <a:srgbClr val="013478"/>
                   </a:solidFill>
                 </a:rPr>
-                <a:t>www.imeta.co.uk</a:t>
+                <a:t>2012</a:t>
               </a:r>
               <a:endParaRPr lang="en-GB" sz="1200" dirty="0" smtClean="0"/>
             </a:p>
@@ -3994,7 +4002,7 @@
           <a:p>
             <a:r>
               <a:rPr lang="en-GB" dirty="0" err="1" smtClean="0"/>
-              <a:t>Parallel.ForEach</a:t>
+              <a:t>Parallel.For</a:t>
             </a:r>
             <a:endParaRPr lang="en-GB" dirty="0"/>
           </a:p>
@@ -4017,48 +4025,8 @@
           <a:p>
             <a:r>
               <a:rPr lang="en-GB" dirty="0" smtClean="0"/>
-              <a:t>Concurrent version of sequential </a:t>
-            </a:r>
-            <a:r>
-              <a:rPr lang="en-GB" dirty="0" err="1" smtClean="0"/>
-              <a:t>foreach</a:t>
-            </a:r>
-            <a:r>
-              <a:rPr lang="en-GB" dirty="0" smtClean="0"/>
-              <a:t> loop</a:t>
-            </a:r>
-          </a:p>
-          <a:p>
-            <a:r>
-              <a:rPr lang="en-GB" dirty="0" smtClean="0"/>
-              <a:t>20(!) overloads</a:t>
-            </a:r>
-          </a:p>
-          <a:p>
-            <a:r>
-              <a:rPr lang="en-GB" dirty="0" smtClean="0"/>
-              <a:t>Basic (and most common) is simply:</a:t>
-            </a:r>
-          </a:p>
-          <a:p>
-            <a:pPr lvl="1"/>
-            <a:r>
-              <a:rPr lang="en-GB" dirty="0" err="1" smtClean="0"/>
-              <a:t>IEnumerable</a:t>
-            </a:r>
-            <a:r>
-              <a:rPr lang="en-GB" dirty="0" smtClean="0"/>
-              <a:t>&lt;T&gt;</a:t>
-            </a:r>
-          </a:p>
-          <a:p>
-            <a:pPr lvl="1"/>
-            <a:r>
-              <a:rPr lang="en-GB" dirty="0" smtClean="0"/>
-              <a:t>Delegate</a:t>
-            </a:r>
-          </a:p>
-          <a:p>
+              <a:t>Demo</a:t>
+            </a:r>
             <a:endParaRPr lang="en-GB" dirty="0"/>
           </a:p>
         </p:txBody>
@@ -4068,6 +4036,13 @@
   <p:clrMapOvr>
     <a:masterClrMapping/>
   </p:clrMapOvr>
+  <p:timing>
+    <p:tnLst>
+      <p:par>
+        <p:cTn id="1" dur="indefinite" restart="never" nodeType="tmRoot"/>
+      </p:par>
+    </p:tnLst>
+  </p:timing>
 </p:sld>
 </file>
 
@@ -4128,8 +4103,48 @@
           <a:p>
             <a:r>
               <a:rPr lang="en-GB" dirty="0" smtClean="0"/>
-              <a:t>Demo</a:t>
-            </a:r>
+              <a:t>Concurrent version of sequential </a:t>
+            </a:r>
+            <a:r>
+              <a:rPr lang="en-GB" dirty="0" err="1" smtClean="0"/>
+              <a:t>foreach</a:t>
+            </a:r>
+            <a:r>
+              <a:rPr lang="en-GB" dirty="0" smtClean="0"/>
+              <a:t> loop</a:t>
+            </a:r>
+          </a:p>
+          <a:p>
+            <a:r>
+              <a:rPr lang="en-GB" dirty="0" smtClean="0"/>
+              <a:t>20(!) overloads</a:t>
+            </a:r>
+          </a:p>
+          <a:p>
+            <a:r>
+              <a:rPr lang="en-GB" dirty="0" smtClean="0"/>
+              <a:t>Basic (and most common) is simply:</a:t>
+            </a:r>
+          </a:p>
+          <a:p>
+            <a:pPr lvl="1"/>
+            <a:r>
+              <a:rPr lang="en-GB" dirty="0" err="1" smtClean="0"/>
+              <a:t>IEnumerable</a:t>
+            </a:r>
+            <a:r>
+              <a:rPr lang="en-GB" dirty="0" smtClean="0"/>
+              <a:t>&lt;T&gt;</a:t>
+            </a:r>
+          </a:p>
+          <a:p>
+            <a:pPr lvl="1"/>
+            <a:r>
+              <a:rPr lang="en-GB" dirty="0" smtClean="0"/>
+              <a:t>Delegate</a:t>
+            </a:r>
+          </a:p>
+          <a:p>
             <a:endParaRPr lang="en-GB" dirty="0"/>
           </a:p>
         </p:txBody>
@@ -4139,6 +4154,13 @@
   <p:clrMapOvr>
     <a:masterClrMapping/>
   </p:clrMapOvr>
+  <p:timing>
+    <p:tnLst>
+      <p:par>
+        <p:cTn id="1" dur="indefinite" restart="never" nodeType="tmRoot"/>
+      </p:par>
+    </p:tnLst>
+  </p:timing>
 </p:sld>
 </file>
 
@@ -4171,18 +4193,12 @@
         </p:nvSpPr>
         <p:spPr/>
         <p:txBody>
-          <a:bodyPr>
-            <a:normAutofit/>
-          </a:bodyPr>
-          <a:lstStyle/>
-          <a:p>
-            <a:r>
-              <a:rPr lang="en-GB" dirty="0" smtClean="0"/>
-              <a:t>.For &amp; .</a:t>
-            </a:r>
+          <a:bodyPr/>
+          <a:lstStyle/>
+          <a:p>
             <a:r>
               <a:rPr lang="en-GB" dirty="0" err="1" smtClean="0"/>
-              <a:t>ForEach</a:t>
+              <a:t>Parallel.ForEach</a:t>
             </a:r>
             <a:endParaRPr lang="en-GB" dirty="0"/>
           </a:p>
@@ -4205,32 +4221,7 @@
           <a:p>
             <a:r>
               <a:rPr lang="en-GB" dirty="0" smtClean="0"/>
-              <a:t>System partitions input into sets</a:t>
-            </a:r>
-          </a:p>
-          <a:p>
-            <a:r>
-              <a:rPr lang="en-GB" dirty="0" smtClean="0"/>
-              <a:t>Each thread given one set to process</a:t>
-            </a:r>
-          </a:p>
-          <a:p>
-            <a:r>
-              <a:rPr lang="en-GB" dirty="0" smtClean="0"/>
-              <a:t>Thread iterates over set calling lambda</a:t>
-            </a:r>
-          </a:p>
-          <a:p>
-            <a:r>
-              <a:rPr lang="en-GB" dirty="0" smtClean="0"/>
-              <a:t>If thread exhausts set, can “steal” from other threads</a:t>
-            </a:r>
-          </a:p>
-          <a:p>
-            <a:pPr lvl="1"/>
-            <a:r>
-              <a:rPr lang="en-GB" dirty="0" smtClean="0"/>
-              <a:t>Although this depends on how the partitioning was done</a:t>
+              <a:t>Demo</a:t>
             </a:r>
             <a:endParaRPr lang="en-GB" dirty="0"/>
           </a:p>
@@ -4241,6 +4232,13 @@
   <p:clrMapOvr>
     <a:masterClrMapping/>
   </p:clrMapOvr>
+  <p:timing>
+    <p:tnLst>
+      <p:par>
+        <p:cTn id="1" dur="indefinite" restart="never" nodeType="tmRoot"/>
+      </p:par>
+    </p:tnLst>
+  </p:timing>
 </p:sld>
 </file>
 
@@ -4273,12 +4271,18 @@
         </p:nvSpPr>
         <p:spPr/>
         <p:txBody>
-          <a:bodyPr/>
-          <a:lstStyle/>
-          <a:p>
-            <a:r>
-              <a:rPr lang="en-GB" dirty="0" smtClean="0"/>
-              <a:t>What about all those overloads?</a:t>
+          <a:bodyPr>
+            <a:normAutofit/>
+          </a:bodyPr>
+          <a:lstStyle/>
+          <a:p>
+            <a:r>
+              <a:rPr lang="en-GB" dirty="0" smtClean="0"/>
+              <a:t>.For &amp; .</a:t>
+            </a:r>
+            <a:r>
+              <a:rPr lang="en-GB" dirty="0" err="1" smtClean="0"/>
+              <a:t>ForEach</a:t>
             </a:r>
             <a:endParaRPr lang="en-GB" dirty="0"/>
           </a:p>
@@ -4301,66 +4305,34 @@
           <a:p>
             <a:r>
               <a:rPr lang="en-GB" dirty="0" smtClean="0"/>
-              <a:t>Not as bad as it looks</a:t>
-            </a:r>
-          </a:p>
-          <a:p>
-            <a:r>
-              <a:rPr lang="en-GB" dirty="0" smtClean="0"/>
-              <a:t>5 key concepts</a:t>
+              <a:t>System partitions input into sets</a:t>
+            </a:r>
+          </a:p>
+          <a:p>
+            <a:r>
+              <a:rPr lang="en-GB" dirty="0" smtClean="0"/>
+              <a:t>Each thread given one set to process</a:t>
+            </a:r>
+          </a:p>
+          <a:p>
+            <a:r>
+              <a:rPr lang="en-GB" dirty="0" smtClean="0"/>
+              <a:t>Thread iterates over set calling lambda</a:t>
+            </a:r>
+          </a:p>
+          <a:p>
+            <a:r>
+              <a:rPr lang="en-GB" dirty="0" smtClean="0"/>
+              <a:t>If thread exhausts set, can “steal” from other threads</a:t>
             </a:r>
           </a:p>
           <a:p>
             <a:pPr lvl="1"/>
             <a:r>
-              <a:rPr lang="en-GB" dirty="0" err="1" smtClean="0"/>
-              <a:t>ParallelLoopState</a:t>
-            </a:r>
-            <a:endParaRPr lang="en-GB" dirty="0" smtClean="0"/>
-          </a:p>
-          <a:p>
-            <a:pPr lvl="1"/>
-            <a:r>
-              <a:rPr lang="en-GB" dirty="0" smtClean="0"/>
-              <a:t>Iteration Index</a:t>
-            </a:r>
-          </a:p>
-          <a:p>
-            <a:pPr lvl="1"/>
-            <a:r>
-              <a:rPr lang="en-GB" dirty="0" smtClean="0"/>
-              <a:t>Local thread data</a:t>
-            </a:r>
-          </a:p>
-          <a:p>
-            <a:pPr lvl="1"/>
-            <a:r>
-              <a:rPr lang="en-GB" dirty="0" err="1" smtClean="0"/>
-              <a:t>ParallelOptions</a:t>
-            </a:r>
-            <a:endParaRPr lang="en-GB" dirty="0" smtClean="0"/>
-          </a:p>
-          <a:p>
-            <a:pPr lvl="1"/>
-            <a:r>
-              <a:rPr lang="en-GB" dirty="0" err="1" smtClean="0"/>
-              <a:t>Partioner</a:t>
-            </a:r>
-            <a:r>
-              <a:rPr lang="en-GB" dirty="0" smtClean="0"/>
-              <a:t> &amp; </a:t>
-            </a:r>
-            <a:r>
-              <a:rPr lang="en-GB" dirty="0" err="1" smtClean="0"/>
-              <a:t>OrderablePartioner</a:t>
-            </a:r>
-            <a:endParaRPr lang="en-GB" dirty="0" smtClean="0"/>
-          </a:p>
-          <a:p>
-            <a:r>
-              <a:rPr lang="en-GB" dirty="0" smtClean="0"/>
-              <a:t>Overloads are just combinations of these</a:t>
-            </a:r>
+              <a:rPr lang="en-GB" dirty="0" smtClean="0"/>
+              <a:t>Although this depends on how the partitioning was done</a:t>
+            </a:r>
+            <a:endParaRPr lang="en-GB" dirty="0"/>
           </a:p>
         </p:txBody>
       </p:sp>
@@ -4369,10 +4341,152 @@
   <p:clrMapOvr>
     <a:masterClrMapping/>
   </p:clrMapOvr>
+  <p:timing>
+    <p:tnLst>
+      <p:par>
+        <p:cTn id="1" dur="indefinite" restart="never" nodeType="tmRoot"/>
+      </p:par>
+    </p:tnLst>
+  </p:timing>
 </p:sld>
 </file>
 
 <file path=ppt/slides/slide14.xml><?xml version="1.0" encoding="utf-8"?>
+<p:sld xmlns:a="http://schemas.openxmlformats.org/drawingml/2006/main" xmlns:r="http://schemas.openxmlformats.org/officeDocument/2006/relationships" xmlns:mc="http://schemas.openxmlformats.org/markup-compatibility/2006" xmlns:mv="urn:schemas-microsoft-com:mac:vml" xmlns:p="http://schemas.openxmlformats.org/presentationml/2006/main" mc:Ignorable="mv" mc:PreserveAttributes="mv:*">
+  <p:cSld>
+    <p:spTree>
+      <p:nvGrpSpPr>
+        <p:cNvPr id="1" name=""/>
+        <p:cNvGrpSpPr/>
+        <p:nvPr/>
+      </p:nvGrpSpPr>
+      <p:grpSpPr>
+        <a:xfrm>
+          <a:off x="0" y="0"/>
+          <a:ext cx="0" cy="0"/>
+          <a:chOff x="0" y="0"/>
+          <a:chExt cx="0" cy="0"/>
+        </a:xfrm>
+      </p:grpSpPr>
+      <p:sp>
+        <p:nvSpPr>
+          <p:cNvPr id="2" name="Title 1"/>
+          <p:cNvSpPr>
+            <a:spLocks noGrp="1"/>
+          </p:cNvSpPr>
+          <p:nvPr>
+            <p:ph type="title"/>
+          </p:nvPr>
+        </p:nvSpPr>
+        <p:spPr/>
+        <p:txBody>
+          <a:bodyPr/>
+          <a:lstStyle/>
+          <a:p>
+            <a:r>
+              <a:rPr lang="en-GB" dirty="0" smtClean="0"/>
+              <a:t>What about all those overloads?</a:t>
+            </a:r>
+            <a:endParaRPr lang="en-GB" dirty="0"/>
+          </a:p>
+        </p:txBody>
+      </p:sp>
+      <p:sp>
+        <p:nvSpPr>
+          <p:cNvPr id="3" name="Content Placeholder 2"/>
+          <p:cNvSpPr>
+            <a:spLocks noGrp="1"/>
+          </p:cNvSpPr>
+          <p:nvPr>
+            <p:ph idx="1"/>
+          </p:nvPr>
+        </p:nvSpPr>
+        <p:spPr/>
+        <p:txBody>
+          <a:bodyPr/>
+          <a:lstStyle/>
+          <a:p>
+            <a:r>
+              <a:rPr lang="en-GB" dirty="0" smtClean="0"/>
+              <a:t>Not as bad as it looks</a:t>
+            </a:r>
+          </a:p>
+          <a:p>
+            <a:r>
+              <a:rPr lang="en-GB" dirty="0" smtClean="0"/>
+              <a:t>5 key concepts</a:t>
+            </a:r>
+          </a:p>
+          <a:p>
+            <a:pPr lvl="1"/>
+            <a:r>
+              <a:rPr lang="en-GB" dirty="0" err="1" smtClean="0"/>
+              <a:t>ParallelLoopState</a:t>
+            </a:r>
+            <a:endParaRPr lang="en-GB" dirty="0" smtClean="0"/>
+          </a:p>
+          <a:p>
+            <a:pPr lvl="1"/>
+            <a:r>
+              <a:rPr lang="en-GB" dirty="0" smtClean="0"/>
+              <a:t>Iteration Index</a:t>
+            </a:r>
+          </a:p>
+          <a:p>
+            <a:pPr lvl="1"/>
+            <a:r>
+              <a:rPr lang="en-GB" dirty="0" smtClean="0"/>
+              <a:t>Local thread data</a:t>
+            </a:r>
+          </a:p>
+          <a:p>
+            <a:pPr lvl="1"/>
+            <a:r>
+              <a:rPr lang="en-GB" dirty="0" err="1" smtClean="0"/>
+              <a:t>ParallelOptions</a:t>
+            </a:r>
+            <a:endParaRPr lang="en-GB" dirty="0" smtClean="0"/>
+          </a:p>
+          <a:p>
+            <a:pPr lvl="1"/>
+            <a:r>
+              <a:rPr lang="en-GB" dirty="0" err="1" smtClean="0"/>
+              <a:t>Partioner</a:t>
+            </a:r>
+            <a:r>
+              <a:rPr lang="en-GB" dirty="0" smtClean="0"/>
+              <a:t> &amp; </a:t>
+            </a:r>
+            <a:r>
+              <a:rPr lang="en-GB" dirty="0" err="1" smtClean="0"/>
+              <a:t>OrderablePartioner</a:t>
+            </a:r>
+            <a:endParaRPr lang="en-GB" dirty="0" smtClean="0"/>
+          </a:p>
+          <a:p>
+            <a:r>
+              <a:rPr lang="en-GB" dirty="0" smtClean="0"/>
+              <a:t>Overloads are just combinations of these</a:t>
+            </a:r>
+          </a:p>
+        </p:txBody>
+      </p:sp>
+    </p:spTree>
+  </p:cSld>
+  <p:clrMapOvr>
+    <a:masterClrMapping/>
+  </p:clrMapOvr>
+  <p:timing>
+    <p:tnLst>
+      <p:par>
+        <p:cTn id="1" dur="indefinite" restart="never" nodeType="tmRoot"/>
+      </p:par>
+    </p:tnLst>
+  </p:timing>
+</p:sld>
+</file>
+
+<file path=ppt/slides/slide15.xml><?xml version="1.0" encoding="utf-8"?>
 <p:sld xmlns:a="http://schemas.openxmlformats.org/drawingml/2006/main" xmlns:r="http://schemas.openxmlformats.org/officeDocument/2006/relationships" xmlns:mc="http://schemas.openxmlformats.org/markup-compatibility/2006" xmlns:mv="urn:schemas-microsoft-com:mac:vml" xmlns:p="http://schemas.openxmlformats.org/presentationml/2006/main" mc:Ignorable="mv" mc:PreserveAttributes="mv:*">
   <p:cSld>
     <p:spTree>
@@ -4668,285 +4782,6 @@
                 </a:solidFill>
               </a:rPr>
               <a:t>&gt; body</a:t>
-            </a:r>
-          </a:p>
-          <a:p>
-            <a:r>
-              <a:rPr lang="en-US" dirty="0" smtClean="0">
-                <a:solidFill>
-                  <a:schemeClr val="bg1"/>
-                </a:solidFill>
-              </a:rPr>
-              <a:t>)</a:t>
-            </a:r>
-            <a:endParaRPr lang="en-GB" dirty="0">
-              <a:solidFill>
-                <a:schemeClr val="bg1"/>
-              </a:solidFill>
-            </a:endParaRPr>
-          </a:p>
-        </p:txBody>
-      </p:sp>
-    </p:spTree>
-  </p:cSld>
-  <p:clrMapOvr>
-    <a:masterClrMapping/>
-  </p:clrMapOvr>
-</p:sld>
-</file>
-
-<file path=ppt/slides/slide15.xml><?xml version="1.0" encoding="utf-8"?>
-<p:sld xmlns:a="http://schemas.openxmlformats.org/drawingml/2006/main" xmlns:r="http://schemas.openxmlformats.org/officeDocument/2006/relationships" xmlns:mc="http://schemas.openxmlformats.org/markup-compatibility/2006" xmlns:mv="urn:schemas-microsoft-com:mac:vml" xmlns:p="http://schemas.openxmlformats.org/presentationml/2006/main" mc:Ignorable="mv" mc:PreserveAttributes="mv:*">
-  <p:cSld>
-    <p:spTree>
-      <p:nvGrpSpPr>
-        <p:cNvPr id="1" name=""/>
-        <p:cNvGrpSpPr/>
-        <p:nvPr/>
-      </p:nvGrpSpPr>
-      <p:grpSpPr>
-        <a:xfrm>
-          <a:off x="0" y="0"/>
-          <a:ext cx="0" cy="0"/>
-          <a:chOff x="0" y="0"/>
-          <a:chExt cx="0" cy="0"/>
-        </a:xfrm>
-      </p:grpSpPr>
-      <p:sp>
-        <p:nvSpPr>
-          <p:cNvPr id="2" name="Title 1"/>
-          <p:cNvSpPr>
-            <a:spLocks noGrp="1"/>
-          </p:cNvSpPr>
-          <p:nvPr>
-            <p:ph type="title"/>
-          </p:nvPr>
-        </p:nvSpPr>
-        <p:spPr/>
-        <p:txBody>
-          <a:bodyPr/>
-          <a:lstStyle/>
-          <a:p>
-            <a:r>
-              <a:rPr lang="en-GB" dirty="0" smtClean="0"/>
-              <a:t>Iteration Index</a:t>
-            </a:r>
-            <a:endParaRPr lang="en-GB" dirty="0"/>
-          </a:p>
-        </p:txBody>
-      </p:sp>
-      <p:sp>
-        <p:nvSpPr>
-          <p:cNvPr id="3" name="Content Placeholder 2"/>
-          <p:cNvSpPr>
-            <a:spLocks noGrp="1"/>
-          </p:cNvSpPr>
-          <p:nvPr>
-            <p:ph idx="1"/>
-          </p:nvPr>
-        </p:nvSpPr>
-        <p:spPr/>
-        <p:txBody>
-          <a:bodyPr/>
-          <a:lstStyle/>
-          <a:p>
-            <a:r>
-              <a:rPr lang="en-GB" dirty="0" smtClean="0"/>
-              <a:t>Provides each iteration with a loop index</a:t>
-            </a:r>
-          </a:p>
-          <a:p>
-            <a:r>
-              <a:rPr lang="en-GB" dirty="0" smtClean="0"/>
-              <a:t>Saw this in the </a:t>
-            </a:r>
-            <a:r>
-              <a:rPr lang="en-GB" dirty="0" err="1" smtClean="0"/>
-              <a:t>ParallelLoopState</a:t>
-            </a:r>
-            <a:r>
-              <a:rPr lang="en-GB" dirty="0" smtClean="0"/>
-              <a:t> demo</a:t>
-            </a:r>
-            <a:endParaRPr lang="en-GB" dirty="0"/>
-          </a:p>
-        </p:txBody>
-      </p:sp>
-      <p:sp>
-        <p:nvSpPr>
-          <p:cNvPr id="5" name="TextBox 4"/>
-          <p:cNvSpPr txBox="1"/>
-          <p:nvPr/>
-        </p:nvSpPr>
-        <p:spPr>
-          <a:xfrm>
-            <a:off x="1970125" y="3264648"/>
-            <a:ext cx="5195454" cy="1200329"/>
-          </a:xfrm>
-          <a:prstGeom prst="rect">
-            <a:avLst/>
-          </a:prstGeom>
-          <a:solidFill>
-            <a:schemeClr val="accent5">
-              <a:lumMod val="50000"/>
-            </a:schemeClr>
-          </a:solidFill>
-          <a:ln>
-            <a:solidFill>
-              <a:schemeClr val="tx1"/>
-            </a:solidFill>
-            <a:round/>
-          </a:ln>
-          <a:effectLst>
-            <a:reflection stA="50000" endPos="25000" dist="38100" dir="5400000" sy="-100000" algn="bl" rotWithShape="0"/>
-            <a:softEdge rad="25400"/>
-          </a:effectLst>
-        </p:spPr>
-        <p:txBody>
-          <a:bodyPr wrap="square" rtlCol="0" anchor="ctr" anchorCtr="0">
-            <a:spAutoFit/>
-          </a:bodyPr>
-          <a:lstStyle/>
-          <a:p>
-            <a:r>
-              <a:rPr lang="en-US" dirty="0" smtClean="0">
-                <a:solidFill>
-                  <a:schemeClr val="bg1"/>
-                </a:solidFill>
-              </a:rPr>
-              <a:t>public static </a:t>
-            </a:r>
-            <a:r>
-              <a:rPr lang="en-US" dirty="0" err="1" smtClean="0">
-                <a:solidFill>
-                  <a:schemeClr val="bg1"/>
-                </a:solidFill>
-              </a:rPr>
-              <a:t>ParallelLoopResult</a:t>
-            </a:r>
-            <a:r>
-              <a:rPr lang="en-US" dirty="0" smtClean="0">
-                <a:solidFill>
-                  <a:schemeClr val="bg1"/>
-                </a:solidFill>
-              </a:rPr>
-              <a:t> </a:t>
-            </a:r>
-            <a:r>
-              <a:rPr lang="en-US" dirty="0" err="1" smtClean="0">
-                <a:solidFill>
-                  <a:schemeClr val="bg1"/>
-                </a:solidFill>
-              </a:rPr>
-              <a:t>ForEach</a:t>
-            </a:r>
-            <a:r>
-              <a:rPr lang="en-US" dirty="0" smtClean="0">
-                <a:solidFill>
-                  <a:schemeClr val="bg1"/>
-                </a:solidFill>
-              </a:rPr>
-              <a:t>&lt;</a:t>
-            </a:r>
-            <a:r>
-              <a:rPr lang="en-US" dirty="0" err="1" smtClean="0">
-                <a:solidFill>
-                  <a:schemeClr val="bg1"/>
-                </a:solidFill>
-              </a:rPr>
-              <a:t>TSource</a:t>
-            </a:r>
-            <a:r>
-              <a:rPr lang="en-US" dirty="0" smtClean="0">
-                <a:solidFill>
-                  <a:schemeClr val="bg1"/>
-                </a:solidFill>
-              </a:rPr>
-              <a:t>&gt;(</a:t>
-            </a:r>
-          </a:p>
-          <a:p>
-            <a:r>
-              <a:rPr lang="en-US" dirty="0" smtClean="0">
-                <a:solidFill>
-                  <a:schemeClr val="bg1"/>
-                </a:solidFill>
-              </a:rPr>
-              <a:t>	</a:t>
-            </a:r>
-            <a:r>
-              <a:rPr lang="en-US" dirty="0" err="1" smtClean="0">
-                <a:solidFill>
-                  <a:schemeClr val="bg1"/>
-                </a:solidFill>
-              </a:rPr>
-              <a:t>IEnumerable</a:t>
-            </a:r>
-            <a:r>
-              <a:rPr lang="en-US" dirty="0" smtClean="0">
-                <a:solidFill>
-                  <a:schemeClr val="bg1"/>
-                </a:solidFill>
-              </a:rPr>
-              <a:t>&lt;</a:t>
-            </a:r>
-            <a:r>
-              <a:rPr lang="en-US" dirty="0" err="1" smtClean="0">
-                <a:solidFill>
-                  <a:schemeClr val="bg1"/>
-                </a:solidFill>
-              </a:rPr>
-              <a:t>TSource</a:t>
-            </a:r>
-            <a:r>
-              <a:rPr lang="en-US" dirty="0" smtClean="0">
-                <a:solidFill>
-                  <a:schemeClr val="bg1"/>
-                </a:solidFill>
-              </a:rPr>
-              <a:t>&gt; source,</a:t>
-            </a:r>
-          </a:p>
-          <a:p>
-            <a:r>
-              <a:rPr lang="en-US" dirty="0" smtClean="0">
-                <a:solidFill>
-                  <a:schemeClr val="bg1"/>
-                </a:solidFill>
-              </a:rPr>
-              <a:t>	Action&lt;</a:t>
-            </a:r>
-            <a:r>
-              <a:rPr lang="en-US" dirty="0" err="1" smtClean="0">
-                <a:solidFill>
-                  <a:schemeClr val="bg1"/>
-                </a:solidFill>
-              </a:rPr>
-              <a:t>TSource</a:t>
-            </a:r>
-            <a:r>
-              <a:rPr lang="en-US" dirty="0" smtClean="0">
-                <a:solidFill>
-                  <a:schemeClr val="bg1"/>
-                </a:solidFill>
-              </a:rPr>
-              <a:t>, </a:t>
-            </a:r>
-            <a:r>
-              <a:rPr lang="en-US" dirty="0" err="1" smtClean="0">
-                <a:solidFill>
-                  <a:schemeClr val="bg1"/>
-                </a:solidFill>
-              </a:rPr>
-              <a:t>ParallelLoopState</a:t>
-            </a:r>
-            <a:r>
-              <a:rPr lang="en-US" dirty="0" smtClean="0">
-                <a:solidFill>
-                  <a:schemeClr val="bg1"/>
-                </a:solidFill>
-              </a:rPr>
-              <a:t>, long&gt; body</a:t>
             </a:r>
           </a:p>
           <a:p>
@@ -5014,20 +4849,45 @@
           <a:lstStyle/>
           <a:p>
             <a:r>
+              <a:rPr lang="en-GB" dirty="0" smtClean="0"/>
+              <a:t>Iteration Index</a:t>
+            </a:r>
+            <a:endParaRPr lang="en-GB" dirty="0"/>
+          </a:p>
+        </p:txBody>
+      </p:sp>
+      <p:sp>
+        <p:nvSpPr>
+          <p:cNvPr id="3" name="Content Placeholder 2"/>
+          <p:cNvSpPr>
+            <a:spLocks noGrp="1"/>
+          </p:cNvSpPr>
+          <p:nvPr>
+            <p:ph idx="1"/>
+          </p:nvPr>
+        </p:nvSpPr>
+        <p:spPr/>
+        <p:txBody>
+          <a:bodyPr/>
+          <a:lstStyle/>
+          <a:p>
+            <a:r>
+              <a:rPr lang="en-GB" dirty="0" smtClean="0"/>
+              <a:t>Provides each iteration with a loop index</a:t>
+            </a:r>
+          </a:p>
+          <a:p>
+            <a:r>
+              <a:rPr lang="en-GB" dirty="0" smtClean="0"/>
+              <a:t>Saw this in the </a:t>
+            </a:r>
+            <a:r>
               <a:rPr lang="en-GB" dirty="0" err="1" smtClean="0"/>
-              <a:t>LocalThreadState</a:t>
-            </a:r>
-            <a:r>
-              <a:rPr lang="en-GB" dirty="0" smtClean="0"/>
-              <a:t> (</a:t>
-            </a:r>
-            <a:r>
-              <a:rPr lang="en-GB" dirty="0" err="1" smtClean="0"/>
-              <a:t>TLocal</a:t>
-            </a:r>
-            <a:r>
-              <a:rPr lang="en-GB" dirty="0" smtClean="0"/>
-              <a:t>)</a:t>
+              <a:t>ParallelLoopState</a:t>
+            </a:r>
+            <a:r>
+              <a:rPr lang="en-GB" dirty="0" smtClean="0"/>
+              <a:t> demo</a:t>
             </a:r>
             <a:endParaRPr lang="en-GB" dirty="0"/>
           </a:p>
@@ -5035,45 +4895,14 @@
       </p:sp>
       <p:sp>
         <p:nvSpPr>
-          <p:cNvPr id="3" name="Content Placeholder 2"/>
-          <p:cNvSpPr>
-            <a:spLocks noGrp="1"/>
-          </p:cNvSpPr>
-          <p:nvPr>
-            <p:ph idx="1"/>
-          </p:nvPr>
-        </p:nvSpPr>
-        <p:spPr/>
-        <p:txBody>
-          <a:bodyPr/>
-          <a:lstStyle/>
-          <a:p>
-            <a:r>
-              <a:rPr lang="en-GB" dirty="0" smtClean="0"/>
-              <a:t>Provides each thread with local data accessible from all iterations performed on that thread</a:t>
-            </a:r>
-          </a:p>
-          <a:p>
-            <a:pPr>
-              <a:buNone/>
-            </a:pPr>
-            <a:endParaRPr lang="en-GB" dirty="0" smtClean="0"/>
-          </a:p>
-          <a:p>
-            <a:endParaRPr lang="en-GB" dirty="0"/>
-          </a:p>
-        </p:txBody>
-      </p:sp>
-      <p:sp>
-        <p:nvSpPr>
-          <p:cNvPr id="6" name="TextBox 5"/>
+          <p:cNvPr id="5" name="TextBox 4"/>
           <p:cNvSpPr txBox="1"/>
           <p:nvPr/>
         </p:nvSpPr>
         <p:spPr>
           <a:xfrm>
-            <a:off x="1530520" y="3646284"/>
-            <a:ext cx="6080991" cy="1754327"/>
+            <a:off x="1970125" y="3264648"/>
+            <a:ext cx="5195454" cy="1200329"/>
           </a:xfrm>
           <a:prstGeom prst="rect">
             <a:avLst/>
@@ -5103,7 +4932,7 @@
             <a:r>
               <a:rPr lang="en-US" dirty="0" smtClean="0">
                 <a:solidFill>
-                  <a:srgbClr val="FFFFFF"/>
+                  <a:schemeClr val="bg1"/>
                 </a:solidFill>
               </a:rPr>
               <a:t>public static </a:t>
@@ -5111,7 +4940,7 @@
             <a:r>
               <a:rPr lang="en-US" dirty="0" err="1" smtClean="0">
                 <a:solidFill>
-                  <a:srgbClr val="FFFFFF"/>
+                  <a:schemeClr val="bg1"/>
                 </a:solidFill>
               </a:rPr>
               <a:t>ParallelLoopResult</a:t>
@@ -5119,7 +4948,7 @@
             <a:r>
               <a:rPr lang="en-US" dirty="0" smtClean="0">
                 <a:solidFill>
-                  <a:srgbClr val="FFFFFF"/>
+                  <a:schemeClr val="bg1"/>
                 </a:solidFill>
               </a:rPr>
               <a:t> </a:t>
@@ -5127,7 +4956,7 @@
             <a:r>
               <a:rPr lang="en-US" dirty="0" err="1" smtClean="0">
                 <a:solidFill>
-                  <a:srgbClr val="FFFFFF"/>
+                  <a:schemeClr val="bg1"/>
                 </a:solidFill>
               </a:rPr>
               <a:t>ForEach</a:t>
@@ -5135,7 +4964,7 @@
             <a:r>
               <a:rPr lang="en-US" dirty="0" smtClean="0">
                 <a:solidFill>
-                  <a:srgbClr val="FFFFFF"/>
+                  <a:schemeClr val="bg1"/>
                 </a:solidFill>
               </a:rPr>
               <a:t>&lt;</a:t>
@@ -5143,7 +4972,7 @@
             <a:r>
               <a:rPr lang="en-US" dirty="0" err="1" smtClean="0">
                 <a:solidFill>
-                  <a:srgbClr val="FFFFFF"/>
+                  <a:schemeClr val="bg1"/>
                 </a:solidFill>
               </a:rPr>
               <a:t>TSource</a:t>
@@ -5151,7 +4980,75 @@
             <a:r>
               <a:rPr lang="en-US" dirty="0" smtClean="0">
                 <a:solidFill>
-                  <a:srgbClr val="FFFFFF"/>
+                  <a:schemeClr val="bg1"/>
+                </a:solidFill>
+              </a:rPr>
+              <a:t>&gt;(</a:t>
+            </a:r>
+          </a:p>
+          <a:p>
+            <a:r>
+              <a:rPr lang="en-US" dirty="0" smtClean="0">
+                <a:solidFill>
+                  <a:schemeClr val="bg1"/>
+                </a:solidFill>
+              </a:rPr>
+              <a:t>	</a:t>
+            </a:r>
+            <a:r>
+              <a:rPr lang="en-US" dirty="0" err="1" smtClean="0">
+                <a:solidFill>
+                  <a:schemeClr val="bg1"/>
+                </a:solidFill>
+              </a:rPr>
+              <a:t>IEnumerable</a:t>
+            </a:r>
+            <a:r>
+              <a:rPr lang="en-US" dirty="0" smtClean="0">
+                <a:solidFill>
+                  <a:schemeClr val="bg1"/>
+                </a:solidFill>
+              </a:rPr>
+              <a:t>&lt;</a:t>
+            </a:r>
+            <a:r>
+              <a:rPr lang="en-US" dirty="0" err="1" smtClean="0">
+                <a:solidFill>
+                  <a:schemeClr val="bg1"/>
+                </a:solidFill>
+              </a:rPr>
+              <a:t>TSource</a:t>
+            </a:r>
+            <a:r>
+              <a:rPr lang="en-US" dirty="0" smtClean="0">
+                <a:solidFill>
+                  <a:schemeClr val="bg1"/>
+                </a:solidFill>
+              </a:rPr>
+              <a:t>&gt; source,</a:t>
+            </a:r>
+          </a:p>
+          <a:p>
+            <a:r>
+              <a:rPr lang="en-US" dirty="0" smtClean="0">
+                <a:solidFill>
+                  <a:schemeClr val="bg1"/>
+                </a:solidFill>
+              </a:rPr>
+              <a:t>	Action&lt;</a:t>
+            </a:r>
+            <a:r>
+              <a:rPr lang="en-US" dirty="0" err="1" smtClean="0">
+                <a:solidFill>
+                  <a:schemeClr val="bg1"/>
+                </a:solidFill>
+              </a:rPr>
+              <a:t>TSource</a:t>
+            </a:r>
+            <a:r>
+              <a:rPr lang="en-US" dirty="0" smtClean="0">
+                <a:solidFill>
+                  <a:schemeClr val="bg1"/>
                 </a:solidFill>
               </a:rPr>
               <a:t>, </a:t>
@@ -5159,269 +5056,32 @@
             <a:r>
               <a:rPr lang="en-US" dirty="0" err="1" smtClean="0">
                 <a:solidFill>
-                  <a:srgbClr val="FFFFFF"/>
-                </a:solidFill>
-              </a:rPr>
-              <a:t>TLocal</a:t>
+                  <a:schemeClr val="bg1"/>
+                </a:solidFill>
+              </a:rPr>
+              <a:t>ParallelLoopState</a:t>
             </a:r>
             <a:r>
               <a:rPr lang="en-US" dirty="0" smtClean="0">
                 <a:solidFill>
-                  <a:srgbClr val="FFFFFF"/>
-                </a:solidFill>
-              </a:rPr>
-              <a:t>&gt;(</a:t>
+                  <a:schemeClr val="bg1"/>
+                </a:solidFill>
+              </a:rPr>
+              <a:t>, long&gt; body</a:t>
             </a:r>
           </a:p>
           <a:p>
             <a:r>
               <a:rPr lang="en-US" dirty="0" smtClean="0">
                 <a:solidFill>
-                  <a:srgbClr val="FFFFFF"/>
-                </a:solidFill>
-              </a:rPr>
-              <a:t>	</a:t>
-            </a:r>
-            <a:r>
-              <a:rPr lang="en-US" dirty="0" err="1" smtClean="0">
-                <a:solidFill>
-                  <a:srgbClr val="FFFFFF"/>
-                </a:solidFill>
-              </a:rPr>
-              <a:t>IEnumerable</a:t>
-            </a:r>
-            <a:r>
-              <a:rPr lang="en-US" dirty="0" smtClean="0">
-                <a:solidFill>
-                  <a:srgbClr val="FFFFFF"/>
-                </a:solidFill>
-              </a:rPr>
-              <a:t>&lt;</a:t>
-            </a:r>
-            <a:r>
-              <a:rPr lang="en-US" dirty="0" err="1" smtClean="0">
-                <a:solidFill>
-                  <a:srgbClr val="FFFFFF"/>
-                </a:solidFill>
-              </a:rPr>
-              <a:t>TSource</a:t>
-            </a:r>
-            <a:r>
-              <a:rPr lang="en-US" dirty="0" smtClean="0">
-                <a:solidFill>
-                  <a:srgbClr val="FFFFFF"/>
-                </a:solidFill>
-              </a:rPr>
-              <a:t>&gt; source,</a:t>
-            </a:r>
-          </a:p>
-          <a:p>
-            <a:r>
-              <a:rPr lang="en-US" dirty="0" smtClean="0">
-                <a:solidFill>
-                  <a:srgbClr val="FFFFFF"/>
-                </a:solidFill>
-              </a:rPr>
-              <a:t>	</a:t>
-            </a:r>
-            <a:r>
-              <a:rPr lang="en-US" dirty="0" err="1" smtClean="0">
-                <a:solidFill>
-                  <a:srgbClr val="FFFFFF"/>
-                </a:solidFill>
-              </a:rPr>
-              <a:t>Func</a:t>
-            </a:r>
-            <a:r>
-              <a:rPr lang="en-US" dirty="0" smtClean="0">
-                <a:solidFill>
-                  <a:srgbClr val="FFFFFF"/>
-                </a:solidFill>
-              </a:rPr>
-              <a:t>&lt;</a:t>
-            </a:r>
-            <a:r>
-              <a:rPr lang="en-US" dirty="0" err="1" smtClean="0">
-                <a:solidFill>
-                  <a:srgbClr val="FFFFFF"/>
-                </a:solidFill>
-              </a:rPr>
-              <a:t>TLocal</a:t>
-            </a:r>
-            <a:r>
-              <a:rPr lang="en-US" dirty="0" smtClean="0">
-                <a:solidFill>
-                  <a:srgbClr val="FFFFFF"/>
-                </a:solidFill>
-              </a:rPr>
-              <a:t>&gt; </a:t>
-            </a:r>
-            <a:r>
-              <a:rPr lang="en-US" dirty="0" err="1" smtClean="0">
-                <a:solidFill>
-                  <a:srgbClr val="FFFFFF"/>
-                </a:solidFill>
-              </a:rPr>
-              <a:t>localInit</a:t>
-            </a:r>
-            <a:r>
-              <a:rPr lang="en-US" dirty="0" smtClean="0">
-                <a:solidFill>
-                  <a:srgbClr val="FFFFFF"/>
-                </a:solidFill>
-              </a:rPr>
-              <a:t>,</a:t>
-            </a:r>
-          </a:p>
-          <a:p>
-            <a:r>
-              <a:rPr lang="en-US" dirty="0" smtClean="0">
-                <a:solidFill>
-                  <a:srgbClr val="FFFFFF"/>
-                </a:solidFill>
-              </a:rPr>
-              <a:t>	</a:t>
-            </a:r>
-            <a:r>
-              <a:rPr lang="en-US" dirty="0" err="1" smtClean="0">
-                <a:solidFill>
-                  <a:srgbClr val="FFFFFF"/>
-                </a:solidFill>
-              </a:rPr>
-              <a:t>Func</a:t>
-            </a:r>
-            <a:r>
-              <a:rPr lang="en-US" dirty="0" smtClean="0">
-                <a:solidFill>
-                  <a:srgbClr val="FFFFFF"/>
-                </a:solidFill>
-              </a:rPr>
-              <a:t>&lt;</a:t>
-            </a:r>
-            <a:r>
-              <a:rPr lang="en-US" dirty="0" err="1" smtClean="0">
-                <a:solidFill>
-                  <a:srgbClr val="FFFFFF"/>
-                </a:solidFill>
-              </a:rPr>
-              <a:t>TSource</a:t>
-            </a:r>
-            <a:r>
-              <a:rPr lang="en-US" dirty="0" smtClean="0">
-                <a:solidFill>
-                  <a:srgbClr val="FFFFFF"/>
-                </a:solidFill>
-              </a:rPr>
-              <a:t>, </a:t>
-            </a:r>
-            <a:r>
-              <a:rPr lang="en-US" dirty="0" err="1" smtClean="0">
-                <a:solidFill>
-                  <a:srgbClr val="FFFFFF"/>
-                </a:solidFill>
-              </a:rPr>
-              <a:t>ParallelLoopState</a:t>
-            </a:r>
-            <a:r>
-              <a:rPr lang="en-US" dirty="0" smtClean="0">
-                <a:solidFill>
-                  <a:srgbClr val="FFFFFF"/>
-                </a:solidFill>
-              </a:rPr>
-              <a:t>,</a:t>
-            </a:r>
-            <a:r>
-              <a:rPr lang="en-US" dirty="0" smtClean="0">
-                <a:solidFill>
-                  <a:srgbClr val="FFFFFF"/>
-                </a:solidFill>
-              </a:rPr>
-              <a:t> </a:t>
-            </a:r>
-            <a:r>
-              <a:rPr lang="en-US" dirty="0" err="1" smtClean="0">
-                <a:solidFill>
-                  <a:srgbClr val="FFFFFF"/>
-                </a:solidFill>
-              </a:rPr>
-              <a:t>TLocal</a:t>
-            </a:r>
-            <a:r>
-              <a:rPr lang="en-US" dirty="0" smtClean="0">
-                <a:solidFill>
-                  <a:srgbClr val="FFFFFF"/>
-                </a:solidFill>
-              </a:rPr>
-              <a:t>, </a:t>
-            </a:r>
-            <a:r>
-              <a:rPr lang="en-US" dirty="0" err="1" smtClean="0">
-                <a:solidFill>
-                  <a:srgbClr val="FFFFFF"/>
-                </a:solidFill>
-              </a:rPr>
-              <a:t>TLocal</a:t>
-            </a:r>
-            <a:r>
-              <a:rPr lang="en-US" dirty="0" smtClean="0">
-                <a:solidFill>
-                  <a:srgbClr val="FFFFFF"/>
-                </a:solidFill>
-              </a:rPr>
-              <a:t>&gt; body,</a:t>
-            </a:r>
-          </a:p>
-          <a:p>
-            <a:r>
-              <a:rPr lang="en-US" dirty="0" smtClean="0">
-                <a:solidFill>
-                  <a:srgbClr val="FFFFFF"/>
-                </a:solidFill>
-              </a:rPr>
-              <a:t>	Action&lt;</a:t>
-            </a:r>
-            <a:r>
-              <a:rPr lang="en-US" dirty="0" err="1" smtClean="0">
-                <a:solidFill>
-                  <a:srgbClr val="FFFFFF"/>
-                </a:solidFill>
-              </a:rPr>
-              <a:t>TLocal</a:t>
-            </a:r>
-            <a:r>
-              <a:rPr lang="en-US" dirty="0" smtClean="0">
-                <a:solidFill>
-                  <a:srgbClr val="FFFFFF"/>
-                </a:solidFill>
-              </a:rPr>
-              <a:t>&gt; </a:t>
-            </a:r>
-            <a:r>
-              <a:rPr lang="en-US" dirty="0" err="1" smtClean="0">
-                <a:solidFill>
-                  <a:srgbClr val="FFFFFF"/>
-                </a:solidFill>
-              </a:rPr>
-              <a:t>localFinally</a:t>
-            </a:r>
-            <a:endParaRPr lang="en-US" dirty="0" smtClean="0">
-              <a:solidFill>
-                <a:srgbClr val="FFFFFF"/>
-              </a:solidFill>
-            </a:endParaRPr>
-          </a:p>
-          <a:p>
-            <a:r>
-              <a:rPr lang="en-US" dirty="0" smtClean="0">
-                <a:solidFill>
-                  <a:srgbClr val="FFFFFF"/>
+                  <a:schemeClr val="bg1"/>
                 </a:solidFill>
               </a:rPr>
               <a:t>)</a:t>
             </a:r>
             <a:endParaRPr lang="en-GB" dirty="0">
               <a:solidFill>
-                <a:srgbClr val="FFFFFF"/>
+                <a:schemeClr val="bg1"/>
               </a:solidFill>
             </a:endParaRPr>
           </a:p>
@@ -5475,6 +5135,467 @@
           <a:lstStyle/>
           <a:p>
             <a:r>
+              <a:rPr lang="en-GB" dirty="0" err="1" smtClean="0"/>
+              <a:t>LocalThreadState</a:t>
+            </a:r>
+            <a:r>
+              <a:rPr lang="en-GB" dirty="0" smtClean="0"/>
+              <a:t> (</a:t>
+            </a:r>
+            <a:r>
+              <a:rPr lang="en-GB" dirty="0" err="1" smtClean="0"/>
+              <a:t>TLocal</a:t>
+            </a:r>
+            <a:r>
+              <a:rPr lang="en-GB" dirty="0" smtClean="0"/>
+              <a:t>)</a:t>
+            </a:r>
+            <a:endParaRPr lang="en-GB" dirty="0"/>
+          </a:p>
+        </p:txBody>
+      </p:sp>
+      <p:sp>
+        <p:nvSpPr>
+          <p:cNvPr id="3" name="Content Placeholder 2"/>
+          <p:cNvSpPr>
+            <a:spLocks noGrp="1"/>
+          </p:cNvSpPr>
+          <p:nvPr>
+            <p:ph idx="1"/>
+          </p:nvPr>
+        </p:nvSpPr>
+        <p:spPr/>
+        <p:txBody>
+          <a:bodyPr/>
+          <a:lstStyle/>
+          <a:p>
+            <a:r>
+              <a:rPr lang="en-GB" dirty="0" smtClean="0"/>
+              <a:t>Provides each thread with local data accessible from all iterations performed on that thread</a:t>
+            </a:r>
+          </a:p>
+          <a:p>
+            <a:pPr>
+              <a:buNone/>
+            </a:pPr>
+            <a:endParaRPr lang="en-GB" dirty="0" smtClean="0"/>
+          </a:p>
+          <a:p>
+            <a:endParaRPr lang="en-GB" dirty="0"/>
+          </a:p>
+        </p:txBody>
+      </p:sp>
+      <p:sp>
+        <p:nvSpPr>
+          <p:cNvPr id="6" name="TextBox 5"/>
+          <p:cNvSpPr txBox="1"/>
+          <p:nvPr/>
+        </p:nvSpPr>
+        <p:spPr>
+          <a:xfrm>
+            <a:off x="1530520" y="3646284"/>
+            <a:ext cx="6080991" cy="1754327"/>
+          </a:xfrm>
+          <a:prstGeom prst="rect">
+            <a:avLst/>
+          </a:prstGeom>
+          <a:solidFill>
+            <a:schemeClr val="accent5">
+              <a:lumMod val="50000"/>
+            </a:schemeClr>
+          </a:solidFill>
+          <a:ln>
+            <a:solidFill>
+              <a:schemeClr val="tx1"/>
+            </a:solidFill>
+            <a:round/>
+          </a:ln>
+          <a:effectLst>
+            <a:reflection stA="50000" endPos="25000" dist="38100" dir="5400000" sy="-100000" algn="bl" rotWithShape="0"/>
+            <a:softEdge rad="25400"/>
+          </a:effectLst>
+        </p:spPr>
+        <p:txBody>
+          <a:bodyPr wrap="square" rtlCol="0" anchor="ctr" anchorCtr="0">
+            <a:spAutoFit/>
+          </a:bodyPr>
+          <a:lstStyle/>
+          <a:p>
+            <a:r>
+              <a:rPr lang="en-US" dirty="0" smtClean="0">
+                <a:solidFill>
+                  <a:srgbClr val="FFFFFF"/>
+                </a:solidFill>
+              </a:rPr>
+              <a:t>public static </a:t>
+            </a:r>
+            <a:r>
+              <a:rPr lang="en-US" dirty="0" err="1" smtClean="0">
+                <a:solidFill>
+                  <a:srgbClr val="FFFFFF"/>
+                </a:solidFill>
+              </a:rPr>
+              <a:t>ParallelLoopResult</a:t>
+            </a:r>
+            <a:r>
+              <a:rPr lang="en-US" dirty="0" smtClean="0">
+                <a:solidFill>
+                  <a:srgbClr val="FFFFFF"/>
+                </a:solidFill>
+              </a:rPr>
+              <a:t> </a:t>
+            </a:r>
+            <a:r>
+              <a:rPr lang="en-US" dirty="0" err="1" smtClean="0">
+                <a:solidFill>
+                  <a:srgbClr val="FFFFFF"/>
+                </a:solidFill>
+              </a:rPr>
+              <a:t>ForEach</a:t>
+            </a:r>
+            <a:r>
+              <a:rPr lang="en-US" dirty="0" smtClean="0">
+                <a:solidFill>
+                  <a:srgbClr val="FFFFFF"/>
+                </a:solidFill>
+              </a:rPr>
+              <a:t>&lt;</a:t>
+            </a:r>
+            <a:r>
+              <a:rPr lang="en-US" dirty="0" err="1" smtClean="0">
+                <a:solidFill>
+                  <a:srgbClr val="FFFFFF"/>
+                </a:solidFill>
+              </a:rPr>
+              <a:t>TSource</a:t>
+            </a:r>
+            <a:r>
+              <a:rPr lang="en-US" dirty="0" smtClean="0">
+                <a:solidFill>
+                  <a:srgbClr val="FFFFFF"/>
+                </a:solidFill>
+              </a:rPr>
+              <a:t>, </a:t>
+            </a:r>
+            <a:r>
+              <a:rPr lang="en-US" dirty="0" err="1" smtClean="0">
+                <a:solidFill>
+                  <a:srgbClr val="FFFFFF"/>
+                </a:solidFill>
+              </a:rPr>
+              <a:t>TLocal</a:t>
+            </a:r>
+            <a:r>
+              <a:rPr lang="en-US" dirty="0" smtClean="0">
+                <a:solidFill>
+                  <a:srgbClr val="FFFFFF"/>
+                </a:solidFill>
+              </a:rPr>
+              <a:t>&gt;(</a:t>
+            </a:r>
+          </a:p>
+          <a:p>
+            <a:r>
+              <a:rPr lang="en-US" dirty="0" smtClean="0">
+                <a:solidFill>
+                  <a:srgbClr val="FFFFFF"/>
+                </a:solidFill>
+              </a:rPr>
+              <a:t>	</a:t>
+            </a:r>
+            <a:r>
+              <a:rPr lang="en-US" dirty="0" err="1" smtClean="0">
+                <a:solidFill>
+                  <a:srgbClr val="FFFFFF"/>
+                </a:solidFill>
+              </a:rPr>
+              <a:t>IEnumerable</a:t>
+            </a:r>
+            <a:r>
+              <a:rPr lang="en-US" dirty="0" smtClean="0">
+                <a:solidFill>
+                  <a:srgbClr val="FFFFFF"/>
+                </a:solidFill>
+              </a:rPr>
+              <a:t>&lt;</a:t>
+            </a:r>
+            <a:r>
+              <a:rPr lang="en-US" dirty="0" err="1" smtClean="0">
+                <a:solidFill>
+                  <a:srgbClr val="FFFFFF"/>
+                </a:solidFill>
+              </a:rPr>
+              <a:t>TSource</a:t>
+            </a:r>
+            <a:r>
+              <a:rPr lang="en-US" dirty="0" smtClean="0">
+                <a:solidFill>
+                  <a:srgbClr val="FFFFFF"/>
+                </a:solidFill>
+              </a:rPr>
+              <a:t>&gt; source,</a:t>
+            </a:r>
+          </a:p>
+          <a:p>
+            <a:r>
+              <a:rPr lang="en-US" dirty="0" smtClean="0">
+                <a:solidFill>
+                  <a:srgbClr val="FFFFFF"/>
+                </a:solidFill>
+              </a:rPr>
+              <a:t>	</a:t>
+            </a:r>
+            <a:r>
+              <a:rPr lang="en-US" dirty="0" err="1" smtClean="0">
+                <a:solidFill>
+                  <a:srgbClr val="FFFFFF"/>
+                </a:solidFill>
+              </a:rPr>
+              <a:t>Func</a:t>
+            </a:r>
+            <a:r>
+              <a:rPr lang="en-US" dirty="0" smtClean="0">
+                <a:solidFill>
+                  <a:srgbClr val="FFFFFF"/>
+                </a:solidFill>
+              </a:rPr>
+              <a:t>&lt;</a:t>
+            </a:r>
+            <a:r>
+              <a:rPr lang="en-US" dirty="0" err="1" smtClean="0">
+                <a:solidFill>
+                  <a:srgbClr val="FFFFFF"/>
+                </a:solidFill>
+              </a:rPr>
+              <a:t>TLocal</a:t>
+            </a:r>
+            <a:r>
+              <a:rPr lang="en-US" dirty="0" smtClean="0">
+                <a:solidFill>
+                  <a:srgbClr val="FFFFFF"/>
+                </a:solidFill>
+              </a:rPr>
+              <a:t>&gt; </a:t>
+            </a:r>
+            <a:r>
+              <a:rPr lang="en-US" dirty="0" err="1" smtClean="0">
+                <a:solidFill>
+                  <a:srgbClr val="FFFFFF"/>
+                </a:solidFill>
+              </a:rPr>
+              <a:t>localInit</a:t>
+            </a:r>
+            <a:r>
+              <a:rPr lang="en-US" dirty="0" smtClean="0">
+                <a:solidFill>
+                  <a:srgbClr val="FFFFFF"/>
+                </a:solidFill>
+              </a:rPr>
+              <a:t>,</a:t>
+            </a:r>
+          </a:p>
+          <a:p>
+            <a:r>
+              <a:rPr lang="en-US" dirty="0" smtClean="0">
+                <a:solidFill>
+                  <a:srgbClr val="FFFFFF"/>
+                </a:solidFill>
+              </a:rPr>
+              <a:t>	</a:t>
+            </a:r>
+            <a:r>
+              <a:rPr lang="en-US" dirty="0" err="1" smtClean="0">
+                <a:solidFill>
+                  <a:srgbClr val="FFFFFF"/>
+                </a:solidFill>
+              </a:rPr>
+              <a:t>Func</a:t>
+            </a:r>
+            <a:r>
+              <a:rPr lang="en-US" dirty="0" smtClean="0">
+                <a:solidFill>
+                  <a:srgbClr val="FFFFFF"/>
+                </a:solidFill>
+              </a:rPr>
+              <a:t>&lt;</a:t>
+            </a:r>
+            <a:r>
+              <a:rPr lang="en-US" dirty="0" err="1" smtClean="0">
+                <a:solidFill>
+                  <a:srgbClr val="FFFFFF"/>
+                </a:solidFill>
+              </a:rPr>
+              <a:t>TSource</a:t>
+            </a:r>
+            <a:r>
+              <a:rPr lang="en-US" dirty="0" smtClean="0">
+                <a:solidFill>
+                  <a:srgbClr val="FFFFFF"/>
+                </a:solidFill>
+              </a:rPr>
+              <a:t>, </a:t>
+            </a:r>
+            <a:r>
+              <a:rPr lang="en-US" dirty="0" err="1" smtClean="0">
+                <a:solidFill>
+                  <a:srgbClr val="FFFFFF"/>
+                </a:solidFill>
+              </a:rPr>
+              <a:t>ParallelLoopState</a:t>
+            </a:r>
+            <a:r>
+              <a:rPr lang="en-US" dirty="0" smtClean="0">
+                <a:solidFill>
+                  <a:srgbClr val="FFFFFF"/>
+                </a:solidFill>
+              </a:rPr>
+              <a:t>,</a:t>
+            </a:r>
+            <a:r>
+              <a:rPr lang="en-US" dirty="0" smtClean="0">
+                <a:solidFill>
+                  <a:srgbClr val="FFFFFF"/>
+                </a:solidFill>
+              </a:rPr>
+              <a:t> </a:t>
+            </a:r>
+            <a:r>
+              <a:rPr lang="en-US" dirty="0" err="1" smtClean="0">
+                <a:solidFill>
+                  <a:srgbClr val="FFFFFF"/>
+                </a:solidFill>
+              </a:rPr>
+              <a:t>TLocal</a:t>
+            </a:r>
+            <a:r>
+              <a:rPr lang="en-US" dirty="0" smtClean="0">
+                <a:solidFill>
+                  <a:srgbClr val="FFFFFF"/>
+                </a:solidFill>
+              </a:rPr>
+              <a:t>, </a:t>
+            </a:r>
+            <a:r>
+              <a:rPr lang="en-US" dirty="0" err="1" smtClean="0">
+                <a:solidFill>
+                  <a:srgbClr val="FFFFFF"/>
+                </a:solidFill>
+              </a:rPr>
+              <a:t>TLocal</a:t>
+            </a:r>
+            <a:r>
+              <a:rPr lang="en-US" dirty="0" smtClean="0">
+                <a:solidFill>
+                  <a:srgbClr val="FFFFFF"/>
+                </a:solidFill>
+              </a:rPr>
+              <a:t>&gt; body,</a:t>
+            </a:r>
+          </a:p>
+          <a:p>
+            <a:r>
+              <a:rPr lang="en-US" dirty="0" smtClean="0">
+                <a:solidFill>
+                  <a:srgbClr val="FFFFFF"/>
+                </a:solidFill>
+              </a:rPr>
+              <a:t>	Action&lt;</a:t>
+            </a:r>
+            <a:r>
+              <a:rPr lang="en-US" dirty="0" err="1" smtClean="0">
+                <a:solidFill>
+                  <a:srgbClr val="FFFFFF"/>
+                </a:solidFill>
+              </a:rPr>
+              <a:t>TLocal</a:t>
+            </a:r>
+            <a:r>
+              <a:rPr lang="en-US" dirty="0" smtClean="0">
+                <a:solidFill>
+                  <a:srgbClr val="FFFFFF"/>
+                </a:solidFill>
+              </a:rPr>
+              <a:t>&gt; </a:t>
+            </a:r>
+            <a:r>
+              <a:rPr lang="en-US" dirty="0" err="1" smtClean="0">
+                <a:solidFill>
+                  <a:srgbClr val="FFFFFF"/>
+                </a:solidFill>
+              </a:rPr>
+              <a:t>localFinally</a:t>
+            </a:r>
+            <a:endParaRPr lang="en-US" dirty="0" smtClean="0">
+              <a:solidFill>
+                <a:srgbClr val="FFFFFF"/>
+              </a:solidFill>
+            </a:endParaRPr>
+          </a:p>
+          <a:p>
+            <a:r>
+              <a:rPr lang="en-US" dirty="0" smtClean="0">
+                <a:solidFill>
+                  <a:srgbClr val="FFFFFF"/>
+                </a:solidFill>
+              </a:rPr>
+              <a:t>)</a:t>
+            </a:r>
+            <a:endParaRPr lang="en-GB" dirty="0">
+              <a:solidFill>
+                <a:srgbClr val="FFFFFF"/>
+              </a:solidFill>
+            </a:endParaRPr>
+          </a:p>
+        </p:txBody>
+      </p:sp>
+    </p:spTree>
+  </p:cSld>
+  <p:clrMapOvr>
+    <a:masterClrMapping/>
+  </p:clrMapOvr>
+  <p:timing>
+    <p:tnLst>
+      <p:par>
+        <p:cTn id="1" dur="indefinite" restart="never" nodeType="tmRoot"/>
+      </p:par>
+    </p:tnLst>
+  </p:timing>
+</p:sld>
+</file>
+
+<file path=ppt/slides/slide18.xml><?xml version="1.0" encoding="utf-8"?>
+<p:sld xmlns:a="http://schemas.openxmlformats.org/drawingml/2006/main" xmlns:r="http://schemas.openxmlformats.org/officeDocument/2006/relationships" xmlns:mc="http://schemas.openxmlformats.org/markup-compatibility/2006" xmlns:mv="urn:schemas-microsoft-com:mac:vml" xmlns:p="http://schemas.openxmlformats.org/presentationml/2006/main" mc:Ignorable="mv" mc:PreserveAttributes="mv:*">
+  <p:cSld>
+    <p:spTree>
+      <p:nvGrpSpPr>
+        <p:cNvPr id="1" name=""/>
+        <p:cNvGrpSpPr/>
+        <p:nvPr/>
+      </p:nvGrpSpPr>
+      <p:grpSpPr>
+        <a:xfrm>
+          <a:off x="0" y="0"/>
+          <a:ext cx="0" cy="0"/>
+          <a:chOff x="0" y="0"/>
+          <a:chExt cx="0" cy="0"/>
+        </a:xfrm>
+      </p:grpSpPr>
+      <p:sp>
+        <p:nvSpPr>
+          <p:cNvPr id="2" name="Title 1"/>
+          <p:cNvSpPr>
+            <a:spLocks noGrp="1"/>
+          </p:cNvSpPr>
+          <p:nvPr>
+            <p:ph type="title"/>
+          </p:nvPr>
+        </p:nvSpPr>
+        <p:spPr/>
+        <p:txBody>
+          <a:bodyPr/>
+          <a:lstStyle/>
+          <a:p>
+            <a:r>
               <a:rPr lang="en-GB" dirty="0" smtClean="0"/>
               <a:t>Parallel Options</a:t>
             </a:r>
@@ -5759,107 +5880,13 @@
   <p:clrMapOvr>
     <a:masterClrMapping/>
   </p:clrMapOvr>
-</p:sld>
-</file>
-
-<file path=ppt/slides/slide18.xml><?xml version="1.0" encoding="utf-8"?>
-<p:sld xmlns:a="http://schemas.openxmlformats.org/drawingml/2006/main" xmlns:r="http://schemas.openxmlformats.org/officeDocument/2006/relationships" xmlns:mc="http://schemas.openxmlformats.org/markup-compatibility/2006" xmlns:mv="urn:schemas-microsoft-com:mac:vml" xmlns:p="http://schemas.openxmlformats.org/presentationml/2006/main" mc:Ignorable="mv" mc:PreserveAttributes="mv:*">
-  <p:cSld>
-    <p:spTree>
-      <p:nvGrpSpPr>
-        <p:cNvPr id="1" name=""/>
-        <p:cNvGrpSpPr/>
-        <p:nvPr/>
-      </p:nvGrpSpPr>
-      <p:grpSpPr>
-        <a:xfrm>
-          <a:off x="0" y="0"/>
-          <a:ext cx="0" cy="0"/>
-          <a:chOff x="0" y="0"/>
-          <a:chExt cx="0" cy="0"/>
-        </a:xfrm>
-      </p:grpSpPr>
-      <p:sp>
-        <p:nvSpPr>
-          <p:cNvPr id="2" name="Title 1"/>
-          <p:cNvSpPr>
-            <a:spLocks noGrp="1"/>
-          </p:cNvSpPr>
-          <p:nvPr>
-            <p:ph type="title"/>
-          </p:nvPr>
-        </p:nvSpPr>
-        <p:spPr/>
-        <p:txBody>
-          <a:bodyPr/>
-          <a:lstStyle/>
-          <a:p>
-            <a:r>
-              <a:rPr lang="en-GB" dirty="0" smtClean="0"/>
-              <a:t>Task Schedulers</a:t>
-            </a:r>
-            <a:endParaRPr lang="en-GB" dirty="0"/>
-          </a:p>
-        </p:txBody>
-      </p:sp>
-      <p:sp>
-        <p:nvSpPr>
-          <p:cNvPr id="3" name="Content Placeholder 2"/>
-          <p:cNvSpPr>
-            <a:spLocks noGrp="1"/>
-          </p:cNvSpPr>
-          <p:nvPr>
-            <p:ph idx="1"/>
-          </p:nvPr>
-        </p:nvSpPr>
-        <p:spPr/>
-        <p:txBody>
-          <a:bodyPr/>
-          <a:lstStyle/>
-          <a:p>
-            <a:r>
-              <a:rPr lang="en-GB" dirty="0" smtClean="0"/>
-              <a:t>Default is based on the Thread Pool</a:t>
-            </a:r>
-          </a:p>
-          <a:p>
-            <a:pPr lvl="1"/>
-            <a:r>
-              <a:rPr lang="en-GB" dirty="0" smtClean="0"/>
-              <a:t>Work stealing, thread injection &amp; retirement</a:t>
-            </a:r>
-          </a:p>
-          <a:p>
-            <a:r>
-              <a:rPr lang="en-GB" dirty="0" smtClean="0"/>
-              <a:t>Can write your own custom implementation</a:t>
-            </a:r>
-          </a:p>
-          <a:p>
-            <a:pPr lvl="1"/>
-            <a:r>
-              <a:rPr lang="en-GB" i="1" dirty="0" smtClean="0"/>
-              <a:t>May</a:t>
-            </a:r>
-            <a:r>
-              <a:rPr lang="en-GB" dirty="0" smtClean="0"/>
-              <a:t> be able to perform better if you data has very specific characteristics </a:t>
-            </a:r>
-          </a:p>
-          <a:p>
-            <a:pPr lvl="1"/>
-            <a:r>
-              <a:rPr lang="en-GB" dirty="0" smtClean="0"/>
-              <a:t>But the default does perform well in most scenarios</a:t>
-            </a:r>
-          </a:p>
-        </p:txBody>
-      </p:sp>
-    </p:spTree>
-  </p:cSld>
-  <p:clrMapOvr>
-    <a:masterClrMapping/>
-  </p:clrMapOvr>
+  <p:timing>
+    <p:tnLst>
+      <p:par>
+        <p:cTn id="1" dur="indefinite" restart="never" nodeType="tmRoot"/>
+      </p:par>
+    </p:tnLst>
+  </p:timing>
 </p:sld>
 </file>
 
@@ -5896,8 +5923,8 @@
           <a:lstStyle/>
           <a:p>
             <a:r>
-              <a:rPr lang="en-GB" dirty="0" err="1" smtClean="0"/>
-              <a:t>Partitioners</a:t>
+              <a:rPr lang="en-GB" dirty="0" smtClean="0"/>
+              <a:t>Task Schedulers</a:t>
             </a:r>
             <a:endParaRPr lang="en-GB" dirty="0"/>
           </a:p>
@@ -5920,32 +5947,88 @@
           <a:p>
             <a:r>
               <a:rPr lang="en-GB" dirty="0" smtClean="0"/>
-              <a:t>Responsible for splitting source data into multiple sets</a:t>
-            </a:r>
-          </a:p>
-          <a:p>
-            <a:r>
-              <a:rPr lang="en-GB" dirty="0" smtClean="0"/>
-              <a:t>As with Schedulers, the defaults work well</a:t>
+              <a:t>Default is based on the Thread Pool</a:t>
             </a:r>
           </a:p>
           <a:p>
             <a:pPr lvl="1"/>
             <a:r>
               <a:rPr lang="en-GB" dirty="0" smtClean="0"/>
-              <a:t>can still </a:t>
-            </a:r>
-            <a:r>
-              <a:rPr lang="en-GB" dirty="0" smtClean="0"/>
-              <a:t>use custom if required</a:t>
-            </a:r>
-          </a:p>
-          <a:p>
-            <a:r>
-              <a:rPr lang="en-GB" dirty="0" smtClean="0"/>
-              <a:t>Demo</a:t>
-            </a:r>
-          </a:p>
+              <a:t>Work stealing, thread injection &amp; retirement</a:t>
+            </a:r>
+          </a:p>
+          <a:p>
+            <a:r>
+              <a:rPr lang="en-GB" dirty="0" smtClean="0"/>
+              <a:t>Can write your own custom implementation</a:t>
+            </a:r>
+          </a:p>
+          <a:p>
+            <a:pPr lvl="1"/>
+            <a:r>
+              <a:rPr lang="en-GB" i="1" dirty="0" smtClean="0"/>
+              <a:t>May</a:t>
+            </a:r>
+            <a:r>
+              <a:rPr lang="en-GB" dirty="0" smtClean="0"/>
+              <a:t> be able to perform better if you data has very specific characteristics </a:t>
+            </a:r>
+          </a:p>
+          <a:p>
+            <a:pPr lvl="1"/>
+            <a:r>
+              <a:rPr lang="en-GB" dirty="0" smtClean="0"/>
+              <a:t>But the default does perform well in most scenarios</a:t>
+            </a:r>
+          </a:p>
+        </p:txBody>
+      </p:sp>
+    </p:spTree>
+  </p:cSld>
+  <p:clrMapOvr>
+    <a:masterClrMapping/>
+  </p:clrMapOvr>
+  <p:timing>
+    <p:tnLst>
+      <p:par>
+        <p:cTn id="1" dur="indefinite" restart="never" nodeType="tmRoot"/>
+      </p:par>
+    </p:tnLst>
+  </p:timing>
+</p:sld>
+</file>
+
+<file path=ppt/slides/slide2.xml><?xml version="1.0" encoding="utf-8"?>
+<p:sld xmlns:a="http://schemas.openxmlformats.org/drawingml/2006/main" xmlns:r="http://schemas.openxmlformats.org/officeDocument/2006/relationships" xmlns:mc="http://schemas.openxmlformats.org/markup-compatibility/2006" xmlns:mv="urn:schemas-microsoft-com:mac:vml" xmlns:p="http://schemas.openxmlformats.org/presentationml/2006/main" mc:Ignorable="mv" mc:PreserveAttributes="mv:*">
+  <p:cSld>
+    <p:spTree>
+      <p:nvGrpSpPr>
+        <p:cNvPr id="1" name=""/>
+        <p:cNvGrpSpPr/>
+        <p:nvPr/>
+      </p:nvGrpSpPr>
+      <p:grpSpPr>
+        <a:xfrm>
+          <a:off x="0" y="0"/>
+          <a:ext cx="0" cy="0"/>
+          <a:chOff x="0" y="0"/>
+          <a:chExt cx="0" cy="0"/>
+        </a:xfrm>
+      </p:grpSpPr>
+      <p:sp>
+        <p:nvSpPr>
+          <p:cNvPr id="4" name="Title 3"/>
+          <p:cNvSpPr>
+            <a:spLocks noGrp="1"/>
+          </p:cNvSpPr>
+          <p:nvPr>
+            <p:ph type="title"/>
+          </p:nvPr>
+        </p:nvSpPr>
+        <p:spPr/>
+        <p:txBody>
+          <a:bodyPr/>
+          <a:lstStyle/>
           <a:p>
             <a:endParaRPr lang="en-GB" dirty="0"/>
           </a:p>
@@ -5953,14 +6036,86 @@
       </p:sp>
       <p:sp>
         <p:nvSpPr>
-          <p:cNvPr id="4" name="TextBox 3"/>
+          <p:cNvPr id="5" name="Content Placeholder 4"/>
+          <p:cNvSpPr>
+            <a:spLocks noGrp="1"/>
+          </p:cNvSpPr>
+          <p:nvPr>
+            <p:ph idx="1"/>
+          </p:nvPr>
+        </p:nvSpPr>
+        <p:spPr>
+          <a:xfrm>
+            <a:off x="457200" y="1600200"/>
+            <a:ext cx="8229600" cy="1978891"/>
+          </a:xfrm>
+        </p:spPr>
+        <p:txBody>
+          <a:bodyPr/>
+          <a:lstStyle/>
+          <a:p>
+            <a:r>
+              <a:rPr lang="en-GB" dirty="0" smtClean="0"/>
+              <a:t>No need to try to write down all the slide or code content</a:t>
+            </a:r>
+          </a:p>
+          <a:p>
+            <a:r>
+              <a:rPr lang="en-GB" dirty="0" smtClean="0"/>
+              <a:t>Except this one </a:t>
+            </a:r>
+            <a:r>
+              <a:rPr lang="en-US" dirty="0" err="1" smtClean="0">
+                <a:sym typeface="Wingdings"/>
+              </a:rPr>
+              <a:t></a:t>
+            </a:r>
+            <a:endParaRPr lang="en-GB" dirty="0" smtClean="0"/>
+          </a:p>
+          <a:p>
+            <a:endParaRPr lang="en-GB" dirty="0"/>
+          </a:p>
+        </p:txBody>
+      </p:sp>
+      <p:pic>
+        <p:nvPicPr>
+          <p:cNvPr id="6" name="Picture 5"/>
+          <p:cNvPicPr>
+            <a:picLocks noChangeAspect="1"/>
+          </p:cNvPicPr>
+          <p:nvPr/>
+        </p:nvPicPr>
+        <p:blipFill>
+          <a:blip r:embed="rId2">
+            <a:duotone>
+              <a:schemeClr val="bg2"/>
+              <a:srgbClr val="FFF1C1"/>
+            </a:duotone>
+          </a:blip>
+          <a:stretch>
+            <a:fillRect/>
+          </a:stretch>
+        </p:blipFill>
+        <p:spPr>
+          <a:xfrm>
+            <a:off x="854364" y="568613"/>
+            <a:ext cx="1270000" cy="571500"/>
+          </a:xfrm>
+          <a:prstGeom prst="rect">
+            <a:avLst/>
+          </a:prstGeom>
+        </p:spPr>
+      </p:pic>
+      <p:sp>
+        <p:nvSpPr>
+          <p:cNvPr id="7" name="TextBox 6"/>
           <p:cNvSpPr txBox="1"/>
           <p:nvPr/>
         </p:nvSpPr>
         <p:spPr>
           <a:xfrm>
-            <a:off x="1905000" y="4580435"/>
-            <a:ext cx="5195454" cy="1200329"/>
+            <a:off x="1008140" y="3834088"/>
+            <a:ext cx="7239000" cy="584776"/>
           </a:xfrm>
           <a:prstGeom prst="rect">
             <a:avLst/>
@@ -5987,261 +6142,20 @@
           </a:bodyPr>
           <a:lstStyle/>
           <a:p>
-            <a:r>
-              <a:rPr lang="en-US" dirty="0" smtClean="0">
+            <a:pPr algn="ctr"/>
+            <a:r>
+              <a:rPr lang="en-US" sz="3200" dirty="0" smtClean="0">
                 <a:solidFill>
                   <a:schemeClr val="bg1"/>
                 </a:solidFill>
               </a:rPr>
-              <a:t>public static </a:t>
-            </a:r>
-            <a:r>
-              <a:rPr lang="en-US" dirty="0" err="1" smtClean="0">
-                <a:solidFill>
-                  <a:schemeClr val="bg1"/>
-                </a:solidFill>
-              </a:rPr>
-              <a:t>ParallelLoopResult</a:t>
-            </a:r>
-            <a:r>
-              <a:rPr lang="en-US" dirty="0" smtClean="0">
-                <a:solidFill>
-                  <a:schemeClr val="bg1"/>
-                </a:solidFill>
-              </a:rPr>
-              <a:t> </a:t>
-            </a:r>
-            <a:r>
-              <a:rPr lang="en-US" dirty="0" err="1" smtClean="0">
-                <a:solidFill>
-                  <a:schemeClr val="bg1"/>
-                </a:solidFill>
-              </a:rPr>
-              <a:t>ForEach</a:t>
-            </a:r>
-            <a:r>
-              <a:rPr lang="en-US" dirty="0" smtClean="0">
-                <a:solidFill>
-                  <a:schemeClr val="bg1"/>
-                </a:solidFill>
-              </a:rPr>
-              <a:t>&lt;</a:t>
-            </a:r>
-            <a:r>
-              <a:rPr lang="en-US" dirty="0" err="1" smtClean="0">
-                <a:solidFill>
-                  <a:schemeClr val="bg1"/>
-                </a:solidFill>
-              </a:rPr>
-              <a:t>TSource</a:t>
-            </a:r>
-            <a:r>
-              <a:rPr lang="en-US" dirty="0" smtClean="0">
-                <a:solidFill>
-                  <a:schemeClr val="bg1"/>
-                </a:solidFill>
-              </a:rPr>
-              <a:t>&gt;(</a:t>
-            </a:r>
-          </a:p>
-          <a:p>
-            <a:r>
-              <a:rPr lang="en-US" dirty="0" smtClean="0">
-                <a:solidFill>
-                  <a:schemeClr val="bg1"/>
-                </a:solidFill>
-              </a:rPr>
-              <a:t>	</a:t>
-            </a:r>
-            <a:r>
-              <a:rPr lang="en-US" dirty="0" err="1" smtClean="0">
-                <a:solidFill>
-                  <a:schemeClr val="bg1"/>
-                </a:solidFill>
-              </a:rPr>
-              <a:t>Partitioner</a:t>
-            </a:r>
-            <a:r>
-              <a:rPr lang="en-US" dirty="0" smtClean="0">
-                <a:solidFill>
-                  <a:schemeClr val="bg1"/>
-                </a:solidFill>
-              </a:rPr>
-              <a:t>&lt;</a:t>
-            </a:r>
-            <a:r>
-              <a:rPr lang="en-US" dirty="0" err="1" smtClean="0">
-                <a:solidFill>
-                  <a:schemeClr val="bg1"/>
-                </a:solidFill>
-              </a:rPr>
-              <a:t>TSource</a:t>
-            </a:r>
-            <a:r>
-              <a:rPr lang="en-US" dirty="0" smtClean="0">
-                <a:solidFill>
-                  <a:schemeClr val="bg1"/>
-                </a:solidFill>
-              </a:rPr>
-              <a:t>&gt; source,</a:t>
-            </a:r>
-          </a:p>
-          <a:p>
-            <a:r>
-              <a:rPr lang="en-US" dirty="0" smtClean="0">
-                <a:solidFill>
-                  <a:schemeClr val="bg1"/>
-                </a:solidFill>
-              </a:rPr>
-              <a:t>	Action&lt;</a:t>
-            </a:r>
-            <a:r>
-              <a:rPr lang="en-US" dirty="0" err="1" smtClean="0">
-                <a:solidFill>
-                  <a:schemeClr val="bg1"/>
-                </a:solidFill>
-              </a:rPr>
-              <a:t>TSource</a:t>
-            </a:r>
-            <a:r>
-              <a:rPr lang="en-US" dirty="0" smtClean="0">
-                <a:solidFill>
-                  <a:schemeClr val="bg1"/>
-                </a:solidFill>
-              </a:rPr>
-              <a:t>&gt; body</a:t>
-            </a:r>
-          </a:p>
-          <a:p>
-            <a:r>
-              <a:rPr lang="en-US" dirty="0" smtClean="0">
-                <a:solidFill>
-                  <a:schemeClr val="bg1"/>
-                </a:solidFill>
-              </a:rPr>
-              <a:t>)</a:t>
-            </a:r>
-            <a:endParaRPr lang="en-GB" dirty="0">
+              <a:t>http://github.com/srstrong/DDDSW2010</a:t>
+            </a:r>
+            <a:endParaRPr lang="en-GB" sz="3200" dirty="0" smtClean="0">
               <a:solidFill>
                 <a:schemeClr val="bg1"/>
               </a:solidFill>
             </a:endParaRPr>
-          </a:p>
-        </p:txBody>
-      </p:sp>
-    </p:spTree>
-  </p:cSld>
-  <p:clrMapOvr>
-    <a:masterClrMapping/>
-  </p:clrMapOvr>
-</p:sld>
-</file>
-
-<file path=ppt/slides/slide2.xml><?xml version="1.0" encoding="utf-8"?>
-<p:sld xmlns:a="http://schemas.openxmlformats.org/drawingml/2006/main" xmlns:r="http://schemas.openxmlformats.org/officeDocument/2006/relationships" xmlns:mc="http://schemas.openxmlformats.org/markup-compatibility/2006" xmlns:mv="urn:schemas-microsoft-com:mac:vml" xmlns:p="http://schemas.openxmlformats.org/presentationml/2006/main" mc:Ignorable="mv" mc:PreserveAttributes="mv:*">
-  <p:cSld>
-    <p:spTree>
-      <p:nvGrpSpPr>
-        <p:cNvPr id="1" name=""/>
-        <p:cNvGrpSpPr/>
-        <p:nvPr/>
-      </p:nvGrpSpPr>
-      <p:grpSpPr>
-        <a:xfrm>
-          <a:off x="0" y="0"/>
-          <a:ext cx="0" cy="0"/>
-          <a:chOff x="0" y="0"/>
-          <a:chExt cx="0" cy="0"/>
-        </a:xfrm>
-      </p:grpSpPr>
-      <p:sp>
-        <p:nvSpPr>
-          <p:cNvPr id="4" name="Title 3"/>
-          <p:cNvSpPr>
-            <a:spLocks noGrp="1"/>
-          </p:cNvSpPr>
-          <p:nvPr>
-            <p:ph type="title"/>
-          </p:nvPr>
-        </p:nvSpPr>
-        <p:spPr/>
-        <p:txBody>
-          <a:bodyPr/>
-          <a:lstStyle/>
-          <a:p>
-            <a:r>
-              <a:rPr lang="en-GB" dirty="0" smtClean="0"/>
-              <a:t>Topics</a:t>
-            </a:r>
-            <a:endParaRPr lang="en-GB" dirty="0"/>
-          </a:p>
-        </p:txBody>
-      </p:sp>
-      <p:sp>
-        <p:nvSpPr>
-          <p:cNvPr id="5" name="Content Placeholder 4"/>
-          <p:cNvSpPr>
-            <a:spLocks noGrp="1"/>
-          </p:cNvSpPr>
-          <p:nvPr>
-            <p:ph idx="1"/>
-          </p:nvPr>
-        </p:nvSpPr>
-        <p:spPr/>
-        <p:txBody>
-          <a:bodyPr/>
-          <a:lstStyle/>
-          <a:p>
-            <a:r>
-              <a:rPr lang="en-GB" dirty="0" smtClean="0"/>
-              <a:t>Why care about concurrency?</a:t>
-            </a:r>
-          </a:p>
-          <a:p>
-            <a:r>
-              <a:rPr lang="en-GB" dirty="0" smtClean="0"/>
-              <a:t>What’s wrong with what we’ve got?</a:t>
-            </a:r>
-          </a:p>
-          <a:p>
-            <a:r>
-              <a:rPr lang="en-GB" dirty="0" smtClean="0"/>
-              <a:t>TPL – Raising the abstraction</a:t>
-            </a:r>
-          </a:p>
-          <a:p>
-            <a:pPr lvl="1"/>
-            <a:r>
-              <a:rPr lang="en-GB" dirty="0" smtClean="0"/>
-              <a:t>Data parallelism</a:t>
-            </a:r>
-          </a:p>
-          <a:p>
-            <a:pPr lvl="1"/>
-            <a:r>
-              <a:rPr lang="en-GB" dirty="0" smtClean="0"/>
-              <a:t>Task parallelism</a:t>
-            </a:r>
-          </a:p>
-          <a:p>
-            <a:pPr lvl="1"/>
-            <a:r>
-              <a:rPr lang="en-GB" dirty="0" smtClean="0"/>
-              <a:t>Asynchronous Patterns</a:t>
-            </a:r>
-          </a:p>
-          <a:p>
-            <a:r>
-              <a:rPr lang="en-GB" dirty="0" smtClean="0"/>
-              <a:t>Other .Net 4 concurrency features</a:t>
-            </a:r>
-          </a:p>
-          <a:p>
-            <a:pPr lvl="1"/>
-            <a:endParaRPr lang="en-GB" dirty="0" smtClean="0"/>
-          </a:p>
-          <a:p>
-            <a:endParaRPr lang="en-GB" dirty="0"/>
           </a:p>
         </p:txBody>
       </p:sp>
@@ -6293,8 +6207,8 @@
           <a:lstStyle/>
           <a:p>
             <a:r>
-              <a:rPr lang="en-GB" dirty="0" smtClean="0"/>
-              <a:t>Exception Handling</a:t>
+              <a:rPr lang="en-GB" dirty="0" err="1" smtClean="0"/>
+              <a:t>Partitioners</a:t>
             </a:r>
             <a:endParaRPr lang="en-GB" dirty="0"/>
           </a:p>
@@ -6317,74 +6231,24 @@
           <a:p>
             <a:r>
               <a:rPr lang="en-GB" dirty="0" smtClean="0"/>
-              <a:t>Exceptions from iterations are gathered</a:t>
-            </a:r>
-          </a:p>
-          <a:p>
-            <a:r>
-              <a:rPr lang="en-GB" dirty="0" smtClean="0"/>
-              <a:t>When all iterations complete, a single </a:t>
-            </a:r>
-            <a:r>
-              <a:rPr lang="en-GB" dirty="0" err="1" smtClean="0"/>
-              <a:t>AggregateException</a:t>
-            </a:r>
-            <a:r>
-              <a:rPr lang="en-GB" dirty="0" smtClean="0"/>
-              <a:t> is throw</a:t>
+              <a:t>Responsible for splitting source data into multiple sets</a:t>
+            </a:r>
+          </a:p>
+          <a:p>
+            <a:r>
+              <a:rPr lang="en-GB" dirty="0" smtClean="0"/>
+              <a:t>As with Schedulers, the defaults work well</a:t>
             </a:r>
           </a:p>
           <a:p>
             <a:pPr lvl="1"/>
             <a:r>
               <a:rPr lang="en-GB" dirty="0" smtClean="0"/>
-              <a:t>Within the </a:t>
-            </a:r>
-            <a:r>
-              <a:rPr lang="en-GB" dirty="0" err="1" smtClean="0"/>
-              <a:t>AggregateException</a:t>
-            </a:r>
-            <a:r>
-              <a:rPr lang="en-GB" dirty="0" smtClean="0"/>
-              <a:t>, the original </a:t>
-            </a:r>
-            <a:r>
-              <a:rPr lang="en-GB" dirty="0" err="1" smtClean="0"/>
-              <a:t>exception(s</a:t>
-            </a:r>
-            <a:r>
-              <a:rPr lang="en-GB" dirty="0" smtClean="0"/>
-              <a:t>) can be accessed</a:t>
-            </a:r>
-          </a:p>
-          <a:p>
-            <a:pPr lvl="1"/>
-            <a:r>
-              <a:rPr lang="en-GB" dirty="0" smtClean="0"/>
-              <a:t>No indication as to which </a:t>
-            </a:r>
-            <a:r>
-              <a:rPr lang="en-GB" dirty="0" err="1" smtClean="0"/>
-              <a:t>iteration(s</a:t>
-            </a:r>
-            <a:r>
-              <a:rPr lang="en-GB" dirty="0" smtClean="0"/>
-              <a:t>) </a:t>
-            </a:r>
-            <a:r>
-              <a:rPr lang="en-GB" dirty="0" smtClean="0"/>
-              <a:t>threw</a:t>
-            </a:r>
-          </a:p>
-          <a:p>
-            <a:pPr lvl="2"/>
-            <a:r>
-              <a:rPr lang="en-GB" dirty="0" smtClean="0"/>
-              <a:t>If this matters to you, you need to pass it out in the exception</a:t>
-            </a:r>
-            <a:r>
-              <a:rPr lang="en-GB" dirty="0" smtClean="0"/>
-              <a:t/>
+              <a:t>can still </a:t>
+            </a:r>
+            <a:r>
+              <a:rPr lang="en-GB" dirty="0" smtClean="0"/>
+              <a:t>use custom if required</a:t>
             </a:r>
           </a:p>
           <a:p>
@@ -6392,7 +6256,187 @@
               <a:rPr lang="en-GB" dirty="0" smtClean="0"/>
               <a:t>Demo</a:t>
             </a:r>
+          </a:p>
+          <a:p>
             <a:endParaRPr lang="en-GB" dirty="0"/>
+          </a:p>
+        </p:txBody>
+      </p:sp>
+      <p:sp>
+        <p:nvSpPr>
+          <p:cNvPr id="4" name="TextBox 3"/>
+          <p:cNvSpPr txBox="1"/>
+          <p:nvPr/>
+        </p:nvSpPr>
+        <p:spPr>
+          <a:xfrm>
+            <a:off x="1905000" y="4580435"/>
+            <a:ext cx="5195454" cy="1200329"/>
+          </a:xfrm>
+          <a:prstGeom prst="rect">
+            <a:avLst/>
+          </a:prstGeom>
+          <a:solidFill>
+            <a:schemeClr val="accent5">
+              <a:lumMod val="50000"/>
+            </a:schemeClr>
+          </a:solidFill>
+          <a:ln>
+            <a:solidFill>
+              <a:schemeClr val="tx1"/>
+            </a:solidFill>
+            <a:round/>
+          </a:ln>
+          <a:effectLst>
+            <a:reflection stA="50000" endPos="25000" dist="38100" dir="5400000" sy="-100000" algn="bl" rotWithShape="0"/>
+            <a:softEdge rad="25400"/>
+          </a:effectLst>
+        </p:spPr>
+        <p:txBody>
+          <a:bodyPr wrap="square" rtlCol="0" anchor="ctr" anchorCtr="0">
+            <a:spAutoFit/>
+          </a:bodyPr>
+          <a:lstStyle/>
+          <a:p>
+            <a:r>
+              <a:rPr lang="en-US" dirty="0" smtClean="0">
+                <a:solidFill>
+                  <a:schemeClr val="bg1"/>
+                </a:solidFill>
+              </a:rPr>
+              <a:t>public static </a:t>
+            </a:r>
+            <a:r>
+              <a:rPr lang="en-US" dirty="0" err="1" smtClean="0">
+                <a:solidFill>
+                  <a:schemeClr val="bg1"/>
+                </a:solidFill>
+              </a:rPr>
+              <a:t>ParallelLoopResult</a:t>
+            </a:r>
+            <a:r>
+              <a:rPr lang="en-US" dirty="0" smtClean="0">
+                <a:solidFill>
+                  <a:schemeClr val="bg1"/>
+                </a:solidFill>
+              </a:rPr>
+              <a:t> </a:t>
+            </a:r>
+            <a:r>
+              <a:rPr lang="en-US" dirty="0" err="1" smtClean="0">
+                <a:solidFill>
+                  <a:schemeClr val="bg1"/>
+                </a:solidFill>
+              </a:rPr>
+              <a:t>ForEach</a:t>
+            </a:r>
+            <a:r>
+              <a:rPr lang="en-US" dirty="0" smtClean="0">
+                <a:solidFill>
+                  <a:schemeClr val="bg1"/>
+                </a:solidFill>
+              </a:rPr>
+              <a:t>&lt;</a:t>
+            </a:r>
+            <a:r>
+              <a:rPr lang="en-US" dirty="0" err="1" smtClean="0">
+                <a:solidFill>
+                  <a:schemeClr val="bg1"/>
+                </a:solidFill>
+              </a:rPr>
+              <a:t>TSource</a:t>
+            </a:r>
+            <a:r>
+              <a:rPr lang="en-US" dirty="0" smtClean="0">
+                <a:solidFill>
+                  <a:schemeClr val="bg1"/>
+                </a:solidFill>
+              </a:rPr>
+              <a:t>&gt;(</a:t>
+            </a:r>
+          </a:p>
+          <a:p>
+            <a:r>
+              <a:rPr lang="en-US" dirty="0" smtClean="0">
+                <a:solidFill>
+                  <a:schemeClr val="bg1"/>
+                </a:solidFill>
+              </a:rPr>
+              <a:t>	</a:t>
+            </a:r>
+            <a:r>
+              <a:rPr lang="en-US" dirty="0" err="1" smtClean="0">
+                <a:solidFill>
+                  <a:schemeClr val="bg1"/>
+                </a:solidFill>
+              </a:rPr>
+              <a:t>Partitioner</a:t>
+            </a:r>
+            <a:r>
+              <a:rPr lang="en-US" dirty="0" smtClean="0">
+                <a:solidFill>
+                  <a:schemeClr val="bg1"/>
+                </a:solidFill>
+              </a:rPr>
+              <a:t>&lt;</a:t>
+            </a:r>
+            <a:r>
+              <a:rPr lang="en-US" dirty="0" err="1" smtClean="0">
+                <a:solidFill>
+                  <a:schemeClr val="bg1"/>
+                </a:solidFill>
+              </a:rPr>
+              <a:t>TSource</a:t>
+            </a:r>
+            <a:r>
+              <a:rPr lang="en-US" dirty="0" smtClean="0">
+                <a:solidFill>
+                  <a:schemeClr val="bg1"/>
+                </a:solidFill>
+              </a:rPr>
+              <a:t>&gt; source,</a:t>
+            </a:r>
+          </a:p>
+          <a:p>
+            <a:r>
+              <a:rPr lang="en-US" dirty="0" smtClean="0">
+                <a:solidFill>
+                  <a:schemeClr val="bg1"/>
+                </a:solidFill>
+              </a:rPr>
+              <a:t>	Action&lt;</a:t>
+            </a:r>
+            <a:r>
+              <a:rPr lang="en-US" dirty="0" err="1" smtClean="0">
+                <a:solidFill>
+                  <a:schemeClr val="bg1"/>
+                </a:solidFill>
+              </a:rPr>
+              <a:t>TSource</a:t>
+            </a:r>
+            <a:r>
+              <a:rPr lang="en-US" dirty="0" smtClean="0">
+                <a:solidFill>
+                  <a:schemeClr val="bg1"/>
+                </a:solidFill>
+              </a:rPr>
+              <a:t>&gt; body</a:t>
+            </a:r>
+          </a:p>
+          <a:p>
+            <a:r>
+              <a:rPr lang="en-US" dirty="0" smtClean="0">
+                <a:solidFill>
+                  <a:schemeClr val="bg1"/>
+                </a:solidFill>
+              </a:rPr>
+              <a:t>)</a:t>
+            </a:r>
+            <a:endParaRPr lang="en-GB" dirty="0">
+              <a:solidFill>
+                <a:schemeClr val="bg1"/>
+              </a:solidFill>
+            </a:endParaRPr>
           </a:p>
         </p:txBody>
       </p:sp>
@@ -6401,6 +6445,13 @@
   <p:clrMapOvr>
     <a:masterClrMapping/>
   </p:clrMapOvr>
+  <p:timing>
+    <p:tnLst>
+      <p:par>
+        <p:cTn id="1" dur="indefinite" restart="never" nodeType="tmRoot"/>
+      </p:par>
+    </p:tnLst>
+  </p:timing>
 </p:sld>
 </file>
 
@@ -6438,7 +6489,7 @@
           <a:p>
             <a:r>
               <a:rPr lang="en-GB" dirty="0" smtClean="0"/>
-              <a:t>Cancellation</a:t>
+              <a:t>Exception Handling</a:t>
             </a:r>
             <a:endParaRPr lang="en-GB" dirty="0"/>
           </a:p>
@@ -6461,13 +6512,74 @@
           <a:p>
             <a:r>
               <a:rPr lang="en-GB" dirty="0" smtClean="0"/>
-              <a:t>Already seen .Break &amp; .Stop from within loop</a:t>
-            </a:r>
-          </a:p>
-          <a:p>
-            <a:r>
-              <a:rPr lang="en-GB" dirty="0" smtClean="0"/>
-              <a:t>Can also cancel from outside…</a:t>
+              <a:t>Exceptions from iterations are gathered</a:t>
+            </a:r>
+          </a:p>
+          <a:p>
+            <a:r>
+              <a:rPr lang="en-GB" dirty="0" smtClean="0"/>
+              <a:t>When all iterations complete, a single </a:t>
+            </a:r>
+            <a:r>
+              <a:rPr lang="en-GB" dirty="0" err="1" smtClean="0"/>
+              <a:t>AggregateException</a:t>
+            </a:r>
+            <a:r>
+              <a:rPr lang="en-GB" dirty="0" smtClean="0"/>
+              <a:t> is throw</a:t>
+            </a:r>
+          </a:p>
+          <a:p>
+            <a:pPr lvl="1"/>
+            <a:r>
+              <a:rPr lang="en-GB" dirty="0" smtClean="0"/>
+              <a:t>Within the </a:t>
+            </a:r>
+            <a:r>
+              <a:rPr lang="en-GB" dirty="0" err="1" smtClean="0"/>
+              <a:t>AggregateException</a:t>
+            </a:r>
+            <a:r>
+              <a:rPr lang="en-GB" dirty="0" smtClean="0"/>
+              <a:t>, the original </a:t>
+            </a:r>
+            <a:r>
+              <a:rPr lang="en-GB" dirty="0" err="1" smtClean="0"/>
+              <a:t>exception(s</a:t>
+            </a:r>
+            <a:r>
+              <a:rPr lang="en-GB" dirty="0" smtClean="0"/>
+              <a:t>) can be accessed</a:t>
+            </a:r>
+          </a:p>
+          <a:p>
+            <a:pPr lvl="1"/>
+            <a:r>
+              <a:rPr lang="en-GB" dirty="0" smtClean="0"/>
+              <a:t>No indication as to which </a:t>
+            </a:r>
+            <a:r>
+              <a:rPr lang="en-GB" dirty="0" err="1" smtClean="0"/>
+              <a:t>iteration(s</a:t>
+            </a:r>
+            <a:r>
+              <a:rPr lang="en-GB" dirty="0" smtClean="0"/>
+              <a:t>) </a:t>
+            </a:r>
+            <a:r>
+              <a:rPr lang="en-GB" dirty="0" smtClean="0"/>
+              <a:t>threw</a:t>
+            </a:r>
+          </a:p>
+          <a:p>
+            <a:pPr lvl="2"/>
+            <a:r>
+              <a:rPr lang="en-GB" dirty="0" smtClean="0"/>
+              <a:t>If this matters to you, you need to pass it out in the exception</a:t>
+            </a:r>
+            <a:r>
+              <a:rPr lang="en-GB" dirty="0" smtClean="0"/>
+              <a:t/>
             </a:r>
           </a:p>
           <a:p>
@@ -6484,6 +6596,13 @@
   <p:clrMapOvr>
     <a:masterClrMapping/>
   </p:clrMapOvr>
+  <p:timing>
+    <p:tnLst>
+      <p:par>
+        <p:cTn id="1" dur="indefinite" restart="never" nodeType="tmRoot"/>
+      </p:par>
+    </p:tnLst>
+  </p:timing>
 </p:sld>
 </file>
 
@@ -6521,7 +6640,7 @@
           <a:p>
             <a:r>
               <a:rPr lang="en-GB" dirty="0" smtClean="0"/>
-              <a:t>Cancellation Notes</a:t>
+              <a:t>Cancellation</a:t>
             </a:r>
             <a:endParaRPr lang="en-GB" dirty="0"/>
           </a:p>
@@ -6543,80 +6662,22 @@
           <a:lstStyle/>
           <a:p>
             <a:r>
-              <a:rPr lang="en-GB" sz="2400" dirty="0" err="1" smtClean="0"/>
-              <a:t>CancellationSource</a:t>
-            </a:r>
-            <a:r>
-              <a:rPr lang="en-GB" sz="2400" dirty="0" smtClean="0"/>
-              <a:t> is used to create tokens</a:t>
-            </a:r>
-          </a:p>
-          <a:p>
-            <a:r>
-              <a:rPr lang="en-GB" sz="2400" dirty="0" smtClean="0"/>
-              <a:t>From the source, can “cancel” any of the tokens</a:t>
-            </a:r>
-          </a:p>
-          <a:p>
-            <a:r>
-              <a:rPr lang="en-GB" sz="2400" dirty="0" smtClean="0"/>
-              <a:t>Workers can monitor tokens to determine if they should exit</a:t>
-            </a:r>
-          </a:p>
-          <a:p>
-            <a:r>
-              <a:rPr lang="en-GB" sz="2400" dirty="0" smtClean="0"/>
-              <a:t>Tokens can be combined</a:t>
-            </a:r>
-          </a:p>
-          <a:p>
-            <a:pPr lvl="1"/>
-            <a:r>
-              <a:rPr lang="en-GB" sz="2400" dirty="0" smtClean="0"/>
-              <a:t>So if worker has many cancellation tokens, only needs to check the combo</a:t>
-            </a:r>
-          </a:p>
-          <a:p>
-            <a:r>
-              <a:rPr lang="en-GB" sz="2400" dirty="0" smtClean="0"/>
-              <a:t>Cancellation can trigger method call (such as an </a:t>
-            </a:r>
-            <a:r>
-              <a:rPr lang="en-GB" sz="2400" dirty="0" err="1" smtClean="0"/>
-              <a:t>async</a:t>
-            </a:r>
-            <a:r>
-              <a:rPr lang="en-GB" sz="2400" dirty="0" smtClean="0"/>
-              <a:t> cancel)</a:t>
-            </a:r>
-          </a:p>
-          <a:p>
-            <a:pPr lvl="1"/>
-            <a:r>
-              <a:rPr lang="en-GB" sz="2000" dirty="0" err="1" smtClean="0"/>
-              <a:t>CancellationToken.Register</a:t>
-            </a:r>
-            <a:r>
-              <a:rPr lang="en-GB" sz="2000" dirty="0" smtClean="0"/>
-              <a:t>()</a:t>
-            </a:r>
-          </a:p>
-          <a:p>
-            <a:r>
-              <a:rPr lang="en-GB" sz="2400" dirty="0" smtClean="0"/>
-              <a:t>Token has </a:t>
-            </a:r>
-            <a:r>
-              <a:rPr lang="en-GB" sz="2400" dirty="0" err="1" smtClean="0"/>
-              <a:t>WaitHandle</a:t>
-            </a:r>
-            <a:r>
-              <a:rPr lang="en-GB" sz="2400" dirty="0" smtClean="0"/>
-              <a:t> available, so worker can wait on it efficiently</a:t>
-            </a:r>
-          </a:p>
-          <a:p>
-            <a:endParaRPr lang="en-GB" sz="2400" dirty="0"/>
+              <a:rPr lang="en-GB" dirty="0" smtClean="0"/>
+              <a:t>Already seen .Break &amp; .Stop from within loop</a:t>
+            </a:r>
+          </a:p>
+          <a:p>
+            <a:r>
+              <a:rPr lang="en-GB" dirty="0" smtClean="0"/>
+              <a:t>Can also cancel from outside…</a:t>
+            </a:r>
+          </a:p>
+          <a:p>
+            <a:r>
+              <a:rPr lang="en-GB" dirty="0" smtClean="0"/>
+              <a:t>Demo</a:t>
+            </a:r>
+            <a:endParaRPr lang="en-GB" dirty="0"/>
           </a:p>
         </p:txBody>
       </p:sp>
@@ -6625,6 +6686,13 @@
   <p:clrMapOvr>
     <a:masterClrMapping/>
   </p:clrMapOvr>
+  <p:timing>
+    <p:tnLst>
+      <p:par>
+        <p:cTn id="1" dur="indefinite" restart="never" nodeType="tmRoot"/>
+      </p:par>
+    </p:tnLst>
+  </p:timing>
 </p:sld>
 </file>
 
@@ -6662,7 +6730,7 @@
           <a:p>
             <a:r>
               <a:rPr lang="en-GB" dirty="0" smtClean="0"/>
-              <a:t>Tasks</a:t>
+              <a:t>Cancellation Notes</a:t>
             </a:r>
             <a:endParaRPr lang="en-GB" dirty="0"/>
           </a:p>
@@ -6684,43 +6752,80 @@
           <a:lstStyle/>
           <a:p>
             <a:r>
-              <a:rPr lang="en-GB" dirty="0" smtClean="0"/>
-              <a:t>The </a:t>
-            </a:r>
-            <a:r>
-              <a:rPr lang="en-GB" dirty="0" err="1" smtClean="0"/>
-              <a:t>Parallel.For</a:t>
-            </a:r>
-            <a:r>
-              <a:rPr lang="en-GB" dirty="0" smtClean="0"/>
-              <a:t>() and </a:t>
-            </a:r>
-            <a:r>
-              <a:rPr lang="en-GB" dirty="0" err="1" smtClean="0"/>
-              <a:t>Parallel.ForEach</a:t>
-            </a:r>
-            <a:r>
-              <a:rPr lang="en-GB" dirty="0" smtClean="0"/>
-              <a:t>() methods are great for data parallelism</a:t>
-            </a:r>
-          </a:p>
-          <a:p>
-            <a:r>
-              <a:rPr lang="en-GB" dirty="0" smtClean="0"/>
-              <a:t>The Task class forms the basis for, you guessed it, Task parallelism</a:t>
+              <a:rPr lang="en-GB" sz="2400" dirty="0" err="1" smtClean="0"/>
+              <a:t>CancellationSource</a:t>
+            </a:r>
+            <a:r>
+              <a:rPr lang="en-GB" sz="2400" dirty="0" smtClean="0"/>
+              <a:t> is used to create tokens</a:t>
+            </a:r>
+          </a:p>
+          <a:p>
+            <a:r>
+              <a:rPr lang="en-GB" sz="2400" dirty="0" smtClean="0"/>
+              <a:t>From the source, can “cancel” any of the tokens</a:t>
+            </a:r>
+          </a:p>
+          <a:p>
+            <a:r>
+              <a:rPr lang="en-GB" sz="2400" dirty="0" smtClean="0"/>
+              <a:t>Workers can monitor tokens to determine if they should exit</a:t>
+            </a:r>
+          </a:p>
+          <a:p>
+            <a:r>
+              <a:rPr lang="en-GB" sz="2400" dirty="0" smtClean="0"/>
+              <a:t>Tokens can be combined</a:t>
             </a:r>
           </a:p>
           <a:p>
             <a:pPr lvl="1"/>
             <a:r>
-              <a:rPr lang="en-GB" dirty="0" smtClean="0"/>
-              <a:t>And, incidentally, is what is used internally by Parallel.</a:t>
-            </a:r>
-            <a:r>
-              <a:rPr lang="en-GB" dirty="0" smtClean="0"/>
-              <a:t>*</a:t>
-            </a:r>
-            <a:endParaRPr lang="en-GB" dirty="0"/>
+              <a:rPr lang="en-GB" sz="2400" dirty="0" smtClean="0"/>
+              <a:t>So if worker has many cancellation tokens, only needs to check the combo</a:t>
+            </a:r>
+          </a:p>
+          <a:p>
+            <a:r>
+              <a:rPr lang="en-GB" sz="2400" dirty="0" smtClean="0"/>
+              <a:t>Cancellation can trigger method call (such as an </a:t>
+            </a:r>
+            <a:r>
+              <a:rPr lang="en-GB" sz="2400" dirty="0" err="1" smtClean="0"/>
+              <a:t>async</a:t>
+            </a:r>
+            <a:r>
+              <a:rPr lang="en-GB" sz="2400" dirty="0" smtClean="0"/>
+              <a:t> cancel)</a:t>
+            </a:r>
+          </a:p>
+          <a:p>
+            <a:pPr lvl="1"/>
+            <a:r>
+              <a:rPr lang="en-GB" sz="2000" dirty="0" err="1" smtClean="0"/>
+              <a:t>CancellationToken.Register</a:t>
+            </a:r>
+            <a:r>
+              <a:rPr lang="en-GB" sz="2000" dirty="0" smtClean="0"/>
+              <a:t>()</a:t>
+            </a:r>
+          </a:p>
+          <a:p>
+            <a:r>
+              <a:rPr lang="en-GB" sz="2400" dirty="0" smtClean="0"/>
+              <a:t>Token has </a:t>
+            </a:r>
+            <a:r>
+              <a:rPr lang="en-GB" sz="2400" dirty="0" err="1" smtClean="0"/>
+              <a:t>WaitHandle</a:t>
+            </a:r>
+            <a:r>
+              <a:rPr lang="en-GB" sz="2400" dirty="0" smtClean="0"/>
+              <a:t> available, so worker can wait on it efficiently</a:t>
+            </a:r>
+          </a:p>
+          <a:p>
+            <a:endParaRPr lang="en-GB" sz="2400" dirty="0"/>
           </a:p>
         </p:txBody>
       </p:sp>
@@ -6729,6 +6834,13 @@
   <p:clrMapOvr>
     <a:masterClrMapping/>
   </p:clrMapOvr>
+  <p:timing>
+    <p:tnLst>
+      <p:par>
+        <p:cTn id="1" dur="indefinite" restart="never" nodeType="tmRoot"/>
+      </p:par>
+    </p:tnLst>
+  </p:timing>
 </p:sld>
 </file>
 
@@ -6766,7 +6878,7 @@
           <a:p>
             <a:r>
               <a:rPr lang="en-GB" dirty="0" smtClean="0"/>
-              <a:t>Basic Task Functionality</a:t>
+              <a:t>Tasks</a:t>
             </a:r>
             <a:endParaRPr lang="en-GB" dirty="0"/>
           </a:p>
@@ -6789,59 +6901,41 @@
           <a:p>
             <a:r>
               <a:rPr lang="en-GB" dirty="0" smtClean="0"/>
-              <a:t>Creating and starting</a:t>
-            </a:r>
-          </a:p>
-          <a:p>
-            <a:r>
-              <a:rPr lang="en-GB" dirty="0" smtClean="0"/>
-              <a:t>Return values</a:t>
-            </a:r>
-          </a:p>
-          <a:p>
-            <a:r>
-              <a:rPr lang="en-GB" dirty="0" smtClean="0"/>
-              <a:t>Accessing local variables</a:t>
-            </a:r>
-          </a:p>
-          <a:p>
-            <a:r>
-              <a:rPr lang="en-GB" dirty="0" smtClean="0"/>
-              <a:t>Waiting</a:t>
-            </a:r>
-          </a:p>
-          <a:p>
-            <a:r>
-              <a:rPr lang="en-GB" dirty="0" smtClean="0"/>
-              <a:t>Cancelling</a:t>
-            </a:r>
-          </a:p>
-          <a:p>
-            <a:r>
-              <a:rPr lang="en-GB" dirty="0" smtClean="0"/>
-              <a:t>Exception </a:t>
-            </a:r>
-            <a:r>
-              <a:rPr lang="en-GB" dirty="0" smtClean="0"/>
-              <a:t>handling</a:t>
+              <a:t>The </a:t>
+            </a:r>
+            <a:r>
+              <a:rPr lang="en-GB" dirty="0" err="1" smtClean="0"/>
+              <a:t>Parallel.For</a:t>
+            </a:r>
+            <a:r>
+              <a:rPr lang="en-GB" dirty="0" smtClean="0"/>
+              <a:t>() and </a:t>
+            </a:r>
+            <a:r>
+              <a:rPr lang="en-GB" dirty="0" err="1" smtClean="0"/>
+              <a:t>Parallel.ForEach</a:t>
+            </a:r>
+            <a:r>
+              <a:rPr lang="en-GB" dirty="0" smtClean="0"/>
+              <a:t>() methods are great for data parallelism</a:t>
+            </a:r>
+          </a:p>
+          <a:p>
+            <a:r>
+              <a:rPr lang="en-GB" dirty="0" smtClean="0"/>
+              <a:t>The Task class forms the basis for, you guessed it, Task parallelism</a:t>
             </a:r>
           </a:p>
           <a:p>
             <a:pPr lvl="1"/>
             <a:r>
               <a:rPr lang="en-GB" dirty="0" smtClean="0"/>
-              <a:t>Including handling unhandled exceptions</a:t>
-            </a:r>
-            <a:endParaRPr lang="en-GB" dirty="0" smtClean="0"/>
-          </a:p>
-          <a:p>
-            <a:r>
-              <a:rPr lang="en-GB" dirty="0" smtClean="0"/>
-              <a:t>Demo</a:t>
-            </a:r>
-            <a:endParaRPr lang="en-GB" dirty="0" smtClean="0"/>
-          </a:p>
-          <a:p>
+              <a:t>And, incidentally, is what is used internally by Parallel.</a:t>
+            </a:r>
+            <a:r>
+              <a:rPr lang="en-GB" dirty="0" smtClean="0"/>
+              <a:t>*</a:t>
+            </a:r>
             <a:endParaRPr lang="en-GB" dirty="0"/>
           </a:p>
         </p:txBody>
@@ -6851,6 +6945,13 @@
   <p:clrMapOvr>
     <a:masterClrMapping/>
   </p:clrMapOvr>
+  <p:timing>
+    <p:tnLst>
+      <p:par>
+        <p:cTn id="1" dur="indefinite" restart="never" nodeType="tmRoot"/>
+      </p:par>
+    </p:tnLst>
+  </p:timing>
 </p:sld>
 </file>
 
@@ -6888,7 +6989,7 @@
           <a:p>
             <a:r>
               <a:rPr lang="en-GB" dirty="0" smtClean="0"/>
-              <a:t>Continuations</a:t>
+              <a:t>Basic Task Functionality</a:t>
             </a:r>
             <a:endParaRPr lang="en-GB" dirty="0"/>
           </a:p>
@@ -6911,30 +7012,59 @@
           <a:p>
             <a:r>
               <a:rPr lang="en-GB" dirty="0" smtClean="0"/>
-              <a:t>This is where Tasks get funky</a:t>
-            </a:r>
-          </a:p>
-          <a:p>
-            <a:r>
-              <a:rPr lang="en-GB" dirty="0" smtClean="0"/>
-              <a:t>Allows </a:t>
-            </a:r>
-            <a:r>
-              <a:rPr lang="en-GB" dirty="0" smtClean="0"/>
-              <a:t>the chaining of tasks</a:t>
-            </a:r>
-          </a:p>
-          <a:p>
-            <a:r>
-              <a:rPr lang="en-GB" dirty="0" smtClean="0"/>
-              <a:t>Easy to use, very powerful</a:t>
-            </a:r>
+              <a:t>Creating and starting</a:t>
+            </a:r>
+          </a:p>
+          <a:p>
+            <a:r>
+              <a:rPr lang="en-GB" dirty="0" smtClean="0"/>
+              <a:t>Return values</a:t>
+            </a:r>
+          </a:p>
+          <a:p>
+            <a:r>
+              <a:rPr lang="en-GB" dirty="0" smtClean="0"/>
+              <a:t>Accessing local variables</a:t>
+            </a:r>
+          </a:p>
+          <a:p>
+            <a:r>
+              <a:rPr lang="en-GB" dirty="0" smtClean="0"/>
+              <a:t>Waiting</a:t>
+            </a:r>
+          </a:p>
+          <a:p>
+            <a:r>
+              <a:rPr lang="en-GB" dirty="0" smtClean="0"/>
+              <a:t>Cancelling</a:t>
+            </a:r>
+          </a:p>
+          <a:p>
+            <a:r>
+              <a:rPr lang="en-GB" dirty="0" smtClean="0"/>
+              <a:t>Exception </a:t>
+            </a:r>
+            <a:r>
+              <a:rPr lang="en-GB" dirty="0" smtClean="0"/>
+              <a:t>handling</a:t>
+            </a:r>
+          </a:p>
+          <a:p>
+            <a:pPr lvl="1"/>
+            <a:r>
+              <a:rPr lang="en-GB" dirty="0" smtClean="0"/>
+              <a:t>Including handling unhandled exceptions</a:t>
+            </a:r>
+            <a:endParaRPr lang="en-GB" dirty="0" smtClean="0"/>
           </a:p>
           <a:p>
             <a:r>
               <a:rPr lang="en-GB" dirty="0" smtClean="0"/>
               <a:t>Demo</a:t>
             </a:r>
+            <a:endParaRPr lang="en-GB" dirty="0" smtClean="0"/>
+          </a:p>
+          <a:p>
             <a:endParaRPr lang="en-GB" dirty="0"/>
           </a:p>
         </p:txBody>
@@ -6944,6 +7074,13 @@
   <p:clrMapOvr>
     <a:masterClrMapping/>
   </p:clrMapOvr>
+  <p:timing>
+    <p:tnLst>
+      <p:par>
+        <p:cTn id="1" dur="indefinite" restart="never" nodeType="tmRoot"/>
+      </p:par>
+    </p:tnLst>
+  </p:timing>
 </p:sld>
 </file>
 
@@ -6981,7 +7118,7 @@
           <a:p>
             <a:r>
               <a:rPr lang="en-GB" dirty="0" smtClean="0"/>
-              <a:t>Continuation Options</a:t>
+              <a:t>Continuations</a:t>
             </a:r>
             <a:endParaRPr lang="en-GB" dirty="0"/>
           </a:p>
@@ -7004,78 +7141,31 @@
           <a:p>
             <a:r>
               <a:rPr lang="en-GB" dirty="0" smtClean="0"/>
-              <a:t>Allows you to decide when a continuation is run</a:t>
-            </a:r>
-          </a:p>
-          <a:p>
-            <a:r>
-              <a:rPr lang="en-GB" dirty="0" smtClean="0"/>
-              <a:t>Many options, such as:</a:t>
-            </a:r>
-          </a:p>
-          <a:p>
-            <a:pPr lvl="1"/>
-            <a:r>
-              <a:rPr lang="en-GB" dirty="0" err="1" smtClean="0"/>
-              <a:t>OnRanToCompletion</a:t>
-            </a:r>
-            <a:r>
-              <a:rPr lang="en-GB" dirty="0" smtClean="0"/>
-              <a:t>, </a:t>
-            </a:r>
-            <a:r>
-              <a:rPr lang="en-GB" dirty="0" err="1" smtClean="0"/>
-              <a:t>OnFaulted</a:t>
-            </a:r>
-            <a:r>
-              <a:rPr lang="en-GB" dirty="0" smtClean="0"/>
-              <a:t>, </a:t>
-            </a:r>
-            <a:r>
-              <a:rPr lang="en-GB" dirty="0" err="1" smtClean="0"/>
-              <a:t>OnCancelled</a:t>
-            </a:r>
-            <a:endParaRPr lang="en-GB" dirty="0" smtClean="0"/>
-          </a:p>
-          <a:p>
-            <a:pPr lvl="1"/>
-            <a:r>
-              <a:rPr lang="en-GB" dirty="0" err="1" smtClean="0"/>
-              <a:t>NotOnRanToCompletion</a:t>
-            </a:r>
-            <a:r>
-              <a:rPr lang="en-GB" dirty="0" smtClean="0"/>
-              <a:t>, </a:t>
-            </a:r>
-            <a:r>
-              <a:rPr lang="en-GB" dirty="0" err="1" smtClean="0"/>
-              <a:t>NotOnFaulted</a:t>
-            </a:r>
-            <a:r>
-              <a:rPr lang="en-GB" dirty="0" smtClean="0"/>
-              <a:t>, </a:t>
-            </a:r>
-            <a:r>
-              <a:rPr lang="en-GB" dirty="0" err="1" smtClean="0"/>
-              <a:t>NoOnCancelled</a:t>
-            </a:r>
-            <a:endParaRPr lang="en-GB" dirty="0" smtClean="0"/>
-          </a:p>
-          <a:p>
-            <a:pPr lvl="1"/>
-            <a:r>
-              <a:rPr lang="en-GB" dirty="0" err="1" smtClean="0"/>
-              <a:t>ExecuteSynchronously</a:t>
-            </a:r>
-            <a:r>
-              <a:rPr lang="en-GB" dirty="0" smtClean="0"/>
-              <a:t>, </a:t>
-            </a:r>
-            <a:r>
-              <a:rPr lang="en-GB" dirty="0" err="1" smtClean="0"/>
-              <a:t>LongRunning</a:t>
-            </a:r>
-            <a:endParaRPr lang="en-GB" dirty="0" smtClean="0"/>
+              <a:t>This is where Tasks get funky</a:t>
+            </a:r>
+          </a:p>
+          <a:p>
+            <a:r>
+              <a:rPr lang="en-GB" dirty="0" smtClean="0"/>
+              <a:t>Allows </a:t>
+            </a:r>
+            <a:r>
+              <a:rPr lang="en-GB" dirty="0" smtClean="0"/>
+              <a:t>the chaining of tasks</a:t>
+            </a:r>
+          </a:p>
+          <a:p>
+            <a:r>
+              <a:rPr lang="en-GB" dirty="0" smtClean="0"/>
+              <a:t>Easy to use, very powerful</a:t>
+            </a:r>
+          </a:p>
+          <a:p>
+            <a:r>
+              <a:rPr lang="en-GB" dirty="0" smtClean="0"/>
+              <a:t>Demo</a:t>
+            </a:r>
+            <a:endParaRPr lang="en-GB" dirty="0"/>
           </a:p>
         </p:txBody>
       </p:sp>
@@ -7084,6 +7174,13 @@
   <p:clrMapOvr>
     <a:masterClrMapping/>
   </p:clrMapOvr>
+  <p:timing>
+    <p:tnLst>
+      <p:par>
+        <p:cTn id="1" dur="indefinite" restart="never" nodeType="tmRoot"/>
+      </p:par>
+    </p:tnLst>
+  </p:timing>
 </p:sld>
 </file>
 
@@ -7121,7 +7218,7 @@
           <a:p>
             <a:r>
               <a:rPr lang="en-GB" dirty="0" smtClean="0"/>
-              <a:t>Nested Tasks</a:t>
+              <a:t>Continuation Options</a:t>
             </a:r>
             <a:endParaRPr lang="en-GB" dirty="0"/>
           </a:p>
@@ -7144,38 +7241,78 @@
           <a:p>
             <a:r>
               <a:rPr lang="en-GB" dirty="0" smtClean="0"/>
-              <a:t>Tasks may create other tasks</a:t>
-            </a:r>
-          </a:p>
-          <a:p>
-            <a:r>
-              <a:rPr lang="en-GB" dirty="0" smtClean="0"/>
-              <a:t>By default, there is no strong relationship between them</a:t>
-            </a:r>
-          </a:p>
-          <a:p>
-            <a:r>
-              <a:rPr lang="en-GB" dirty="0" smtClean="0"/>
-              <a:t>But can specify that tasks are created as </a:t>
-            </a:r>
-            <a:r>
-              <a:rPr lang="en-GB" dirty="0" smtClean="0"/>
-              <a:t>children, which changes behaviour</a:t>
-            </a:r>
-          </a:p>
-          <a:p>
-            <a:r>
-              <a:rPr lang="en-GB" dirty="0" smtClean="0"/>
-              <a:t>Watch out for exceptions…</a:t>
+              <a:t>Allows you to decide when a continuation is run</a:t>
+            </a:r>
+          </a:p>
+          <a:p>
+            <a:r>
+              <a:rPr lang="en-GB" dirty="0" smtClean="0"/>
+              <a:t>Many options, such as:</a:t>
+            </a:r>
+          </a:p>
+          <a:p>
+            <a:pPr lvl="1"/>
+            <a:r>
+              <a:rPr lang="en-GB" dirty="0" err="1" smtClean="0"/>
+              <a:t>OnRanToCompletion</a:t>
+            </a:r>
+            <a:r>
+              <a:rPr lang="en-GB" dirty="0" smtClean="0"/>
+              <a:t>, </a:t>
+            </a:r>
+            <a:r>
+              <a:rPr lang="en-GB" dirty="0" err="1" smtClean="0"/>
+              <a:t>OnFaulted</a:t>
+            </a:r>
+            <a:r>
+              <a:rPr lang="en-GB" dirty="0" smtClean="0"/>
+              <a:t>, </a:t>
+            </a:r>
+            <a:r>
+              <a:rPr lang="en-GB" dirty="0" err="1" smtClean="0"/>
+              <a:t>OnCancelled</a:t>
             </a:r>
             <a:endParaRPr lang="en-GB" dirty="0" smtClean="0"/>
           </a:p>
           <a:p>
-            <a:r>
-              <a:rPr lang="en-GB" dirty="0" smtClean="0"/>
-              <a:t>Demo</a:t>
-            </a:r>
-            <a:endParaRPr lang="en-GB" dirty="0"/>
+            <a:pPr lvl="1"/>
+            <a:r>
+              <a:rPr lang="en-GB" dirty="0" err="1" smtClean="0"/>
+              <a:t>NotOnRanToCompletion</a:t>
+            </a:r>
+            <a:r>
+              <a:rPr lang="en-GB" dirty="0" smtClean="0"/>
+              <a:t>, </a:t>
+            </a:r>
+            <a:r>
+              <a:rPr lang="en-GB" dirty="0" err="1" smtClean="0"/>
+              <a:t>NotOnFaulted</a:t>
+            </a:r>
+            <a:r>
+              <a:rPr lang="en-GB" dirty="0" smtClean="0"/>
+              <a:t>, </a:t>
+            </a:r>
+            <a:r>
+              <a:rPr lang="en-GB" dirty="0" err="1" smtClean="0"/>
+              <a:t>NoOnCancelled</a:t>
+            </a:r>
+            <a:endParaRPr lang="en-GB" dirty="0" smtClean="0"/>
+          </a:p>
+          <a:p>
+            <a:pPr lvl="1"/>
+            <a:r>
+              <a:rPr lang="en-GB" dirty="0" err="1" smtClean="0"/>
+              <a:t>ExecuteSynchronously</a:t>
+            </a:r>
+            <a:r>
+              <a:rPr lang="en-GB" dirty="0" smtClean="0"/>
+              <a:t>, </a:t>
+            </a:r>
+            <a:r>
+              <a:rPr lang="en-GB" dirty="0" err="1" smtClean="0"/>
+              <a:t>LongRunning</a:t>
+            </a:r>
+            <a:endParaRPr lang="en-GB" dirty="0" smtClean="0"/>
           </a:p>
         </p:txBody>
       </p:sp>
@@ -7184,6 +7321,13 @@
   <p:clrMapOvr>
     <a:masterClrMapping/>
   </p:clrMapOvr>
+  <p:timing>
+    <p:tnLst>
+      <p:par>
+        <p:cTn id="1" dur="indefinite" restart="never" nodeType="tmRoot"/>
+      </p:par>
+    </p:tnLst>
+  </p:timing>
 </p:sld>
 </file>
 
@@ -7220,12 +7364,8 @@
           <a:lstStyle/>
           <a:p>
             <a:r>
-              <a:rPr lang="en-GB" dirty="0" err="1" smtClean="0"/>
-              <a:t>Async</a:t>
-            </a:r>
-            <a:r>
-              <a:rPr lang="en-GB" dirty="0" smtClean="0"/>
-              <a:t> support in Tasks</a:t>
+              <a:rPr lang="en-GB" dirty="0" smtClean="0"/>
+              <a:t>Nested Tasks</a:t>
             </a:r>
             <a:endParaRPr lang="en-GB" dirty="0"/>
           </a:p>
@@ -7248,63 +7388,36 @@
           <a:p>
             <a:r>
               <a:rPr lang="en-GB" dirty="0" smtClean="0"/>
-              <a:t>Tasks can support for asynchronous operations</a:t>
-            </a:r>
-          </a:p>
-          <a:p>
-            <a:pPr lvl="1"/>
-            <a:r>
-              <a:rPr lang="en-GB" dirty="0" smtClean="0"/>
-              <a:t>Web calls, File IO etc.</a:t>
-            </a:r>
-          </a:p>
-          <a:p>
-            <a:r>
-              <a:rPr lang="en-GB" dirty="0" smtClean="0"/>
-              <a:t>.</a:t>
-            </a:r>
-            <a:r>
-              <a:rPr lang="en-GB" dirty="0" err="1" smtClean="0"/>
-              <a:t>FromAsync</a:t>
-            </a:r>
-            <a:r>
-              <a:rPr lang="en-GB" dirty="0" smtClean="0"/>
-              <a:t>()</a:t>
-            </a:r>
+              <a:t>Tasks may create other tasks</a:t>
+            </a:r>
+          </a:p>
+          <a:p>
+            <a:r>
+              <a:rPr lang="en-GB" dirty="0" smtClean="0"/>
+              <a:t>By default, there is no strong relationship between them</a:t>
+            </a:r>
+          </a:p>
+          <a:p>
+            <a:r>
+              <a:rPr lang="en-GB" dirty="0" smtClean="0"/>
+              <a:t>But can specify that tasks are created as </a:t>
+            </a:r>
+            <a:r>
+              <a:rPr lang="en-GB" dirty="0" smtClean="0"/>
+              <a:t>children, which changes behaviour</a:t>
+            </a:r>
+          </a:p>
+          <a:p>
+            <a:r>
+              <a:rPr lang="en-GB" dirty="0" smtClean="0"/>
+              <a:t>Watch out for exceptions…</a:t>
+            </a:r>
+            <a:endParaRPr lang="en-GB" dirty="0" smtClean="0"/>
           </a:p>
           <a:p>
             <a:r>
               <a:rPr lang="en-GB" dirty="0" smtClean="0"/>
               <a:t>Demo</a:t>
-            </a:r>
-          </a:p>
-          <a:p>
-            <a:pPr lvl="1"/>
-            <a:r>
-              <a:rPr lang="en-GB" dirty="0" smtClean="0"/>
-              <a:t>A basic </a:t>
-            </a:r>
-            <a:r>
-              <a:rPr lang="en-GB" dirty="0" err="1" smtClean="0"/>
-              <a:t>async</a:t>
-            </a:r>
-            <a:r>
-              <a:rPr lang="en-GB" dirty="0" smtClean="0"/>
-              <a:t> example</a:t>
-            </a:r>
-          </a:p>
-          <a:p>
-            <a:pPr lvl="1"/>
-            <a:r>
-              <a:rPr lang="en-GB" dirty="0" smtClean="0"/>
-              <a:t>And a complex one</a:t>
-            </a:r>
-          </a:p>
-          <a:p>
-            <a:pPr lvl="2"/>
-            <a:r>
-              <a:rPr lang="en-GB" dirty="0" smtClean="0"/>
-              <a:t>Which we may skip if time is tight</a:t>
             </a:r>
             <a:endParaRPr lang="en-GB" dirty="0"/>
           </a:p>
@@ -7315,6 +7428,13 @@
   <p:clrMapOvr>
     <a:masterClrMapping/>
   </p:clrMapOvr>
+  <p:timing>
+    <p:tnLst>
+      <p:par>
+        <p:cTn id="1" dur="indefinite" restart="never" nodeType="tmRoot"/>
+      </p:par>
+    </p:tnLst>
+  </p:timing>
 </p:sld>
 </file>
 
@@ -7352,7 +7472,11 @@
           <a:p>
             <a:r>
               <a:rPr lang="en-GB" dirty="0" err="1" smtClean="0"/>
-              <a:t>PLinq</a:t>
+              <a:t>Async</a:t>
+            </a:r>
+            <a:r>
+              <a:rPr lang="en-GB" dirty="0" smtClean="0"/>
+              <a:t> support in Tasks</a:t>
             </a:r>
             <a:endParaRPr lang="en-GB" dirty="0"/>
           </a:p>
@@ -7374,32 +7498,64 @@
           <a:lstStyle/>
           <a:p>
             <a:r>
+              <a:rPr lang="en-GB" dirty="0" smtClean="0"/>
+              <a:t>Tasks can support for asynchronous operations</a:t>
+            </a:r>
+          </a:p>
+          <a:p>
+            <a:pPr lvl="1"/>
+            <a:r>
+              <a:rPr lang="en-GB" dirty="0" smtClean="0"/>
+              <a:t>Web calls, File IO etc.</a:t>
+            </a:r>
+          </a:p>
+          <a:p>
+            <a:r>
+              <a:rPr lang="en-GB" dirty="0" smtClean="0"/>
+              <a:t>.</a:t>
+            </a:r>
+            <a:r>
               <a:rPr lang="en-GB" dirty="0" err="1" smtClean="0"/>
-              <a:t>Linq</a:t>
-            </a:r>
-            <a:r>
-              <a:rPr lang="en-GB" dirty="0" smtClean="0"/>
-              <a:t> (to Objects)</a:t>
+              <a:t>FromAsync</a:t>
+            </a:r>
+            <a:r>
+              <a:rPr lang="en-GB" dirty="0" smtClean="0"/>
+              <a:t>()</a:t>
+            </a:r>
+          </a:p>
+          <a:p>
+            <a:r>
+              <a:rPr lang="en-GB" dirty="0" smtClean="0"/>
+              <a:t>Demo</a:t>
             </a:r>
           </a:p>
           <a:p>
             <a:pPr lvl="1"/>
             <a:r>
               <a:rPr lang="en-GB" dirty="0" smtClean="0"/>
-              <a:t>But Parallel</a:t>
+              <a:t>A basic </a:t>
+            </a:r>
+            <a:r>
+              <a:rPr lang="en-GB" dirty="0" err="1" smtClean="0"/>
+              <a:t>async</a:t>
+            </a:r>
+            <a:r>
+              <a:rPr lang="en-GB" dirty="0" smtClean="0"/>
+              <a:t> example</a:t>
             </a:r>
           </a:p>
           <a:p>
             <a:pPr lvl="1"/>
             <a:r>
               <a:rPr lang="en-GB" dirty="0" smtClean="0"/>
-              <a:t>And easy</a:t>
-            </a:r>
-          </a:p>
-          <a:p>
-            <a:r>
-              <a:rPr lang="en-GB" dirty="0" smtClean="0"/>
-              <a:t>Demo</a:t>
+              <a:t>And a complex one</a:t>
+            </a:r>
+          </a:p>
+          <a:p>
+            <a:pPr lvl="2"/>
+            <a:r>
+              <a:rPr lang="en-GB" dirty="0" smtClean="0"/>
+              <a:t>Which we may skip if time is tight</a:t>
             </a:r>
             <a:endParaRPr lang="en-GB" dirty="0"/>
           </a:p>
@@ -7410,6 +7566,13 @@
   <p:clrMapOvr>
     <a:masterClrMapping/>
   </p:clrMapOvr>
+  <p:timing>
+    <p:tnLst>
+      <p:par>
+        <p:cTn id="1" dur="indefinite" restart="never" nodeType="tmRoot"/>
+      </p:par>
+    </p:tnLst>
+  </p:timing>
 </p:sld>
 </file>
 
@@ -7437,22 +7600,17 @@
             <a:spLocks noGrp="1"/>
           </p:cNvSpPr>
           <p:nvPr>
-            <p:ph type="ctrTitle"/>
-          </p:nvPr>
-        </p:nvSpPr>
-        <p:spPr>
-          <a:xfrm>
-            <a:off x="685800" y="2130425"/>
-            <a:ext cx="7772400" cy="1470025"/>
-          </a:xfrm>
-        </p:spPr>
-        <p:txBody>
-          <a:bodyPr/>
-          <a:lstStyle/>
-          <a:p>
-            <a:r>
-              <a:rPr lang="en-GB" dirty="0" smtClean="0"/>
-              <a:t>Why Concurrency?</a:t>
+            <p:ph type="title"/>
+          </p:nvPr>
+        </p:nvSpPr>
+        <p:spPr/>
+        <p:txBody>
+          <a:bodyPr/>
+          <a:lstStyle/>
+          <a:p>
+            <a:r>
+              <a:rPr lang="en-GB" dirty="0" smtClean="0"/>
+              <a:t>Topics</a:t>
             </a:r>
             <a:endParaRPr lang="en-GB" dirty="0"/>
           </a:p>
@@ -7460,20 +7618,69 @@
       </p:sp>
       <p:sp>
         <p:nvSpPr>
-          <p:cNvPr id="5" name="Subtitle 4"/>
-          <p:cNvSpPr>
-            <a:spLocks noGrp="1"/>
-          </p:cNvSpPr>
-          <p:nvPr>
-            <p:ph type="subTitle" idx="1"/>
-          </p:nvPr>
-        </p:nvSpPr>
-        <p:spPr/>
-        <p:txBody>
-          <a:bodyPr/>
-          <a:lstStyle/>
-          <a:p>
-            <a:endParaRPr lang="en-GB"/>
+          <p:cNvPr id="5" name="Content Placeholder 4"/>
+          <p:cNvSpPr>
+            <a:spLocks noGrp="1"/>
+          </p:cNvSpPr>
+          <p:nvPr>
+            <p:ph idx="1"/>
+          </p:nvPr>
+        </p:nvSpPr>
+        <p:spPr/>
+        <p:txBody>
+          <a:bodyPr/>
+          <a:lstStyle/>
+          <a:p>
+            <a:r>
+              <a:rPr lang="en-GB" dirty="0" smtClean="0"/>
+              <a:t>Why care about concurrency?</a:t>
+            </a:r>
+          </a:p>
+          <a:p>
+            <a:r>
+              <a:rPr lang="en-GB" dirty="0" smtClean="0"/>
+              <a:t>What’s wrong with what we’ve got?</a:t>
+            </a:r>
+          </a:p>
+          <a:p>
+            <a:r>
+              <a:rPr lang="en-GB" dirty="0" smtClean="0"/>
+              <a:t>TPL – Raising the abstraction</a:t>
+            </a:r>
+          </a:p>
+          <a:p>
+            <a:pPr lvl="1"/>
+            <a:r>
+              <a:rPr lang="en-GB" dirty="0" smtClean="0"/>
+              <a:t>Data parallelism</a:t>
+            </a:r>
+          </a:p>
+          <a:p>
+            <a:pPr lvl="1"/>
+            <a:r>
+              <a:rPr lang="en-GB" dirty="0" smtClean="0"/>
+              <a:t>Task parallelism</a:t>
+            </a:r>
+          </a:p>
+          <a:p>
+            <a:pPr lvl="1"/>
+            <a:r>
+              <a:rPr lang="en-GB" dirty="0" smtClean="0"/>
+              <a:t>Asynchronous Patterns</a:t>
+            </a:r>
+          </a:p>
+          <a:p>
+            <a:r>
+              <a:rPr lang="en-GB" dirty="0" smtClean="0"/>
+              <a:t>Other .Net 4 concurrency features</a:t>
+            </a:r>
+          </a:p>
+          <a:p>
+            <a:pPr lvl="1"/>
+            <a:endParaRPr lang="en-GB" dirty="0" smtClean="0"/>
+          </a:p>
+          <a:p>
+            <a:endParaRPr lang="en-GB" dirty="0"/>
           </a:p>
         </p:txBody>
       </p:sp>
@@ -7482,6 +7689,13 @@
   <p:clrMapOvr>
     <a:masterClrMapping/>
   </p:clrMapOvr>
+  <p:timing>
+    <p:tnLst>
+      <p:par>
+        <p:cTn id="1" dur="indefinite" restart="never" nodeType="tmRoot"/>
+      </p:par>
+    </p:tnLst>
+  </p:timing>
 </p:sld>
 </file>
 
@@ -7521,10 +7735,6 @@
               <a:rPr lang="en-GB" dirty="0" err="1" smtClean="0"/>
               <a:t>PLinq</a:t>
             </a:r>
-            <a:r>
-              <a:rPr lang="en-GB" dirty="0" smtClean="0"/>
-              <a:t> Notes</a:t>
-            </a:r>
             <a:endParaRPr lang="en-GB" dirty="0"/>
           </a:p>
         </p:txBody>
@@ -7545,123 +7755,33 @@
           <a:lstStyle/>
           <a:p>
             <a:r>
-              <a:rPr lang="en-GB" dirty="0" smtClean="0"/>
-              <a:t>Query is parallelised if useful</a:t>
+              <a:rPr lang="en-GB" dirty="0" err="1" smtClean="0"/>
+              <a:t>Linq</a:t>
+            </a:r>
+            <a:r>
+              <a:rPr lang="en-GB" dirty="0" smtClean="0"/>
+              <a:t> (to Objects)</a:t>
             </a:r>
           </a:p>
           <a:p>
             <a:pPr lvl="1"/>
             <a:r>
-              <a:rPr lang="en-GB" dirty="0" err="1" smtClean="0"/>
-              <a:t>Plinq</a:t>
-            </a:r>
-            <a:r>
-              <a:rPr lang="en-GB" dirty="0" smtClean="0"/>
-              <a:t> examines query to decide</a:t>
-            </a:r>
-          </a:p>
-          <a:p>
-            <a:r>
-              <a:rPr lang="en-GB" dirty="0" smtClean="0"/>
-              <a:t>Various options</a:t>
+              <a:rPr lang="en-GB" dirty="0" smtClean="0"/>
+              <a:t>But Parallel</a:t>
             </a:r>
           </a:p>
           <a:p>
             <a:pPr lvl="1"/>
             <a:r>
-              <a:rPr lang="en-GB" dirty="0" err="1" smtClean="0"/>
-              <a:t>WithExecutionMode</a:t>
-            </a:r>
-            <a:r>
-              <a:rPr lang="en-GB" dirty="0" smtClean="0"/>
-              <a:t>, </a:t>
-            </a:r>
-            <a:r>
-              <a:rPr lang="en-GB" dirty="0" err="1" smtClean="0"/>
-              <a:t>WithDegreeOfParallelism</a:t>
-            </a:r>
-            <a:r>
-              <a:rPr lang="en-GB" dirty="0" smtClean="0"/>
-              <a:t>,</a:t>
-            </a:r>
-          </a:p>
-          <a:p>
-            <a:pPr lvl="1">
-              <a:buNone/>
-            </a:pPr>
-            <a:r>
-              <a:rPr lang="en-GB" dirty="0" err="1" smtClean="0"/>
-              <a:t>WithCancellation</a:t>
-            </a:r>
-            <a:r>
-              <a:rPr lang="en-GB" dirty="0" smtClean="0"/>
-              <a:t>, </a:t>
-            </a:r>
-            <a:r>
-              <a:rPr lang="en-GB" dirty="0" err="1" smtClean="0"/>
-              <a:t>WithMergeOptions</a:t>
-            </a:r>
-            <a:endParaRPr lang="en-GB" dirty="0" smtClean="0"/>
-          </a:p>
-          <a:p>
-            <a:pPr lvl="1"/>
-            <a:r>
-              <a:rPr lang="en-GB" dirty="0" err="1" smtClean="0"/>
-              <a:t>AsParallel</a:t>
-            </a:r>
-            <a:r>
-              <a:rPr lang="en-GB" dirty="0" smtClean="0"/>
-              <a:t>, </a:t>
-            </a:r>
-            <a:r>
-              <a:rPr lang="en-GB" dirty="0" err="1" smtClean="0"/>
-              <a:t>AsSequential</a:t>
-            </a:r>
-            <a:r>
-              <a:rPr lang="en-GB" dirty="0" smtClean="0"/>
-              <a:t>, </a:t>
-            </a:r>
-            <a:r>
-              <a:rPr lang="en-GB" dirty="0" err="1" smtClean="0"/>
-              <a:t>AsOrdered</a:t>
-            </a:r>
-            <a:r>
-              <a:rPr lang="en-GB" dirty="0" smtClean="0"/>
-              <a:t>, </a:t>
-            </a:r>
-            <a:r>
-              <a:rPr lang="en-GB" dirty="0" err="1" smtClean="0"/>
-              <a:t>AsUnordered</a:t>
-            </a:r>
-            <a:endParaRPr lang="en-GB" dirty="0" smtClean="0"/>
-          </a:p>
-          <a:p>
-            <a:r>
-              <a:rPr lang="en-GB" dirty="0" smtClean="0"/>
-              <a:t>Exception handling, cancellation etc you already know</a:t>
-            </a:r>
-          </a:p>
-          <a:p>
-            <a:pPr lvl="1"/>
-            <a:r>
-              <a:rPr lang="en-GB" dirty="0" smtClean="0"/>
-              <a:t>See, all that previous stuff was worthwhile </a:t>
-            </a:r>
-            <a:r>
-              <a:rPr lang="en-US" dirty="0" err="1" smtClean="0">
-                <a:sym typeface="Wingdings"/>
-              </a:rPr>
-              <a:t></a:t>
-            </a:r>
-            <a:endParaRPr lang="en-GB" dirty="0" smtClean="0"/>
-          </a:p>
-          <a:p>
-            <a:pPr lvl="1">
-              <a:buNone/>
-            </a:pPr>
-            <a:endParaRPr lang="en-GB" dirty="0" smtClean="0"/>
-          </a:p>
-          <a:p>
+              <a:rPr lang="en-GB" dirty="0" smtClean="0"/>
+              <a:t>And easy</a:t>
+            </a:r>
+          </a:p>
+          <a:p>
+            <a:r>
+              <a:rPr lang="en-GB" dirty="0" smtClean="0"/>
+              <a:t>Demo</a:t>
+            </a:r>
             <a:endParaRPr lang="en-GB" dirty="0"/>
           </a:p>
         </p:txBody>
@@ -7671,6 +7791,13 @@
   <p:clrMapOvr>
     <a:masterClrMapping/>
   </p:clrMapOvr>
+  <p:timing>
+    <p:tnLst>
+      <p:par>
+        <p:cTn id="1" dur="indefinite" restart="never" nodeType="tmRoot"/>
+      </p:par>
+    </p:tnLst>
+  </p:timing>
 </p:sld>
 </file>
 
@@ -7707,8 +7834,12 @@
           <a:lstStyle/>
           <a:p>
             <a:r>
-              <a:rPr lang="en-GB" dirty="0" smtClean="0"/>
-              <a:t>Misc</a:t>
+              <a:rPr lang="en-GB" dirty="0" err="1" smtClean="0"/>
+              <a:t>PLinq</a:t>
+            </a:r>
+            <a:r>
+              <a:rPr lang="en-GB" dirty="0" smtClean="0"/>
+              <a:t> Notes</a:t>
             </a:r>
             <a:endParaRPr lang="en-GB" dirty="0"/>
           </a:p>
@@ -7731,29 +7862,106 @@
           <a:p>
             <a:r>
               <a:rPr lang="en-GB" dirty="0" smtClean="0"/>
-              <a:t>Running tasks on the UI Thread</a:t>
+              <a:t>Query is parallelised if useful</a:t>
             </a:r>
           </a:p>
           <a:p>
             <a:pPr lvl="1"/>
             <a:r>
-              <a:rPr lang="en-GB" dirty="0" smtClean="0"/>
-              <a:t>Demo.  Shows Continuations, </a:t>
-            </a:r>
-            <a:r>
               <a:rPr lang="en-GB" dirty="0" err="1" smtClean="0"/>
-              <a:t>Parallel.For</a:t>
-            </a:r>
-            <a:r>
-              <a:rPr lang="en-GB" dirty="0" smtClean="0"/>
-              <a:t> &amp; UI thread operations</a:t>
-            </a:r>
-          </a:p>
-          <a:p>
-            <a:pPr lvl="2"/>
-            <a:r>
-              <a:rPr lang="en-GB" dirty="0" smtClean="0"/>
-              <a:t>Thanks to MSDN </a:t>
+              <a:t>Plinq</a:t>
+            </a:r>
+            <a:r>
+              <a:rPr lang="en-GB" dirty="0" smtClean="0"/>
+              <a:t> examines query to decide</a:t>
+            </a:r>
+          </a:p>
+          <a:p>
+            <a:r>
+              <a:rPr lang="en-GB" dirty="0" smtClean="0"/>
+              <a:t>Various options</a:t>
+            </a:r>
+          </a:p>
+          <a:p>
+            <a:pPr lvl="1"/>
+            <a:r>
+              <a:rPr lang="en-GB" dirty="0" err="1" smtClean="0"/>
+              <a:t>WithExecutionMode</a:t>
+            </a:r>
+            <a:r>
+              <a:rPr lang="en-GB" dirty="0" smtClean="0"/>
+              <a:t>, </a:t>
+            </a:r>
+            <a:r>
+              <a:rPr lang="en-GB" dirty="0" err="1" smtClean="0"/>
+              <a:t>WithDegreeOfParallelism</a:t>
+            </a:r>
+            <a:r>
+              <a:rPr lang="en-GB" dirty="0" smtClean="0"/>
+              <a:t>,</a:t>
+            </a:r>
+          </a:p>
+          <a:p>
+            <a:pPr lvl="1">
+              <a:buNone/>
+            </a:pPr>
+            <a:r>
+              <a:rPr lang="en-GB" dirty="0" err="1" smtClean="0"/>
+              <a:t>WithCancellation</a:t>
+            </a:r>
+            <a:r>
+              <a:rPr lang="en-GB" dirty="0" smtClean="0"/>
+              <a:t>, </a:t>
+            </a:r>
+            <a:r>
+              <a:rPr lang="en-GB" dirty="0" err="1" smtClean="0"/>
+              <a:t>WithMergeOptions</a:t>
+            </a:r>
+            <a:endParaRPr lang="en-GB" dirty="0" smtClean="0"/>
+          </a:p>
+          <a:p>
+            <a:pPr lvl="1"/>
+            <a:r>
+              <a:rPr lang="en-GB" dirty="0" err="1" smtClean="0"/>
+              <a:t>AsParallel</a:t>
+            </a:r>
+            <a:r>
+              <a:rPr lang="en-GB" dirty="0" smtClean="0"/>
+              <a:t>, </a:t>
+            </a:r>
+            <a:r>
+              <a:rPr lang="en-GB" dirty="0" err="1" smtClean="0"/>
+              <a:t>AsSequential</a:t>
+            </a:r>
+            <a:r>
+              <a:rPr lang="en-GB" dirty="0" smtClean="0"/>
+              <a:t>, </a:t>
+            </a:r>
+            <a:r>
+              <a:rPr lang="en-GB" dirty="0" err="1" smtClean="0"/>
+              <a:t>AsOrdered</a:t>
+            </a:r>
+            <a:r>
+              <a:rPr lang="en-GB" dirty="0" smtClean="0"/>
+              <a:t>, </a:t>
+            </a:r>
+            <a:r>
+              <a:rPr lang="en-GB" dirty="0" err="1" smtClean="0"/>
+              <a:t>AsUnordered</a:t>
+            </a:r>
+            <a:endParaRPr lang="en-GB" dirty="0" smtClean="0"/>
+          </a:p>
+          <a:p>
+            <a:r>
+              <a:rPr lang="en-GB" dirty="0" smtClean="0"/>
+              <a:t>Exception handling, cancellation etc you already know</a:t>
+            </a:r>
+          </a:p>
+          <a:p>
+            <a:pPr lvl="1"/>
+            <a:r>
+              <a:rPr lang="en-GB" dirty="0" smtClean="0"/>
+              <a:t>See, all that previous stuff was worthwhile </a:t>
             </a:r>
             <a:r>
               <a:rPr lang="en-US" dirty="0" err="1" smtClean="0">
@@ -7761,60 +7969,15 @@
               </a:rPr>
               <a:t></a:t>
             </a:r>
-            <a:endParaRPr lang="en-US" dirty="0" smtClean="0">
-              <a:sym typeface="Wingdings"/>
-            </a:endParaRPr>
-          </a:p>
-          <a:p>
-            <a:r>
-              <a:rPr lang="en-US" dirty="0" err="1" smtClean="0">
-                <a:sym typeface="Wingdings"/>
-              </a:rPr>
-              <a:t>TaskContinuationOptions.LongRunning</a:t>
-            </a:r>
-            <a:endParaRPr lang="en-US" dirty="0" smtClean="0">
-              <a:sym typeface="Wingdings"/>
-            </a:endParaRPr>
-          </a:p>
-          <a:p>
-            <a:pPr lvl="1"/>
-            <a:r>
-              <a:rPr lang="en-US" dirty="0" smtClean="0">
-                <a:sym typeface="Wingdings"/>
-              </a:rPr>
-              <a:t>Scheduler hint</a:t>
-            </a:r>
-          </a:p>
-          <a:p>
-            <a:r>
-              <a:rPr lang="en-US" dirty="0" smtClean="0">
-                <a:sym typeface="Wingdings"/>
-              </a:rPr>
-              <a:t>Concurrency </a:t>
-            </a:r>
-            <a:r>
-              <a:rPr lang="en-US" dirty="0" err="1" smtClean="0">
-                <a:sym typeface="Wingdings"/>
-              </a:rPr>
-              <a:t>Visualizer</a:t>
-            </a:r>
-            <a:endParaRPr lang="en-US" dirty="0" smtClean="0">
-              <a:sym typeface="Wingdings"/>
-            </a:endParaRPr>
-          </a:p>
-          <a:p>
-            <a:pPr lvl="1"/>
-            <a:r>
-              <a:rPr lang="en-US" dirty="0" smtClean="0">
-                <a:sym typeface="Wingdings"/>
-              </a:rPr>
-              <a:t>Useful reports from the VS2010 profiler</a:t>
-            </a:r>
-          </a:p>
-          <a:p>
-            <a:pPr>
+            <a:endParaRPr lang="en-GB" dirty="0" smtClean="0"/>
+          </a:p>
+          <a:p>
+            <a:pPr lvl="1">
               <a:buNone/>
             </a:pPr>
+            <a:endParaRPr lang="en-GB" dirty="0" smtClean="0"/>
+          </a:p>
+          <a:p>
             <a:endParaRPr lang="en-GB" dirty="0"/>
           </a:p>
         </p:txBody>
@@ -7824,6 +7987,13 @@
   <p:clrMapOvr>
     <a:masterClrMapping/>
   </p:clrMapOvr>
+  <p:timing>
+    <p:tnLst>
+      <p:par>
+        <p:cTn id="1" dur="indefinite" restart="never" nodeType="tmRoot"/>
+      </p:par>
+    </p:tnLst>
+  </p:timing>
 </p:sld>
 </file>
 
@@ -7861,7 +8031,7 @@
           <a:p>
             <a:r>
               <a:rPr lang="en-GB" dirty="0" smtClean="0"/>
-              <a:t>And Other Stuff</a:t>
+              <a:t>Misc</a:t>
             </a:r>
             <a:endParaRPr lang="en-GB" dirty="0"/>
           </a:p>
@@ -7883,138 +8053,91 @@
           <a:lstStyle/>
           <a:p>
             <a:r>
+              <a:rPr lang="en-GB" dirty="0" smtClean="0"/>
+              <a:t>Running tasks on the UI Thread</a:t>
+            </a:r>
+          </a:p>
+          <a:p>
+            <a:pPr lvl="1"/>
+            <a:r>
+              <a:rPr lang="en-GB" dirty="0" smtClean="0"/>
+              <a:t>Demo.  Shows Continuations, </a:t>
+            </a:r>
+            <a:r>
               <a:rPr lang="en-GB" dirty="0" err="1" smtClean="0"/>
-              <a:t>System.Collections.Concurrent</a:t>
-            </a:r>
-            <a:endParaRPr lang="en-GB" dirty="0" smtClean="0"/>
+              <a:t>Parallel.For</a:t>
+            </a:r>
+            <a:r>
+              <a:rPr lang="en-GB" dirty="0" smtClean="0"/>
+              <a:t> &amp; UI thread operations</a:t>
+            </a:r>
+          </a:p>
+          <a:p>
+            <a:pPr lvl="2"/>
+            <a:r>
+              <a:rPr lang="en-GB" dirty="0" smtClean="0"/>
+              <a:t>Thanks to MSDN </a:t>
+            </a:r>
+            <a:r>
+              <a:rPr lang="en-US" dirty="0" err="1" smtClean="0">
+                <a:sym typeface="Wingdings"/>
+              </a:rPr>
+              <a:t></a:t>
+            </a:r>
+            <a:endParaRPr lang="en-US" dirty="0" smtClean="0">
+              <a:sym typeface="Wingdings"/>
+            </a:endParaRPr>
+          </a:p>
+          <a:p>
+            <a:r>
+              <a:rPr lang="en-US" dirty="0" err="1" smtClean="0">
+                <a:sym typeface="Wingdings"/>
+              </a:rPr>
+              <a:t>TaskContinuationOptions.LongRunning</a:t>
+            </a:r>
+            <a:endParaRPr lang="en-US" dirty="0" smtClean="0">
+              <a:sym typeface="Wingdings"/>
+            </a:endParaRPr>
           </a:p>
           <a:p>
             <a:pPr lvl="1"/>
             <a:r>
-              <a:rPr lang="en-GB" dirty="0" err="1" smtClean="0"/>
-              <a:t>ConcurrentDictionary</a:t>
-            </a:r>
-            <a:r>
-              <a:rPr lang="en-GB" dirty="0" smtClean="0"/>
-              <a:t>, </a:t>
-            </a:r>
-            <a:r>
-              <a:rPr lang="en-GB" dirty="0" err="1" smtClean="0"/>
-              <a:t>ConcurrentStack</a:t>
-            </a:r>
-            <a:r>
-              <a:rPr lang="en-GB" dirty="0" smtClean="0"/>
-              <a:t>, </a:t>
-            </a:r>
-            <a:r>
-              <a:rPr lang="en-GB" dirty="0" err="1" smtClean="0"/>
-              <a:t>ConcurrentQueue</a:t>
-            </a:r>
-            <a:r>
-              <a:rPr lang="en-GB" dirty="0" smtClean="0"/>
-              <a:t>, </a:t>
-            </a:r>
-            <a:r>
-              <a:rPr lang="en-GB" dirty="0" err="1" smtClean="0"/>
-              <a:t>ConcurrentBag</a:t>
-            </a:r>
-            <a:r>
-              <a:rPr lang="en-GB" dirty="0" smtClean="0"/>
-              <a:t>, </a:t>
-            </a:r>
-            <a:r>
-              <a:rPr lang="en-GB" dirty="0" err="1" smtClean="0"/>
-              <a:t>BlockingCollection</a:t>
-            </a:r>
-            <a:endParaRPr lang="en-GB" dirty="0" smtClean="0"/>
-          </a:p>
-          <a:p>
-            <a:r>
-              <a:rPr lang="en-GB" dirty="0" err="1" smtClean="0"/>
-              <a:t>System.Threading</a:t>
-            </a:r>
-            <a:endParaRPr lang="en-GB" dirty="0" smtClean="0"/>
+              <a:rPr lang="en-US" dirty="0" smtClean="0">
+                <a:sym typeface="Wingdings"/>
+              </a:rPr>
+              <a:t>Scheduler hint</a:t>
+            </a:r>
+          </a:p>
+          <a:p>
+            <a:r>
+              <a:rPr lang="en-US" dirty="0" smtClean="0">
+                <a:sym typeface="Wingdings"/>
+              </a:rPr>
+              <a:t>Concurrency </a:t>
+            </a:r>
+            <a:r>
+              <a:rPr lang="en-US" dirty="0" err="1" smtClean="0">
+                <a:sym typeface="Wingdings"/>
+              </a:rPr>
+              <a:t>Visualizer</a:t>
+            </a:r>
+            <a:endParaRPr lang="en-US" dirty="0" smtClean="0">
+              <a:sym typeface="Wingdings"/>
+            </a:endParaRPr>
           </a:p>
           <a:p>
             <a:pPr lvl="1"/>
             <a:r>
-              <a:rPr lang="en-GB" dirty="0" smtClean="0"/>
-              <a:t>Barrier, </a:t>
-            </a:r>
-            <a:r>
-              <a:rPr lang="en-GB" dirty="0" err="1" smtClean="0"/>
-              <a:t>CountdownEvent</a:t>
-            </a:r>
-            <a:r>
-              <a:rPr lang="en-GB" dirty="0" smtClean="0"/>
-              <a:t>, </a:t>
-            </a:r>
-            <a:r>
-              <a:rPr lang="en-GB" dirty="0" err="1" smtClean="0"/>
-              <a:t>ManualResetEventSlim</a:t>
-            </a:r>
-            <a:r>
-              <a:rPr lang="en-GB" dirty="0" smtClean="0"/>
-              <a:t>, </a:t>
-            </a:r>
-            <a:r>
-              <a:rPr lang="en-GB" dirty="0" err="1" smtClean="0"/>
-              <a:t>SemaphoreSlim</a:t>
-            </a:r>
-            <a:r>
-              <a:rPr lang="en-GB" dirty="0" smtClean="0"/>
-              <a:t>, </a:t>
-            </a:r>
-            <a:r>
-              <a:rPr lang="en-GB" dirty="0" err="1" smtClean="0"/>
-              <a:t>SpinLock</a:t>
-            </a:r>
-            <a:r>
-              <a:rPr lang="en-GB" dirty="0" smtClean="0"/>
-              <a:t>, </a:t>
-            </a:r>
-            <a:r>
-              <a:rPr lang="en-GB" dirty="0" err="1" smtClean="0"/>
-              <a:t>SpinWait</a:t>
-            </a:r>
-            <a:r>
-              <a:rPr lang="en-GB" dirty="0" smtClean="0"/>
-              <a:t>, </a:t>
-            </a:r>
-            <a:r>
-              <a:rPr lang="en-GB" dirty="0" err="1" smtClean="0"/>
-              <a:t>ThreadLocal</a:t>
-            </a:r>
-            <a:r>
-              <a:rPr lang="en-GB" dirty="0" smtClean="0"/>
-              <a:t>&lt;T&gt;, </a:t>
-            </a:r>
-            <a:r>
-              <a:rPr lang="en-GB" dirty="0" err="1" smtClean="0"/>
-              <a:t>LazyInitializer</a:t>
-            </a:r>
-            <a:endParaRPr lang="en-GB" dirty="0" smtClean="0"/>
-          </a:p>
-          <a:p>
-            <a:r>
-              <a:rPr lang="en-GB" dirty="0" err="1" smtClean="0"/>
-              <a:t>System.Lazy</a:t>
-            </a:r>
-            <a:r>
-              <a:rPr lang="en-GB" dirty="0" smtClean="0"/>
-              <a:t>&lt;T&gt;</a:t>
+              <a:rPr lang="en-US" dirty="0" smtClean="0">
+                <a:sym typeface="Wingdings"/>
+              </a:rPr>
+              <a:t>Useful reports from the VS2010 profiler</a:t>
             </a:r>
           </a:p>
           <a:p>
             <a:pPr>
               <a:buNone/>
             </a:pPr>
-            <a:endParaRPr lang="en-GB" dirty="0" smtClean="0"/>
-          </a:p>
-          <a:p>
-            <a:endParaRPr lang="en-GB" dirty="0" smtClean="0"/>
-          </a:p>
-          <a:p>
             <a:endParaRPr lang="en-GB" dirty="0"/>
           </a:p>
         </p:txBody>
@@ -8024,6 +8147,13 @@
   <p:clrMapOvr>
     <a:masterClrMapping/>
   </p:clrMapOvr>
+  <p:timing>
+    <p:tnLst>
+      <p:par>
+        <p:cTn id="1" dur="indefinite" restart="never" nodeType="tmRoot"/>
+      </p:par>
+    </p:tnLst>
+  </p:timing>
 </p:sld>
 </file>
 
@@ -8060,8 +8190,8 @@
           <a:lstStyle/>
           <a:p>
             <a:r>
-              <a:rPr lang="en-GB" smtClean="0"/>
-              <a:t>Remember</a:t>
+              <a:rPr lang="en-GB" dirty="0" smtClean="0"/>
+              <a:t>And Other Stuff</a:t>
             </a:r>
             <a:endParaRPr lang="en-GB" dirty="0"/>
           </a:p>
@@ -8083,56 +8213,138 @@
           <a:lstStyle/>
           <a:p>
             <a:r>
-              <a:rPr lang="en-GB" sz="2400" dirty="0" smtClean="0"/>
-              <a:t>Always measure; do not assume parallel is faster</a:t>
-            </a:r>
-          </a:p>
-          <a:p>
-            <a:r>
-              <a:rPr lang="en-GB" sz="2400" dirty="0" smtClean="0"/>
-              <a:t>Avoid shared memory</a:t>
-            </a:r>
-          </a:p>
-          <a:p>
-            <a:r>
-              <a:rPr lang="en-GB" sz="2400" dirty="0" smtClean="0"/>
-              <a:t>Avoid too much parallelism</a:t>
-            </a:r>
-          </a:p>
-          <a:p>
-            <a:r>
-              <a:rPr lang="en-GB" sz="2400" dirty="0" smtClean="0"/>
-              <a:t>Avoid non-thread-safe methods</a:t>
-            </a:r>
-          </a:p>
-          <a:p>
-            <a:r>
-              <a:rPr lang="en-GB" sz="2400" dirty="0" smtClean="0"/>
-              <a:t>Limit calls to “thread safe” methods</a:t>
-            </a:r>
+              <a:rPr lang="en-GB" dirty="0" err="1" smtClean="0"/>
+              <a:t>System.Collections.Concurrent</a:t>
+            </a:r>
+            <a:endParaRPr lang="en-GB" dirty="0" smtClean="0"/>
           </a:p>
           <a:p>
             <a:pPr lvl="1"/>
             <a:r>
-              <a:rPr lang="en-GB" sz="2400" dirty="0" smtClean="0"/>
-              <a:t>They may be locking, and hence killing your concurrency</a:t>
-            </a:r>
-          </a:p>
-          <a:p>
-            <a:r>
-              <a:rPr lang="en-GB" sz="2400" dirty="0" smtClean="0"/>
-              <a:t>Don’t assume parallelism =&gt; potential for deadlock</a:t>
-            </a:r>
+              <a:rPr lang="en-GB" dirty="0" err="1" smtClean="0"/>
+              <a:t>ConcurrentDictionary</a:t>
+            </a:r>
+            <a:r>
+              <a:rPr lang="en-GB" dirty="0" smtClean="0"/>
+              <a:t>, </a:t>
+            </a:r>
+            <a:r>
+              <a:rPr lang="en-GB" dirty="0" err="1" smtClean="0"/>
+              <a:t>ConcurrentStack</a:t>
+            </a:r>
+            <a:r>
+              <a:rPr lang="en-GB" dirty="0" smtClean="0"/>
+              <a:t>, </a:t>
+            </a:r>
+            <a:r>
+              <a:rPr lang="en-GB" dirty="0" err="1" smtClean="0"/>
+              <a:t>ConcurrentQueue</a:t>
+            </a:r>
+            <a:r>
+              <a:rPr lang="en-GB" dirty="0" smtClean="0"/>
+              <a:t>, </a:t>
+            </a:r>
+            <a:r>
+              <a:rPr lang="en-GB" dirty="0" err="1" smtClean="0"/>
+              <a:t>ConcurrentBag</a:t>
+            </a:r>
+            <a:r>
+              <a:rPr lang="en-GB" dirty="0" smtClean="0"/>
+              <a:t>, </a:t>
+            </a:r>
+            <a:r>
+              <a:rPr lang="en-GB" dirty="0" err="1" smtClean="0"/>
+              <a:t>BlockingCollection</a:t>
+            </a:r>
+            <a:endParaRPr lang="en-GB" dirty="0" smtClean="0"/>
+          </a:p>
+          <a:p>
+            <a:r>
+              <a:rPr lang="en-GB" dirty="0" err="1" smtClean="0"/>
+              <a:t>System.Threading</a:t>
+            </a:r>
+            <a:endParaRPr lang="en-GB" dirty="0" smtClean="0"/>
           </a:p>
           <a:p>
             <a:pPr lvl="1"/>
             <a:r>
-              <a:rPr lang="en-GB" sz="2400" dirty="0" smtClean="0"/>
-              <a:t>One iteration should never wait on the completion of another iteration</a:t>
-            </a:r>
-          </a:p>
-          <a:p>
-            <a:pPr lvl="2"/>
+              <a:rPr lang="en-GB" dirty="0" smtClean="0"/>
+              <a:t>Barrier, </a:t>
+            </a:r>
+            <a:r>
+              <a:rPr lang="en-GB" dirty="0" err="1" smtClean="0"/>
+              <a:t>CountdownEvent</a:t>
+            </a:r>
+            <a:r>
+              <a:rPr lang="en-GB" dirty="0" smtClean="0"/>
+              <a:t>, </a:t>
+            </a:r>
+            <a:r>
+              <a:rPr lang="en-GB" dirty="0" err="1" smtClean="0"/>
+              <a:t>ManualResetEventSlim</a:t>
+            </a:r>
+            <a:r>
+              <a:rPr lang="en-GB" dirty="0" smtClean="0"/>
+              <a:t>, </a:t>
+            </a:r>
+            <a:r>
+              <a:rPr lang="en-GB" dirty="0" err="1" smtClean="0"/>
+              <a:t>SemaphoreSlim</a:t>
+            </a:r>
+            <a:r>
+              <a:rPr lang="en-GB" dirty="0" smtClean="0"/>
+              <a:t>, </a:t>
+            </a:r>
+            <a:r>
+              <a:rPr lang="en-GB" dirty="0" err="1" smtClean="0"/>
+              <a:t>SpinLock</a:t>
+            </a:r>
+            <a:r>
+              <a:rPr lang="en-GB" dirty="0" smtClean="0"/>
+              <a:t>, </a:t>
+            </a:r>
+            <a:r>
+              <a:rPr lang="en-GB" dirty="0" err="1" smtClean="0"/>
+              <a:t>SpinWait</a:t>
+            </a:r>
+            <a:r>
+              <a:rPr lang="en-GB" dirty="0" smtClean="0"/>
+              <a:t>, </a:t>
+            </a:r>
+            <a:r>
+              <a:rPr lang="en-GB" dirty="0" err="1" smtClean="0"/>
+              <a:t>ThreadLocal</a:t>
+            </a:r>
+            <a:r>
+              <a:rPr lang="en-GB" dirty="0" smtClean="0"/>
+              <a:t>&lt;T&gt;, </a:t>
+            </a:r>
+            <a:r>
+              <a:rPr lang="en-GB" dirty="0" err="1" smtClean="0"/>
+              <a:t>LazyInitializer</a:t>
+            </a:r>
+            <a:endParaRPr lang="en-GB" dirty="0" smtClean="0"/>
+          </a:p>
+          <a:p>
+            <a:r>
+              <a:rPr lang="en-GB" dirty="0" err="1" smtClean="0"/>
+              <a:t>System.Lazy</a:t>
+            </a:r>
+            <a:r>
+              <a:rPr lang="en-GB" dirty="0" smtClean="0"/>
+              <a:t>&lt;T&gt;</a:t>
+            </a:r>
+          </a:p>
+          <a:p>
+            <a:pPr>
+              <a:buNone/>
+            </a:pPr>
+            <a:endParaRPr lang="en-GB" dirty="0" smtClean="0"/>
+          </a:p>
+          <a:p>
+            <a:endParaRPr lang="en-GB" dirty="0" smtClean="0"/>
+          </a:p>
+          <a:p>
             <a:endParaRPr lang="en-GB" dirty="0"/>
           </a:p>
         </p:txBody>
@@ -8142,6 +8354,13 @@
   <p:clrMapOvr>
     <a:masterClrMapping/>
   </p:clrMapOvr>
+  <p:timing>
+    <p:tnLst>
+      <p:par>
+        <p:cTn id="1" dur="indefinite" restart="never" nodeType="tmRoot"/>
+      </p:par>
+    </p:tnLst>
+  </p:timing>
 </p:sld>
 </file>
 
@@ -8178,8 +8397,8 @@
           <a:lstStyle/>
           <a:p>
             <a:r>
-              <a:rPr lang="en-GB" dirty="0" smtClean="0"/>
-              <a:t>References</a:t>
+              <a:rPr lang="en-GB" smtClean="0"/>
+              <a:t>Remember</a:t>
             </a:r>
             <a:endParaRPr lang="en-GB" dirty="0"/>
           </a:p>
@@ -8201,124 +8420,57 @@
           <a:lstStyle/>
           <a:p>
             <a:r>
-              <a:rPr lang="en-US" sz="1600" dirty="0" smtClean="0"/>
-              <a:t>MSDN Parallel Computing Site</a:t>
+              <a:rPr lang="en-GB" sz="2400" dirty="0" smtClean="0"/>
+              <a:t>Always measure; do not assume parallel is faster</a:t>
+            </a:r>
+          </a:p>
+          <a:p>
+            <a:r>
+              <a:rPr lang="en-GB" sz="2400" dirty="0" smtClean="0"/>
+              <a:t>Avoid shared memory</a:t>
+            </a:r>
+          </a:p>
+          <a:p>
+            <a:r>
+              <a:rPr lang="en-GB" sz="2400" dirty="0" smtClean="0"/>
+              <a:t>Avoid too much parallelism</a:t>
+            </a:r>
+          </a:p>
+          <a:p>
+            <a:r>
+              <a:rPr lang="en-GB" sz="2400" dirty="0" smtClean="0"/>
+              <a:t>Avoid non-thread-safe methods</a:t>
+            </a:r>
+          </a:p>
+          <a:p>
+            <a:r>
+              <a:rPr lang="en-GB" sz="2400" dirty="0" smtClean="0"/>
+              <a:t>Limit calls to “thread safe” methods</a:t>
             </a:r>
           </a:p>
           <a:p>
             <a:pPr lvl="1"/>
             <a:r>
-              <a:rPr lang="en-US" sz="1600" dirty="0" smtClean="0"/>
-              <a:t>http://msdn.microsoft.com/en-us/concurrency/</a:t>
-            </a:r>
-            <a:r>
-              <a:rPr lang="en-US" sz="1600" dirty="0" smtClean="0"/>
-              <a:t>default.aspx </a:t>
-            </a:r>
-          </a:p>
-          <a:p>
-            <a:r>
-              <a:rPr lang="en-US" sz="1600" dirty="0" smtClean="0"/>
-              <a:t>.Net Parallel Programming</a:t>
+              <a:rPr lang="en-GB" sz="2400" dirty="0" smtClean="0"/>
+              <a:t>They may be locking, and hence killing your concurrency</a:t>
+            </a:r>
+          </a:p>
+          <a:p>
+            <a:r>
+              <a:rPr lang="en-GB" sz="2400" dirty="0" smtClean="0"/>
+              <a:t>Don’t assume parallelism =&gt; potential for deadlock</a:t>
             </a:r>
           </a:p>
           <a:p>
             <a:pPr lvl="1"/>
             <a:r>
-              <a:rPr lang="en-US" sz="1600" dirty="0" smtClean="0"/>
-              <a:t>http://msdn.microsoft.com/en-us/library/dd460693(VS.100).</a:t>
-            </a:r>
-            <a:r>
-              <a:rPr lang="en-US" sz="1600" dirty="0" smtClean="0"/>
-              <a:t>aspx </a:t>
-            </a:r>
-          </a:p>
-          <a:p>
-            <a:r>
-              <a:rPr lang="en-US" sz="1600" dirty="0" smtClean="0"/>
-              <a:t>MSDN Parallel Programming Blog</a:t>
-            </a:r>
-          </a:p>
-          <a:p>
-            <a:pPr lvl="1"/>
-            <a:r>
-              <a:rPr lang="en-US" sz="1600" dirty="0" smtClean="0"/>
-              <a:t>http://blogs.msdn.com/b/pfxteam</a:t>
-            </a:r>
-            <a:r>
-              <a:rPr lang="en-US" sz="1600" dirty="0" smtClean="0"/>
-              <a:t>/ </a:t>
-            </a:r>
-          </a:p>
-          <a:p>
-            <a:r>
-              <a:rPr lang="en-US" sz="1600" dirty="0" smtClean="0"/>
-              <a:t>Task Parallel Library</a:t>
-            </a:r>
-          </a:p>
-          <a:p>
-            <a:pPr lvl="1"/>
-            <a:r>
-              <a:rPr lang="en-US" sz="1600" dirty="0" smtClean="0"/>
-              <a:t>http://msdn.microsoft.com/en-us/library/dd460717.aspx</a:t>
-            </a:r>
-          </a:p>
-          <a:p>
-            <a:r>
-              <a:rPr lang="en-US" sz="1600" dirty="0" smtClean="0"/>
-              <a:t>Extensive </a:t>
-            </a:r>
-            <a:r>
-              <a:rPr lang="en-US" sz="1600" dirty="0" err="1" smtClean="0"/>
-              <a:t>Samples</a:t>
-            </a:r>
-          </a:p>
-          <a:p>
-            <a:pPr lvl="1"/>
-            <a:r>
-              <a:rPr lang="en-US" sz="1600" dirty="0" smtClean="0"/>
-              <a:t>http</a:t>
-            </a:r>
-            <a:r>
-              <a:rPr lang="en-US" sz="1600" dirty="0" smtClean="0"/>
-              <a:t>://code.msdn.microsoft.com/Project/Download/FileDownload.aspx?ProjectName=ParExtSamples&amp;DownloadId=</a:t>
-            </a:r>
-            <a:r>
-              <a:rPr lang="en-US" sz="1600" dirty="0" smtClean="0"/>
-              <a:t>10226 </a:t>
-            </a:r>
-          </a:p>
-          <a:p>
-            <a:pPr marL="342900" lvl="1" indent="-342900">
-              <a:buFont typeface="Arial" pitchFamily="34" charset="0"/>
-              <a:buChar char="•"/>
-            </a:pPr>
-            <a:r>
-              <a:rPr lang="en-US" sz="1600" dirty="0" smtClean="0"/>
-              <a:t>Concurrency </a:t>
-            </a:r>
-            <a:r>
-              <a:rPr lang="en-US" sz="1600" dirty="0" err="1" smtClean="0"/>
-              <a:t>Visualizer</a:t>
-            </a:r>
-            <a:endParaRPr lang="en-US" sz="1600" dirty="0" smtClean="0"/>
-          </a:p>
-          <a:p>
-            <a:pPr marL="742950" lvl="2" indent="-342900"/>
-            <a:r>
-              <a:rPr lang="en-US" sz="1600" dirty="0" smtClean="0"/>
-              <a:t>http://msdn.microsoft.com/en-us/library/dd537632.</a:t>
-            </a:r>
-            <a:r>
-              <a:rPr lang="en-US" sz="1600" dirty="0" smtClean="0"/>
-              <a:t>aspx </a:t>
-            </a:r>
-          </a:p>
-          <a:p>
-            <a:pPr marL="742950" lvl="2" indent="-342900">
-              <a:buNone/>
-            </a:pPr>
-            <a:endParaRPr lang="en-GB" sz="1600" dirty="0"/>
+              <a:rPr lang="en-GB" sz="2400" dirty="0" smtClean="0"/>
+              <a:t>One iteration should never wait on the completion of another iteration</a:t>
+            </a:r>
+          </a:p>
+          <a:p>
+            <a:pPr lvl="2"/>
+            <a:endParaRPr lang="en-GB" dirty="0"/>
           </a:p>
         </p:txBody>
       </p:sp>
@@ -8327,10 +8479,306 @@
   <p:clrMapOvr>
     <a:masterClrMapping/>
   </p:clrMapOvr>
+  <p:timing>
+    <p:tnLst>
+      <p:par>
+        <p:cTn id="1" dur="indefinite" restart="never" nodeType="tmRoot"/>
+      </p:par>
+    </p:tnLst>
+  </p:timing>
+</p:sld>
+</file>
+
+<file path=ppt/slides/slide35.xml><?xml version="1.0" encoding="utf-8"?>
+<p:sld xmlns:a="http://schemas.openxmlformats.org/drawingml/2006/main" xmlns:r="http://schemas.openxmlformats.org/officeDocument/2006/relationships" xmlns:mc="http://schemas.openxmlformats.org/markup-compatibility/2006" xmlns:mv="urn:schemas-microsoft-com:mac:vml" xmlns:p="http://schemas.openxmlformats.org/presentationml/2006/main" mc:Ignorable="mv" mc:PreserveAttributes="mv:*">
+  <p:cSld>
+    <p:spTree>
+      <p:nvGrpSpPr>
+        <p:cNvPr id="1" name=""/>
+        <p:cNvGrpSpPr/>
+        <p:nvPr/>
+      </p:nvGrpSpPr>
+      <p:grpSpPr>
+        <a:xfrm>
+          <a:off x="0" y="0"/>
+          <a:ext cx="0" cy="0"/>
+          <a:chOff x="0" y="0"/>
+          <a:chExt cx="0" cy="0"/>
+        </a:xfrm>
+      </p:grpSpPr>
+      <p:sp>
+        <p:nvSpPr>
+          <p:cNvPr id="2" name="Title 1"/>
+          <p:cNvSpPr>
+            <a:spLocks noGrp="1"/>
+          </p:cNvSpPr>
+          <p:nvPr>
+            <p:ph type="title"/>
+          </p:nvPr>
+        </p:nvSpPr>
+        <p:spPr/>
+        <p:txBody>
+          <a:bodyPr/>
+          <a:lstStyle/>
+          <a:p>
+            <a:r>
+              <a:rPr lang="en-GB" dirty="0" smtClean="0"/>
+              <a:t>References</a:t>
+            </a:r>
+            <a:endParaRPr lang="en-GB" dirty="0"/>
+          </a:p>
+        </p:txBody>
+      </p:sp>
+      <p:sp>
+        <p:nvSpPr>
+          <p:cNvPr id="3" name="Content Placeholder 2"/>
+          <p:cNvSpPr>
+            <a:spLocks noGrp="1"/>
+          </p:cNvSpPr>
+          <p:nvPr>
+            <p:ph idx="1"/>
+          </p:nvPr>
+        </p:nvSpPr>
+        <p:spPr/>
+        <p:txBody>
+          <a:bodyPr/>
+          <a:lstStyle/>
+          <a:p>
+            <a:r>
+              <a:rPr lang="en-US" sz="1600" dirty="0" smtClean="0"/>
+              <a:t>Slides and Source on </a:t>
+            </a:r>
+            <a:r>
+              <a:rPr lang="en-US" sz="1600" dirty="0" err="1" smtClean="0"/>
+              <a:t>Github</a:t>
+            </a:r>
+            <a:endParaRPr lang="en-US" sz="1600" dirty="0" smtClean="0"/>
+          </a:p>
+          <a:p>
+            <a:pPr lvl="1"/>
+            <a:r>
+              <a:rPr lang="en-US" sz="1600" dirty="0" smtClean="0"/>
+              <a:t>http://github.com/srstrong/DDDSW2010</a:t>
+            </a:r>
+          </a:p>
+          <a:p>
+            <a:r>
+              <a:rPr lang="en-US" sz="1600" dirty="0" smtClean="0"/>
+              <a:t>MSDN Parallel Computing Site</a:t>
+            </a:r>
+          </a:p>
+          <a:p>
+            <a:pPr lvl="1"/>
+            <a:r>
+              <a:rPr lang="en-US" sz="1600" dirty="0" smtClean="0"/>
+              <a:t>http://msdn.microsoft.com/en-us/concurrency/</a:t>
+            </a:r>
+            <a:r>
+              <a:rPr lang="en-US" sz="1600" dirty="0" smtClean="0"/>
+              <a:t>default.aspx </a:t>
+            </a:r>
+          </a:p>
+          <a:p>
+            <a:r>
+              <a:rPr lang="en-US" sz="1600" dirty="0" smtClean="0"/>
+              <a:t>.Net Parallel Programming</a:t>
+            </a:r>
+          </a:p>
+          <a:p>
+            <a:pPr lvl="1"/>
+            <a:r>
+              <a:rPr lang="en-US" sz="1600" dirty="0" smtClean="0"/>
+              <a:t>http://msdn.microsoft.com/en-us/library/dd460693(VS.100).</a:t>
+            </a:r>
+            <a:r>
+              <a:rPr lang="en-US" sz="1600" dirty="0" smtClean="0"/>
+              <a:t>aspx </a:t>
+            </a:r>
+          </a:p>
+          <a:p>
+            <a:r>
+              <a:rPr lang="en-US" sz="1600" dirty="0" smtClean="0"/>
+              <a:t>MSDN Parallel Programming Blog</a:t>
+            </a:r>
+          </a:p>
+          <a:p>
+            <a:pPr lvl="1"/>
+            <a:r>
+              <a:rPr lang="en-US" sz="1600" dirty="0" smtClean="0"/>
+              <a:t>http://blogs.msdn.com/b/pfxteam</a:t>
+            </a:r>
+            <a:r>
+              <a:rPr lang="en-US" sz="1600" dirty="0" smtClean="0"/>
+              <a:t>/ </a:t>
+            </a:r>
+          </a:p>
+          <a:p>
+            <a:r>
+              <a:rPr lang="en-US" sz="1600" dirty="0" smtClean="0"/>
+              <a:t>Task Parallel Library</a:t>
+            </a:r>
+          </a:p>
+          <a:p>
+            <a:pPr lvl="1"/>
+            <a:r>
+              <a:rPr lang="en-US" sz="1600" dirty="0" smtClean="0"/>
+              <a:t>http://msdn.microsoft.com/en-us/library/dd460717.aspx</a:t>
+            </a:r>
+          </a:p>
+          <a:p>
+            <a:r>
+              <a:rPr lang="en-US" sz="1600" dirty="0" smtClean="0"/>
+              <a:t>Extensive </a:t>
+            </a:r>
+            <a:r>
+              <a:rPr lang="en-US" sz="1600" dirty="0" err="1" smtClean="0"/>
+              <a:t>Samples</a:t>
+            </a:r>
+          </a:p>
+          <a:p>
+            <a:pPr lvl="1"/>
+            <a:r>
+              <a:rPr lang="en-US" sz="1600" dirty="0" smtClean="0"/>
+              <a:t>http</a:t>
+            </a:r>
+            <a:r>
+              <a:rPr lang="en-US" sz="1600" dirty="0" smtClean="0"/>
+              <a:t>://code.msdn.microsoft.com/Project/Download/FileDownload.aspx?ProjectName=ParExtSamples&amp;DownloadId=</a:t>
+            </a:r>
+            <a:r>
+              <a:rPr lang="en-US" sz="1600" dirty="0" smtClean="0"/>
+              <a:t>10226 </a:t>
+            </a:r>
+          </a:p>
+          <a:p>
+            <a:pPr marL="342900" lvl="1" indent="-342900">
+              <a:buFont typeface="Arial" pitchFamily="34" charset="0"/>
+              <a:buChar char="•"/>
+            </a:pPr>
+            <a:r>
+              <a:rPr lang="en-US" sz="1600" dirty="0" smtClean="0"/>
+              <a:t>Concurrency </a:t>
+            </a:r>
+            <a:r>
+              <a:rPr lang="en-US" sz="1600" dirty="0" err="1" smtClean="0"/>
+              <a:t>Visualizer</a:t>
+            </a:r>
+            <a:endParaRPr lang="en-US" sz="1600" dirty="0" smtClean="0"/>
+          </a:p>
+          <a:p>
+            <a:pPr marL="742950" lvl="2" indent="-342900"/>
+            <a:r>
+              <a:rPr lang="en-US" sz="1600" dirty="0" smtClean="0"/>
+              <a:t>http://msdn.microsoft.com/en-us/library/dd537632.</a:t>
+            </a:r>
+            <a:r>
+              <a:rPr lang="en-US" sz="1600" dirty="0" smtClean="0"/>
+              <a:t>aspx </a:t>
+            </a:r>
+          </a:p>
+          <a:p>
+            <a:pPr marL="742950" lvl="2" indent="-342900">
+              <a:buNone/>
+            </a:pPr>
+            <a:endParaRPr lang="en-GB" sz="1600" dirty="0"/>
+          </a:p>
+        </p:txBody>
+      </p:sp>
+    </p:spTree>
+  </p:cSld>
+  <p:clrMapOvr>
+    <a:masterClrMapping/>
+  </p:clrMapOvr>
+  <p:timing>
+    <p:tnLst>
+      <p:par>
+        <p:cTn id="1" dur="indefinite" restart="never" nodeType="tmRoot"/>
+      </p:par>
+    </p:tnLst>
+  </p:timing>
 </p:sld>
 </file>
 
 <file path=ppt/slides/slide4.xml><?xml version="1.0" encoding="utf-8"?>
+<p:sld xmlns:a="http://schemas.openxmlformats.org/drawingml/2006/main" xmlns:r="http://schemas.openxmlformats.org/officeDocument/2006/relationships" xmlns:mc="http://schemas.openxmlformats.org/markup-compatibility/2006" xmlns:mv="urn:schemas-microsoft-com:mac:vml" xmlns:p="http://schemas.openxmlformats.org/presentationml/2006/main" mc:Ignorable="mv" mc:PreserveAttributes="mv:*">
+  <p:cSld>
+    <p:spTree>
+      <p:nvGrpSpPr>
+        <p:cNvPr id="1" name=""/>
+        <p:cNvGrpSpPr/>
+        <p:nvPr/>
+      </p:nvGrpSpPr>
+      <p:grpSpPr>
+        <a:xfrm>
+          <a:off x="0" y="0"/>
+          <a:ext cx="0" cy="0"/>
+          <a:chOff x="0" y="0"/>
+          <a:chExt cx="0" cy="0"/>
+        </a:xfrm>
+      </p:grpSpPr>
+      <p:sp>
+        <p:nvSpPr>
+          <p:cNvPr id="4" name="Title 3"/>
+          <p:cNvSpPr>
+            <a:spLocks noGrp="1"/>
+          </p:cNvSpPr>
+          <p:nvPr>
+            <p:ph type="ctrTitle"/>
+          </p:nvPr>
+        </p:nvSpPr>
+        <p:spPr>
+          <a:xfrm>
+            <a:off x="685800" y="2130425"/>
+            <a:ext cx="7772400" cy="1470025"/>
+          </a:xfrm>
+        </p:spPr>
+        <p:txBody>
+          <a:bodyPr/>
+          <a:lstStyle/>
+          <a:p>
+            <a:r>
+              <a:rPr lang="en-GB" dirty="0" smtClean="0"/>
+              <a:t>Why Concurrency?</a:t>
+            </a:r>
+            <a:endParaRPr lang="en-GB" dirty="0"/>
+          </a:p>
+        </p:txBody>
+      </p:sp>
+      <p:sp>
+        <p:nvSpPr>
+          <p:cNvPr id="5" name="Subtitle 4"/>
+          <p:cNvSpPr>
+            <a:spLocks noGrp="1"/>
+          </p:cNvSpPr>
+          <p:nvPr>
+            <p:ph type="subTitle" idx="1"/>
+          </p:nvPr>
+        </p:nvSpPr>
+        <p:spPr/>
+        <p:txBody>
+          <a:bodyPr/>
+          <a:lstStyle/>
+          <a:p>
+            <a:endParaRPr lang="en-GB"/>
+          </a:p>
+        </p:txBody>
+      </p:sp>
+    </p:spTree>
+  </p:cSld>
+  <p:clrMapOvr>
+    <a:masterClrMapping/>
+  </p:clrMapOvr>
+  <p:timing>
+    <p:tnLst>
+      <p:par>
+        <p:cTn id="1" dur="indefinite" restart="never" nodeType="tmRoot"/>
+      </p:par>
+    </p:tnLst>
+  </p:timing>
+</p:sld>
+</file>
+
+<file path=ppt/slides/slide5.xml><?xml version="1.0" encoding="utf-8"?>
 <p:sld xmlns:a="http://schemas.openxmlformats.org/drawingml/2006/main" xmlns:r="http://schemas.openxmlformats.org/officeDocument/2006/relationships" xmlns:mc="http://schemas.openxmlformats.org/markup-compatibility/2006" xmlns:mv="urn:schemas-microsoft-com:mac:vml" xmlns:p="http://schemas.openxmlformats.org/presentationml/2006/main" mc:Ignorable="mv" mc:PreserveAttributes="mv:*">
   <p:cSld>
     <p:spTree>
@@ -8425,7 +8873,7 @@
 </p:sld>
 </file>
 
-<file path=ppt/slides/slide5.xml><?xml version="1.0" encoding="utf-8"?>
+<file path=ppt/slides/slide6.xml><?xml version="1.0" encoding="utf-8"?>
 <p:sld xmlns:a="http://schemas.openxmlformats.org/drawingml/2006/main" xmlns:r="http://schemas.openxmlformats.org/officeDocument/2006/relationships" xmlns:mc="http://schemas.openxmlformats.org/markup-compatibility/2006" xmlns:mv="urn:schemas-microsoft-com:mac:vml" xmlns:p="http://schemas.openxmlformats.org/presentationml/2006/main" mc:Ignorable="mv" mc:PreserveAttributes="mv:*">
   <p:cSld>
     <p:spTree>
@@ -8519,120 +8967,6 @@
 </p:sld>
 </file>
 
-<file path=ppt/slides/slide6.xml><?xml version="1.0" encoding="utf-8"?>
-<p:sld xmlns:a="http://schemas.openxmlformats.org/drawingml/2006/main" xmlns:r="http://schemas.openxmlformats.org/officeDocument/2006/relationships" xmlns:mc="http://schemas.openxmlformats.org/markup-compatibility/2006" xmlns:mv="urn:schemas-microsoft-com:mac:vml" xmlns:p="http://schemas.openxmlformats.org/presentationml/2006/main" mc:Ignorable="mv" mc:PreserveAttributes="mv:*">
-  <p:cSld>
-    <p:spTree>
-      <p:nvGrpSpPr>
-        <p:cNvPr id="1" name=""/>
-        <p:cNvGrpSpPr/>
-        <p:nvPr/>
-      </p:nvGrpSpPr>
-      <p:grpSpPr>
-        <a:xfrm>
-          <a:off x="0" y="0"/>
-          <a:ext cx="0" cy="0"/>
-          <a:chOff x="0" y="0"/>
-          <a:chExt cx="0" cy="0"/>
-        </a:xfrm>
-      </p:grpSpPr>
-      <p:sp>
-        <p:nvSpPr>
-          <p:cNvPr id="2" name="Title 1"/>
-          <p:cNvSpPr>
-            <a:spLocks noGrp="1"/>
-          </p:cNvSpPr>
-          <p:nvPr>
-            <p:ph type="title"/>
-          </p:nvPr>
-        </p:nvSpPr>
-        <p:spPr/>
-        <p:txBody>
-          <a:bodyPr/>
-          <a:lstStyle/>
-          <a:p>
-            <a:r>
-              <a:rPr lang="en-GB" dirty="0" smtClean="0"/>
-              <a:t>Concurrency is hard</a:t>
-            </a:r>
-            <a:endParaRPr lang="en-GB" dirty="0"/>
-          </a:p>
-        </p:txBody>
-      </p:sp>
-      <p:sp>
-        <p:nvSpPr>
-          <p:cNvPr id="3" name="Content Placeholder 2"/>
-          <p:cNvSpPr>
-            <a:spLocks noGrp="1"/>
-          </p:cNvSpPr>
-          <p:nvPr>
-            <p:ph idx="1"/>
-          </p:nvPr>
-        </p:nvSpPr>
-        <p:spPr/>
-        <p:txBody>
-          <a:bodyPr/>
-          <a:lstStyle/>
-          <a:p>
-            <a:r>
-              <a:rPr lang="en-GB" dirty="0" smtClean="0"/>
-              <a:t>Reasoning about sequential code is easy</a:t>
-            </a:r>
-          </a:p>
-          <a:p>
-            <a:r>
-              <a:rPr lang="en-GB" dirty="0" smtClean="0"/>
-              <a:t>Shared state is the norm</a:t>
-            </a:r>
-          </a:p>
-          <a:p>
-            <a:r>
-              <a:rPr lang="en-GB" dirty="0" smtClean="0"/>
-              <a:t>Moving to concurrent code means:</a:t>
-            </a:r>
-          </a:p>
-          <a:p>
-            <a:pPr lvl="1"/>
-            <a:r>
-              <a:rPr lang="en-GB" dirty="0" smtClean="0"/>
-              <a:t>Reasoning about the possible execution paths becomes very hard</a:t>
-            </a:r>
-          </a:p>
-          <a:p>
-            <a:pPr lvl="1"/>
-            <a:r>
-              <a:rPr lang="en-GB" dirty="0" smtClean="0"/>
-              <a:t>Need for locks etc to protect share state</a:t>
-            </a:r>
-          </a:p>
-          <a:p>
-            <a:pPr lvl="1"/>
-            <a:r>
-              <a:rPr lang="en-GB" dirty="0" smtClean="0"/>
-              <a:t>Data races / deadlocks are difficult to reproduce and debug</a:t>
-            </a:r>
-          </a:p>
-          <a:p>
-            <a:pPr lvl="1"/>
-            <a:r>
-              <a:rPr lang="en-GB" dirty="0" smtClean="0"/>
-              <a:t>Need for global understanding</a:t>
-            </a:r>
-          </a:p>
-          <a:p>
-            <a:pPr lvl="1"/>
-            <a:endParaRPr lang="en-GB" dirty="0" smtClean="0"/>
-          </a:p>
-        </p:txBody>
-      </p:sp>
-    </p:spTree>
-  </p:cSld>
-  <p:clrMapOvr>
-    <a:masterClrMapping/>
-  </p:clrMapOvr>
-</p:sld>
-</file>
-
 <file path=ppt/slides/slide7.xml><?xml version="1.0" encoding="utf-8"?>
 <p:sld xmlns:a="http://schemas.openxmlformats.org/drawingml/2006/main" xmlns:r="http://schemas.openxmlformats.org/officeDocument/2006/relationships" xmlns:mc="http://schemas.openxmlformats.org/markup-compatibility/2006" xmlns:mv="urn:schemas-microsoft-com:mac:vml" xmlns:p="http://schemas.openxmlformats.org/presentationml/2006/main" mc:Ignorable="mv" mc:PreserveAttributes="mv:*">
   <p:cSld>
@@ -8667,7 +9001,7 @@
           <a:p>
             <a:r>
               <a:rPr lang="en-GB" dirty="0" smtClean="0"/>
-              <a:t>Task Parallel Library</a:t>
+              <a:t>Concurrency is hard</a:t>
             </a:r>
             <a:endParaRPr lang="en-GB" dirty="0"/>
           </a:p>
@@ -8690,31 +9024,52 @@
           <a:p>
             <a:r>
               <a:rPr lang="en-GB" dirty="0" smtClean="0"/>
-              <a:t>New in .Net 4.0</a:t>
-            </a:r>
-          </a:p>
-          <a:p>
-            <a:r>
-              <a:rPr lang="en-GB" dirty="0" smtClean="0"/>
-              <a:t>Doesn’t “solve” concurrency</a:t>
+              <a:t>Reasoning about sequential code is easy</a:t>
+            </a:r>
+          </a:p>
+          <a:p>
+            <a:r>
+              <a:rPr lang="en-GB" dirty="0" smtClean="0"/>
+              <a:t>Shared state is the norm</a:t>
+            </a:r>
+          </a:p>
+          <a:p>
+            <a:r>
+              <a:rPr lang="en-GB" dirty="0" smtClean="0"/>
+              <a:t>Moving to concurrent code means:</a:t>
             </a:r>
           </a:p>
           <a:p>
             <a:pPr lvl="1"/>
             <a:r>
               <a:rPr lang="en-GB" dirty="0" smtClean="0"/>
-              <a:t>But does provide some new tools</a:t>
+              <a:t>Reasoning about the possible execution paths becomes very hard</a:t>
             </a:r>
           </a:p>
           <a:p>
             <a:pPr lvl="1"/>
             <a:r>
               <a:rPr lang="en-GB" dirty="0" smtClean="0"/>
-              <a:t>Higher level of abstraction</a:t>
-            </a:r>
-          </a:p>
-          <a:p>
-            <a:endParaRPr lang="en-GB" dirty="0"/>
+              <a:t>Need for locks etc to protect share state</a:t>
+            </a:r>
+          </a:p>
+          <a:p>
+            <a:pPr lvl="1"/>
+            <a:r>
+              <a:rPr lang="en-GB" dirty="0" smtClean="0"/>
+              <a:t>Data races / deadlocks are difficult to reproduce and debug</a:t>
+            </a:r>
+          </a:p>
+          <a:p>
+            <a:pPr lvl="1"/>
+            <a:r>
+              <a:rPr lang="en-GB" dirty="0" smtClean="0"/>
+              <a:t>Need for global understanding</a:t>
+            </a:r>
+          </a:p>
+          <a:p>
+            <a:pPr lvl="1"/>
+            <a:endParaRPr lang="en-GB" dirty="0" smtClean="0"/>
           </a:p>
         </p:txBody>
       </p:sp>
@@ -8723,6 +9078,13 @@
   <p:clrMapOvr>
     <a:masterClrMapping/>
   </p:clrMapOvr>
+  <p:timing>
+    <p:tnLst>
+      <p:par>
+        <p:cTn id="1" dur="indefinite" restart="never" nodeType="tmRoot"/>
+      </p:par>
+    </p:tnLst>
+  </p:timing>
 </p:sld>
 </file>
 
@@ -8759,8 +9121,8 @@
           <a:lstStyle/>
           <a:p>
             <a:r>
-              <a:rPr lang="en-GB" dirty="0" err="1" smtClean="0"/>
-              <a:t>Parallel.For</a:t>
+              <a:rPr lang="en-GB" dirty="0" smtClean="0"/>
+              <a:t>Task Parallel Library</a:t>
             </a:r>
             <a:endParaRPr lang="en-GB" dirty="0"/>
           </a:p>
@@ -8783,41 +9145,30 @@
           <a:p>
             <a:r>
               <a:rPr lang="en-GB" dirty="0" smtClean="0"/>
-              <a:t>Concurrent version of sequential for loop</a:t>
-            </a:r>
-          </a:p>
-          <a:p>
-            <a:r>
-              <a:rPr lang="en-GB" dirty="0" smtClean="0"/>
-              <a:t>12 overloads providing variety of options</a:t>
-            </a:r>
-          </a:p>
-          <a:p>
-            <a:r>
-              <a:rPr lang="en-GB" dirty="0" smtClean="0"/>
-              <a:t>Basic (and most common) is simply:</a:t>
+              <a:t>New in .Net 4.0</a:t>
+            </a:r>
+          </a:p>
+          <a:p>
+            <a:r>
+              <a:rPr lang="en-GB" dirty="0" smtClean="0"/>
+              <a:t>Doesn’t “solve” concurrency</a:t>
             </a:r>
           </a:p>
           <a:p>
             <a:pPr lvl="1"/>
             <a:r>
               <a:rPr lang="en-GB" dirty="0" smtClean="0"/>
-              <a:t>Initial value</a:t>
+              <a:t>But does provide some new tools</a:t>
             </a:r>
           </a:p>
           <a:p>
             <a:pPr lvl="1"/>
             <a:r>
               <a:rPr lang="en-GB" dirty="0" smtClean="0"/>
-              <a:t>Max value</a:t>
-            </a:r>
-          </a:p>
-          <a:p>
-            <a:pPr lvl="1"/>
-            <a:r>
-              <a:rPr lang="en-GB" dirty="0" smtClean="0"/>
-              <a:t>Delegate</a:t>
-            </a:r>
+              <a:t>Higher level of abstraction</a:t>
+            </a:r>
+          </a:p>
+          <a:p>
             <a:endParaRPr lang="en-GB" dirty="0"/>
           </a:p>
         </p:txBody>
@@ -8827,6 +9178,13 @@
   <p:clrMapOvr>
     <a:masterClrMapping/>
   </p:clrMapOvr>
+  <p:timing>
+    <p:tnLst>
+      <p:par>
+        <p:cTn id="1" dur="indefinite" restart="never" nodeType="tmRoot"/>
+      </p:par>
+    </p:tnLst>
+  </p:timing>
 </p:sld>
 </file>
 
@@ -8887,7 +9245,40 @@
           <a:p>
             <a:r>
               <a:rPr lang="en-GB" dirty="0" smtClean="0"/>
-              <a:t>Demo</a:t>
+              <a:t>Concurrent version of sequential for loop</a:t>
+            </a:r>
+          </a:p>
+          <a:p>
+            <a:r>
+              <a:rPr lang="en-GB" dirty="0" smtClean="0"/>
+              <a:t>12 overloads providing variety of options</a:t>
+            </a:r>
+          </a:p>
+          <a:p>
+            <a:r>
+              <a:rPr lang="en-GB" dirty="0" smtClean="0"/>
+              <a:t>Basic (and most common) is simply:</a:t>
+            </a:r>
+          </a:p>
+          <a:p>
+            <a:pPr lvl="1"/>
+            <a:r>
+              <a:rPr lang="en-GB" dirty="0" smtClean="0"/>
+              <a:t>Initial value</a:t>
+            </a:r>
+          </a:p>
+          <a:p>
+            <a:pPr lvl="1"/>
+            <a:r>
+              <a:rPr lang="en-GB" dirty="0" smtClean="0"/>
+              <a:t>Max value</a:t>
+            </a:r>
+          </a:p>
+          <a:p>
+            <a:pPr lvl="1"/>
+            <a:r>
+              <a:rPr lang="en-GB" dirty="0" smtClean="0"/>
+              <a:t>Delegate</a:t>
             </a:r>
             <a:endParaRPr lang="en-GB" dirty="0"/>
           </a:p>
@@ -8898,6 +9289,13 @@
   <p:clrMapOvr>
     <a:masterClrMapping/>
   </p:clrMapOvr>
+  <p:timing>
+    <p:tnLst>
+      <p:par>
+        <p:cTn id="1" dur="indefinite" restart="never" nodeType="tmRoot"/>
+      </p:par>
+    </p:tnLst>
+  </p:timing>
 </p:sld>
 </file>
 

--- a/Task Parallel Library.pptx
+++ b/Task Parallel Library.pptx
@@ -14,32 +14,30 @@
     <p:sldId id="261" r:id="rId8"/>
     <p:sldId id="262" r:id="rId9"/>
     <p:sldId id="263" r:id="rId10"/>
-    <p:sldId id="264" r:id="rId11"/>
-    <p:sldId id="265" r:id="rId12"/>
-    <p:sldId id="266" r:id="rId13"/>
-    <p:sldId id="286" r:id="rId14"/>
-    <p:sldId id="271" r:id="rId15"/>
-    <p:sldId id="269" r:id="rId16"/>
-    <p:sldId id="272" r:id="rId17"/>
-    <p:sldId id="270" r:id="rId18"/>
-    <p:sldId id="273" r:id="rId19"/>
-    <p:sldId id="288" r:id="rId20"/>
-    <p:sldId id="274" r:id="rId21"/>
-    <p:sldId id="275" r:id="rId22"/>
-    <p:sldId id="280" r:id="rId23"/>
-    <p:sldId id="281" r:id="rId24"/>
-    <p:sldId id="268" r:id="rId25"/>
-    <p:sldId id="276" r:id="rId26"/>
-    <p:sldId id="282" r:id="rId27"/>
-    <p:sldId id="283" r:id="rId28"/>
-    <p:sldId id="284" r:id="rId29"/>
-    <p:sldId id="285" r:id="rId30"/>
-    <p:sldId id="289" r:id="rId31"/>
-    <p:sldId id="290" r:id="rId32"/>
-    <p:sldId id="291" r:id="rId33"/>
-    <p:sldId id="292" r:id="rId34"/>
-    <p:sldId id="279" r:id="rId35"/>
-    <p:sldId id="277" r:id="rId36"/>
+    <p:sldId id="265" r:id="rId11"/>
+    <p:sldId id="286" r:id="rId12"/>
+    <p:sldId id="271" r:id="rId13"/>
+    <p:sldId id="269" r:id="rId14"/>
+    <p:sldId id="272" r:id="rId15"/>
+    <p:sldId id="270" r:id="rId16"/>
+    <p:sldId id="273" r:id="rId17"/>
+    <p:sldId id="288" r:id="rId18"/>
+    <p:sldId id="274" r:id="rId19"/>
+    <p:sldId id="275" r:id="rId20"/>
+    <p:sldId id="280" r:id="rId21"/>
+    <p:sldId id="281" r:id="rId22"/>
+    <p:sldId id="268" r:id="rId23"/>
+    <p:sldId id="276" r:id="rId24"/>
+    <p:sldId id="282" r:id="rId25"/>
+    <p:sldId id="283" r:id="rId26"/>
+    <p:sldId id="284" r:id="rId27"/>
+    <p:sldId id="285" r:id="rId28"/>
+    <p:sldId id="289" r:id="rId29"/>
+    <p:sldId id="290" r:id="rId30"/>
+    <p:sldId id="291" r:id="rId31"/>
+    <p:sldId id="292" r:id="rId32"/>
+    <p:sldId id="279" r:id="rId33"/>
+    <p:sldId id="277" r:id="rId34"/>
   </p:sldIdLst>
   <p:sldSz cx="9144000" cy="6858000" type="screen4x3"/>
   <p:notesSz cx="6858000" cy="9144000"/>
@@ -4002,7 +4000,7 @@
           <a:p>
             <a:r>
               <a:rPr lang="en-GB" dirty="0" err="1" smtClean="0"/>
-              <a:t>Parallel.For</a:t>
+              <a:t>Parallel.ForEach</a:t>
             </a:r>
             <a:endParaRPr lang="en-GB" dirty="0"/>
           </a:p>
@@ -4025,8 +4023,55 @@
           <a:p>
             <a:r>
               <a:rPr lang="en-GB" dirty="0" smtClean="0"/>
+              <a:t>Concurrent version of sequential </a:t>
+            </a:r>
+            <a:r>
+              <a:rPr lang="en-GB" dirty="0" err="1" smtClean="0"/>
+              <a:t>foreach</a:t>
+            </a:r>
+            <a:r>
+              <a:rPr lang="en-GB" dirty="0" smtClean="0"/>
+              <a:t> loop</a:t>
+            </a:r>
+          </a:p>
+          <a:p>
+            <a:r>
+              <a:rPr lang="en-GB" dirty="0" smtClean="0"/>
+              <a:t>20(!) overloads</a:t>
+            </a:r>
+          </a:p>
+          <a:p>
+            <a:r>
+              <a:rPr lang="en-GB" dirty="0" smtClean="0"/>
+              <a:t>Basic (and most common) is simply:</a:t>
+            </a:r>
+          </a:p>
+          <a:p>
+            <a:pPr lvl="1"/>
+            <a:r>
+              <a:rPr lang="en-GB" dirty="0" err="1" smtClean="0"/>
+              <a:t>IEnumerable</a:t>
+            </a:r>
+            <a:r>
+              <a:rPr lang="en-GB" dirty="0" smtClean="0"/>
+              <a:t>&lt;T&gt;</a:t>
+            </a:r>
+          </a:p>
+          <a:p>
+            <a:pPr lvl="1"/>
+            <a:r>
+              <a:rPr lang="en-GB" dirty="0" smtClean="0"/>
+              <a:t>Delegate</a:t>
+            </a:r>
+          </a:p>
+          <a:p>
+            <a:r>
+              <a:rPr lang="en-GB" dirty="0" smtClean="0"/>
               <a:t>Demo</a:t>
             </a:r>
+            <a:endParaRPr lang="en-GB" dirty="0" smtClean="0"/>
+          </a:p>
+          <a:p>
             <a:endParaRPr lang="en-GB" dirty="0"/>
           </a:p>
         </p:txBody>
@@ -4075,12 +4120,18 @@
         </p:nvSpPr>
         <p:spPr/>
         <p:txBody>
-          <a:bodyPr/>
-          <a:lstStyle/>
-          <a:p>
+          <a:bodyPr>
+            <a:normAutofit/>
+          </a:bodyPr>
+          <a:lstStyle/>
+          <a:p>
+            <a:r>
+              <a:rPr lang="en-GB" dirty="0" smtClean="0"/>
+              <a:t>.For &amp; .</a:t>
+            </a:r>
             <a:r>
               <a:rPr lang="en-GB" dirty="0" err="1" smtClean="0"/>
-              <a:t>Parallel.ForEach</a:t>
+              <a:t>ForEach</a:t>
             </a:r>
             <a:endParaRPr lang="en-GB" dirty="0"/>
           </a:p>
@@ -4103,48 +4154,33 @@
           <a:p>
             <a:r>
               <a:rPr lang="en-GB" dirty="0" smtClean="0"/>
-              <a:t>Concurrent version of sequential </a:t>
-            </a:r>
-            <a:r>
-              <a:rPr lang="en-GB" dirty="0" err="1" smtClean="0"/>
-              <a:t>foreach</a:t>
-            </a:r>
-            <a:r>
-              <a:rPr lang="en-GB" dirty="0" smtClean="0"/>
-              <a:t> loop</a:t>
-            </a:r>
-          </a:p>
-          <a:p>
-            <a:r>
-              <a:rPr lang="en-GB" dirty="0" smtClean="0"/>
-              <a:t>20(!) overloads</a:t>
-            </a:r>
-          </a:p>
-          <a:p>
-            <a:r>
-              <a:rPr lang="en-GB" dirty="0" smtClean="0"/>
-              <a:t>Basic (and most common) is simply:</a:t>
+              <a:t>System partitions input into sets</a:t>
+            </a:r>
+          </a:p>
+          <a:p>
+            <a:r>
+              <a:rPr lang="en-GB" dirty="0" smtClean="0"/>
+              <a:t>Each thread given one set to process</a:t>
+            </a:r>
+          </a:p>
+          <a:p>
+            <a:r>
+              <a:rPr lang="en-GB" dirty="0" smtClean="0"/>
+              <a:t>Thread iterates over set calling lambda</a:t>
+            </a:r>
+          </a:p>
+          <a:p>
+            <a:r>
+              <a:rPr lang="en-GB" dirty="0" smtClean="0"/>
+              <a:t>If thread exhausts set, can “steal” from other threads</a:t>
             </a:r>
           </a:p>
           <a:p>
             <a:pPr lvl="1"/>
             <a:r>
-              <a:rPr lang="en-GB" dirty="0" err="1" smtClean="0"/>
-              <a:t>IEnumerable</a:t>
-            </a:r>
-            <a:r>
-              <a:rPr lang="en-GB" dirty="0" smtClean="0"/>
-              <a:t>&lt;T&gt;</a:t>
-            </a:r>
-          </a:p>
-          <a:p>
-            <a:pPr lvl="1"/>
-            <a:r>
-              <a:rPr lang="en-GB" dirty="0" smtClean="0"/>
-              <a:t>Delegate</a:t>
-            </a:r>
-          </a:p>
-          <a:p>
+              <a:rPr lang="en-GB" dirty="0" smtClean="0"/>
+              <a:t>Although this depends on how the partitioning was done</a:t>
+            </a:r>
             <a:endParaRPr lang="en-GB" dirty="0"/>
           </a:p>
         </p:txBody>
@@ -4197,33 +4233,90 @@
           <a:lstStyle/>
           <a:p>
             <a:r>
+              <a:rPr lang="en-GB" dirty="0" smtClean="0"/>
+              <a:t>What about all those overloads?</a:t>
+            </a:r>
+            <a:endParaRPr lang="en-GB" dirty="0"/>
+          </a:p>
+        </p:txBody>
+      </p:sp>
+      <p:sp>
+        <p:nvSpPr>
+          <p:cNvPr id="3" name="Content Placeholder 2"/>
+          <p:cNvSpPr>
+            <a:spLocks noGrp="1"/>
+          </p:cNvSpPr>
+          <p:nvPr>
+            <p:ph idx="1"/>
+          </p:nvPr>
+        </p:nvSpPr>
+        <p:spPr/>
+        <p:txBody>
+          <a:bodyPr/>
+          <a:lstStyle/>
+          <a:p>
+            <a:r>
+              <a:rPr lang="en-GB" dirty="0" smtClean="0"/>
+              <a:t>Not as bad as it looks</a:t>
+            </a:r>
+          </a:p>
+          <a:p>
+            <a:r>
+              <a:rPr lang="en-GB" dirty="0" smtClean="0"/>
+              <a:t>5 key concepts</a:t>
+            </a:r>
+          </a:p>
+          <a:p>
+            <a:pPr lvl="1"/>
+            <a:r>
               <a:rPr lang="en-GB" dirty="0" err="1" smtClean="0"/>
-              <a:t>Parallel.ForEach</a:t>
-            </a:r>
-            <a:endParaRPr lang="en-GB" dirty="0"/>
-          </a:p>
-        </p:txBody>
-      </p:sp>
-      <p:sp>
-        <p:nvSpPr>
-          <p:cNvPr id="3" name="Content Placeholder 2"/>
-          <p:cNvSpPr>
-            <a:spLocks noGrp="1"/>
-          </p:cNvSpPr>
-          <p:nvPr>
-            <p:ph idx="1"/>
-          </p:nvPr>
-        </p:nvSpPr>
-        <p:spPr/>
-        <p:txBody>
-          <a:bodyPr/>
-          <a:lstStyle/>
-          <a:p>
-            <a:r>
-              <a:rPr lang="en-GB" dirty="0" smtClean="0"/>
-              <a:t>Demo</a:t>
-            </a:r>
-            <a:endParaRPr lang="en-GB" dirty="0"/>
+              <a:t>ParallelLoopState</a:t>
+            </a:r>
+            <a:endParaRPr lang="en-GB" dirty="0" smtClean="0"/>
+          </a:p>
+          <a:p>
+            <a:pPr lvl="1"/>
+            <a:r>
+              <a:rPr lang="en-GB" dirty="0" smtClean="0"/>
+              <a:t>Iteration Index</a:t>
+            </a:r>
+          </a:p>
+          <a:p>
+            <a:pPr lvl="1"/>
+            <a:r>
+              <a:rPr lang="en-GB" dirty="0" smtClean="0"/>
+              <a:t>Local thread data</a:t>
+            </a:r>
+          </a:p>
+          <a:p>
+            <a:pPr lvl="1"/>
+            <a:r>
+              <a:rPr lang="en-GB" dirty="0" err="1" smtClean="0"/>
+              <a:t>ParallelOptions</a:t>
+            </a:r>
+            <a:endParaRPr lang="en-GB" dirty="0" smtClean="0"/>
+          </a:p>
+          <a:p>
+            <a:pPr lvl="1"/>
+            <a:r>
+              <a:rPr lang="en-GB" dirty="0" err="1" smtClean="0"/>
+              <a:t>Partioner</a:t>
+            </a:r>
+            <a:r>
+              <a:rPr lang="en-GB" dirty="0" smtClean="0"/>
+              <a:t> &amp; </a:t>
+            </a:r>
+            <a:r>
+              <a:rPr lang="en-GB" dirty="0" err="1" smtClean="0"/>
+              <a:t>OrderablePartioner</a:t>
+            </a:r>
+            <a:endParaRPr lang="en-GB" dirty="0" smtClean="0"/>
+          </a:p>
+          <a:p>
+            <a:r>
+              <a:rPr lang="en-GB" dirty="0" smtClean="0"/>
+              <a:t>Overloads are just combinations of these</a:t>
+            </a:r>
           </a:p>
         </p:txBody>
       </p:sp>
@@ -4271,68 +4364,293 @@
         </p:nvSpPr>
         <p:spPr/>
         <p:txBody>
-          <a:bodyPr>
-            <a:normAutofit/>
+          <a:bodyPr/>
+          <a:lstStyle/>
+          <a:p>
+            <a:r>
+              <a:rPr lang="en-GB" dirty="0" err="1" smtClean="0"/>
+              <a:t>ParallelLoopState</a:t>
+            </a:r>
+            <a:endParaRPr lang="en-GB" dirty="0"/>
+          </a:p>
+        </p:txBody>
+      </p:sp>
+      <p:sp>
+        <p:nvSpPr>
+          <p:cNvPr id="3" name="Content Placeholder 2"/>
+          <p:cNvSpPr>
+            <a:spLocks noGrp="1"/>
+          </p:cNvSpPr>
+          <p:nvPr>
+            <p:ph idx="1"/>
+          </p:nvPr>
+        </p:nvSpPr>
+        <p:spPr/>
+        <p:txBody>
+          <a:bodyPr/>
+          <a:lstStyle/>
+          <a:p>
+            <a:r>
+              <a:rPr lang="en-GB" dirty="0" smtClean="0"/>
+              <a:t>Additional parameter that allows the loop to be monitored &amp; </a:t>
+            </a:r>
+            <a:r>
+              <a:rPr lang="en-GB" dirty="0" smtClean="0"/>
+              <a:t>manipulated</a:t>
+            </a:r>
+          </a:p>
+          <a:p>
+            <a:pPr lvl="1"/>
+            <a:r>
+              <a:rPr lang="en-GB" dirty="0" err="1" smtClean="0"/>
+              <a:t>IsStopped</a:t>
+            </a:r>
+            <a:r>
+              <a:rPr lang="en-GB" dirty="0" smtClean="0"/>
+              <a:t>, </a:t>
+            </a:r>
+            <a:r>
+              <a:rPr lang="en-GB" dirty="0" err="1" smtClean="0"/>
+              <a:t>IsExceptional</a:t>
+            </a:r>
+            <a:r>
+              <a:rPr lang="en-GB" dirty="0" smtClean="0"/>
+              <a:t>, </a:t>
+            </a:r>
+            <a:r>
+              <a:rPr lang="en-GB" dirty="0" err="1" smtClean="0"/>
+              <a:t>ShouldExit</a:t>
+            </a:r>
+            <a:r>
+              <a:rPr lang="en-GB" dirty="0" smtClean="0"/>
+              <a:t>, Break(), Stop()</a:t>
+            </a:r>
+            <a:endParaRPr lang="en-GB" dirty="0" smtClean="0"/>
+          </a:p>
+          <a:p>
+            <a:r>
+              <a:rPr lang="en-GB" dirty="0" smtClean="0"/>
+              <a:t>Demo also shows </a:t>
+            </a:r>
+            <a:r>
+              <a:rPr lang="en-GB" dirty="0" err="1" smtClean="0"/>
+              <a:t>ParallelLoopResult</a:t>
+            </a:r>
+            <a:r>
+              <a:rPr lang="en-GB" dirty="0" smtClean="0"/>
+              <a:t> &amp; Index</a:t>
+            </a:r>
+            <a:endParaRPr lang="en-GB" dirty="0"/>
+          </a:p>
+        </p:txBody>
+      </p:sp>
+      <p:sp>
+        <p:nvSpPr>
+          <p:cNvPr id="4" name="TextBox 3"/>
+          <p:cNvSpPr txBox="1"/>
+          <p:nvPr/>
+        </p:nvSpPr>
+        <p:spPr>
+          <a:xfrm>
+            <a:off x="1905000" y="4696679"/>
+            <a:ext cx="5195454" cy="1200329"/>
+          </a:xfrm>
+          <a:prstGeom prst="rect">
+            <a:avLst/>
+          </a:prstGeom>
+          <a:solidFill>
+            <a:schemeClr val="accent5">
+              <a:lumMod val="50000"/>
+            </a:schemeClr>
+          </a:solidFill>
+          <a:ln>
+            <a:solidFill>
+              <a:schemeClr val="tx1"/>
+            </a:solidFill>
+            <a:round/>
+          </a:ln>
+          <a:effectLst>
+            <a:reflection stA="50000" endPos="25000" dist="38100" dir="5400000" sy="-100000" algn="bl" rotWithShape="0"/>
+            <a:softEdge rad="25400"/>
+          </a:effectLst>
+        </p:spPr>
+        <p:txBody>
+          <a:bodyPr wrap="square" rtlCol="0" anchor="ctr" anchorCtr="0">
+            <a:spAutoFit/>
           </a:bodyPr>
           <a:lstStyle/>
           <a:p>
             <a:r>
-              <a:rPr lang="en-GB" dirty="0" smtClean="0"/>
-              <a:t>.For &amp; .</a:t>
-            </a:r>
-            <a:r>
-              <a:rPr lang="en-GB" dirty="0" err="1" smtClean="0"/>
+              <a:rPr lang="en-US" dirty="0" smtClean="0">
+                <a:solidFill>
+                  <a:schemeClr val="bg1"/>
+                </a:solidFill>
+              </a:rPr>
+              <a:t>public </a:t>
+            </a:r>
+            <a:r>
+              <a:rPr lang="en-US" dirty="0" smtClean="0">
+                <a:solidFill>
+                  <a:schemeClr val="bg1"/>
+                </a:solidFill>
+              </a:rPr>
+              <a:t>static</a:t>
+            </a:r>
+            <a:r>
+              <a:rPr lang="en-US" dirty="0" smtClean="0">
+                <a:solidFill>
+                  <a:schemeClr val="bg1"/>
+                </a:solidFill>
+              </a:rPr>
+              <a:t> </a:t>
+            </a:r>
+            <a:r>
+              <a:rPr lang="en-US" dirty="0" err="1" smtClean="0">
+                <a:solidFill>
+                  <a:schemeClr val="bg1"/>
+                </a:solidFill>
+              </a:rPr>
+              <a:t>ParallelLoopResult</a:t>
+            </a:r>
+            <a:r>
+              <a:rPr lang="en-US" dirty="0" smtClean="0">
+                <a:solidFill>
+                  <a:schemeClr val="bg1"/>
+                </a:solidFill>
+              </a:rPr>
+              <a:t> </a:t>
+            </a:r>
+            <a:r>
+              <a:rPr lang="en-US" dirty="0" err="1" smtClean="0">
+                <a:solidFill>
+                  <a:schemeClr val="bg1"/>
+                </a:solidFill>
+              </a:rPr>
               <a:t>ForEach</a:t>
             </a:r>
-            <a:endParaRPr lang="en-GB" dirty="0"/>
-          </a:p>
-        </p:txBody>
-      </p:sp>
-      <p:sp>
-        <p:nvSpPr>
-          <p:cNvPr id="3" name="Content Placeholder 2"/>
-          <p:cNvSpPr>
-            <a:spLocks noGrp="1"/>
-          </p:cNvSpPr>
-          <p:nvPr>
-            <p:ph idx="1"/>
-          </p:nvPr>
-        </p:nvSpPr>
-        <p:spPr/>
-        <p:txBody>
-          <a:bodyPr/>
-          <a:lstStyle/>
-          <a:p>
-            <a:r>
-              <a:rPr lang="en-GB" dirty="0" smtClean="0"/>
-              <a:t>System partitions input into sets</a:t>
-            </a:r>
-          </a:p>
-          <a:p>
-            <a:r>
-              <a:rPr lang="en-GB" dirty="0" smtClean="0"/>
-              <a:t>Each thread given one set to process</a:t>
-            </a:r>
-          </a:p>
-          <a:p>
-            <a:r>
-              <a:rPr lang="en-GB" dirty="0" smtClean="0"/>
-              <a:t>Thread iterates over set calling lambda</a:t>
-            </a:r>
-          </a:p>
-          <a:p>
-            <a:r>
-              <a:rPr lang="en-GB" dirty="0" smtClean="0"/>
-              <a:t>If thread exhausts set, can “steal” from other threads</a:t>
-            </a:r>
-          </a:p>
-          <a:p>
-            <a:pPr lvl="1"/>
-            <a:r>
-              <a:rPr lang="en-GB" dirty="0" smtClean="0"/>
-              <a:t>Although this depends on how the partitioning was done</a:t>
-            </a:r>
-            <a:endParaRPr lang="en-GB" dirty="0"/>
+            <a:r>
+              <a:rPr lang="en-US" dirty="0" smtClean="0">
+                <a:solidFill>
+                  <a:schemeClr val="bg1"/>
+                </a:solidFill>
+              </a:rPr>
+              <a:t>&lt;</a:t>
+            </a:r>
+            <a:r>
+              <a:rPr lang="en-US" dirty="0" err="1" smtClean="0">
+                <a:solidFill>
+                  <a:schemeClr val="bg1"/>
+                </a:solidFill>
+              </a:rPr>
+              <a:t>TSource</a:t>
+            </a:r>
+            <a:r>
+              <a:rPr lang="en-US" dirty="0" smtClean="0">
+                <a:solidFill>
+                  <a:schemeClr val="bg1"/>
+                </a:solidFill>
+              </a:rPr>
+              <a:t>&gt;(</a:t>
+            </a:r>
+          </a:p>
+          <a:p>
+            <a:r>
+              <a:rPr lang="en-US" dirty="0" smtClean="0">
+                <a:solidFill>
+                  <a:schemeClr val="bg1"/>
+                </a:solidFill>
+              </a:rPr>
+              <a:t>	</a:t>
+            </a:r>
+            <a:r>
+              <a:rPr lang="en-US" dirty="0" err="1" smtClean="0">
+                <a:solidFill>
+                  <a:schemeClr val="bg1"/>
+                </a:solidFill>
+              </a:rPr>
+              <a:t>IEnumerable</a:t>
+            </a:r>
+            <a:r>
+              <a:rPr lang="en-US" dirty="0" smtClean="0">
+                <a:solidFill>
+                  <a:schemeClr val="bg1"/>
+                </a:solidFill>
+              </a:rPr>
+              <a:t>&lt;</a:t>
+            </a:r>
+            <a:r>
+              <a:rPr lang="en-US" dirty="0" err="1" smtClean="0">
+                <a:solidFill>
+                  <a:schemeClr val="bg1"/>
+                </a:solidFill>
+              </a:rPr>
+              <a:t>TSource</a:t>
+            </a:r>
+            <a:r>
+              <a:rPr lang="en-US" dirty="0" smtClean="0">
+                <a:solidFill>
+                  <a:schemeClr val="bg1"/>
+                </a:solidFill>
+              </a:rPr>
+              <a:t>&gt; source,</a:t>
+            </a:r>
+          </a:p>
+          <a:p>
+            <a:r>
+              <a:rPr lang="en-US" dirty="0" smtClean="0">
+                <a:solidFill>
+                  <a:schemeClr val="bg1"/>
+                </a:solidFill>
+              </a:rPr>
+              <a:t>	Action&lt;</a:t>
+            </a:r>
+            <a:r>
+              <a:rPr lang="en-US" dirty="0" err="1" smtClean="0">
+                <a:solidFill>
+                  <a:schemeClr val="bg1"/>
+                </a:solidFill>
+              </a:rPr>
+              <a:t>TSource</a:t>
+            </a:r>
+            <a:r>
+              <a:rPr lang="en-US" dirty="0" smtClean="0">
+                <a:solidFill>
+                  <a:schemeClr val="bg1"/>
+                </a:solidFill>
+              </a:rPr>
+              <a:t>, </a:t>
+            </a:r>
+            <a:r>
+              <a:rPr lang="en-US" dirty="0" err="1" smtClean="0">
+                <a:solidFill>
+                  <a:schemeClr val="bg1"/>
+                </a:solidFill>
+              </a:rPr>
+              <a:t>ParallelLoopState</a:t>
+            </a:r>
+            <a:r>
+              <a:rPr lang="en-US" dirty="0" smtClean="0">
+                <a:solidFill>
+                  <a:schemeClr val="bg1"/>
+                </a:solidFill>
+              </a:rPr>
+              <a:t>&gt; body</a:t>
+            </a:r>
+          </a:p>
+          <a:p>
+            <a:r>
+              <a:rPr lang="en-US" dirty="0" smtClean="0">
+                <a:solidFill>
+                  <a:schemeClr val="bg1"/>
+                </a:solidFill>
+              </a:rPr>
+              <a:t>)</a:t>
+            </a:r>
+            <a:endParaRPr lang="en-GB" dirty="0">
+              <a:solidFill>
+                <a:schemeClr val="bg1"/>
+              </a:solidFill>
+            </a:endParaRPr>
           </a:p>
         </p:txBody>
       </p:sp>
@@ -4385,7 +4703,7 @@
           <a:p>
             <a:r>
               <a:rPr lang="en-GB" dirty="0" smtClean="0"/>
-              <a:t>What about all those overloads?</a:t>
+              <a:t>Iteration Index</a:t>
             </a:r>
             <a:endParaRPr lang="en-GB" dirty="0"/>
           </a:p>
@@ -4408,66 +4726,217 @@
           <a:p>
             <a:r>
               <a:rPr lang="en-GB" dirty="0" smtClean="0"/>
-              <a:t>Not as bad as it looks</a:t>
-            </a:r>
-          </a:p>
-          <a:p>
-            <a:r>
-              <a:rPr lang="en-GB" dirty="0" smtClean="0"/>
-              <a:t>5 key concepts</a:t>
-            </a:r>
-          </a:p>
-          <a:p>
-            <a:pPr lvl="1"/>
+              <a:t>Provides each iteration with a loop index</a:t>
+            </a:r>
+          </a:p>
+          <a:p>
+            <a:r>
+              <a:rPr lang="en-GB" dirty="0" smtClean="0"/>
+              <a:t>Saw this in the </a:t>
+            </a:r>
             <a:r>
               <a:rPr lang="en-GB" dirty="0" err="1" smtClean="0"/>
               <a:t>ParallelLoopState</a:t>
             </a:r>
-            <a:endParaRPr lang="en-GB" dirty="0" smtClean="0"/>
-          </a:p>
-          <a:p>
-            <a:pPr lvl="1"/>
-            <a:r>
-              <a:rPr lang="en-GB" dirty="0" smtClean="0"/>
-              <a:t>Iteration Index</a:t>
-            </a:r>
-          </a:p>
-          <a:p>
-            <a:pPr lvl="1"/>
-            <a:r>
-              <a:rPr lang="en-GB" dirty="0" smtClean="0"/>
-              <a:t>Local thread data</a:t>
-            </a:r>
-          </a:p>
-          <a:p>
-            <a:pPr lvl="1"/>
-            <a:r>
-              <a:rPr lang="en-GB" dirty="0" err="1" smtClean="0"/>
-              <a:t>ParallelOptions</a:t>
-            </a:r>
-            <a:endParaRPr lang="en-GB" dirty="0" smtClean="0"/>
-          </a:p>
-          <a:p>
-            <a:pPr lvl="1"/>
-            <a:r>
-              <a:rPr lang="en-GB" dirty="0" err="1" smtClean="0"/>
-              <a:t>Partioner</a:t>
-            </a:r>
-            <a:r>
-              <a:rPr lang="en-GB" dirty="0" smtClean="0"/>
-              <a:t> &amp; </a:t>
-            </a:r>
-            <a:r>
-              <a:rPr lang="en-GB" dirty="0" err="1" smtClean="0"/>
-              <a:t>OrderablePartioner</a:t>
-            </a:r>
-            <a:endParaRPr lang="en-GB" dirty="0" smtClean="0"/>
-          </a:p>
-          <a:p>
-            <a:r>
-              <a:rPr lang="en-GB" dirty="0" smtClean="0"/>
-              <a:t>Overloads are just combinations of these</a:t>
-            </a:r>
+            <a:r>
+              <a:rPr lang="en-GB" dirty="0" smtClean="0"/>
+              <a:t> demo</a:t>
+            </a:r>
+            <a:endParaRPr lang="en-GB" dirty="0"/>
+          </a:p>
+        </p:txBody>
+      </p:sp>
+      <p:sp>
+        <p:nvSpPr>
+          <p:cNvPr id="5" name="TextBox 4"/>
+          <p:cNvSpPr txBox="1"/>
+          <p:nvPr/>
+        </p:nvSpPr>
+        <p:spPr>
+          <a:xfrm>
+            <a:off x="1970125" y="3264648"/>
+            <a:ext cx="5195454" cy="1200329"/>
+          </a:xfrm>
+          <a:prstGeom prst="rect">
+            <a:avLst/>
+          </a:prstGeom>
+          <a:solidFill>
+            <a:schemeClr val="accent5">
+              <a:lumMod val="50000"/>
+            </a:schemeClr>
+          </a:solidFill>
+          <a:ln>
+            <a:solidFill>
+              <a:schemeClr val="tx1"/>
+            </a:solidFill>
+            <a:round/>
+          </a:ln>
+          <a:effectLst>
+            <a:reflection stA="50000" endPos="25000" dist="38100" dir="5400000" sy="-100000" algn="bl" rotWithShape="0"/>
+            <a:softEdge rad="25400"/>
+          </a:effectLst>
+        </p:spPr>
+        <p:txBody>
+          <a:bodyPr wrap="square" rtlCol="0" anchor="ctr" anchorCtr="0">
+            <a:spAutoFit/>
+          </a:bodyPr>
+          <a:lstStyle/>
+          <a:p>
+            <a:r>
+              <a:rPr lang="en-US" dirty="0" smtClean="0">
+                <a:solidFill>
+                  <a:schemeClr val="bg1"/>
+                </a:solidFill>
+              </a:rPr>
+              <a:t>public static </a:t>
+            </a:r>
+            <a:r>
+              <a:rPr lang="en-US" dirty="0" err="1" smtClean="0">
+                <a:solidFill>
+                  <a:schemeClr val="bg1"/>
+                </a:solidFill>
+              </a:rPr>
+              <a:t>ParallelLoopResult</a:t>
+            </a:r>
+            <a:r>
+              <a:rPr lang="en-US" dirty="0" smtClean="0">
+                <a:solidFill>
+                  <a:schemeClr val="bg1"/>
+                </a:solidFill>
+              </a:rPr>
+              <a:t> </a:t>
+            </a:r>
+            <a:r>
+              <a:rPr lang="en-US" dirty="0" err="1" smtClean="0">
+                <a:solidFill>
+                  <a:schemeClr val="bg1"/>
+                </a:solidFill>
+              </a:rPr>
+              <a:t>ForEach</a:t>
+            </a:r>
+            <a:r>
+              <a:rPr lang="en-US" dirty="0" smtClean="0">
+                <a:solidFill>
+                  <a:schemeClr val="bg1"/>
+                </a:solidFill>
+              </a:rPr>
+              <a:t>&lt;</a:t>
+            </a:r>
+            <a:r>
+              <a:rPr lang="en-US" dirty="0" err="1" smtClean="0">
+                <a:solidFill>
+                  <a:schemeClr val="bg1"/>
+                </a:solidFill>
+              </a:rPr>
+              <a:t>TSource</a:t>
+            </a:r>
+            <a:r>
+              <a:rPr lang="en-US" dirty="0" smtClean="0">
+                <a:solidFill>
+                  <a:schemeClr val="bg1"/>
+                </a:solidFill>
+              </a:rPr>
+              <a:t>&gt;(</a:t>
+            </a:r>
+          </a:p>
+          <a:p>
+            <a:r>
+              <a:rPr lang="en-US" dirty="0" smtClean="0">
+                <a:solidFill>
+                  <a:schemeClr val="bg1"/>
+                </a:solidFill>
+              </a:rPr>
+              <a:t>	</a:t>
+            </a:r>
+            <a:r>
+              <a:rPr lang="en-US" dirty="0" err="1" smtClean="0">
+                <a:solidFill>
+                  <a:schemeClr val="bg1"/>
+                </a:solidFill>
+              </a:rPr>
+              <a:t>IEnumerable</a:t>
+            </a:r>
+            <a:r>
+              <a:rPr lang="en-US" dirty="0" smtClean="0">
+                <a:solidFill>
+                  <a:schemeClr val="bg1"/>
+                </a:solidFill>
+              </a:rPr>
+              <a:t>&lt;</a:t>
+            </a:r>
+            <a:r>
+              <a:rPr lang="en-US" dirty="0" err="1" smtClean="0">
+                <a:solidFill>
+                  <a:schemeClr val="bg1"/>
+                </a:solidFill>
+              </a:rPr>
+              <a:t>TSource</a:t>
+            </a:r>
+            <a:r>
+              <a:rPr lang="en-US" dirty="0" smtClean="0">
+                <a:solidFill>
+                  <a:schemeClr val="bg1"/>
+                </a:solidFill>
+              </a:rPr>
+              <a:t>&gt; source,</a:t>
+            </a:r>
+          </a:p>
+          <a:p>
+            <a:r>
+              <a:rPr lang="en-US" dirty="0" smtClean="0">
+                <a:solidFill>
+                  <a:schemeClr val="bg1"/>
+                </a:solidFill>
+              </a:rPr>
+              <a:t>	Action&lt;</a:t>
+            </a:r>
+            <a:r>
+              <a:rPr lang="en-US" dirty="0" err="1" smtClean="0">
+                <a:solidFill>
+                  <a:schemeClr val="bg1"/>
+                </a:solidFill>
+              </a:rPr>
+              <a:t>TSource</a:t>
+            </a:r>
+            <a:r>
+              <a:rPr lang="en-US" dirty="0" smtClean="0">
+                <a:solidFill>
+                  <a:schemeClr val="bg1"/>
+                </a:solidFill>
+              </a:rPr>
+              <a:t>, </a:t>
+            </a:r>
+            <a:r>
+              <a:rPr lang="en-US" dirty="0" err="1" smtClean="0">
+                <a:solidFill>
+                  <a:schemeClr val="bg1"/>
+                </a:solidFill>
+              </a:rPr>
+              <a:t>ParallelLoopState</a:t>
+            </a:r>
+            <a:r>
+              <a:rPr lang="en-US" dirty="0" smtClean="0">
+                <a:solidFill>
+                  <a:schemeClr val="bg1"/>
+                </a:solidFill>
+              </a:rPr>
+              <a:t>, long&gt; body</a:t>
+            </a:r>
+          </a:p>
+          <a:p>
+            <a:r>
+              <a:rPr lang="en-US" dirty="0" smtClean="0">
+                <a:solidFill>
+                  <a:schemeClr val="bg1"/>
+                </a:solidFill>
+              </a:rPr>
+              <a:t>)</a:t>
+            </a:r>
+            <a:endParaRPr lang="en-GB" dirty="0">
+              <a:solidFill>
+                <a:schemeClr val="bg1"/>
+              </a:solidFill>
+            </a:endParaRPr>
           </a:p>
         </p:txBody>
       </p:sp>
@@ -4520,7 +4989,19 @@
           <a:p>
             <a:r>
               <a:rPr lang="en-GB" dirty="0" err="1" smtClean="0"/>
-              <a:t>ParallelLoopState</a:t>
+              <a:t>LocalThreadState</a:t>
+            </a:r>
+            <a:r>
+              <a:rPr lang="en-GB" dirty="0" smtClean="0"/>
+              <a:t> (</a:t>
+            </a:r>
+            <a:r>
+              <a:rPr lang="en-GB" dirty="0" err="1" smtClean="0"/>
+              <a:t>TLocal</a:t>
+            </a:r>
+            <a:r>
+              <a:rPr lang="en-GB" dirty="0" smtClean="0"/>
+              <a:t>)</a:t>
             </a:r>
             <a:endParaRPr lang="en-GB" dirty="0"/>
           </a:p>
@@ -4543,64 +5024,30 @@
           <a:p>
             <a:r>
               <a:rPr lang="en-GB" dirty="0" smtClean="0"/>
-              <a:t>Additional parameter that allows the loop to be monitored &amp; </a:t>
-            </a:r>
-            <a:r>
-              <a:rPr lang="en-GB" dirty="0" smtClean="0"/>
-              <a:t>manipulated</a:t>
-            </a:r>
-          </a:p>
-          <a:p>
-            <a:pPr lvl="1"/>
-            <a:r>
-              <a:rPr lang="en-GB" dirty="0" err="1" smtClean="0"/>
-              <a:t>IsStopped</a:t>
-            </a:r>
-            <a:r>
-              <a:rPr lang="en-GB" dirty="0" smtClean="0"/>
-              <a:t>, </a:t>
-            </a:r>
-            <a:r>
-              <a:rPr lang="en-GB" dirty="0" err="1" smtClean="0"/>
-              <a:t>IsExceptional</a:t>
-            </a:r>
-            <a:r>
-              <a:rPr lang="en-GB" dirty="0" smtClean="0"/>
-              <a:t>, </a:t>
-            </a:r>
-            <a:r>
-              <a:rPr lang="en-GB" dirty="0" err="1" smtClean="0"/>
-              <a:t>ShouldExit</a:t>
-            </a:r>
-            <a:r>
-              <a:rPr lang="en-GB" dirty="0" smtClean="0"/>
-              <a:t>, Break(), Stop()</a:t>
-            </a:r>
+              <a:t>Provides each thread with local data accessible from all iterations performed on that thread</a:t>
+            </a:r>
+          </a:p>
+          <a:p>
+            <a:pPr>
+              <a:buNone/>
+            </a:pPr>
             <a:endParaRPr lang="en-GB" dirty="0" smtClean="0"/>
           </a:p>
           <a:p>
-            <a:r>
-              <a:rPr lang="en-GB" dirty="0" smtClean="0"/>
-              <a:t>Demo also shows </a:t>
-            </a:r>
-            <a:r>
-              <a:rPr lang="en-GB" dirty="0" err="1" smtClean="0"/>
-              <a:t>ParallelLoopResult</a:t>
-            </a:r>
             <a:endParaRPr lang="en-GB" dirty="0"/>
           </a:p>
         </p:txBody>
       </p:sp>
       <p:sp>
         <p:nvSpPr>
-          <p:cNvPr id="4" name="TextBox 3"/>
+          <p:cNvPr id="6" name="TextBox 5"/>
           <p:cNvSpPr txBox="1"/>
           <p:nvPr/>
         </p:nvSpPr>
         <p:spPr>
           <a:xfrm>
-            <a:off x="1905000" y="4696679"/>
-            <a:ext cx="5195454" cy="1200329"/>
+            <a:off x="1530520" y="3646284"/>
+            <a:ext cx="6080991" cy="1754327"/>
           </a:xfrm>
           <a:prstGeom prst="rect">
             <a:avLst/>
@@ -4630,23 +5077,237 @@
             <a:r>
               <a:rPr lang="en-US" dirty="0" smtClean="0">
                 <a:solidFill>
-                  <a:schemeClr val="bg1"/>
-                </a:solidFill>
-              </a:rPr>
-              <a:t>public </a:t>
+                  <a:srgbClr val="FFFFFF"/>
+                </a:solidFill>
+              </a:rPr>
+              <a:t>public static </a:t>
+            </a:r>
+            <a:r>
+              <a:rPr lang="en-US" dirty="0" err="1" smtClean="0">
+                <a:solidFill>
+                  <a:srgbClr val="FFFFFF"/>
+                </a:solidFill>
+              </a:rPr>
+              <a:t>ParallelLoopResult</a:t>
             </a:r>
             <a:r>
               <a:rPr lang="en-US" dirty="0" smtClean="0">
                 <a:solidFill>
-                  <a:schemeClr val="bg1"/>
-                </a:solidFill>
-              </a:rPr>
-              <a:t>static</a:t>
+                  <a:srgbClr val="FFFFFF"/>
+                </a:solidFill>
+              </a:rPr>
+              <a:t> </a:t>
+            </a:r>
+            <a:r>
+              <a:rPr lang="en-US" dirty="0" err="1" smtClean="0">
+                <a:solidFill>
+                  <a:srgbClr val="FFFFFF"/>
+                </a:solidFill>
+              </a:rPr>
+              <a:t>ForEach</a:t>
             </a:r>
             <a:r>
               <a:rPr lang="en-US" dirty="0" smtClean="0">
                 <a:solidFill>
-                  <a:schemeClr val="bg1"/>
+                  <a:srgbClr val="FFFFFF"/>
+                </a:solidFill>
+              </a:rPr>
+              <a:t>&lt;</a:t>
+            </a:r>
+            <a:r>
+              <a:rPr lang="en-US" dirty="0" err="1" smtClean="0">
+                <a:solidFill>
+                  <a:srgbClr val="FFFFFF"/>
+                </a:solidFill>
+              </a:rPr>
+              <a:t>TSource</a:t>
+            </a:r>
+            <a:r>
+              <a:rPr lang="en-US" dirty="0" smtClean="0">
+                <a:solidFill>
+                  <a:srgbClr val="FFFFFF"/>
+                </a:solidFill>
+              </a:rPr>
+              <a:t>, </a:t>
+            </a:r>
+            <a:r>
+              <a:rPr lang="en-US" dirty="0" err="1" smtClean="0">
+                <a:solidFill>
+                  <a:srgbClr val="FFFFFF"/>
+                </a:solidFill>
+              </a:rPr>
+              <a:t>TLocal</a:t>
+            </a:r>
+            <a:r>
+              <a:rPr lang="en-US" dirty="0" smtClean="0">
+                <a:solidFill>
+                  <a:srgbClr val="FFFFFF"/>
+                </a:solidFill>
+              </a:rPr>
+              <a:t>&gt;(</a:t>
+            </a:r>
+          </a:p>
+          <a:p>
+            <a:r>
+              <a:rPr lang="en-US" dirty="0" smtClean="0">
+                <a:solidFill>
+                  <a:srgbClr val="FFFFFF"/>
+                </a:solidFill>
+              </a:rPr>
+              <a:t>	</a:t>
+            </a:r>
+            <a:r>
+              <a:rPr lang="en-US" dirty="0" err="1" smtClean="0">
+                <a:solidFill>
+                  <a:srgbClr val="FFFFFF"/>
+                </a:solidFill>
+              </a:rPr>
+              <a:t>IEnumerable</a:t>
+            </a:r>
+            <a:r>
+              <a:rPr lang="en-US" dirty="0" smtClean="0">
+                <a:solidFill>
+                  <a:srgbClr val="FFFFFF"/>
+                </a:solidFill>
+              </a:rPr>
+              <a:t>&lt;</a:t>
+            </a:r>
+            <a:r>
+              <a:rPr lang="en-US" dirty="0" err="1" smtClean="0">
+                <a:solidFill>
+                  <a:srgbClr val="FFFFFF"/>
+                </a:solidFill>
+              </a:rPr>
+              <a:t>TSource</a:t>
+            </a:r>
+            <a:r>
+              <a:rPr lang="en-US" dirty="0" smtClean="0">
+                <a:solidFill>
+                  <a:srgbClr val="FFFFFF"/>
+                </a:solidFill>
+              </a:rPr>
+              <a:t>&gt; source,</a:t>
+            </a:r>
+          </a:p>
+          <a:p>
+            <a:r>
+              <a:rPr lang="en-US" dirty="0" smtClean="0">
+                <a:solidFill>
+                  <a:srgbClr val="FFFFFF"/>
+                </a:solidFill>
+              </a:rPr>
+              <a:t>	</a:t>
+            </a:r>
+            <a:r>
+              <a:rPr lang="en-US" dirty="0" err="1" smtClean="0">
+                <a:solidFill>
+                  <a:srgbClr val="FFFFFF"/>
+                </a:solidFill>
+              </a:rPr>
+              <a:t>Func</a:t>
+            </a:r>
+            <a:r>
+              <a:rPr lang="en-US" dirty="0" smtClean="0">
+                <a:solidFill>
+                  <a:srgbClr val="FFFFFF"/>
+                </a:solidFill>
+              </a:rPr>
+              <a:t>&lt;</a:t>
+            </a:r>
+            <a:r>
+              <a:rPr lang="en-US" dirty="0" err="1" smtClean="0">
+                <a:solidFill>
+                  <a:srgbClr val="FFFFFF"/>
+                </a:solidFill>
+              </a:rPr>
+              <a:t>TLocal</a:t>
+            </a:r>
+            <a:r>
+              <a:rPr lang="en-US" dirty="0" smtClean="0">
+                <a:solidFill>
+                  <a:srgbClr val="FFFFFF"/>
+                </a:solidFill>
+              </a:rPr>
+              <a:t>&gt; </a:t>
+            </a:r>
+            <a:r>
+              <a:rPr lang="en-US" dirty="0" err="1" smtClean="0">
+                <a:solidFill>
+                  <a:srgbClr val="FFFFFF"/>
+                </a:solidFill>
+              </a:rPr>
+              <a:t>localInit</a:t>
+            </a:r>
+            <a:r>
+              <a:rPr lang="en-US" dirty="0" smtClean="0">
+                <a:solidFill>
+                  <a:srgbClr val="FFFFFF"/>
+                </a:solidFill>
+              </a:rPr>
+              <a:t>,</a:t>
+            </a:r>
+          </a:p>
+          <a:p>
+            <a:r>
+              <a:rPr lang="en-US" dirty="0" smtClean="0">
+                <a:solidFill>
+                  <a:srgbClr val="FFFFFF"/>
+                </a:solidFill>
+              </a:rPr>
+              <a:t>	</a:t>
+            </a:r>
+            <a:r>
+              <a:rPr lang="en-US" dirty="0" err="1" smtClean="0">
+                <a:solidFill>
+                  <a:srgbClr val="FFFFFF"/>
+                </a:solidFill>
+              </a:rPr>
+              <a:t>Func</a:t>
+            </a:r>
+            <a:r>
+              <a:rPr lang="en-US" dirty="0" smtClean="0">
+                <a:solidFill>
+                  <a:srgbClr val="FFFFFF"/>
+                </a:solidFill>
+              </a:rPr>
+              <a:t>&lt;</a:t>
+            </a:r>
+            <a:r>
+              <a:rPr lang="en-US" dirty="0" err="1" smtClean="0">
+                <a:solidFill>
+                  <a:srgbClr val="FFFFFF"/>
+                </a:solidFill>
+              </a:rPr>
+              <a:t>TSource</a:t>
+            </a:r>
+            <a:r>
+              <a:rPr lang="en-US" dirty="0" smtClean="0">
+                <a:solidFill>
+                  <a:srgbClr val="FFFFFF"/>
+                </a:solidFill>
+              </a:rPr>
+              <a:t>, </a:t>
+            </a:r>
+            <a:r>
+              <a:rPr lang="en-US" dirty="0" err="1" smtClean="0">
+                <a:solidFill>
+                  <a:srgbClr val="FFFFFF"/>
+                </a:solidFill>
+              </a:rPr>
+              <a:t>ParallelLoopState</a:t>
+            </a:r>
+            <a:r>
+              <a:rPr lang="en-US" dirty="0" smtClean="0">
+                <a:solidFill>
+                  <a:srgbClr val="FFFFFF"/>
+                </a:solidFill>
+              </a:rPr>
+              <a:t>,</a:t>
+            </a:r>
+            <a:r>
+              <a:rPr lang="en-US" dirty="0" smtClean="0">
+                <a:solidFill>
+                  <a:srgbClr val="FFFFFF"/>
                 </a:solidFill>
               </a:rPr>
               <a:t> </a:t>
@@ -4654,148 +5315,87 @@
             <a:r>
               <a:rPr lang="en-US" dirty="0" err="1" smtClean="0">
                 <a:solidFill>
-                  <a:schemeClr val="bg1"/>
-                </a:solidFill>
-              </a:rPr>
-              <a:t>ParallelLoopResult</a:t>
+                  <a:srgbClr val="FFFFFF"/>
+                </a:solidFill>
+              </a:rPr>
+              <a:t>TLocal</a:t>
             </a:r>
             <a:r>
               <a:rPr lang="en-US" dirty="0" smtClean="0">
                 <a:solidFill>
-                  <a:schemeClr val="bg1"/>
-                </a:solidFill>
-              </a:rPr>
-              <a:t> </a:t>
+                  <a:srgbClr val="FFFFFF"/>
+                </a:solidFill>
+              </a:rPr>
+              <a:t>, </a:t>
             </a:r>
             <a:r>
               <a:rPr lang="en-US" dirty="0" err="1" smtClean="0">
                 <a:solidFill>
-                  <a:schemeClr val="bg1"/>
-                </a:solidFill>
-              </a:rPr>
-              <a:t>ForEach</a:t>
+                  <a:srgbClr val="FFFFFF"/>
+                </a:solidFill>
+              </a:rPr>
+              <a:t>TLocal</a:t>
             </a:r>
             <a:r>
               <a:rPr lang="en-US" dirty="0" smtClean="0">
                 <a:solidFill>
-                  <a:schemeClr val="bg1"/>
-                </a:solidFill>
-              </a:rPr>
-              <a:t>&lt;</a:t>
+                  <a:srgbClr val="FFFFFF"/>
+                </a:solidFill>
+              </a:rPr>
+              <a:t>&gt; body,</a:t>
+            </a:r>
+          </a:p>
+          <a:p>
+            <a:r>
+              <a:rPr lang="en-US" dirty="0" smtClean="0">
+                <a:solidFill>
+                  <a:srgbClr val="FFFFFF"/>
+                </a:solidFill>
+              </a:rPr>
+              <a:t>	Action&lt;</a:t>
             </a:r>
             <a:r>
               <a:rPr lang="en-US" dirty="0" err="1" smtClean="0">
                 <a:solidFill>
-                  <a:schemeClr val="bg1"/>
-                </a:solidFill>
-              </a:rPr>
-              <a:t>TSource</a:t>
+                  <a:srgbClr val="FFFFFF"/>
+                </a:solidFill>
+              </a:rPr>
+              <a:t>TLocal</a:t>
             </a:r>
             <a:r>
               <a:rPr lang="en-US" dirty="0" smtClean="0">
                 <a:solidFill>
-                  <a:schemeClr val="bg1"/>
-                </a:solidFill>
-              </a:rPr>
-              <a:t>&gt;(</a:t>
-            </a:r>
+                  <a:srgbClr val="FFFFFF"/>
+                </a:solidFill>
+              </a:rPr>
+              <a:t>&gt; </a:t>
+            </a:r>
+            <a:r>
+              <a:rPr lang="en-US" dirty="0" err="1" smtClean="0">
+                <a:solidFill>
+                  <a:srgbClr val="FFFFFF"/>
+                </a:solidFill>
+              </a:rPr>
+              <a:t>localFinally</a:t>
+            </a:r>
+            <a:endParaRPr lang="en-US" dirty="0" smtClean="0">
+              <a:solidFill>
+                <a:srgbClr val="FFFFFF"/>
+              </a:solidFill>
+            </a:endParaRPr>
           </a:p>
           <a:p>
             <a:r>
               <a:rPr lang="en-US" dirty="0" smtClean="0">
                 <a:solidFill>
-                  <a:schemeClr val="bg1"/>
-                </a:solidFill>
-              </a:rPr>
-              <a:t>	</a:t>
-            </a:r>
-            <a:r>
-              <a:rPr lang="en-US" dirty="0" err="1" smtClean="0">
-                <a:solidFill>
-                  <a:schemeClr val="bg1"/>
-                </a:solidFill>
-              </a:rPr>
-              <a:t>IEnumerable</a:t>
-            </a:r>
-            <a:r>
-              <a:rPr lang="en-US" dirty="0" smtClean="0">
-                <a:solidFill>
-                  <a:schemeClr val="bg1"/>
-                </a:solidFill>
-              </a:rPr>
-              <a:t>&lt;</a:t>
-            </a:r>
-            <a:r>
-              <a:rPr lang="en-US" dirty="0" err="1" smtClean="0">
-                <a:solidFill>
-                  <a:schemeClr val="bg1"/>
-                </a:solidFill>
-              </a:rPr>
-              <a:t>TSource</a:t>
-            </a:r>
-            <a:r>
-              <a:rPr lang="en-US" dirty="0" smtClean="0">
-                <a:solidFill>
-                  <a:schemeClr val="bg1"/>
-                </a:solidFill>
-              </a:rPr>
-              <a:t>&gt; source,</a:t>
-            </a:r>
-          </a:p>
-          <a:p>
-            <a:r>
-              <a:rPr lang="en-US" dirty="0" smtClean="0">
-                <a:solidFill>
-                  <a:schemeClr val="bg1"/>
-                </a:solidFill>
-              </a:rPr>
-              <a:t>	Action&lt;</a:t>
-            </a:r>
-            <a:r>
-              <a:rPr lang="en-US" dirty="0" err="1" smtClean="0">
-                <a:solidFill>
-                  <a:schemeClr val="bg1"/>
-                </a:solidFill>
-              </a:rPr>
-              <a:t>TSource</a:t>
-            </a:r>
-            <a:r>
-              <a:rPr lang="en-US" dirty="0" smtClean="0">
-                <a:solidFill>
-                  <a:schemeClr val="bg1"/>
-                </a:solidFill>
-              </a:rPr>
-              <a:t>, </a:t>
-            </a:r>
-            <a:r>
-              <a:rPr lang="en-US" dirty="0" err="1" smtClean="0">
-                <a:solidFill>
-                  <a:schemeClr val="bg1"/>
-                </a:solidFill>
-              </a:rPr>
-              <a:t>ParallelLoopState</a:t>
-            </a:r>
-            <a:r>
-              <a:rPr lang="en-US" dirty="0" smtClean="0">
-                <a:solidFill>
-                  <a:schemeClr val="bg1"/>
-                </a:solidFill>
-              </a:rPr>
-              <a:t>&gt; body</a:t>
-            </a:r>
-          </a:p>
-          <a:p>
-            <a:r>
-              <a:rPr lang="en-US" dirty="0" smtClean="0">
-                <a:solidFill>
-                  <a:schemeClr val="bg1"/>
+                  <a:srgbClr val="FFFFFF"/>
                 </a:solidFill>
               </a:rPr>
               <a:t>)</a:t>
             </a:r>
             <a:endParaRPr lang="en-GB" dirty="0">
               <a:solidFill>
-                <a:schemeClr val="bg1"/>
+                <a:srgbClr val="FFFFFF"/>
               </a:solidFill>
             </a:endParaRPr>
           </a:p>
@@ -4850,7 +5450,7 @@
           <a:p>
             <a:r>
               <a:rPr lang="en-GB" dirty="0" smtClean="0"/>
-              <a:t>Iteration Index</a:t>
+              <a:t>Parallel Options</a:t>
             </a:r>
             <a:endParaRPr lang="en-GB" dirty="0"/>
           </a:p>
@@ -4873,23 +5473,38 @@
           <a:p>
             <a:r>
               <a:rPr lang="en-GB" dirty="0" smtClean="0"/>
-              <a:t>Provides each iteration with a loop index</a:t>
-            </a:r>
-          </a:p>
-          <a:p>
-            <a:r>
-              <a:rPr lang="en-GB" dirty="0" smtClean="0"/>
-              <a:t>Saw this in the </a:t>
-            </a:r>
-            <a:r>
-              <a:rPr lang="en-GB" dirty="0" err="1" smtClean="0"/>
-              <a:t>ParallelLoopState</a:t>
-            </a:r>
-            <a:r>
-              <a:rPr lang="en-GB" dirty="0" smtClean="0"/>
-              <a:t> demo</a:t>
-            </a:r>
-            <a:endParaRPr lang="en-GB" dirty="0"/>
+              <a:t>Provides access to execution options:</a:t>
+            </a:r>
+          </a:p>
+          <a:p>
+            <a:pPr lvl="1"/>
+            <a:r>
+              <a:rPr lang="en-GB" dirty="0" smtClean="0"/>
+              <a:t>Degree of </a:t>
+            </a:r>
+            <a:r>
+              <a:rPr lang="en-GB" dirty="0" smtClean="0"/>
+              <a:t>parallelism</a:t>
+            </a:r>
+          </a:p>
+          <a:p>
+            <a:pPr lvl="1"/>
+            <a:r>
+              <a:rPr lang="en-GB" dirty="0" smtClean="0"/>
+              <a:t>Task Scheduler</a:t>
+            </a:r>
+          </a:p>
+          <a:p>
+            <a:pPr lvl="1"/>
+            <a:r>
+              <a:rPr lang="en-GB" dirty="0" smtClean="0"/>
+              <a:t>Cancellation </a:t>
+            </a:r>
+            <a:r>
+              <a:rPr lang="en-GB" dirty="0" smtClean="0"/>
+              <a:t>Token</a:t>
+            </a:r>
+            <a:endParaRPr lang="en-GB" dirty="0" smtClean="0"/>
           </a:p>
         </p:txBody>
       </p:sp>
@@ -4901,8 +5516,8 @@
         </p:nvSpPr>
         <p:spPr>
           <a:xfrm>
-            <a:off x="1970125" y="3264648"/>
-            <a:ext cx="5195454" cy="1200329"/>
+            <a:off x="1970125" y="4288260"/>
+            <a:ext cx="5195454" cy="1477328"/>
           </a:xfrm>
           <a:prstGeom prst="rect">
             <a:avLst/>
@@ -5035,6 +5650,48 @@
                   <a:schemeClr val="bg1"/>
                 </a:solidFill>
               </a:rPr>
+              <a:t>	</a:t>
+            </a:r>
+            <a:r>
+              <a:rPr lang="en-US" dirty="0" err="1" smtClean="0">
+                <a:solidFill>
+                  <a:schemeClr val="bg1"/>
+                </a:solidFill>
+              </a:rPr>
+              <a:t>ParallelOptions</a:t>
+            </a:r>
+            <a:r>
+              <a:rPr lang="en-US" dirty="0" smtClean="0">
+                <a:solidFill>
+                  <a:schemeClr val="bg1"/>
+                </a:solidFill>
+              </a:rPr>
+              <a:t> </a:t>
+            </a:r>
+            <a:r>
+              <a:rPr lang="en-US" dirty="0" err="1" smtClean="0">
+                <a:solidFill>
+                  <a:schemeClr val="bg1"/>
+                </a:solidFill>
+              </a:rPr>
+              <a:t>parallelOptions</a:t>
+            </a:r>
+            <a:r>
+              <a:rPr lang="en-US" dirty="0" smtClean="0">
+                <a:solidFill>
+                  <a:schemeClr val="bg1"/>
+                </a:solidFill>
+              </a:rPr>
+              <a:t>,</a:t>
+            </a:r>
+          </a:p>
+          <a:p>
+            <a:r>
+              <a:rPr lang="en-US" dirty="0" smtClean="0">
+                <a:solidFill>
+                  <a:schemeClr val="bg1"/>
+                </a:solidFill>
+              </a:rPr>
               <a:t>	Action&lt;</a:t>
             </a:r>
             <a:r>
@@ -5051,23 +5708,7 @@
                   <a:schemeClr val="bg1"/>
                 </a:solidFill>
               </a:rPr>
-              <a:t>, </a:t>
-            </a:r>
-            <a:r>
-              <a:rPr lang="en-US" dirty="0" err="1" smtClean="0">
-                <a:solidFill>
-                  <a:schemeClr val="bg1"/>
-                </a:solidFill>
-              </a:rPr>
-              <a:t>ParallelLoopState</a:t>
-            </a:r>
-            <a:r>
-              <a:rPr lang="en-US" dirty="0" smtClean="0">
-                <a:solidFill>
-                  <a:schemeClr val="bg1"/>
-                </a:solidFill>
-              </a:rPr>
-              <a:t>, long&gt; body</a:t>
+              <a:t>&gt; body</a:t>
             </a:r>
           </a:p>
           <a:p>
@@ -5135,20 +5776,8 @@
           <a:lstStyle/>
           <a:p>
             <a:r>
-              <a:rPr lang="en-GB" dirty="0" err="1" smtClean="0"/>
-              <a:t>LocalThreadState</a:t>
-            </a:r>
-            <a:r>
-              <a:rPr lang="en-GB" dirty="0" smtClean="0"/>
-              <a:t> (</a:t>
-            </a:r>
-            <a:r>
-              <a:rPr lang="en-GB" dirty="0" err="1" smtClean="0"/>
-              <a:t>TLocal</a:t>
-            </a:r>
-            <a:r>
-              <a:rPr lang="en-GB" dirty="0" smtClean="0"/>
-              <a:t>)</a:t>
+              <a:rPr lang="en-GB" dirty="0" smtClean="0"/>
+              <a:t>Task Schedulers</a:t>
             </a:r>
             <a:endParaRPr lang="en-GB" dirty="0"/>
           </a:p>
@@ -5171,380 +5800,39 @@
           <a:p>
             <a:r>
               <a:rPr lang="en-GB" dirty="0" smtClean="0"/>
-              <a:t>Provides each thread with local data accessible from all iterations performed on that thread</a:t>
-            </a:r>
-          </a:p>
-          <a:p>
-            <a:pPr>
-              <a:buNone/>
-            </a:pPr>
-            <a:endParaRPr lang="en-GB" dirty="0" smtClean="0"/>
-          </a:p>
-          <a:p>
-            <a:endParaRPr lang="en-GB" dirty="0"/>
-          </a:p>
-        </p:txBody>
-      </p:sp>
-      <p:sp>
-        <p:nvSpPr>
-          <p:cNvPr id="6" name="TextBox 5"/>
-          <p:cNvSpPr txBox="1"/>
-          <p:nvPr/>
-        </p:nvSpPr>
-        <p:spPr>
-          <a:xfrm>
-            <a:off x="1530520" y="3646284"/>
-            <a:ext cx="6080991" cy="1754327"/>
-          </a:xfrm>
-          <a:prstGeom prst="rect">
-            <a:avLst/>
-          </a:prstGeom>
-          <a:solidFill>
-            <a:schemeClr val="accent5">
-              <a:lumMod val="50000"/>
-            </a:schemeClr>
-          </a:solidFill>
-          <a:ln>
-            <a:solidFill>
-              <a:schemeClr val="tx1"/>
-            </a:solidFill>
-            <a:round/>
-          </a:ln>
-          <a:effectLst>
-            <a:reflection stA="50000" endPos="25000" dist="38100" dir="5400000" sy="-100000" algn="bl" rotWithShape="0"/>
-            <a:softEdge rad="25400"/>
-          </a:effectLst>
-        </p:spPr>
-        <p:txBody>
-          <a:bodyPr wrap="square" rtlCol="0" anchor="ctr" anchorCtr="0">
-            <a:spAutoFit/>
-          </a:bodyPr>
-          <a:lstStyle/>
-          <a:p>
-            <a:r>
-              <a:rPr lang="en-US" dirty="0" smtClean="0">
-                <a:solidFill>
-                  <a:srgbClr val="FFFFFF"/>
-                </a:solidFill>
-              </a:rPr>
-              <a:t>public static </a:t>
-            </a:r>
-            <a:r>
-              <a:rPr lang="en-US" dirty="0" err="1" smtClean="0">
-                <a:solidFill>
-                  <a:srgbClr val="FFFFFF"/>
-                </a:solidFill>
-              </a:rPr>
-              <a:t>ParallelLoopResult</a:t>
-            </a:r>
-            <a:r>
-              <a:rPr lang="en-US" dirty="0" smtClean="0">
-                <a:solidFill>
-                  <a:srgbClr val="FFFFFF"/>
-                </a:solidFill>
-              </a:rPr>
-              <a:t> </a:t>
-            </a:r>
-            <a:r>
-              <a:rPr lang="en-US" dirty="0" err="1" smtClean="0">
-                <a:solidFill>
-                  <a:srgbClr val="FFFFFF"/>
-                </a:solidFill>
-              </a:rPr>
-              <a:t>ForEach</a:t>
-            </a:r>
-            <a:r>
-              <a:rPr lang="en-US" dirty="0" smtClean="0">
-                <a:solidFill>
-                  <a:srgbClr val="FFFFFF"/>
-                </a:solidFill>
-              </a:rPr>
-              <a:t>&lt;</a:t>
-            </a:r>
-            <a:r>
-              <a:rPr lang="en-US" dirty="0" err="1" smtClean="0">
-                <a:solidFill>
-                  <a:srgbClr val="FFFFFF"/>
-                </a:solidFill>
-              </a:rPr>
-              <a:t>TSource</a:t>
-            </a:r>
-            <a:r>
-              <a:rPr lang="en-US" dirty="0" smtClean="0">
-                <a:solidFill>
-                  <a:srgbClr val="FFFFFF"/>
-                </a:solidFill>
-              </a:rPr>
-              <a:t>, </a:t>
-            </a:r>
-            <a:r>
-              <a:rPr lang="en-US" dirty="0" err="1" smtClean="0">
-                <a:solidFill>
-                  <a:srgbClr val="FFFFFF"/>
-                </a:solidFill>
-              </a:rPr>
-              <a:t>TLocal</a:t>
-            </a:r>
-            <a:r>
-              <a:rPr lang="en-US" dirty="0" smtClean="0">
-                <a:solidFill>
-                  <a:srgbClr val="FFFFFF"/>
-                </a:solidFill>
-              </a:rPr>
-              <a:t>&gt;(</a:t>
-            </a:r>
-          </a:p>
-          <a:p>
-            <a:r>
-              <a:rPr lang="en-US" dirty="0" smtClean="0">
-                <a:solidFill>
-                  <a:srgbClr val="FFFFFF"/>
-                </a:solidFill>
-              </a:rPr>
-              <a:t>	</a:t>
-            </a:r>
-            <a:r>
-              <a:rPr lang="en-US" dirty="0" err="1" smtClean="0">
-                <a:solidFill>
-                  <a:srgbClr val="FFFFFF"/>
-                </a:solidFill>
-              </a:rPr>
-              <a:t>IEnumerable</a:t>
-            </a:r>
-            <a:r>
-              <a:rPr lang="en-US" dirty="0" smtClean="0">
-                <a:solidFill>
-                  <a:srgbClr val="FFFFFF"/>
-                </a:solidFill>
-              </a:rPr>
-              <a:t>&lt;</a:t>
-            </a:r>
-            <a:r>
-              <a:rPr lang="en-US" dirty="0" err="1" smtClean="0">
-                <a:solidFill>
-                  <a:srgbClr val="FFFFFF"/>
-                </a:solidFill>
-              </a:rPr>
-              <a:t>TSource</a:t>
-            </a:r>
-            <a:r>
-              <a:rPr lang="en-US" dirty="0" smtClean="0">
-                <a:solidFill>
-                  <a:srgbClr val="FFFFFF"/>
-                </a:solidFill>
-              </a:rPr>
-              <a:t>&gt; source,</a:t>
-            </a:r>
-          </a:p>
-          <a:p>
-            <a:r>
-              <a:rPr lang="en-US" dirty="0" smtClean="0">
-                <a:solidFill>
-                  <a:srgbClr val="FFFFFF"/>
-                </a:solidFill>
-              </a:rPr>
-              <a:t>	</a:t>
-            </a:r>
-            <a:r>
-              <a:rPr lang="en-US" dirty="0" err="1" smtClean="0">
-                <a:solidFill>
-                  <a:srgbClr val="FFFFFF"/>
-                </a:solidFill>
-              </a:rPr>
-              <a:t>Func</a:t>
-            </a:r>
-            <a:r>
-              <a:rPr lang="en-US" dirty="0" smtClean="0">
-                <a:solidFill>
-                  <a:srgbClr val="FFFFFF"/>
-                </a:solidFill>
-              </a:rPr>
-              <a:t>&lt;</a:t>
-            </a:r>
-            <a:r>
-              <a:rPr lang="en-US" dirty="0" err="1" smtClean="0">
-                <a:solidFill>
-                  <a:srgbClr val="FFFFFF"/>
-                </a:solidFill>
-              </a:rPr>
-              <a:t>TLocal</a:t>
-            </a:r>
-            <a:r>
-              <a:rPr lang="en-US" dirty="0" smtClean="0">
-                <a:solidFill>
-                  <a:srgbClr val="FFFFFF"/>
-                </a:solidFill>
-              </a:rPr>
-              <a:t>&gt; </a:t>
-            </a:r>
-            <a:r>
-              <a:rPr lang="en-US" dirty="0" err="1" smtClean="0">
-                <a:solidFill>
-                  <a:srgbClr val="FFFFFF"/>
-                </a:solidFill>
-              </a:rPr>
-              <a:t>localInit</a:t>
-            </a:r>
-            <a:r>
-              <a:rPr lang="en-US" dirty="0" smtClean="0">
-                <a:solidFill>
-                  <a:srgbClr val="FFFFFF"/>
-                </a:solidFill>
-              </a:rPr>
-              <a:t>,</a:t>
-            </a:r>
-          </a:p>
-          <a:p>
-            <a:r>
-              <a:rPr lang="en-US" dirty="0" smtClean="0">
-                <a:solidFill>
-                  <a:srgbClr val="FFFFFF"/>
-                </a:solidFill>
-              </a:rPr>
-              <a:t>	</a:t>
-            </a:r>
-            <a:r>
-              <a:rPr lang="en-US" dirty="0" err="1" smtClean="0">
-                <a:solidFill>
-                  <a:srgbClr val="FFFFFF"/>
-                </a:solidFill>
-              </a:rPr>
-              <a:t>Func</a:t>
-            </a:r>
-            <a:r>
-              <a:rPr lang="en-US" dirty="0" smtClean="0">
-                <a:solidFill>
-                  <a:srgbClr val="FFFFFF"/>
-                </a:solidFill>
-              </a:rPr>
-              <a:t>&lt;</a:t>
-            </a:r>
-            <a:r>
-              <a:rPr lang="en-US" dirty="0" err="1" smtClean="0">
-                <a:solidFill>
-                  <a:srgbClr val="FFFFFF"/>
-                </a:solidFill>
-              </a:rPr>
-              <a:t>TSource</a:t>
-            </a:r>
-            <a:r>
-              <a:rPr lang="en-US" dirty="0" smtClean="0">
-                <a:solidFill>
-                  <a:srgbClr val="FFFFFF"/>
-                </a:solidFill>
-              </a:rPr>
-              <a:t>, </a:t>
-            </a:r>
-            <a:r>
-              <a:rPr lang="en-US" dirty="0" err="1" smtClean="0">
-                <a:solidFill>
-                  <a:srgbClr val="FFFFFF"/>
-                </a:solidFill>
-              </a:rPr>
-              <a:t>ParallelLoopState</a:t>
-            </a:r>
-            <a:r>
-              <a:rPr lang="en-US" dirty="0" smtClean="0">
-                <a:solidFill>
-                  <a:srgbClr val="FFFFFF"/>
-                </a:solidFill>
-              </a:rPr>
-              <a:t>,</a:t>
-            </a:r>
-            <a:r>
-              <a:rPr lang="en-US" dirty="0" smtClean="0">
-                <a:solidFill>
-                  <a:srgbClr val="FFFFFF"/>
-                </a:solidFill>
-              </a:rPr>
-              <a:t> </a:t>
-            </a:r>
-            <a:r>
-              <a:rPr lang="en-US" dirty="0" err="1" smtClean="0">
-                <a:solidFill>
-                  <a:srgbClr val="FFFFFF"/>
-                </a:solidFill>
-              </a:rPr>
-              <a:t>TLocal</a:t>
-            </a:r>
-            <a:r>
-              <a:rPr lang="en-US" dirty="0" smtClean="0">
-                <a:solidFill>
-                  <a:srgbClr val="FFFFFF"/>
-                </a:solidFill>
-              </a:rPr>
-              <a:t>, </a:t>
-            </a:r>
-            <a:r>
-              <a:rPr lang="en-US" dirty="0" err="1" smtClean="0">
-                <a:solidFill>
-                  <a:srgbClr val="FFFFFF"/>
-                </a:solidFill>
-              </a:rPr>
-              <a:t>TLocal</a:t>
-            </a:r>
-            <a:r>
-              <a:rPr lang="en-US" dirty="0" smtClean="0">
-                <a:solidFill>
-                  <a:srgbClr val="FFFFFF"/>
-                </a:solidFill>
-              </a:rPr>
-              <a:t>&gt; body,</a:t>
-            </a:r>
-          </a:p>
-          <a:p>
-            <a:r>
-              <a:rPr lang="en-US" dirty="0" smtClean="0">
-                <a:solidFill>
-                  <a:srgbClr val="FFFFFF"/>
-                </a:solidFill>
-              </a:rPr>
-              <a:t>	Action&lt;</a:t>
-            </a:r>
-            <a:r>
-              <a:rPr lang="en-US" dirty="0" err="1" smtClean="0">
-                <a:solidFill>
-                  <a:srgbClr val="FFFFFF"/>
-                </a:solidFill>
-              </a:rPr>
-              <a:t>TLocal</a:t>
-            </a:r>
-            <a:r>
-              <a:rPr lang="en-US" dirty="0" smtClean="0">
-                <a:solidFill>
-                  <a:srgbClr val="FFFFFF"/>
-                </a:solidFill>
-              </a:rPr>
-              <a:t>&gt; </a:t>
-            </a:r>
-            <a:r>
-              <a:rPr lang="en-US" dirty="0" err="1" smtClean="0">
-                <a:solidFill>
-                  <a:srgbClr val="FFFFFF"/>
-                </a:solidFill>
-              </a:rPr>
-              <a:t>localFinally</a:t>
-            </a:r>
-            <a:endParaRPr lang="en-US" dirty="0" smtClean="0">
-              <a:solidFill>
-                <a:srgbClr val="FFFFFF"/>
-              </a:solidFill>
-            </a:endParaRPr>
-          </a:p>
-          <a:p>
-            <a:r>
-              <a:rPr lang="en-US" dirty="0" smtClean="0">
-                <a:solidFill>
-                  <a:srgbClr val="FFFFFF"/>
-                </a:solidFill>
-              </a:rPr>
-              <a:t>)</a:t>
-            </a:r>
-            <a:endParaRPr lang="en-GB" dirty="0">
-              <a:solidFill>
-                <a:srgbClr val="FFFFFF"/>
-              </a:solidFill>
-            </a:endParaRPr>
+              <a:t>Default is based on the Thread Pool</a:t>
+            </a:r>
+          </a:p>
+          <a:p>
+            <a:pPr lvl="1"/>
+            <a:r>
+              <a:rPr lang="en-GB" dirty="0" smtClean="0"/>
+              <a:t>Work stealing, thread injection &amp; retirement</a:t>
+            </a:r>
+          </a:p>
+          <a:p>
+            <a:r>
+              <a:rPr lang="en-GB" dirty="0" smtClean="0"/>
+              <a:t>Can write your own custom implementation</a:t>
+            </a:r>
+          </a:p>
+          <a:p>
+            <a:pPr lvl="1"/>
+            <a:r>
+              <a:rPr lang="en-GB" i="1" dirty="0" smtClean="0"/>
+              <a:t>May</a:t>
+            </a:r>
+            <a:r>
+              <a:rPr lang="en-GB" dirty="0" smtClean="0"/>
+              <a:t> be able to perform better if you data has very specific characteristics </a:t>
+            </a:r>
+          </a:p>
+          <a:p>
+            <a:pPr lvl="1"/>
+            <a:r>
+              <a:rPr lang="en-GB" dirty="0" smtClean="0"/>
+              <a:t>But the default does perform well in most scenarios</a:t>
+            </a:r>
           </a:p>
         </p:txBody>
       </p:sp>
@@ -5596,8 +5884,8 @@
           <a:lstStyle/>
           <a:p>
             <a:r>
-              <a:rPr lang="en-GB" dirty="0" smtClean="0"/>
-              <a:t>Parallel Options</a:t>
+              <a:rPr lang="en-GB" dirty="0" err="1" smtClean="0"/>
+              <a:t>Partitioners</a:t>
             </a:r>
             <a:endParaRPr lang="en-GB" dirty="0"/>
           </a:p>
@@ -5620,51 +5908,47 @@
           <a:p>
             <a:r>
               <a:rPr lang="en-GB" dirty="0" smtClean="0"/>
-              <a:t>Provides access to execution options:</a:t>
+              <a:t>Responsible for splitting source data into multiple sets</a:t>
+            </a:r>
+          </a:p>
+          <a:p>
+            <a:r>
+              <a:rPr lang="en-GB" dirty="0" smtClean="0"/>
+              <a:t>As with Schedulers, the defaults work well</a:t>
             </a:r>
           </a:p>
           <a:p>
             <a:pPr lvl="1"/>
             <a:r>
               <a:rPr lang="en-GB" dirty="0" smtClean="0"/>
-              <a:t>Degree of </a:t>
-            </a:r>
-            <a:r>
-              <a:rPr lang="en-GB" dirty="0" smtClean="0"/>
-              <a:t>parallelism</a:t>
-            </a:r>
-          </a:p>
-          <a:p>
-            <a:pPr lvl="1"/>
-            <a:r>
-              <a:rPr lang="en-GB" dirty="0" smtClean="0"/>
-              <a:t>Task Scheduler</a:t>
-            </a:r>
-          </a:p>
-          <a:p>
-            <a:pPr lvl="1"/>
-            <a:r>
-              <a:rPr lang="en-GB" dirty="0" smtClean="0"/>
-              <a:t>Cancellation </a:t>
-            </a:r>
-            <a:r>
-              <a:rPr lang="en-GB" dirty="0" smtClean="0"/>
-              <a:t>Token</a:t>
-            </a:r>
-            <a:endParaRPr lang="en-GB" dirty="0" smtClean="0"/>
-          </a:p>
-        </p:txBody>
-      </p:sp>
-      <p:sp>
-        <p:nvSpPr>
-          <p:cNvPr id="5" name="TextBox 4"/>
+              <a:t>can still </a:t>
+            </a:r>
+            <a:r>
+              <a:rPr lang="en-GB" dirty="0" smtClean="0"/>
+              <a:t>use custom if required</a:t>
+            </a:r>
+          </a:p>
+          <a:p>
+            <a:r>
+              <a:rPr lang="en-GB" dirty="0" smtClean="0"/>
+              <a:t>Demo</a:t>
+            </a:r>
+          </a:p>
+          <a:p>
+            <a:endParaRPr lang="en-GB" dirty="0"/>
+          </a:p>
+        </p:txBody>
+      </p:sp>
+      <p:sp>
+        <p:nvSpPr>
+          <p:cNvPr id="4" name="TextBox 3"/>
           <p:cNvSpPr txBox="1"/>
           <p:nvPr/>
         </p:nvSpPr>
         <p:spPr>
           <a:xfrm>
-            <a:off x="1970125" y="4288260"/>
-            <a:ext cx="5195454" cy="1477328"/>
+            <a:off x="1905000" y="4580435"/>
+            <a:ext cx="5195454" cy="1200329"/>
           </a:xfrm>
           <a:prstGeom prst="rect">
             <a:avLst/>
@@ -5763,7 +6047,7 @@
                   <a:schemeClr val="bg1"/>
                 </a:solidFill>
               </a:rPr>
-              <a:t>IEnumerable</a:t>
+              <a:t>Partitioner</a:t>
             </a:r>
             <a:r>
               <a:rPr lang="en-US" dirty="0" smtClean="0">
@@ -5788,48 +6072,6 @@
                 </a:solidFill>
               </a:rPr>
               <a:t>&gt; source,</a:t>
-            </a:r>
-          </a:p>
-          <a:p>
-            <a:r>
-              <a:rPr lang="en-US" dirty="0" smtClean="0">
-                <a:solidFill>
-                  <a:schemeClr val="bg1"/>
-                </a:solidFill>
-              </a:rPr>
-              <a:t>	</a:t>
-            </a:r>
-            <a:r>
-              <a:rPr lang="en-US" dirty="0" err="1" smtClean="0">
-                <a:solidFill>
-                  <a:schemeClr val="bg1"/>
-                </a:solidFill>
-              </a:rPr>
-              <a:t>ParallelOptions</a:t>
-            </a:r>
-            <a:r>
-              <a:rPr lang="en-US" dirty="0" smtClean="0">
-                <a:solidFill>
-                  <a:schemeClr val="bg1"/>
-                </a:solidFill>
-              </a:rPr>
-              <a:t> </a:t>
-            </a:r>
-            <a:r>
-              <a:rPr lang="en-US" dirty="0" err="1" smtClean="0">
-                <a:solidFill>
-                  <a:schemeClr val="bg1"/>
-                </a:solidFill>
-              </a:rPr>
-              <a:t>parallelOptions</a:t>
-            </a:r>
-            <a:r>
-              <a:rPr lang="en-US" dirty="0" smtClean="0">
-                <a:solidFill>
-                  <a:schemeClr val="bg1"/>
-                </a:solidFill>
-              </a:rPr>
-              <a:t>,</a:t>
             </a:r>
           </a:p>
           <a:p>
@@ -5924,7 +6166,7 @@
           <a:p>
             <a:r>
               <a:rPr lang="en-GB" dirty="0" smtClean="0"/>
-              <a:t>Task Schedulers</a:t>
+              <a:t>Exception Handling</a:t>
             </a:r>
             <a:endParaRPr lang="en-GB" dirty="0"/>
           </a:p>
@@ -5947,39 +6189,82 @@
           <a:p>
             <a:r>
               <a:rPr lang="en-GB" dirty="0" smtClean="0"/>
-              <a:t>Default is based on the Thread Pool</a:t>
+              <a:t>Exceptions from iterations are gathered</a:t>
+            </a:r>
+          </a:p>
+          <a:p>
+            <a:r>
+              <a:rPr lang="en-GB" dirty="0" smtClean="0"/>
+              <a:t>When all iterations complete, a single </a:t>
+            </a:r>
+            <a:r>
+              <a:rPr lang="en-GB" dirty="0" err="1" smtClean="0"/>
+              <a:t>AggregateException</a:t>
+            </a:r>
+            <a:r>
+              <a:rPr lang="en-GB" dirty="0" smtClean="0"/>
+              <a:t> is throw</a:t>
             </a:r>
           </a:p>
           <a:p>
             <a:pPr lvl="1"/>
             <a:r>
               <a:rPr lang="en-GB" dirty="0" smtClean="0"/>
-              <a:t>Work stealing, thread injection &amp; retirement</a:t>
-            </a:r>
-          </a:p>
-          <a:p>
-            <a:r>
-              <a:rPr lang="en-GB" dirty="0" smtClean="0"/>
-              <a:t>Can write your own custom implementation</a:t>
+              <a:t>Within the </a:t>
+            </a:r>
+            <a:r>
+              <a:rPr lang="en-GB" dirty="0" err="1" smtClean="0"/>
+              <a:t>AggregateException</a:t>
+            </a:r>
+            <a:r>
+              <a:rPr lang="en-GB" dirty="0" smtClean="0"/>
+              <a:t>, the original </a:t>
+            </a:r>
+            <a:r>
+              <a:rPr lang="en-GB" dirty="0" err="1" smtClean="0"/>
+              <a:t>exception(s</a:t>
+            </a:r>
+            <a:r>
+              <a:rPr lang="en-GB" dirty="0" smtClean="0"/>
+              <a:t>) can be accessed</a:t>
             </a:r>
           </a:p>
           <a:p>
             <a:pPr lvl="1"/>
             <a:r>
-              <a:rPr lang="en-GB" i="1" dirty="0" smtClean="0"/>
-              <a:t>May</a:t>
-            </a:r>
-            <a:r>
-              <a:rPr lang="en-GB" dirty="0" smtClean="0"/>
-              <a:t> be able to perform better if you data has very specific characteristics </a:t>
-            </a:r>
-          </a:p>
-          <a:p>
-            <a:pPr lvl="1"/>
-            <a:r>
-              <a:rPr lang="en-GB" dirty="0" smtClean="0"/>
-              <a:t>But the default does perform well in most scenarios</a:t>
-            </a:r>
+              <a:rPr lang="en-GB" dirty="0" smtClean="0"/>
+              <a:t>No indication as to which </a:t>
+            </a:r>
+            <a:r>
+              <a:rPr lang="en-GB" dirty="0" err="1" smtClean="0"/>
+              <a:t>iteration(s</a:t>
+            </a:r>
+            <a:r>
+              <a:rPr lang="en-GB" dirty="0" smtClean="0"/>
+              <a:t>) </a:t>
+            </a:r>
+            <a:r>
+              <a:rPr lang="en-GB" dirty="0" smtClean="0"/>
+              <a:t>threw</a:t>
+            </a:r>
+          </a:p>
+          <a:p>
+            <a:pPr lvl="2"/>
+            <a:r>
+              <a:rPr lang="en-GB" dirty="0" smtClean="0"/>
+              <a:t>If this matters to you, you need to pass it out in the exception</a:t>
+            </a:r>
+            <a:r>
+              <a:rPr lang="en-GB" dirty="0" smtClean="0"/>
+              <a:t/>
+            </a:r>
+          </a:p>
+          <a:p>
+            <a:r>
+              <a:rPr lang="en-GB" dirty="0" smtClean="0"/>
+              <a:t>Demo</a:t>
+            </a:r>
+            <a:endParaRPr lang="en-GB" dirty="0"/>
           </a:p>
         </p:txBody>
       </p:sp>
@@ -6207,8 +6492,8 @@
           <a:lstStyle/>
           <a:p>
             <a:r>
-              <a:rPr lang="en-GB" dirty="0" err="1" smtClean="0"/>
-              <a:t>Partitioners</a:t>
+              <a:rPr lang="en-GB" dirty="0" smtClean="0"/>
+              <a:t>Cancellation</a:t>
             </a:r>
             <a:endParaRPr lang="en-GB" dirty="0"/>
           </a:p>
@@ -6231,24 +6516,13 @@
           <a:p>
             <a:r>
               <a:rPr lang="en-GB" dirty="0" smtClean="0"/>
-              <a:t>Responsible for splitting source data into multiple sets</a:t>
-            </a:r>
-          </a:p>
-          <a:p>
-            <a:r>
-              <a:rPr lang="en-GB" dirty="0" smtClean="0"/>
-              <a:t>As with Schedulers, the defaults work well</a:t>
-            </a:r>
-          </a:p>
-          <a:p>
-            <a:pPr lvl="1"/>
-            <a:r>
-              <a:rPr lang="en-GB" dirty="0" smtClean="0"/>
-              <a:t>can still </a:t>
-            </a:r>
-            <a:r>
-              <a:rPr lang="en-GB" dirty="0" smtClean="0"/>
-              <a:t>use custom if required</a:t>
+              <a:t>Already seen .Break &amp; .Stop from within loop</a:t>
+            </a:r>
+          </a:p>
+          <a:p>
+            <a:r>
+              <a:rPr lang="en-GB" dirty="0" smtClean="0"/>
+              <a:t>Can also cancel from outside…</a:t>
             </a:r>
           </a:p>
           <a:p>
@@ -6256,187 +6530,7 @@
               <a:rPr lang="en-GB" dirty="0" smtClean="0"/>
               <a:t>Demo</a:t>
             </a:r>
-          </a:p>
-          <a:p>
             <a:endParaRPr lang="en-GB" dirty="0"/>
-          </a:p>
-        </p:txBody>
-      </p:sp>
-      <p:sp>
-        <p:nvSpPr>
-          <p:cNvPr id="4" name="TextBox 3"/>
-          <p:cNvSpPr txBox="1"/>
-          <p:nvPr/>
-        </p:nvSpPr>
-        <p:spPr>
-          <a:xfrm>
-            <a:off x="1905000" y="4580435"/>
-            <a:ext cx="5195454" cy="1200329"/>
-          </a:xfrm>
-          <a:prstGeom prst="rect">
-            <a:avLst/>
-          </a:prstGeom>
-          <a:solidFill>
-            <a:schemeClr val="accent5">
-              <a:lumMod val="50000"/>
-            </a:schemeClr>
-          </a:solidFill>
-          <a:ln>
-            <a:solidFill>
-              <a:schemeClr val="tx1"/>
-            </a:solidFill>
-            <a:round/>
-          </a:ln>
-          <a:effectLst>
-            <a:reflection stA="50000" endPos="25000" dist="38100" dir="5400000" sy="-100000" algn="bl" rotWithShape="0"/>
-            <a:softEdge rad="25400"/>
-          </a:effectLst>
-        </p:spPr>
-        <p:txBody>
-          <a:bodyPr wrap="square" rtlCol="0" anchor="ctr" anchorCtr="0">
-            <a:spAutoFit/>
-          </a:bodyPr>
-          <a:lstStyle/>
-          <a:p>
-            <a:r>
-              <a:rPr lang="en-US" dirty="0" smtClean="0">
-                <a:solidFill>
-                  <a:schemeClr val="bg1"/>
-                </a:solidFill>
-              </a:rPr>
-              <a:t>public static </a:t>
-            </a:r>
-            <a:r>
-              <a:rPr lang="en-US" dirty="0" err="1" smtClean="0">
-                <a:solidFill>
-                  <a:schemeClr val="bg1"/>
-                </a:solidFill>
-              </a:rPr>
-              <a:t>ParallelLoopResult</a:t>
-            </a:r>
-            <a:r>
-              <a:rPr lang="en-US" dirty="0" smtClean="0">
-                <a:solidFill>
-                  <a:schemeClr val="bg1"/>
-                </a:solidFill>
-              </a:rPr>
-              <a:t> </a:t>
-            </a:r>
-            <a:r>
-              <a:rPr lang="en-US" dirty="0" err="1" smtClean="0">
-                <a:solidFill>
-                  <a:schemeClr val="bg1"/>
-                </a:solidFill>
-              </a:rPr>
-              <a:t>ForEach</a:t>
-            </a:r>
-            <a:r>
-              <a:rPr lang="en-US" dirty="0" smtClean="0">
-                <a:solidFill>
-                  <a:schemeClr val="bg1"/>
-                </a:solidFill>
-              </a:rPr>
-              <a:t>&lt;</a:t>
-            </a:r>
-            <a:r>
-              <a:rPr lang="en-US" dirty="0" err="1" smtClean="0">
-                <a:solidFill>
-                  <a:schemeClr val="bg1"/>
-                </a:solidFill>
-              </a:rPr>
-              <a:t>TSource</a:t>
-            </a:r>
-            <a:r>
-              <a:rPr lang="en-US" dirty="0" smtClean="0">
-                <a:solidFill>
-                  <a:schemeClr val="bg1"/>
-                </a:solidFill>
-              </a:rPr>
-              <a:t>&gt;(</a:t>
-            </a:r>
-          </a:p>
-          <a:p>
-            <a:r>
-              <a:rPr lang="en-US" dirty="0" smtClean="0">
-                <a:solidFill>
-                  <a:schemeClr val="bg1"/>
-                </a:solidFill>
-              </a:rPr>
-              <a:t>	</a:t>
-            </a:r>
-            <a:r>
-              <a:rPr lang="en-US" dirty="0" err="1" smtClean="0">
-                <a:solidFill>
-                  <a:schemeClr val="bg1"/>
-                </a:solidFill>
-              </a:rPr>
-              <a:t>Partitioner</a:t>
-            </a:r>
-            <a:r>
-              <a:rPr lang="en-US" dirty="0" smtClean="0">
-                <a:solidFill>
-                  <a:schemeClr val="bg1"/>
-                </a:solidFill>
-              </a:rPr>
-              <a:t>&lt;</a:t>
-            </a:r>
-            <a:r>
-              <a:rPr lang="en-US" dirty="0" err="1" smtClean="0">
-                <a:solidFill>
-                  <a:schemeClr val="bg1"/>
-                </a:solidFill>
-              </a:rPr>
-              <a:t>TSource</a:t>
-            </a:r>
-            <a:r>
-              <a:rPr lang="en-US" dirty="0" smtClean="0">
-                <a:solidFill>
-                  <a:schemeClr val="bg1"/>
-                </a:solidFill>
-              </a:rPr>
-              <a:t>&gt; source,</a:t>
-            </a:r>
-          </a:p>
-          <a:p>
-            <a:r>
-              <a:rPr lang="en-US" dirty="0" smtClean="0">
-                <a:solidFill>
-                  <a:schemeClr val="bg1"/>
-                </a:solidFill>
-              </a:rPr>
-              <a:t>	Action&lt;</a:t>
-            </a:r>
-            <a:r>
-              <a:rPr lang="en-US" dirty="0" err="1" smtClean="0">
-                <a:solidFill>
-                  <a:schemeClr val="bg1"/>
-                </a:solidFill>
-              </a:rPr>
-              <a:t>TSource</a:t>
-            </a:r>
-            <a:r>
-              <a:rPr lang="en-US" dirty="0" smtClean="0">
-                <a:solidFill>
-                  <a:schemeClr val="bg1"/>
-                </a:solidFill>
-              </a:rPr>
-              <a:t>&gt; body</a:t>
-            </a:r>
-          </a:p>
-          <a:p>
-            <a:r>
-              <a:rPr lang="en-US" dirty="0" smtClean="0">
-                <a:solidFill>
-                  <a:schemeClr val="bg1"/>
-                </a:solidFill>
-              </a:rPr>
-              <a:t>)</a:t>
-            </a:r>
-            <a:endParaRPr lang="en-GB" dirty="0">
-              <a:solidFill>
-                <a:schemeClr val="bg1"/>
-              </a:solidFill>
-            </a:endParaRPr>
           </a:p>
         </p:txBody>
       </p:sp>
@@ -6489,7 +6583,7 @@
           <a:p>
             <a:r>
               <a:rPr lang="en-GB" dirty="0" smtClean="0"/>
-              <a:t>Exception Handling</a:t>
+              <a:t>Cancellation Notes</a:t>
             </a:r>
             <a:endParaRPr lang="en-GB" dirty="0"/>
           </a:p>
@@ -6511,83 +6605,80 @@
           <a:lstStyle/>
           <a:p>
             <a:r>
-              <a:rPr lang="en-GB" dirty="0" smtClean="0"/>
-              <a:t>Exceptions from iterations are gathered</a:t>
-            </a:r>
-          </a:p>
-          <a:p>
-            <a:r>
-              <a:rPr lang="en-GB" dirty="0" smtClean="0"/>
-              <a:t>When all iterations complete, a single </a:t>
-            </a:r>
-            <a:r>
-              <a:rPr lang="en-GB" dirty="0" err="1" smtClean="0"/>
-              <a:t>AggregateException</a:t>
-            </a:r>
-            <a:r>
-              <a:rPr lang="en-GB" dirty="0" smtClean="0"/>
-              <a:t> is throw</a:t>
+              <a:rPr lang="en-GB" sz="2400" dirty="0" err="1" smtClean="0"/>
+              <a:t>CancellationSource</a:t>
+            </a:r>
+            <a:r>
+              <a:rPr lang="en-GB" sz="2400" dirty="0" smtClean="0"/>
+              <a:t> is used to create tokens</a:t>
+            </a:r>
+          </a:p>
+          <a:p>
+            <a:r>
+              <a:rPr lang="en-GB" sz="2400" dirty="0" smtClean="0"/>
+              <a:t>From the source, can “cancel” any of the tokens</a:t>
+            </a:r>
+          </a:p>
+          <a:p>
+            <a:r>
+              <a:rPr lang="en-GB" sz="2400" dirty="0" smtClean="0"/>
+              <a:t>Workers can monitor tokens to determine if they should exit</a:t>
+            </a:r>
+          </a:p>
+          <a:p>
+            <a:r>
+              <a:rPr lang="en-GB" sz="2400" dirty="0" smtClean="0"/>
+              <a:t>Tokens can be combined</a:t>
             </a:r>
           </a:p>
           <a:p>
             <a:pPr lvl="1"/>
             <a:r>
-              <a:rPr lang="en-GB" dirty="0" smtClean="0"/>
-              <a:t>Within the </a:t>
-            </a:r>
-            <a:r>
-              <a:rPr lang="en-GB" dirty="0" err="1" smtClean="0"/>
-              <a:t>AggregateException</a:t>
-            </a:r>
-            <a:r>
-              <a:rPr lang="en-GB" dirty="0" smtClean="0"/>
-              <a:t>, the original </a:t>
-            </a:r>
-            <a:r>
-              <a:rPr lang="en-GB" dirty="0" err="1" smtClean="0"/>
-              <a:t>exception(s</a:t>
-            </a:r>
-            <a:r>
-              <a:rPr lang="en-GB" dirty="0" smtClean="0"/>
-              <a:t>) can be accessed</a:t>
+              <a:rPr lang="en-GB" sz="2400" dirty="0" smtClean="0"/>
+              <a:t>So if worker has many cancellation tokens, only needs to check the combo</a:t>
+            </a:r>
+          </a:p>
+          <a:p>
+            <a:r>
+              <a:rPr lang="en-GB" sz="2400" dirty="0" smtClean="0"/>
+              <a:t>Cancellation can trigger method call (such as an </a:t>
+            </a:r>
+            <a:r>
+              <a:rPr lang="en-GB" sz="2400" dirty="0" err="1" smtClean="0"/>
+              <a:t>async</a:t>
+            </a:r>
+            <a:r>
+              <a:rPr lang="en-GB" sz="2400" dirty="0" smtClean="0"/>
+              <a:t> cancel)</a:t>
             </a:r>
           </a:p>
           <a:p>
             <a:pPr lvl="1"/>
             <a:r>
-              <a:rPr lang="en-GB" dirty="0" smtClean="0"/>
-              <a:t>No indication as to which </a:t>
-            </a:r>
-            <a:r>
-              <a:rPr lang="en-GB" dirty="0" err="1" smtClean="0"/>
-              <a:t>iteration(s</a:t>
-            </a:r>
-            <a:r>
-              <a:rPr lang="en-GB" dirty="0" smtClean="0"/>
-              <a:t>) </a:t>
-            </a:r>
-            <a:r>
-              <a:rPr lang="en-GB" dirty="0" smtClean="0"/>
-              <a:t>threw</a:t>
-            </a:r>
-          </a:p>
-          <a:p>
-            <a:pPr lvl="2"/>
-            <a:r>
-              <a:rPr lang="en-GB" dirty="0" smtClean="0"/>
-              <a:t>If this matters to you, you need to pass it out in the exception</a:t>
-            </a:r>
-            <a:r>
-              <a:rPr lang="en-GB" dirty="0" smtClean="0"/>
-              <a:t/>
-            </a:r>
-          </a:p>
-          <a:p>
-            <a:r>
-              <a:rPr lang="en-GB" dirty="0" smtClean="0"/>
-              <a:t>Demo</a:t>
-            </a:r>
-            <a:endParaRPr lang="en-GB" dirty="0"/>
+              <a:rPr lang="en-GB" sz="2000" dirty="0" err="1" smtClean="0"/>
+              <a:t>CancellationToken.Register</a:t>
+            </a:r>
+            <a:r>
+              <a:rPr lang="en-GB" sz="2000" dirty="0" smtClean="0"/>
+              <a:t>()</a:t>
+            </a:r>
+          </a:p>
+          <a:p>
+            <a:r>
+              <a:rPr lang="en-GB" sz="2400" dirty="0" smtClean="0"/>
+              <a:t>Token has </a:t>
+            </a:r>
+            <a:r>
+              <a:rPr lang="en-GB" sz="2400" dirty="0" err="1" smtClean="0"/>
+              <a:t>WaitHandle</a:t>
+            </a:r>
+            <a:r>
+              <a:rPr lang="en-GB" sz="2400" dirty="0" smtClean="0"/>
+              <a:t> available, so worker can wait on it efficiently</a:t>
+            </a:r>
+          </a:p>
+          <a:p>
+            <a:endParaRPr lang="en-GB" sz="2400" dirty="0"/>
           </a:p>
         </p:txBody>
       </p:sp>
@@ -6640,7 +6731,7 @@
           <a:p>
             <a:r>
               <a:rPr lang="en-GB" dirty="0" smtClean="0"/>
-              <a:t>Cancellation</a:t>
+              <a:t>Tasks</a:t>
             </a:r>
             <a:endParaRPr lang="en-GB" dirty="0"/>
           </a:p>
@@ -6663,19 +6754,40 @@
           <a:p>
             <a:r>
               <a:rPr lang="en-GB" dirty="0" smtClean="0"/>
-              <a:t>Already seen .Break &amp; .Stop from within loop</a:t>
-            </a:r>
-          </a:p>
-          <a:p>
-            <a:r>
-              <a:rPr lang="en-GB" dirty="0" smtClean="0"/>
-              <a:t>Can also cancel from outside…</a:t>
-            </a:r>
-          </a:p>
-          <a:p>
-            <a:r>
-              <a:rPr lang="en-GB" dirty="0" smtClean="0"/>
-              <a:t>Demo</a:t>
+              <a:t>The </a:t>
+            </a:r>
+            <a:r>
+              <a:rPr lang="en-GB" dirty="0" err="1" smtClean="0"/>
+              <a:t>Parallel.For</a:t>
+            </a:r>
+            <a:r>
+              <a:rPr lang="en-GB" dirty="0" smtClean="0"/>
+              <a:t>() and </a:t>
+            </a:r>
+            <a:r>
+              <a:rPr lang="en-GB" dirty="0" err="1" smtClean="0"/>
+              <a:t>Parallel.ForEach</a:t>
+            </a:r>
+            <a:r>
+              <a:rPr lang="en-GB" dirty="0" smtClean="0"/>
+              <a:t>() methods are great for data parallelism</a:t>
+            </a:r>
+          </a:p>
+          <a:p>
+            <a:r>
+              <a:rPr lang="en-GB" dirty="0" smtClean="0"/>
+              <a:t>The Task class forms the basis for, you guessed it, Task parallelism</a:t>
+            </a:r>
+          </a:p>
+          <a:p>
+            <a:pPr lvl="1"/>
+            <a:r>
+              <a:rPr lang="en-GB" dirty="0" smtClean="0"/>
+              <a:t>And, incidentally, is what is used internally by Parallel.</a:t>
+            </a:r>
+            <a:r>
+              <a:rPr lang="en-GB" dirty="0" smtClean="0"/>
+              <a:t>*</a:t>
             </a:r>
             <a:endParaRPr lang="en-GB" dirty="0"/>
           </a:p>
@@ -6730,7 +6842,7 @@
           <a:p>
             <a:r>
               <a:rPr lang="en-GB" dirty="0" smtClean="0"/>
-              <a:t>Cancellation Notes</a:t>
+              <a:t>Basic Task Functionality</a:t>
             </a:r>
             <a:endParaRPr lang="en-GB" dirty="0"/>
           </a:p>
@@ -6752,80 +6864,61 @@
           <a:lstStyle/>
           <a:p>
             <a:r>
-              <a:rPr lang="en-GB" sz="2400" dirty="0" err="1" smtClean="0"/>
-              <a:t>CancellationSource</a:t>
-            </a:r>
-            <a:r>
-              <a:rPr lang="en-GB" sz="2400" dirty="0" smtClean="0"/>
-              <a:t> is used to create tokens</a:t>
-            </a:r>
-          </a:p>
-          <a:p>
-            <a:r>
-              <a:rPr lang="en-GB" sz="2400" dirty="0" smtClean="0"/>
-              <a:t>From the source, can “cancel” any of the tokens</a:t>
-            </a:r>
-          </a:p>
-          <a:p>
-            <a:r>
-              <a:rPr lang="en-GB" sz="2400" dirty="0" smtClean="0"/>
-              <a:t>Workers can monitor tokens to determine if they should exit</a:t>
-            </a:r>
-          </a:p>
-          <a:p>
-            <a:r>
-              <a:rPr lang="en-GB" sz="2400" dirty="0" smtClean="0"/>
-              <a:t>Tokens can be combined</a:t>
+              <a:rPr lang="en-GB" dirty="0" smtClean="0"/>
+              <a:t>Creating and starting</a:t>
+            </a:r>
+          </a:p>
+          <a:p>
+            <a:r>
+              <a:rPr lang="en-GB" dirty="0" smtClean="0"/>
+              <a:t>Return values</a:t>
+            </a:r>
+          </a:p>
+          <a:p>
+            <a:r>
+              <a:rPr lang="en-GB" dirty="0" smtClean="0"/>
+              <a:t>Accessing local variables</a:t>
+            </a:r>
+          </a:p>
+          <a:p>
+            <a:r>
+              <a:rPr lang="en-GB" dirty="0" smtClean="0"/>
+              <a:t>Waiting</a:t>
+            </a:r>
+          </a:p>
+          <a:p>
+            <a:r>
+              <a:rPr lang="en-GB" dirty="0" smtClean="0"/>
+              <a:t>Cancelling</a:t>
+            </a:r>
+          </a:p>
+          <a:p>
+            <a:r>
+              <a:rPr lang="en-GB" dirty="0" smtClean="0"/>
+              <a:t>Exception </a:t>
+            </a:r>
+            <a:r>
+              <a:rPr lang="en-GB" dirty="0" smtClean="0"/>
+              <a:t>handling</a:t>
             </a:r>
           </a:p>
           <a:p>
             <a:pPr lvl="1"/>
             <a:r>
-              <a:rPr lang="en-GB" sz="2400" dirty="0" smtClean="0"/>
-              <a:t>So if worker has many cancellation tokens, only needs to check the combo</a:t>
-            </a:r>
-          </a:p>
-          <a:p>
-            <a:r>
-              <a:rPr lang="en-GB" sz="2400" dirty="0" smtClean="0"/>
-              <a:t>Cancellation can trigger method call (such as an </a:t>
-            </a:r>
-            <a:r>
-              <a:rPr lang="en-GB" sz="2400" dirty="0" err="1" smtClean="0"/>
-              <a:t>async</a:t>
-            </a:r>
-            <a:r>
-              <a:rPr lang="en-GB" sz="2400" dirty="0" smtClean="0"/>
-              <a:t> cancel)</a:t>
-            </a:r>
-          </a:p>
-          <a:p>
-            <a:pPr lvl="1"/>
-            <a:r>
-              <a:rPr lang="en-GB" sz="2000" dirty="0" err="1" smtClean="0"/>
-              <a:t>CancellationToken.Register</a:t>
-            </a:r>
-            <a:r>
-              <a:rPr lang="en-GB" sz="2000" dirty="0" smtClean="0"/>
-              <a:t>()</a:t>
-            </a:r>
-          </a:p>
-          <a:p>
-            <a:r>
-              <a:rPr lang="en-GB" sz="2400" dirty="0" smtClean="0"/>
-              <a:t>Token has </a:t>
-            </a:r>
-            <a:r>
-              <a:rPr lang="en-GB" sz="2400" dirty="0" err="1" smtClean="0"/>
-              <a:t>WaitHandle</a:t>
-            </a:r>
-            <a:r>
-              <a:rPr lang="en-GB" sz="2400" dirty="0" smtClean="0"/>
-              <a:t> available, so worker can wait on it efficiently</a:t>
-            </a:r>
-          </a:p>
-          <a:p>
-            <a:endParaRPr lang="en-GB" sz="2400" dirty="0"/>
+              <a:rPr lang="en-GB" dirty="0" smtClean="0"/>
+              <a:t>Including handling unhandled exceptions</a:t>
+            </a:r>
+            <a:endParaRPr lang="en-GB" dirty="0" smtClean="0"/>
+          </a:p>
+          <a:p>
+            <a:r>
+              <a:rPr lang="en-GB" dirty="0" smtClean="0"/>
+              <a:t>Demo</a:t>
+            </a:r>
+            <a:endParaRPr lang="en-GB" dirty="0" smtClean="0"/>
+          </a:p>
+          <a:p>
+            <a:endParaRPr lang="en-GB" dirty="0"/>
           </a:p>
         </p:txBody>
       </p:sp>
@@ -6878,7 +6971,7 @@
           <a:p>
             <a:r>
               <a:rPr lang="en-GB" dirty="0" smtClean="0"/>
-              <a:t>Tasks</a:t>
+              <a:t>Continuations</a:t>
             </a:r>
             <a:endParaRPr lang="en-GB" dirty="0"/>
           </a:p>
@@ -6901,40 +6994,29 @@
           <a:p>
             <a:r>
               <a:rPr lang="en-GB" dirty="0" smtClean="0"/>
-              <a:t>The </a:t>
-            </a:r>
-            <a:r>
-              <a:rPr lang="en-GB" dirty="0" err="1" smtClean="0"/>
-              <a:t>Parallel.For</a:t>
-            </a:r>
-            <a:r>
-              <a:rPr lang="en-GB" dirty="0" smtClean="0"/>
-              <a:t>() and </a:t>
-            </a:r>
-            <a:r>
-              <a:rPr lang="en-GB" dirty="0" err="1" smtClean="0"/>
-              <a:t>Parallel.ForEach</a:t>
-            </a:r>
-            <a:r>
-              <a:rPr lang="en-GB" dirty="0" smtClean="0"/>
-              <a:t>() methods are great for data parallelism</a:t>
-            </a:r>
-          </a:p>
-          <a:p>
-            <a:r>
-              <a:rPr lang="en-GB" dirty="0" smtClean="0"/>
-              <a:t>The Task class forms the basis for, you guessed it, Task parallelism</a:t>
-            </a:r>
-          </a:p>
-          <a:p>
-            <a:pPr lvl="1"/>
-            <a:r>
-              <a:rPr lang="en-GB" dirty="0" smtClean="0"/>
-              <a:t>And, incidentally, is what is used internally by Parallel.</a:t>
-            </a:r>
-            <a:r>
-              <a:rPr lang="en-GB" dirty="0" smtClean="0"/>
-              <a:t>*</a:t>
+              <a:t>This is where Tasks get funky</a:t>
+            </a:r>
+          </a:p>
+          <a:p>
+            <a:r>
+              <a:rPr lang="en-GB" dirty="0" smtClean="0"/>
+              <a:t>Allows </a:t>
+            </a:r>
+            <a:r>
+              <a:rPr lang="en-GB" dirty="0" smtClean="0"/>
+              <a:t>the chaining of tasks</a:t>
+            </a:r>
+          </a:p>
+          <a:p>
+            <a:r>
+              <a:rPr lang="en-GB" dirty="0" smtClean="0"/>
+              <a:t>Easy to use, very powerful</a:t>
+            </a:r>
+          </a:p>
+          <a:p>
+            <a:r>
+              <a:rPr lang="en-GB" dirty="0" smtClean="0"/>
+              <a:t>Demo</a:t>
             </a:r>
             <a:endParaRPr lang="en-GB" dirty="0"/>
           </a:p>
@@ -6989,7 +7071,7 @@
           <a:p>
             <a:r>
               <a:rPr lang="en-GB" dirty="0" smtClean="0"/>
-              <a:t>Basic Task Functionality</a:t>
+              <a:t>Continuation Options</a:t>
             </a:r>
             <a:endParaRPr lang="en-GB" dirty="0"/>
           </a:p>
@@ -7012,60 +7094,78 @@
           <a:p>
             <a:r>
               <a:rPr lang="en-GB" dirty="0" smtClean="0"/>
-              <a:t>Creating and starting</a:t>
-            </a:r>
-          </a:p>
-          <a:p>
-            <a:r>
-              <a:rPr lang="en-GB" dirty="0" smtClean="0"/>
-              <a:t>Return values</a:t>
-            </a:r>
-          </a:p>
-          <a:p>
-            <a:r>
-              <a:rPr lang="en-GB" dirty="0" smtClean="0"/>
-              <a:t>Accessing local variables</a:t>
-            </a:r>
-          </a:p>
-          <a:p>
-            <a:r>
-              <a:rPr lang="en-GB" dirty="0" smtClean="0"/>
-              <a:t>Waiting</a:t>
-            </a:r>
-          </a:p>
-          <a:p>
-            <a:r>
-              <a:rPr lang="en-GB" dirty="0" smtClean="0"/>
-              <a:t>Cancelling</a:t>
-            </a:r>
-          </a:p>
-          <a:p>
-            <a:r>
-              <a:rPr lang="en-GB" dirty="0" smtClean="0"/>
-              <a:t>Exception </a:t>
-            </a:r>
-            <a:r>
-              <a:rPr lang="en-GB" dirty="0" smtClean="0"/>
-              <a:t>handling</a:t>
+              <a:t>Allows you to decide when a continuation is run</a:t>
+            </a:r>
+          </a:p>
+          <a:p>
+            <a:r>
+              <a:rPr lang="en-GB" dirty="0" smtClean="0"/>
+              <a:t>Many options, such as:</a:t>
             </a:r>
           </a:p>
           <a:p>
             <a:pPr lvl="1"/>
             <a:r>
-              <a:rPr lang="en-GB" dirty="0" smtClean="0"/>
-              <a:t>Including handling unhandled exceptions</a:t>
+              <a:rPr lang="en-GB" dirty="0" err="1" smtClean="0"/>
+              <a:t>OnRanToCompletion</a:t>
+            </a:r>
+            <a:r>
+              <a:rPr lang="en-GB" dirty="0" smtClean="0"/>
+              <a:t>, </a:t>
+            </a:r>
+            <a:r>
+              <a:rPr lang="en-GB" dirty="0" err="1" smtClean="0"/>
+              <a:t>OnFaulted</a:t>
+            </a:r>
+            <a:r>
+              <a:rPr lang="en-GB" dirty="0" smtClean="0"/>
+              <a:t>, </a:t>
+            </a:r>
+            <a:r>
+              <a:rPr lang="en-GB" dirty="0" err="1" smtClean="0"/>
+              <a:t>OnCancelled</a:t>
             </a:r>
             <a:endParaRPr lang="en-GB" dirty="0" smtClean="0"/>
           </a:p>
           <a:p>
-            <a:r>
-              <a:rPr lang="en-GB" dirty="0" smtClean="0"/>
-              <a:t>Demo</a:t>
+            <a:pPr lvl="1"/>
+            <a:r>
+              <a:rPr lang="en-GB" dirty="0" err="1" smtClean="0"/>
+              <a:t>NotOnRanToCompletion</a:t>
+            </a:r>
+            <a:r>
+              <a:rPr lang="en-GB" dirty="0" smtClean="0"/>
+              <a:t>, </a:t>
+            </a:r>
+            <a:r>
+              <a:rPr lang="en-GB" dirty="0" err="1" smtClean="0"/>
+              <a:t>NotOnFaulted</a:t>
+            </a:r>
+            <a:r>
+              <a:rPr lang="en-GB" dirty="0" smtClean="0"/>
+              <a:t>, </a:t>
+            </a:r>
+            <a:r>
+              <a:rPr lang="en-GB" dirty="0" err="1" smtClean="0"/>
+              <a:t>NoOnCancelled</a:t>
             </a:r>
             <a:endParaRPr lang="en-GB" dirty="0" smtClean="0"/>
           </a:p>
           <a:p>
-            <a:endParaRPr lang="en-GB" dirty="0"/>
+            <a:pPr lvl="1"/>
+            <a:r>
+              <a:rPr lang="en-GB" dirty="0" err="1" smtClean="0"/>
+              <a:t>ExecuteSynchronously</a:t>
+            </a:r>
+            <a:r>
+              <a:rPr lang="en-GB" dirty="0" smtClean="0"/>
+              <a:t>, </a:t>
+            </a:r>
+            <a:r>
+              <a:rPr lang="en-GB" dirty="0" err="1" smtClean="0"/>
+              <a:t>LongRunning</a:t>
+            </a:r>
+            <a:endParaRPr lang="en-GB" dirty="0" smtClean="0"/>
           </a:p>
         </p:txBody>
       </p:sp>
@@ -7118,7 +7218,7 @@
           <a:p>
             <a:r>
               <a:rPr lang="en-GB" dirty="0" smtClean="0"/>
-              <a:t>Continuations</a:t>
+              <a:t>Nested Tasks</a:t>
             </a:r>
             <a:endParaRPr lang="en-GB" dirty="0"/>
           </a:p>
@@ -7141,24 +7241,31 @@
           <a:p>
             <a:r>
               <a:rPr lang="en-GB" dirty="0" smtClean="0"/>
-              <a:t>This is where Tasks get funky</a:t>
-            </a:r>
-          </a:p>
-          <a:p>
-            <a:r>
-              <a:rPr lang="en-GB" dirty="0" smtClean="0"/>
-              <a:t>Allows </a:t>
-            </a:r>
-            <a:r>
-              <a:rPr lang="en-GB" dirty="0" smtClean="0"/>
-              <a:t>the chaining of tasks</a:t>
-            </a:r>
-          </a:p>
-          <a:p>
-            <a:r>
-              <a:rPr lang="en-GB" dirty="0" smtClean="0"/>
-              <a:t>Easy to use, very powerful</a:t>
-            </a:r>
+              <a:t>Tasks may create other tasks</a:t>
+            </a:r>
+          </a:p>
+          <a:p>
+            <a:r>
+              <a:rPr lang="en-GB" dirty="0" smtClean="0"/>
+              <a:t>By default, there is no strong relationship between them</a:t>
+            </a:r>
+          </a:p>
+          <a:p>
+            <a:r>
+              <a:rPr lang="en-GB" dirty="0" smtClean="0"/>
+              <a:t>But can specify that tasks are created as </a:t>
+            </a:r>
+            <a:r>
+              <a:rPr lang="en-GB" dirty="0" smtClean="0"/>
+              <a:t>children, which changes behaviour</a:t>
+            </a:r>
+          </a:p>
+          <a:p>
+            <a:r>
+              <a:rPr lang="en-GB" dirty="0" smtClean="0"/>
+              <a:t>Watch out for exceptions…</a:t>
+            </a:r>
+            <a:endParaRPr lang="en-GB" dirty="0" smtClean="0"/>
           </a:p>
           <a:p>
             <a:r>
@@ -7217,8 +7324,12 @@
           <a:lstStyle/>
           <a:p>
             <a:r>
-              <a:rPr lang="en-GB" dirty="0" smtClean="0"/>
-              <a:t>Continuation Options</a:t>
+              <a:rPr lang="en-GB" dirty="0" err="1" smtClean="0"/>
+              <a:t>Async</a:t>
+            </a:r>
+            <a:r>
+              <a:rPr lang="en-GB" dirty="0" smtClean="0"/>
+              <a:t> support in Tasks</a:t>
             </a:r>
             <a:endParaRPr lang="en-GB" dirty="0"/>
           </a:p>
@@ -7241,78 +7352,65 @@
           <a:p>
             <a:r>
               <a:rPr lang="en-GB" dirty="0" smtClean="0"/>
-              <a:t>Allows you to decide when a continuation is run</a:t>
-            </a:r>
-          </a:p>
-          <a:p>
-            <a:r>
-              <a:rPr lang="en-GB" dirty="0" smtClean="0"/>
-              <a:t>Many options, such as:</a:t>
+              <a:t>Tasks can support for asynchronous operations</a:t>
             </a:r>
           </a:p>
           <a:p>
             <a:pPr lvl="1"/>
             <a:r>
+              <a:rPr lang="en-GB" dirty="0" smtClean="0"/>
+              <a:t>Web calls, File IO etc.</a:t>
+            </a:r>
+          </a:p>
+          <a:p>
+            <a:r>
+              <a:rPr lang="en-GB" dirty="0" smtClean="0"/>
+              <a:t>.</a:t>
+            </a:r>
+            <a:r>
               <a:rPr lang="en-GB" dirty="0" err="1" smtClean="0"/>
-              <a:t>OnRanToCompletion</a:t>
-            </a:r>
-            <a:r>
-              <a:rPr lang="en-GB" dirty="0" smtClean="0"/>
-              <a:t>, </a:t>
+              <a:t>FromAsync</a:t>
+            </a:r>
+            <a:r>
+              <a:rPr lang="en-GB" dirty="0" smtClean="0"/>
+              <a:t>()</a:t>
+            </a:r>
+          </a:p>
+          <a:p>
+            <a:r>
+              <a:rPr lang="en-GB" dirty="0" smtClean="0"/>
+              <a:t>Demo</a:t>
+            </a:r>
+          </a:p>
+          <a:p>
+            <a:pPr lvl="1"/>
+            <a:r>
+              <a:rPr lang="en-GB" dirty="0" smtClean="0"/>
+              <a:t>A basic </a:t>
             </a:r>
             <a:r>
               <a:rPr lang="en-GB" dirty="0" err="1" smtClean="0"/>
-              <a:t>OnFaulted</a:t>
-            </a:r>
-            <a:r>
-              <a:rPr lang="en-GB" dirty="0" smtClean="0"/>
-              <a:t>, </a:t>
-            </a:r>
-            <a:r>
-              <a:rPr lang="en-GB" dirty="0" err="1" smtClean="0"/>
-              <a:t>OnCancelled</a:t>
-            </a:r>
-            <a:endParaRPr lang="en-GB" dirty="0" smtClean="0"/>
+              <a:t>async</a:t>
+            </a:r>
+            <a:r>
+              <a:rPr lang="en-GB" dirty="0" smtClean="0"/>
+              <a:t> example</a:t>
+            </a:r>
           </a:p>
           <a:p>
             <a:pPr lvl="1"/>
             <a:r>
-              <a:rPr lang="en-GB" dirty="0" err="1" smtClean="0"/>
-              <a:t>NotOnRanToCompletion</a:t>
-            </a:r>
-            <a:r>
-              <a:rPr lang="en-GB" dirty="0" smtClean="0"/>
-              <a:t>, </a:t>
-            </a:r>
-            <a:r>
-              <a:rPr lang="en-GB" dirty="0" err="1" smtClean="0"/>
-              <a:t>NotOnFaulted</a:t>
-            </a:r>
-            <a:r>
-              <a:rPr lang="en-GB" dirty="0" smtClean="0"/>
-              <a:t>, </a:t>
-            </a:r>
-            <a:r>
-              <a:rPr lang="en-GB" dirty="0" err="1" smtClean="0"/>
-              <a:t>NoOnCancelled</a:t>
-            </a:r>
-            <a:endParaRPr lang="en-GB" dirty="0" smtClean="0"/>
-          </a:p>
-          <a:p>
-            <a:pPr lvl="1"/>
-            <a:r>
-              <a:rPr lang="en-GB" dirty="0" err="1" smtClean="0"/>
-              <a:t>ExecuteSynchronously</a:t>
-            </a:r>
-            <a:r>
-              <a:rPr lang="en-GB" dirty="0" smtClean="0"/>
-              <a:t>, </a:t>
-            </a:r>
-            <a:r>
-              <a:rPr lang="en-GB" dirty="0" err="1" smtClean="0"/>
-              <a:t>LongRunning</a:t>
-            </a:r>
-            <a:endParaRPr lang="en-GB" dirty="0" smtClean="0"/>
+              <a:rPr lang="en-GB" dirty="0" smtClean="0"/>
+              <a:t>And a complex one</a:t>
+            </a:r>
+          </a:p>
+          <a:p>
+            <a:pPr lvl="2"/>
+            <a:r>
+              <a:rPr lang="en-GB" dirty="0" smtClean="0"/>
+              <a:t>Which we may skip if time is tight</a:t>
+            </a:r>
+            <a:endParaRPr lang="en-GB" dirty="0"/>
           </a:p>
         </p:txBody>
       </p:sp>
@@ -7364,8 +7462,8 @@
           <a:lstStyle/>
           <a:p>
             <a:r>
-              <a:rPr lang="en-GB" dirty="0" smtClean="0"/>
-              <a:t>Nested Tasks</a:t>
+              <a:rPr lang="en-GB" dirty="0" err="1" smtClean="0"/>
+              <a:t>PLinq</a:t>
             </a:r>
             <a:endParaRPr lang="en-GB" dirty="0"/>
           </a:p>
@@ -7387,32 +7485,27 @@
           <a:lstStyle/>
           <a:p>
             <a:r>
-              <a:rPr lang="en-GB" dirty="0" smtClean="0"/>
-              <a:t>Tasks may create other tasks</a:t>
-            </a:r>
-          </a:p>
-          <a:p>
-            <a:r>
-              <a:rPr lang="en-GB" dirty="0" smtClean="0"/>
-              <a:t>By default, there is no strong relationship between them</a:t>
-            </a:r>
-          </a:p>
-          <a:p>
-            <a:r>
-              <a:rPr lang="en-GB" dirty="0" smtClean="0"/>
-              <a:t>But can specify that tasks are created as </a:t>
-            </a:r>
-            <a:r>
-              <a:rPr lang="en-GB" dirty="0" smtClean="0"/>
-              <a:t>children, which changes behaviour</a:t>
-            </a:r>
-          </a:p>
-          <a:p>
-            <a:r>
-              <a:rPr lang="en-GB" dirty="0" smtClean="0"/>
-              <a:t>Watch out for exceptions…</a:t>
-            </a:r>
-            <a:endParaRPr lang="en-GB" dirty="0" smtClean="0"/>
+              <a:rPr lang="en-GB" dirty="0" err="1" smtClean="0"/>
+              <a:t>Linq</a:t>
+            </a:r>
+            <a:r>
+              <a:rPr lang="en-GB" dirty="0" smtClean="0"/>
+              <a:t> (to Objects)</a:t>
+            </a:r>
+          </a:p>
+          <a:p>
+            <a:pPr lvl="1"/>
+            <a:r>
+              <a:rPr lang="en-GB" dirty="0" smtClean="0"/>
+              <a:t>But Parallel</a:t>
+            </a:r>
+          </a:p>
+          <a:p>
+            <a:pPr lvl="1"/>
+            <a:r>
+              <a:rPr lang="en-GB" dirty="0" smtClean="0"/>
+              <a:t>And easy</a:t>
+            </a:r>
           </a:p>
           <a:p>
             <a:r>
@@ -7472,11 +7565,11 @@
           <a:p>
             <a:r>
               <a:rPr lang="en-GB" dirty="0" err="1" smtClean="0"/>
-              <a:t>Async</a:t>
-            </a:r>
-            <a:r>
-              <a:rPr lang="en-GB" dirty="0" smtClean="0"/>
-              <a:t> support in Tasks</a:t>
+              <a:t>PLinq</a:t>
+            </a:r>
+            <a:r>
+              <a:rPr lang="en-GB" dirty="0" smtClean="0"/>
+              <a:t> Notes</a:t>
             </a:r>
             <a:endParaRPr lang="en-GB" dirty="0"/>
           </a:p>
@@ -7499,64 +7592,122 @@
           <a:p>
             <a:r>
               <a:rPr lang="en-GB" dirty="0" smtClean="0"/>
-              <a:t>Tasks can support for asynchronous operations</a:t>
+              <a:t>Query is parallelised if useful</a:t>
             </a:r>
           </a:p>
           <a:p>
             <a:pPr lvl="1"/>
             <a:r>
-              <a:rPr lang="en-GB" dirty="0" smtClean="0"/>
-              <a:t>Web calls, File IO etc.</a:t>
-            </a:r>
-          </a:p>
-          <a:p>
-            <a:r>
-              <a:rPr lang="en-GB" dirty="0" smtClean="0"/>
-              <a:t>.</a:t>
-            </a:r>
-            <a:r>
               <a:rPr lang="en-GB" dirty="0" err="1" smtClean="0"/>
-              <a:t>FromAsync</a:t>
-            </a:r>
-            <a:r>
-              <a:rPr lang="en-GB" dirty="0" smtClean="0"/>
-              <a:t>()</a:t>
-            </a:r>
-          </a:p>
-          <a:p>
-            <a:r>
-              <a:rPr lang="en-GB" dirty="0" smtClean="0"/>
-              <a:t>Demo</a:t>
+              <a:t>Plinq</a:t>
+            </a:r>
+            <a:r>
+              <a:rPr lang="en-GB" dirty="0" smtClean="0"/>
+              <a:t> examines query to decide</a:t>
+            </a:r>
+          </a:p>
+          <a:p>
+            <a:r>
+              <a:rPr lang="en-GB" dirty="0" smtClean="0"/>
+              <a:t>Various options</a:t>
             </a:r>
           </a:p>
           <a:p>
             <a:pPr lvl="1"/>
             <a:r>
-              <a:rPr lang="en-GB" dirty="0" smtClean="0"/>
-              <a:t>A basic </a:t>
-            </a:r>
-            <a:r>
               <a:rPr lang="en-GB" dirty="0" err="1" smtClean="0"/>
-              <a:t>async</a:t>
-            </a:r>
-            <a:r>
-              <a:rPr lang="en-GB" dirty="0" smtClean="0"/>
-              <a:t> example</a:t>
-            </a:r>
+              <a:t>WithExecutionMode</a:t>
+            </a:r>
+            <a:r>
+              <a:rPr lang="en-GB" dirty="0" smtClean="0"/>
+              <a:t>, </a:t>
+            </a:r>
+            <a:r>
+              <a:rPr lang="en-GB" dirty="0" err="1" smtClean="0"/>
+              <a:t>WithDegreeOfParallelism</a:t>
+            </a:r>
+            <a:r>
+              <a:rPr lang="en-GB" dirty="0" smtClean="0"/>
+              <a:t>,</a:t>
+            </a:r>
+          </a:p>
+          <a:p>
+            <a:pPr lvl="1">
+              <a:buNone/>
+            </a:pPr>
+            <a:r>
+              <a:rPr lang="en-GB" dirty="0" err="1" smtClean="0"/>
+              <a:t>WithCancellation</a:t>
+            </a:r>
+            <a:r>
+              <a:rPr lang="en-GB" dirty="0" smtClean="0"/>
+              <a:t>, </a:t>
+            </a:r>
+            <a:r>
+              <a:rPr lang="en-GB" dirty="0" err="1" smtClean="0"/>
+              <a:t>WithMergeOptions</a:t>
+            </a:r>
+            <a:endParaRPr lang="en-GB" dirty="0" smtClean="0"/>
           </a:p>
           <a:p>
             <a:pPr lvl="1"/>
             <a:r>
-              <a:rPr lang="en-GB" dirty="0" smtClean="0"/>
-              <a:t>And a complex one</a:t>
-            </a:r>
-          </a:p>
-          <a:p>
-            <a:pPr lvl="2"/>
-            <a:r>
-              <a:rPr lang="en-GB" dirty="0" smtClean="0"/>
-              <a:t>Which we may skip if time is tight</a:t>
-            </a:r>
+              <a:rPr lang="en-GB" dirty="0" err="1" smtClean="0"/>
+              <a:t>AsParallel</a:t>
+            </a:r>
+            <a:r>
+              <a:rPr lang="en-GB" dirty="0" smtClean="0"/>
+              <a:t>, </a:t>
+            </a:r>
+            <a:r>
+              <a:rPr lang="en-GB" dirty="0" err="1" smtClean="0"/>
+              <a:t>AsSequential</a:t>
+            </a:r>
+            <a:r>
+              <a:rPr lang="en-GB" dirty="0" smtClean="0"/>
+              <a:t>, </a:t>
+            </a:r>
+            <a:r>
+              <a:rPr lang="en-GB" dirty="0" err="1" smtClean="0"/>
+              <a:t>AsOrdered</a:t>
+            </a:r>
+            <a:r>
+              <a:rPr lang="en-GB" dirty="0" smtClean="0"/>
+              <a:t>, </a:t>
+            </a:r>
+            <a:r>
+              <a:rPr lang="en-GB" dirty="0" err="1" smtClean="0"/>
+              <a:t>AsUnordered</a:t>
+            </a:r>
+            <a:endParaRPr lang="en-GB" dirty="0" smtClean="0"/>
+          </a:p>
+          <a:p>
+            <a:r>
+              <a:rPr lang="en-GB" dirty="0" smtClean="0"/>
+              <a:t>Exception handling, cancellation etc you already know</a:t>
+            </a:r>
+          </a:p>
+          <a:p>
+            <a:pPr lvl="1"/>
+            <a:r>
+              <a:rPr lang="en-GB" dirty="0" smtClean="0"/>
+              <a:t>See, all that previous stuff was worthwhile </a:t>
+            </a:r>
+            <a:r>
+              <a:rPr lang="en-US" dirty="0" err="1" smtClean="0">
+                <a:sym typeface="Wingdings"/>
+              </a:rPr>
+              <a:t></a:t>
+            </a:r>
+            <a:endParaRPr lang="en-GB" dirty="0" smtClean="0"/>
+          </a:p>
+          <a:p>
+            <a:pPr lvl="1">
+              <a:buNone/>
+            </a:pPr>
+            <a:endParaRPr lang="en-GB" dirty="0" smtClean="0"/>
+          </a:p>
+          <a:p>
             <a:endParaRPr lang="en-GB" dirty="0"/>
           </a:p>
         </p:txBody>
@@ -7666,8 +7817,20 @@
             <a:pPr lvl="1"/>
             <a:r>
               <a:rPr lang="en-GB" dirty="0" smtClean="0"/>
-              <a:t>Asynchronous Patterns</a:t>
-            </a:r>
+              <a:t>Asynchronous </a:t>
+            </a:r>
+            <a:r>
+              <a:rPr lang="en-GB" dirty="0" smtClean="0"/>
+              <a:t>Patterns</a:t>
+            </a:r>
+          </a:p>
+          <a:p>
+            <a:pPr lvl="1"/>
+            <a:r>
+              <a:rPr lang="en-GB" dirty="0" err="1" smtClean="0"/>
+              <a:t>PLinq</a:t>
+            </a:r>
+            <a:endParaRPr lang="en-GB" dirty="0" smtClean="0"/>
           </a:p>
           <a:p>
             <a:r>
@@ -7732,56 +7895,94 @@
           <a:lstStyle/>
           <a:p>
             <a:r>
+              <a:rPr lang="en-GB" dirty="0" smtClean="0"/>
+              <a:t>Misc</a:t>
+            </a:r>
+            <a:endParaRPr lang="en-GB" dirty="0"/>
+          </a:p>
+        </p:txBody>
+      </p:sp>
+      <p:sp>
+        <p:nvSpPr>
+          <p:cNvPr id="3" name="Content Placeholder 2"/>
+          <p:cNvSpPr>
+            <a:spLocks noGrp="1"/>
+          </p:cNvSpPr>
+          <p:nvPr>
+            <p:ph idx="1"/>
+          </p:nvPr>
+        </p:nvSpPr>
+        <p:spPr/>
+        <p:txBody>
+          <a:bodyPr/>
+          <a:lstStyle/>
+          <a:p>
+            <a:r>
+              <a:rPr lang="en-GB" dirty="0" smtClean="0"/>
+              <a:t>Running tasks on the UI Thread</a:t>
+            </a:r>
+          </a:p>
+          <a:p>
+            <a:pPr lvl="1"/>
+            <a:r>
+              <a:rPr lang="en-GB" dirty="0" smtClean="0"/>
+              <a:t>Demo.  Shows Continuations, </a:t>
+            </a:r>
+            <a:r>
               <a:rPr lang="en-GB" dirty="0" err="1" smtClean="0"/>
-              <a:t>PLinq</a:t>
-            </a:r>
-            <a:endParaRPr lang="en-GB" dirty="0"/>
-          </a:p>
-        </p:txBody>
-      </p:sp>
-      <p:sp>
-        <p:nvSpPr>
-          <p:cNvPr id="3" name="Content Placeholder 2"/>
-          <p:cNvSpPr>
-            <a:spLocks noGrp="1"/>
-          </p:cNvSpPr>
-          <p:nvPr>
-            <p:ph idx="1"/>
-          </p:nvPr>
-        </p:nvSpPr>
-        <p:spPr/>
-        <p:txBody>
-          <a:bodyPr/>
-          <a:lstStyle/>
-          <a:p>
-            <a:r>
-              <a:rPr lang="en-GB" dirty="0" err="1" smtClean="0"/>
-              <a:t>Linq</a:t>
-            </a:r>
-            <a:r>
-              <a:rPr lang="en-GB" dirty="0" smtClean="0"/>
-              <a:t> (to Objects)</a:t>
-            </a:r>
+              <a:t>Parallel.For</a:t>
+            </a:r>
+            <a:r>
+              <a:rPr lang="en-GB" dirty="0" smtClean="0"/>
+              <a:t> &amp; UI thread operations</a:t>
+            </a:r>
+          </a:p>
+          <a:p>
+            <a:pPr lvl="2"/>
+            <a:r>
+              <a:rPr lang="en-GB" dirty="0" smtClean="0"/>
+              <a:t>Thanks to MSDN </a:t>
+            </a:r>
+            <a:r>
+              <a:rPr lang="en-US" dirty="0" err="1" smtClean="0">
+                <a:sym typeface="Wingdings"/>
+              </a:rPr>
+              <a:t></a:t>
+            </a:r>
+            <a:endParaRPr lang="en-US" dirty="0" smtClean="0">
+              <a:sym typeface="Wingdings"/>
+            </a:endParaRPr>
+          </a:p>
+          <a:p>
+            <a:r>
+              <a:rPr lang="en-US" dirty="0" smtClean="0">
+                <a:sym typeface="Wingdings"/>
+              </a:rPr>
+              <a:t>Concurrency </a:t>
+            </a:r>
+            <a:r>
+              <a:rPr lang="en-US" dirty="0" err="1" smtClean="0">
+                <a:sym typeface="Wingdings"/>
+              </a:rPr>
+              <a:t>Visualizer</a:t>
+            </a:r>
+            <a:endParaRPr lang="en-US" dirty="0" smtClean="0">
+              <a:sym typeface="Wingdings"/>
+            </a:endParaRPr>
           </a:p>
           <a:p>
             <a:pPr lvl="1"/>
             <a:r>
-              <a:rPr lang="en-GB" dirty="0" smtClean="0"/>
-              <a:t>But Parallel</a:t>
-            </a:r>
-          </a:p>
-          <a:p>
-            <a:pPr lvl="1"/>
-            <a:r>
-              <a:rPr lang="en-GB" dirty="0" smtClean="0"/>
-              <a:t>And easy</a:t>
-            </a:r>
-          </a:p>
-          <a:p>
-            <a:r>
-              <a:rPr lang="en-GB" dirty="0" smtClean="0"/>
-              <a:t>Demo</a:t>
-            </a:r>
+              <a:rPr lang="en-US" dirty="0" smtClean="0">
+                <a:sym typeface="Wingdings"/>
+              </a:rPr>
+              <a:t>Useful reports from the VS2010 profiler</a:t>
+            </a:r>
+          </a:p>
+          <a:p>
+            <a:pPr>
+              <a:buNone/>
+            </a:pPr>
             <a:endParaRPr lang="en-GB" dirty="0"/>
           </a:p>
         </p:txBody>
@@ -7834,59 +8035,90 @@
           <a:lstStyle/>
           <a:p>
             <a:r>
+              <a:rPr lang="en-GB" dirty="0" smtClean="0"/>
+              <a:t>And Other Stuff</a:t>
+            </a:r>
+            <a:endParaRPr lang="en-GB" dirty="0"/>
+          </a:p>
+        </p:txBody>
+      </p:sp>
+      <p:sp>
+        <p:nvSpPr>
+          <p:cNvPr id="3" name="Content Placeholder 2"/>
+          <p:cNvSpPr>
+            <a:spLocks noGrp="1"/>
+          </p:cNvSpPr>
+          <p:nvPr>
+            <p:ph idx="1"/>
+          </p:nvPr>
+        </p:nvSpPr>
+        <p:spPr/>
+        <p:txBody>
+          <a:bodyPr/>
+          <a:lstStyle/>
+          <a:p>
+            <a:r>
               <a:rPr lang="en-GB" dirty="0" err="1" smtClean="0"/>
-              <a:t>PLinq</a:t>
-            </a:r>
-            <a:r>
-              <a:rPr lang="en-GB" dirty="0" smtClean="0"/>
-              <a:t> Notes</a:t>
-            </a:r>
-            <a:endParaRPr lang="en-GB" dirty="0"/>
-          </a:p>
-        </p:txBody>
-      </p:sp>
-      <p:sp>
-        <p:nvSpPr>
-          <p:cNvPr id="3" name="Content Placeholder 2"/>
-          <p:cNvSpPr>
-            <a:spLocks noGrp="1"/>
-          </p:cNvSpPr>
-          <p:nvPr>
-            <p:ph idx="1"/>
-          </p:nvPr>
-        </p:nvSpPr>
-        <p:spPr/>
-        <p:txBody>
-          <a:bodyPr/>
-          <a:lstStyle/>
-          <a:p>
-            <a:r>
-              <a:rPr lang="en-GB" dirty="0" smtClean="0"/>
-              <a:t>Query is parallelised if useful</a:t>
-            </a:r>
+              <a:t>System.Collections.Concurrent</a:t>
+            </a:r>
+            <a:endParaRPr lang="en-GB" dirty="0" smtClean="0"/>
           </a:p>
           <a:p>
             <a:pPr lvl="1"/>
             <a:r>
               <a:rPr lang="en-GB" dirty="0" err="1" smtClean="0"/>
-              <a:t>Plinq</a:t>
-            </a:r>
-            <a:r>
-              <a:rPr lang="en-GB" dirty="0" smtClean="0"/>
-              <a:t> examines query to decide</a:t>
-            </a:r>
-          </a:p>
-          <a:p>
-            <a:r>
-              <a:rPr lang="en-GB" dirty="0" smtClean="0"/>
-              <a:t>Various options</a:t>
-            </a:r>
+              <a:t>ConcurrentDictionary</a:t>
+            </a:r>
+            <a:r>
+              <a:rPr lang="en-GB" dirty="0" smtClean="0"/>
+              <a:t>, </a:t>
+            </a:r>
+            <a:r>
+              <a:rPr lang="en-GB" dirty="0" err="1" smtClean="0"/>
+              <a:t>ConcurrentStack</a:t>
+            </a:r>
+            <a:r>
+              <a:rPr lang="en-GB" dirty="0" smtClean="0"/>
+              <a:t>, </a:t>
+            </a:r>
+            <a:r>
+              <a:rPr lang="en-GB" dirty="0" err="1" smtClean="0"/>
+              <a:t>ConcurrentQueue</a:t>
+            </a:r>
+            <a:r>
+              <a:rPr lang="en-GB" dirty="0" smtClean="0"/>
+              <a:t>, </a:t>
+            </a:r>
+            <a:r>
+              <a:rPr lang="en-GB" dirty="0" err="1" smtClean="0"/>
+              <a:t>ConcurrentBag</a:t>
+            </a:r>
+            <a:r>
+              <a:rPr lang="en-GB" dirty="0" smtClean="0"/>
+              <a:t>, </a:t>
+            </a:r>
+            <a:r>
+              <a:rPr lang="en-GB" dirty="0" err="1" smtClean="0"/>
+              <a:t>BlockingCollection</a:t>
+            </a:r>
+            <a:endParaRPr lang="en-GB" dirty="0" smtClean="0"/>
+          </a:p>
+          <a:p>
+            <a:r>
+              <a:rPr lang="en-GB" dirty="0" err="1" smtClean="0"/>
+              <a:t>System.Threading</a:t>
+            </a:r>
+            <a:endParaRPr lang="en-GB" dirty="0" smtClean="0"/>
           </a:p>
           <a:p>
             <a:pPr lvl="1"/>
             <a:r>
+              <a:rPr lang="en-GB" dirty="0" smtClean="0"/>
+              <a:t>Barrier, </a:t>
+            </a:r>
+            <a:r>
               <a:rPr lang="en-GB" dirty="0" err="1" smtClean="0"/>
-              <a:t>WithExecutionMode</a:t>
+              <a:t>CountdownEvent</a:t>
             </a:r>
             <a:r>
               <a:rPr lang="en-GB" dirty="0" smtClean="0"/>
@@ -7894,87 +8126,67 @@
             </a:r>
             <a:r>
               <a:rPr lang="en-GB" dirty="0" err="1" smtClean="0"/>
-              <a:t>WithDegreeOfParallelism</a:t>
-            </a:r>
-            <a:r>
-              <a:rPr lang="en-GB" dirty="0" smtClean="0"/>
-              <a:t>,</a:t>
-            </a:r>
-          </a:p>
-          <a:p>
-            <a:pPr lvl="1">
+              <a:t>ManualResetEventSlim</a:t>
+            </a:r>
+            <a:r>
+              <a:rPr lang="en-GB" dirty="0" smtClean="0"/>
+              <a:t>, </a:t>
+            </a:r>
+            <a:r>
+              <a:rPr lang="en-GB" dirty="0" err="1" smtClean="0"/>
+              <a:t>SemaphoreSlim</a:t>
+            </a:r>
+            <a:r>
+              <a:rPr lang="en-GB" dirty="0" smtClean="0"/>
+              <a:t>, </a:t>
+            </a:r>
+            <a:r>
+              <a:rPr lang="en-GB" dirty="0" err="1" smtClean="0"/>
+              <a:t>SpinLock</a:t>
+            </a:r>
+            <a:r>
+              <a:rPr lang="en-GB" dirty="0" smtClean="0"/>
+              <a:t>, </a:t>
+            </a:r>
+            <a:r>
+              <a:rPr lang="en-GB" dirty="0" err="1" smtClean="0"/>
+              <a:t>SpinWait</a:t>
+            </a:r>
+            <a:r>
+              <a:rPr lang="en-GB" dirty="0" smtClean="0"/>
+              <a:t>, </a:t>
+            </a:r>
+            <a:r>
+              <a:rPr lang="en-GB" dirty="0" err="1" smtClean="0"/>
+              <a:t>ThreadLocal</a:t>
+            </a:r>
+            <a:r>
+              <a:rPr lang="en-GB" dirty="0" smtClean="0"/>
+              <a:t>&lt;T&gt;, </a:t>
+            </a:r>
+            <a:r>
+              <a:rPr lang="en-GB" dirty="0" err="1" smtClean="0"/>
+              <a:t>LazyInitializer</a:t>
+            </a:r>
+            <a:endParaRPr lang="en-GB" dirty="0" smtClean="0"/>
+          </a:p>
+          <a:p>
+            <a:r>
+              <a:rPr lang="en-GB" dirty="0" err="1" smtClean="0"/>
+              <a:t>System.Lazy</a:t>
+            </a:r>
+            <a:r>
+              <a:rPr lang="en-GB" dirty="0" smtClean="0"/>
+              <a:t>&lt;T&gt;</a:t>
+            </a:r>
+          </a:p>
+          <a:p>
+            <a:pPr>
               <a:buNone/>
             </a:pPr>
-            <a:r>
-              <a:rPr lang="en-GB" dirty="0" err="1" smtClean="0"/>
-              <a:t>WithCancellation</a:t>
-            </a:r>
-            <a:r>
-              <a:rPr lang="en-GB" dirty="0" smtClean="0"/>
-              <a:t>, </a:t>
-            </a:r>
-            <a:r>
-              <a:rPr lang="en-GB" dirty="0" err="1" smtClean="0"/>
-              <a:t>WithMergeOptions</a:t>
-            </a:r>
             <a:endParaRPr lang="en-GB" dirty="0" smtClean="0"/>
           </a:p>
           <a:p>
-            <a:pPr lvl="1"/>
-            <a:r>
-              <a:rPr lang="en-GB" dirty="0" err="1" smtClean="0"/>
-              <a:t>AsParallel</a:t>
-            </a:r>
-            <a:r>
-              <a:rPr lang="en-GB" dirty="0" smtClean="0"/>
-              <a:t>, </a:t>
-            </a:r>
-            <a:r>
-              <a:rPr lang="en-GB" dirty="0" err="1" smtClean="0"/>
-              <a:t>AsSequential</a:t>
-            </a:r>
-            <a:r>
-              <a:rPr lang="en-GB" dirty="0" smtClean="0"/>
-              <a:t>, </a:t>
-            </a:r>
-            <a:r>
-              <a:rPr lang="en-GB" dirty="0" err="1" smtClean="0"/>
-              <a:t>AsOrdered</a:t>
-            </a:r>
-            <a:r>
-              <a:rPr lang="en-GB" dirty="0" smtClean="0"/>
-              <a:t>, </a:t>
-            </a:r>
-            <a:r>
-              <a:rPr lang="en-GB" dirty="0" err="1" smtClean="0"/>
-              <a:t>AsUnordered</a:t>
-            </a:r>
-            <a:endParaRPr lang="en-GB" dirty="0" smtClean="0"/>
-          </a:p>
-          <a:p>
-            <a:r>
-              <a:rPr lang="en-GB" dirty="0" smtClean="0"/>
-              <a:t>Exception handling, cancellation etc you already know</a:t>
-            </a:r>
-          </a:p>
-          <a:p>
-            <a:pPr lvl="1"/>
-            <a:r>
-              <a:rPr lang="en-GB" dirty="0" smtClean="0"/>
-              <a:t>See, all that previous stuff was worthwhile </a:t>
-            </a:r>
-            <a:r>
-              <a:rPr lang="en-US" dirty="0" err="1" smtClean="0">
-                <a:sym typeface="Wingdings"/>
-              </a:rPr>
-              <a:t></a:t>
-            </a:r>
-            <a:endParaRPr lang="en-GB" dirty="0" smtClean="0"/>
-          </a:p>
-          <a:p>
-            <a:pPr lvl="1">
-              <a:buNone/>
-            </a:pPr>
             <a:endParaRPr lang="en-GB" dirty="0" smtClean="0"/>
           </a:p>
           <a:p>
@@ -8030,8 +8242,8 @@
           <a:lstStyle/>
           <a:p>
             <a:r>
-              <a:rPr lang="en-GB" dirty="0" smtClean="0"/>
-              <a:t>Misc</a:t>
+              <a:rPr lang="en-GB" smtClean="0"/>
+              <a:t>Remember</a:t>
             </a:r>
             <a:endParaRPr lang="en-GB" dirty="0"/>
           </a:p>
@@ -8053,91 +8265,56 @@
           <a:lstStyle/>
           <a:p>
             <a:r>
-              <a:rPr lang="en-GB" dirty="0" smtClean="0"/>
-              <a:t>Running tasks on the UI Thread</a:t>
+              <a:rPr lang="en-GB" sz="2400" dirty="0" smtClean="0"/>
+              <a:t>Always measure; do not assume parallel is faster</a:t>
+            </a:r>
+          </a:p>
+          <a:p>
+            <a:r>
+              <a:rPr lang="en-GB" sz="2400" dirty="0" smtClean="0"/>
+              <a:t>Avoid shared memory</a:t>
+            </a:r>
+          </a:p>
+          <a:p>
+            <a:r>
+              <a:rPr lang="en-GB" sz="2400" dirty="0" smtClean="0"/>
+              <a:t>Avoid too much parallelism</a:t>
+            </a:r>
+          </a:p>
+          <a:p>
+            <a:r>
+              <a:rPr lang="en-GB" sz="2400" dirty="0" smtClean="0"/>
+              <a:t>Avoid non-thread-safe methods</a:t>
+            </a:r>
+          </a:p>
+          <a:p>
+            <a:r>
+              <a:rPr lang="en-GB" sz="2400" dirty="0" smtClean="0"/>
+              <a:t>Limit calls to “thread safe” methods</a:t>
             </a:r>
           </a:p>
           <a:p>
             <a:pPr lvl="1"/>
             <a:r>
-              <a:rPr lang="en-GB" dirty="0" smtClean="0"/>
-              <a:t>Demo.  Shows Continuations, </a:t>
-            </a:r>
-            <a:r>
-              <a:rPr lang="en-GB" dirty="0" err="1" smtClean="0"/>
-              <a:t>Parallel.For</a:t>
-            </a:r>
-            <a:r>
-              <a:rPr lang="en-GB" dirty="0" smtClean="0"/>
-              <a:t> &amp; UI thread operations</a:t>
+              <a:rPr lang="en-GB" sz="2400" dirty="0" smtClean="0"/>
+              <a:t>They may be locking, and hence killing your concurrency</a:t>
+            </a:r>
+          </a:p>
+          <a:p>
+            <a:r>
+              <a:rPr lang="en-GB" sz="2400" dirty="0" smtClean="0"/>
+              <a:t>Don’t assume parallelism =&gt; potential for deadlock</a:t>
+            </a:r>
+          </a:p>
+          <a:p>
+            <a:pPr lvl="1"/>
+            <a:r>
+              <a:rPr lang="en-GB" sz="2400" dirty="0" smtClean="0"/>
+              <a:t>One iteration should never wait on the completion of another iteration</a:t>
             </a:r>
           </a:p>
           <a:p>
             <a:pPr lvl="2"/>
-            <a:r>
-              <a:rPr lang="en-GB" dirty="0" smtClean="0"/>
-              <a:t>Thanks to MSDN </a:t>
-            </a:r>
-            <a:r>
-              <a:rPr lang="en-US" dirty="0" err="1" smtClean="0">
-                <a:sym typeface="Wingdings"/>
-              </a:rPr>
-              <a:t></a:t>
-            </a:r>
-            <a:endParaRPr lang="en-US" dirty="0" smtClean="0">
-              <a:sym typeface="Wingdings"/>
-            </a:endParaRPr>
-          </a:p>
-          <a:p>
-            <a:r>
-              <a:rPr lang="en-US" dirty="0" err="1" smtClean="0">
-                <a:sym typeface="Wingdings"/>
-              </a:rPr>
-              <a:t>TaskContinuationOptions.LongRunning</a:t>
-            </a:r>
-            <a:endParaRPr lang="en-US" dirty="0" smtClean="0">
-              <a:sym typeface="Wingdings"/>
-            </a:endParaRPr>
-          </a:p>
-          <a:p>
-            <a:pPr lvl="1"/>
-            <a:r>
-              <a:rPr lang="en-US" dirty="0" smtClean="0">
-                <a:sym typeface="Wingdings"/>
-              </a:rPr>
-              <a:t>Scheduler hint</a:t>
-            </a:r>
-          </a:p>
-          <a:p>
-            <a:r>
-              <a:rPr lang="en-US" dirty="0" smtClean="0">
-                <a:sym typeface="Wingdings"/>
-              </a:rPr>
-              <a:t>Concurrency </a:t>
-            </a:r>
-            <a:r>
-              <a:rPr lang="en-US" dirty="0" err="1" smtClean="0">
-                <a:sym typeface="Wingdings"/>
-              </a:rPr>
-              <a:t>Visualizer</a:t>
-            </a:r>
-            <a:endParaRPr lang="en-US" dirty="0" smtClean="0">
-              <a:sym typeface="Wingdings"/>
-            </a:endParaRPr>
-          </a:p>
-          <a:p>
-            <a:pPr lvl="1"/>
-            <a:r>
-              <a:rPr lang="en-US" dirty="0" smtClean="0">
-                <a:sym typeface="Wingdings"/>
-              </a:rPr>
-              <a:t>Useful reports from the VS2010 profiler</a:t>
-            </a:r>
-          </a:p>
-          <a:p>
-            <a:pPr>
-              <a:buNone/>
-            </a:pPr>
             <a:endParaRPr lang="en-GB" dirty="0"/>
           </a:p>
         </p:txBody>
@@ -8158,338 +8335,6 @@
 </file>
 
 <file path=ppt/slides/slide33.xml><?xml version="1.0" encoding="utf-8"?>
-<p:sld xmlns:a="http://schemas.openxmlformats.org/drawingml/2006/main" xmlns:r="http://schemas.openxmlformats.org/officeDocument/2006/relationships" xmlns:mc="http://schemas.openxmlformats.org/markup-compatibility/2006" xmlns:mv="urn:schemas-microsoft-com:mac:vml" xmlns:p="http://schemas.openxmlformats.org/presentationml/2006/main" mc:Ignorable="mv" mc:PreserveAttributes="mv:*">
-  <p:cSld>
-    <p:spTree>
-      <p:nvGrpSpPr>
-        <p:cNvPr id="1" name=""/>
-        <p:cNvGrpSpPr/>
-        <p:nvPr/>
-      </p:nvGrpSpPr>
-      <p:grpSpPr>
-        <a:xfrm>
-          <a:off x="0" y="0"/>
-          <a:ext cx="0" cy="0"/>
-          <a:chOff x="0" y="0"/>
-          <a:chExt cx="0" cy="0"/>
-        </a:xfrm>
-      </p:grpSpPr>
-      <p:sp>
-        <p:nvSpPr>
-          <p:cNvPr id="2" name="Title 1"/>
-          <p:cNvSpPr>
-            <a:spLocks noGrp="1"/>
-          </p:cNvSpPr>
-          <p:nvPr>
-            <p:ph type="title"/>
-          </p:nvPr>
-        </p:nvSpPr>
-        <p:spPr/>
-        <p:txBody>
-          <a:bodyPr/>
-          <a:lstStyle/>
-          <a:p>
-            <a:r>
-              <a:rPr lang="en-GB" dirty="0" smtClean="0"/>
-              <a:t>And Other Stuff</a:t>
-            </a:r>
-            <a:endParaRPr lang="en-GB" dirty="0"/>
-          </a:p>
-        </p:txBody>
-      </p:sp>
-      <p:sp>
-        <p:nvSpPr>
-          <p:cNvPr id="3" name="Content Placeholder 2"/>
-          <p:cNvSpPr>
-            <a:spLocks noGrp="1"/>
-          </p:cNvSpPr>
-          <p:nvPr>
-            <p:ph idx="1"/>
-          </p:nvPr>
-        </p:nvSpPr>
-        <p:spPr/>
-        <p:txBody>
-          <a:bodyPr/>
-          <a:lstStyle/>
-          <a:p>
-            <a:r>
-              <a:rPr lang="en-GB" dirty="0" err="1" smtClean="0"/>
-              <a:t>System.Collections.Concurrent</a:t>
-            </a:r>
-            <a:endParaRPr lang="en-GB" dirty="0" smtClean="0"/>
-          </a:p>
-          <a:p>
-            <a:pPr lvl="1"/>
-            <a:r>
-              <a:rPr lang="en-GB" dirty="0" err="1" smtClean="0"/>
-              <a:t>ConcurrentDictionary</a:t>
-            </a:r>
-            <a:r>
-              <a:rPr lang="en-GB" dirty="0" smtClean="0"/>
-              <a:t>, </a:t>
-            </a:r>
-            <a:r>
-              <a:rPr lang="en-GB" dirty="0" err="1" smtClean="0"/>
-              <a:t>ConcurrentStack</a:t>
-            </a:r>
-            <a:r>
-              <a:rPr lang="en-GB" dirty="0" smtClean="0"/>
-              <a:t>, </a:t>
-            </a:r>
-            <a:r>
-              <a:rPr lang="en-GB" dirty="0" err="1" smtClean="0"/>
-              <a:t>ConcurrentQueue</a:t>
-            </a:r>
-            <a:r>
-              <a:rPr lang="en-GB" dirty="0" smtClean="0"/>
-              <a:t>, </a:t>
-            </a:r>
-            <a:r>
-              <a:rPr lang="en-GB" dirty="0" err="1" smtClean="0"/>
-              <a:t>ConcurrentBag</a:t>
-            </a:r>
-            <a:r>
-              <a:rPr lang="en-GB" dirty="0" smtClean="0"/>
-              <a:t>, </a:t>
-            </a:r>
-            <a:r>
-              <a:rPr lang="en-GB" dirty="0" err="1" smtClean="0"/>
-              <a:t>BlockingCollection</a:t>
-            </a:r>
-            <a:endParaRPr lang="en-GB" dirty="0" smtClean="0"/>
-          </a:p>
-          <a:p>
-            <a:r>
-              <a:rPr lang="en-GB" dirty="0" err="1" smtClean="0"/>
-              <a:t>System.Threading</a:t>
-            </a:r>
-            <a:endParaRPr lang="en-GB" dirty="0" smtClean="0"/>
-          </a:p>
-          <a:p>
-            <a:pPr lvl="1"/>
-            <a:r>
-              <a:rPr lang="en-GB" dirty="0" smtClean="0"/>
-              <a:t>Barrier, </a:t>
-            </a:r>
-            <a:r>
-              <a:rPr lang="en-GB" dirty="0" err="1" smtClean="0"/>
-              <a:t>CountdownEvent</a:t>
-            </a:r>
-            <a:r>
-              <a:rPr lang="en-GB" dirty="0" smtClean="0"/>
-              <a:t>, </a:t>
-            </a:r>
-            <a:r>
-              <a:rPr lang="en-GB" dirty="0" err="1" smtClean="0"/>
-              <a:t>ManualResetEventSlim</a:t>
-            </a:r>
-            <a:r>
-              <a:rPr lang="en-GB" dirty="0" smtClean="0"/>
-              <a:t>, </a:t>
-            </a:r>
-            <a:r>
-              <a:rPr lang="en-GB" dirty="0" err="1" smtClean="0"/>
-              <a:t>SemaphoreSlim</a:t>
-            </a:r>
-            <a:r>
-              <a:rPr lang="en-GB" dirty="0" smtClean="0"/>
-              <a:t>, </a:t>
-            </a:r>
-            <a:r>
-              <a:rPr lang="en-GB" dirty="0" err="1" smtClean="0"/>
-              <a:t>SpinLock</a:t>
-            </a:r>
-            <a:r>
-              <a:rPr lang="en-GB" dirty="0" smtClean="0"/>
-              <a:t>, </a:t>
-            </a:r>
-            <a:r>
-              <a:rPr lang="en-GB" dirty="0" err="1" smtClean="0"/>
-              <a:t>SpinWait</a:t>
-            </a:r>
-            <a:r>
-              <a:rPr lang="en-GB" dirty="0" smtClean="0"/>
-              <a:t>, </a:t>
-            </a:r>
-            <a:r>
-              <a:rPr lang="en-GB" dirty="0" err="1" smtClean="0"/>
-              <a:t>ThreadLocal</a:t>
-            </a:r>
-            <a:r>
-              <a:rPr lang="en-GB" dirty="0" smtClean="0"/>
-              <a:t>&lt;T&gt;, </a:t>
-            </a:r>
-            <a:r>
-              <a:rPr lang="en-GB" dirty="0" err="1" smtClean="0"/>
-              <a:t>LazyInitializer</a:t>
-            </a:r>
-            <a:endParaRPr lang="en-GB" dirty="0" smtClean="0"/>
-          </a:p>
-          <a:p>
-            <a:r>
-              <a:rPr lang="en-GB" dirty="0" err="1" smtClean="0"/>
-              <a:t>System.Lazy</a:t>
-            </a:r>
-            <a:r>
-              <a:rPr lang="en-GB" dirty="0" smtClean="0"/>
-              <a:t>&lt;T&gt;</a:t>
-            </a:r>
-          </a:p>
-          <a:p>
-            <a:pPr>
-              <a:buNone/>
-            </a:pPr>
-            <a:endParaRPr lang="en-GB" dirty="0" smtClean="0"/>
-          </a:p>
-          <a:p>
-            <a:endParaRPr lang="en-GB" dirty="0" smtClean="0"/>
-          </a:p>
-          <a:p>
-            <a:endParaRPr lang="en-GB" dirty="0"/>
-          </a:p>
-        </p:txBody>
-      </p:sp>
-    </p:spTree>
-  </p:cSld>
-  <p:clrMapOvr>
-    <a:masterClrMapping/>
-  </p:clrMapOvr>
-  <p:timing>
-    <p:tnLst>
-      <p:par>
-        <p:cTn id="1" dur="indefinite" restart="never" nodeType="tmRoot"/>
-      </p:par>
-    </p:tnLst>
-  </p:timing>
-</p:sld>
-</file>
-
-<file path=ppt/slides/slide34.xml><?xml version="1.0" encoding="utf-8"?>
-<p:sld xmlns:a="http://schemas.openxmlformats.org/drawingml/2006/main" xmlns:r="http://schemas.openxmlformats.org/officeDocument/2006/relationships" xmlns:mc="http://schemas.openxmlformats.org/markup-compatibility/2006" xmlns:mv="urn:schemas-microsoft-com:mac:vml" xmlns:p="http://schemas.openxmlformats.org/presentationml/2006/main" mc:Ignorable="mv" mc:PreserveAttributes="mv:*">
-  <p:cSld>
-    <p:spTree>
-      <p:nvGrpSpPr>
-        <p:cNvPr id="1" name=""/>
-        <p:cNvGrpSpPr/>
-        <p:nvPr/>
-      </p:nvGrpSpPr>
-      <p:grpSpPr>
-        <a:xfrm>
-          <a:off x="0" y="0"/>
-          <a:ext cx="0" cy="0"/>
-          <a:chOff x="0" y="0"/>
-          <a:chExt cx="0" cy="0"/>
-        </a:xfrm>
-      </p:grpSpPr>
-      <p:sp>
-        <p:nvSpPr>
-          <p:cNvPr id="2" name="Title 1"/>
-          <p:cNvSpPr>
-            <a:spLocks noGrp="1"/>
-          </p:cNvSpPr>
-          <p:nvPr>
-            <p:ph type="title"/>
-          </p:nvPr>
-        </p:nvSpPr>
-        <p:spPr/>
-        <p:txBody>
-          <a:bodyPr/>
-          <a:lstStyle/>
-          <a:p>
-            <a:r>
-              <a:rPr lang="en-GB" smtClean="0"/>
-              <a:t>Remember</a:t>
-            </a:r>
-            <a:endParaRPr lang="en-GB" dirty="0"/>
-          </a:p>
-        </p:txBody>
-      </p:sp>
-      <p:sp>
-        <p:nvSpPr>
-          <p:cNvPr id="3" name="Content Placeholder 2"/>
-          <p:cNvSpPr>
-            <a:spLocks noGrp="1"/>
-          </p:cNvSpPr>
-          <p:nvPr>
-            <p:ph idx="1"/>
-          </p:nvPr>
-        </p:nvSpPr>
-        <p:spPr/>
-        <p:txBody>
-          <a:bodyPr/>
-          <a:lstStyle/>
-          <a:p>
-            <a:r>
-              <a:rPr lang="en-GB" sz="2400" dirty="0" smtClean="0"/>
-              <a:t>Always measure; do not assume parallel is faster</a:t>
-            </a:r>
-          </a:p>
-          <a:p>
-            <a:r>
-              <a:rPr lang="en-GB" sz="2400" dirty="0" smtClean="0"/>
-              <a:t>Avoid shared memory</a:t>
-            </a:r>
-          </a:p>
-          <a:p>
-            <a:r>
-              <a:rPr lang="en-GB" sz="2400" dirty="0" smtClean="0"/>
-              <a:t>Avoid too much parallelism</a:t>
-            </a:r>
-          </a:p>
-          <a:p>
-            <a:r>
-              <a:rPr lang="en-GB" sz="2400" dirty="0" smtClean="0"/>
-              <a:t>Avoid non-thread-safe methods</a:t>
-            </a:r>
-          </a:p>
-          <a:p>
-            <a:r>
-              <a:rPr lang="en-GB" sz="2400" dirty="0" smtClean="0"/>
-              <a:t>Limit calls to “thread safe” methods</a:t>
-            </a:r>
-          </a:p>
-          <a:p>
-            <a:pPr lvl="1"/>
-            <a:r>
-              <a:rPr lang="en-GB" sz="2400" dirty="0" smtClean="0"/>
-              <a:t>They may be locking, and hence killing your concurrency</a:t>
-            </a:r>
-          </a:p>
-          <a:p>
-            <a:r>
-              <a:rPr lang="en-GB" sz="2400" dirty="0" smtClean="0"/>
-              <a:t>Don’t assume parallelism =&gt; potential for deadlock</a:t>
-            </a:r>
-          </a:p>
-          <a:p>
-            <a:pPr lvl="1"/>
-            <a:r>
-              <a:rPr lang="en-GB" sz="2400" dirty="0" smtClean="0"/>
-              <a:t>One iteration should never wait on the completion of another iteration</a:t>
-            </a:r>
-          </a:p>
-          <a:p>
-            <a:pPr lvl="2"/>
-            <a:endParaRPr lang="en-GB" dirty="0"/>
-          </a:p>
-        </p:txBody>
-      </p:sp>
-    </p:spTree>
-  </p:cSld>
-  <p:clrMapOvr>
-    <a:masterClrMapping/>
-  </p:clrMapOvr>
-  <p:timing>
-    <p:tnLst>
-      <p:par>
-        <p:cTn id="1" dur="indefinite" restart="never" nodeType="tmRoot"/>
-      </p:par>
-    </p:tnLst>
-  </p:timing>
-</p:sld>
-</file>
-
-<file path=ppt/slides/slide35.xml><?xml version="1.0" encoding="utf-8"?>
 <p:sld xmlns:a="http://schemas.openxmlformats.org/drawingml/2006/main" xmlns:r="http://schemas.openxmlformats.org/officeDocument/2006/relationships" xmlns:mc="http://schemas.openxmlformats.org/markup-compatibility/2006" xmlns:mv="urn:schemas-microsoft-com:mac:vml" xmlns:p="http://schemas.openxmlformats.org/presentationml/2006/main" mc:Ignorable="mv" mc:PreserveAttributes="mv:*">
   <p:cSld>
     <p:spTree>
@@ -9279,6 +9124,12 @@
             <a:r>
               <a:rPr lang="en-GB" dirty="0" smtClean="0"/>
               <a:t>Delegate</a:t>
+            </a:r>
+          </a:p>
+          <a:p>
+            <a:r>
+              <a:rPr lang="en-GB" dirty="0" smtClean="0"/>
+              <a:t>Demo</a:t>
             </a:r>
             <a:endParaRPr lang="en-GB" dirty="0"/>
           </a:p>

--- a/Task Parallel Library.pptx
+++ b/Task Parallel Library.pptx
@@ -7,37 +7,39 @@
   <p:sldIdLst>
     <p:sldId id="256" r:id="rId2"/>
     <p:sldId id="293" r:id="rId3"/>
-    <p:sldId id="257" r:id="rId4"/>
-    <p:sldId id="260" r:id="rId5"/>
-    <p:sldId id="258" r:id="rId6"/>
-    <p:sldId id="259" r:id="rId7"/>
-    <p:sldId id="261" r:id="rId8"/>
-    <p:sldId id="262" r:id="rId9"/>
-    <p:sldId id="263" r:id="rId10"/>
-    <p:sldId id="265" r:id="rId11"/>
-    <p:sldId id="286" r:id="rId12"/>
-    <p:sldId id="271" r:id="rId13"/>
-    <p:sldId id="269" r:id="rId14"/>
-    <p:sldId id="272" r:id="rId15"/>
-    <p:sldId id="270" r:id="rId16"/>
-    <p:sldId id="273" r:id="rId17"/>
-    <p:sldId id="288" r:id="rId18"/>
-    <p:sldId id="274" r:id="rId19"/>
-    <p:sldId id="275" r:id="rId20"/>
-    <p:sldId id="280" r:id="rId21"/>
-    <p:sldId id="281" r:id="rId22"/>
-    <p:sldId id="268" r:id="rId23"/>
-    <p:sldId id="276" r:id="rId24"/>
-    <p:sldId id="282" r:id="rId25"/>
-    <p:sldId id="283" r:id="rId26"/>
-    <p:sldId id="284" r:id="rId27"/>
-    <p:sldId id="285" r:id="rId28"/>
-    <p:sldId id="289" r:id="rId29"/>
-    <p:sldId id="290" r:id="rId30"/>
-    <p:sldId id="291" r:id="rId31"/>
-    <p:sldId id="292" r:id="rId32"/>
-    <p:sldId id="279" r:id="rId33"/>
-    <p:sldId id="277" r:id="rId34"/>
+    <p:sldId id="294" r:id="rId4"/>
+    <p:sldId id="257" r:id="rId5"/>
+    <p:sldId id="260" r:id="rId6"/>
+    <p:sldId id="258" r:id="rId7"/>
+    <p:sldId id="259" r:id="rId8"/>
+    <p:sldId id="261" r:id="rId9"/>
+    <p:sldId id="262" r:id="rId10"/>
+    <p:sldId id="263" r:id="rId11"/>
+    <p:sldId id="265" r:id="rId12"/>
+    <p:sldId id="286" r:id="rId13"/>
+    <p:sldId id="271" r:id="rId14"/>
+    <p:sldId id="269" r:id="rId15"/>
+    <p:sldId id="272" r:id="rId16"/>
+    <p:sldId id="270" r:id="rId17"/>
+    <p:sldId id="273" r:id="rId18"/>
+    <p:sldId id="288" r:id="rId19"/>
+    <p:sldId id="274" r:id="rId20"/>
+    <p:sldId id="275" r:id="rId21"/>
+    <p:sldId id="280" r:id="rId22"/>
+    <p:sldId id="281" r:id="rId23"/>
+    <p:sldId id="268" r:id="rId24"/>
+    <p:sldId id="276" r:id="rId25"/>
+    <p:sldId id="282" r:id="rId26"/>
+    <p:sldId id="283" r:id="rId27"/>
+    <p:sldId id="284" r:id="rId28"/>
+    <p:sldId id="285" r:id="rId29"/>
+    <p:sldId id="289" r:id="rId30"/>
+    <p:sldId id="290" r:id="rId31"/>
+    <p:sldId id="291" r:id="rId32"/>
+    <p:sldId id="292" r:id="rId33"/>
+    <p:sldId id="279" r:id="rId34"/>
+    <p:sldId id="277" r:id="rId35"/>
+    <p:sldId id="295" r:id="rId36"/>
   </p:sldIdLst>
   <p:sldSz cx="9144000" cy="6858000" type="screen4x3"/>
   <p:notesSz cx="6858000" cy="9144000"/>
@@ -4000,7 +4002,11 @@
           <a:p>
             <a:r>
               <a:rPr lang="en-GB" dirty="0" err="1" smtClean="0"/>
-              <a:t>Parallel.ForEach</a:t>
+              <a:t>Parallel.For</a:t>
+            </a:r>
+            <a:r>
+              <a:rPr lang="en-GB" dirty="0" smtClean="0"/>
+              <a:t>()</a:t>
             </a:r>
             <a:endParaRPr lang="en-GB" dirty="0"/>
           </a:p>
@@ -4023,21 +4029,13 @@
           <a:p>
             <a:r>
               <a:rPr lang="en-GB" dirty="0" smtClean="0"/>
-              <a:t>Concurrent version of sequential </a:t>
-            </a:r>
-            <a:r>
-              <a:rPr lang="en-GB" dirty="0" err="1" smtClean="0"/>
-              <a:t>foreach</a:t>
-            </a:r>
-            <a:r>
-              <a:rPr lang="en-GB" dirty="0" smtClean="0"/>
-              <a:t> loop</a:t>
-            </a:r>
-          </a:p>
-          <a:p>
-            <a:r>
-              <a:rPr lang="en-GB" dirty="0" smtClean="0"/>
-              <a:t>20(!) overloads</a:t>
+              <a:t>Concurrent version of sequential for loop</a:t>
+            </a:r>
+          </a:p>
+          <a:p>
+            <a:r>
+              <a:rPr lang="en-GB" dirty="0" smtClean="0"/>
+              <a:t>12 overloads providing variety of options</a:t>
             </a:r>
           </a:p>
           <a:p>
@@ -4049,18 +4047,21 @@
           <a:p>
             <a:pPr lvl="1"/>
             <a:r>
-              <a:rPr lang="en-GB" dirty="0" err="1" smtClean="0"/>
-              <a:t>IEnumerable</a:t>
-            </a:r>
-            <a:r>
-              <a:rPr lang="en-GB" dirty="0" smtClean="0"/>
-              <a:t>&lt;T&gt;</a:t>
+              <a:rPr lang="en-GB" dirty="0" smtClean="0"/>
+              <a:t>Initial value</a:t>
             </a:r>
           </a:p>
           <a:p>
             <a:pPr lvl="1"/>
             <a:r>
               <a:rPr lang="en-GB" dirty="0" smtClean="0"/>
+              <a:t>Max value</a:t>
+            </a:r>
+          </a:p>
+          <a:p>
+            <a:pPr lvl="1"/>
+            <a:r>
+              <a:rPr lang="en-GB" dirty="0" smtClean="0"/>
               <a:t>Delegate</a:t>
             </a:r>
           </a:p>
@@ -4069,9 +4070,6 @@
               <a:rPr lang="en-GB" dirty="0" smtClean="0"/>
               <a:t>Demo</a:t>
             </a:r>
-            <a:endParaRPr lang="en-GB" dirty="0" smtClean="0"/>
-          </a:p>
-          <a:p>
             <a:endParaRPr lang="en-GB" dirty="0"/>
           </a:p>
         </p:txBody>
@@ -4120,18 +4118,16 @@
         </p:nvSpPr>
         <p:spPr/>
         <p:txBody>
-          <a:bodyPr>
-            <a:normAutofit/>
-          </a:bodyPr>
-          <a:lstStyle/>
-          <a:p>
-            <a:r>
-              <a:rPr lang="en-GB" dirty="0" smtClean="0"/>
-              <a:t>.For &amp; .</a:t>
-            </a:r>
+          <a:bodyPr/>
+          <a:lstStyle/>
+          <a:p>
             <a:r>
               <a:rPr lang="en-GB" dirty="0" err="1" smtClean="0"/>
-              <a:t>ForEach</a:t>
+              <a:t>Parallel.ForEach</a:t>
+            </a:r>
+            <a:r>
+              <a:rPr lang="en-GB" dirty="0" smtClean="0"/>
+              <a:t>()</a:t>
             </a:r>
             <a:endParaRPr lang="en-GB" dirty="0"/>
           </a:p>
@@ -4154,33 +4150,55 @@
           <a:p>
             <a:r>
               <a:rPr lang="en-GB" dirty="0" smtClean="0"/>
-              <a:t>System partitions input into sets</a:t>
-            </a:r>
-          </a:p>
-          <a:p>
-            <a:r>
-              <a:rPr lang="en-GB" dirty="0" smtClean="0"/>
-              <a:t>Each thread given one set to process</a:t>
-            </a:r>
-          </a:p>
-          <a:p>
-            <a:r>
-              <a:rPr lang="en-GB" dirty="0" smtClean="0"/>
-              <a:t>Thread iterates over set calling lambda</a:t>
-            </a:r>
-          </a:p>
-          <a:p>
-            <a:r>
-              <a:rPr lang="en-GB" dirty="0" smtClean="0"/>
-              <a:t>If thread exhausts set, can “steal” from other threads</a:t>
+              <a:t>Concurrent version of sequential </a:t>
+            </a:r>
+            <a:r>
+              <a:rPr lang="en-GB" dirty="0" err="1" smtClean="0"/>
+              <a:t>foreach</a:t>
+            </a:r>
+            <a:r>
+              <a:rPr lang="en-GB" dirty="0" smtClean="0"/>
+              <a:t> loop</a:t>
+            </a:r>
+          </a:p>
+          <a:p>
+            <a:r>
+              <a:rPr lang="en-GB" dirty="0" smtClean="0"/>
+              <a:t>20(!) overloads</a:t>
+            </a:r>
+          </a:p>
+          <a:p>
+            <a:r>
+              <a:rPr lang="en-GB" dirty="0" smtClean="0"/>
+              <a:t>Basic (and most common) is simply:</a:t>
             </a:r>
           </a:p>
           <a:p>
             <a:pPr lvl="1"/>
             <a:r>
-              <a:rPr lang="en-GB" dirty="0" smtClean="0"/>
-              <a:t>Although this depends on how the partitioning was done</a:t>
-            </a:r>
+              <a:rPr lang="en-GB" dirty="0" err="1" smtClean="0"/>
+              <a:t>IEnumerable</a:t>
+            </a:r>
+            <a:r>
+              <a:rPr lang="en-GB" dirty="0" smtClean="0"/>
+              <a:t>&lt;T&gt;</a:t>
+            </a:r>
+          </a:p>
+          <a:p>
+            <a:pPr lvl="1"/>
+            <a:r>
+              <a:rPr lang="en-GB" dirty="0" smtClean="0"/>
+              <a:t>Delegate</a:t>
+            </a:r>
+          </a:p>
+          <a:p>
+            <a:r>
+              <a:rPr lang="en-GB" dirty="0" smtClean="0"/>
+              <a:t>Demo</a:t>
+            </a:r>
+            <a:endParaRPr lang="en-GB" dirty="0" smtClean="0"/>
+          </a:p>
+          <a:p>
             <a:endParaRPr lang="en-GB" dirty="0"/>
           </a:p>
         </p:txBody>
@@ -4229,12 +4247,22 @@
         </p:nvSpPr>
         <p:spPr/>
         <p:txBody>
-          <a:bodyPr/>
-          <a:lstStyle/>
-          <a:p>
-            <a:r>
-              <a:rPr lang="en-GB" dirty="0" smtClean="0"/>
-              <a:t>What about all those overloads?</a:t>
+          <a:bodyPr>
+            <a:normAutofit/>
+          </a:bodyPr>
+          <a:lstStyle/>
+          <a:p>
+            <a:r>
+              <a:rPr lang="en-GB" dirty="0" smtClean="0"/>
+              <a:t>.For() &amp; .</a:t>
+            </a:r>
+            <a:r>
+              <a:rPr lang="en-GB" dirty="0" err="1" smtClean="0"/>
+              <a:t>ForEach</a:t>
+            </a:r>
+            <a:r>
+              <a:rPr lang="en-GB" dirty="0" smtClean="0"/>
+              <a:t>()</a:t>
             </a:r>
             <a:endParaRPr lang="en-GB" dirty="0"/>
           </a:p>
@@ -4257,65 +4285,25 @@
           <a:p>
             <a:r>
               <a:rPr lang="en-GB" dirty="0" smtClean="0"/>
-              <a:t>Not as bad as it looks</a:t>
-            </a:r>
-          </a:p>
-          <a:p>
-            <a:r>
-              <a:rPr lang="en-GB" dirty="0" smtClean="0"/>
-              <a:t>5 key concepts</a:t>
-            </a:r>
-          </a:p>
-          <a:p>
-            <a:pPr lvl="1"/>
-            <a:r>
-              <a:rPr lang="en-GB" dirty="0" err="1" smtClean="0"/>
-              <a:t>ParallelLoopState</a:t>
-            </a:r>
-            <a:endParaRPr lang="en-GB" dirty="0" smtClean="0"/>
-          </a:p>
-          <a:p>
-            <a:pPr lvl="1"/>
-            <a:r>
-              <a:rPr lang="en-GB" dirty="0" smtClean="0"/>
-              <a:t>Iteration Index</a:t>
-            </a:r>
-          </a:p>
-          <a:p>
-            <a:pPr lvl="1"/>
-            <a:r>
-              <a:rPr lang="en-GB" dirty="0" smtClean="0"/>
-              <a:t>Local thread data</a:t>
-            </a:r>
-          </a:p>
-          <a:p>
-            <a:pPr lvl="1"/>
-            <a:r>
-              <a:rPr lang="en-GB" dirty="0" err="1" smtClean="0"/>
-              <a:t>ParallelOptions</a:t>
-            </a:r>
-            <a:endParaRPr lang="en-GB" dirty="0" smtClean="0"/>
-          </a:p>
-          <a:p>
-            <a:pPr lvl="1"/>
-            <a:r>
-              <a:rPr lang="en-GB" dirty="0" err="1" smtClean="0"/>
-              <a:t>Partioner</a:t>
-            </a:r>
-            <a:r>
-              <a:rPr lang="en-GB" dirty="0" smtClean="0"/>
-              <a:t> &amp; </a:t>
-            </a:r>
-            <a:r>
-              <a:rPr lang="en-GB" dirty="0" err="1" smtClean="0"/>
-              <a:t>OrderablePartioner</a:t>
-            </a:r>
-            <a:endParaRPr lang="en-GB" dirty="0" smtClean="0"/>
-          </a:p>
-          <a:p>
-            <a:r>
-              <a:rPr lang="en-GB" dirty="0" smtClean="0"/>
-              <a:t>Overloads are just combinations of these</a:t>
+              <a:t>System partitions input into sets</a:t>
+            </a:r>
+          </a:p>
+          <a:p>
+            <a:r>
+              <a:rPr lang="en-GB" dirty="0" smtClean="0"/>
+              <a:t>Each thread given sets of work to process</a:t>
+            </a:r>
+          </a:p>
+          <a:p>
+            <a:r>
+              <a:rPr lang="en-GB" dirty="0" smtClean="0"/>
+              <a:t>Thread iterates over set calling lambda</a:t>
+            </a:r>
+          </a:p>
+          <a:p>
+            <a:r>
+              <a:rPr lang="en-GB" dirty="0" smtClean="0"/>
+              <a:t>If thread exhausts set, can “steal” from other threads</a:t>
             </a:r>
           </a:p>
         </p:txBody>
@@ -4368,289 +4356,90 @@
           <a:lstStyle/>
           <a:p>
             <a:r>
+              <a:rPr lang="en-GB" dirty="0" smtClean="0"/>
+              <a:t>What about all those overloads?</a:t>
+            </a:r>
+            <a:endParaRPr lang="en-GB" dirty="0"/>
+          </a:p>
+        </p:txBody>
+      </p:sp>
+      <p:sp>
+        <p:nvSpPr>
+          <p:cNvPr id="3" name="Content Placeholder 2"/>
+          <p:cNvSpPr>
+            <a:spLocks noGrp="1"/>
+          </p:cNvSpPr>
+          <p:nvPr>
+            <p:ph idx="1"/>
+          </p:nvPr>
+        </p:nvSpPr>
+        <p:spPr/>
+        <p:txBody>
+          <a:bodyPr/>
+          <a:lstStyle/>
+          <a:p>
+            <a:r>
+              <a:rPr lang="en-GB" dirty="0" smtClean="0"/>
+              <a:t>Not as bad as it looks</a:t>
+            </a:r>
+          </a:p>
+          <a:p>
+            <a:r>
+              <a:rPr lang="en-GB" dirty="0" smtClean="0"/>
+              <a:t>5 key concepts</a:t>
+            </a:r>
+          </a:p>
+          <a:p>
+            <a:pPr lvl="1"/>
+            <a:r>
               <a:rPr lang="en-GB" dirty="0" err="1" smtClean="0"/>
               <a:t>ParallelLoopState</a:t>
             </a:r>
-            <a:endParaRPr lang="en-GB" dirty="0"/>
-          </a:p>
-        </p:txBody>
-      </p:sp>
-      <p:sp>
-        <p:nvSpPr>
-          <p:cNvPr id="3" name="Content Placeholder 2"/>
-          <p:cNvSpPr>
-            <a:spLocks noGrp="1"/>
-          </p:cNvSpPr>
-          <p:nvPr>
-            <p:ph idx="1"/>
-          </p:nvPr>
-        </p:nvSpPr>
-        <p:spPr/>
-        <p:txBody>
-          <a:bodyPr/>
-          <a:lstStyle/>
-          <a:p>
-            <a:r>
-              <a:rPr lang="en-GB" dirty="0" smtClean="0"/>
-              <a:t>Additional parameter that allows the loop to be monitored &amp; </a:t>
-            </a:r>
-            <a:r>
-              <a:rPr lang="en-GB" dirty="0" smtClean="0"/>
-              <a:t>manipulated</a:t>
-            </a:r>
+            <a:endParaRPr lang="en-GB" dirty="0" smtClean="0"/>
           </a:p>
           <a:p>
             <a:pPr lvl="1"/>
             <a:r>
+              <a:rPr lang="en-GB" dirty="0" smtClean="0"/>
+              <a:t>Iteration Index</a:t>
+            </a:r>
+          </a:p>
+          <a:p>
+            <a:pPr lvl="1"/>
+            <a:r>
+              <a:rPr lang="en-GB" dirty="0" smtClean="0"/>
+              <a:t>Local thread data</a:t>
+            </a:r>
+          </a:p>
+          <a:p>
+            <a:pPr lvl="1"/>
+            <a:r>
               <a:rPr lang="en-GB" dirty="0" err="1" smtClean="0"/>
-              <a:t>IsStopped</a:t>
-            </a:r>
-            <a:r>
-              <a:rPr lang="en-GB" dirty="0" smtClean="0"/>
-              <a:t>, </a:t>
-            </a:r>
+              <a:t>ParallelOptions</a:t>
+            </a:r>
+            <a:endParaRPr lang="en-GB" dirty="0" smtClean="0"/>
+          </a:p>
+          <a:p>
+            <a:pPr lvl="1"/>
             <a:r>
               <a:rPr lang="en-GB" dirty="0" err="1" smtClean="0"/>
-              <a:t>IsExceptional</a:t>
-            </a:r>
-            <a:r>
-              <a:rPr lang="en-GB" dirty="0" smtClean="0"/>
-              <a:t>, </a:t>
+              <a:t>Partioner</a:t>
+            </a:r>
+            <a:r>
+              <a:rPr lang="en-GB" dirty="0" smtClean="0"/>
+              <a:t> &amp; </a:t>
             </a:r>
             <a:r>
               <a:rPr lang="en-GB" dirty="0" err="1" smtClean="0"/>
-              <a:t>ShouldExit</a:t>
-            </a:r>
-            <a:r>
-              <a:rPr lang="en-GB" dirty="0" smtClean="0"/>
-              <a:t>, Break(), Stop()</a:t>
+              <a:t>OrderablePartioner</a:t>
             </a:r>
             <a:endParaRPr lang="en-GB" dirty="0" smtClean="0"/>
           </a:p>
           <a:p>
             <a:r>
               <a:rPr lang="en-GB" dirty="0" smtClean="0"/>
-              <a:t>Demo also shows </a:t>
-            </a:r>
-            <a:r>
-              <a:rPr lang="en-GB" dirty="0" err="1" smtClean="0"/>
-              <a:t>ParallelLoopResult</a:t>
-            </a:r>
-            <a:r>
-              <a:rPr lang="en-GB" dirty="0" smtClean="0"/>
-              <a:t> &amp; Index</a:t>
-            </a:r>
-            <a:endParaRPr lang="en-GB" dirty="0"/>
-          </a:p>
-        </p:txBody>
-      </p:sp>
-      <p:sp>
-        <p:nvSpPr>
-          <p:cNvPr id="4" name="TextBox 3"/>
-          <p:cNvSpPr txBox="1"/>
-          <p:nvPr/>
-        </p:nvSpPr>
-        <p:spPr>
-          <a:xfrm>
-            <a:off x="1905000" y="4696679"/>
-            <a:ext cx="5195454" cy="1200329"/>
-          </a:xfrm>
-          <a:prstGeom prst="rect">
-            <a:avLst/>
-          </a:prstGeom>
-          <a:solidFill>
-            <a:schemeClr val="accent5">
-              <a:lumMod val="50000"/>
-            </a:schemeClr>
-          </a:solidFill>
-          <a:ln>
-            <a:solidFill>
-              <a:schemeClr val="tx1"/>
-            </a:solidFill>
-            <a:round/>
-          </a:ln>
-          <a:effectLst>
-            <a:reflection stA="50000" endPos="25000" dist="38100" dir="5400000" sy="-100000" algn="bl" rotWithShape="0"/>
-            <a:softEdge rad="25400"/>
-          </a:effectLst>
-        </p:spPr>
-        <p:txBody>
-          <a:bodyPr wrap="square" rtlCol="0" anchor="ctr" anchorCtr="0">
-            <a:spAutoFit/>
-          </a:bodyPr>
-          <a:lstStyle/>
-          <a:p>
-            <a:r>
-              <a:rPr lang="en-US" dirty="0" smtClean="0">
-                <a:solidFill>
-                  <a:schemeClr val="bg1"/>
-                </a:solidFill>
-              </a:rPr>
-              <a:t>public </a:t>
-            </a:r>
-            <a:r>
-              <a:rPr lang="en-US" dirty="0" smtClean="0">
-                <a:solidFill>
-                  <a:schemeClr val="bg1"/>
-                </a:solidFill>
-              </a:rPr>
-              <a:t>static</a:t>
-            </a:r>
-            <a:r>
-              <a:rPr lang="en-US" dirty="0" smtClean="0">
-                <a:solidFill>
-                  <a:schemeClr val="bg1"/>
-                </a:solidFill>
-              </a:rPr>
-              <a:t> </a:t>
-            </a:r>
-            <a:r>
-              <a:rPr lang="en-US" dirty="0" err="1" smtClean="0">
-                <a:solidFill>
-                  <a:schemeClr val="bg1"/>
-                </a:solidFill>
-              </a:rPr>
-              <a:t>ParallelLoopResult</a:t>
-            </a:r>
-            <a:r>
-              <a:rPr lang="en-US" dirty="0" smtClean="0">
-                <a:solidFill>
-                  <a:schemeClr val="bg1"/>
-                </a:solidFill>
-              </a:rPr>
-              <a:t> </a:t>
-            </a:r>
-            <a:r>
-              <a:rPr lang="en-US" dirty="0" err="1" smtClean="0">
-                <a:solidFill>
-                  <a:schemeClr val="bg1"/>
-                </a:solidFill>
-              </a:rPr>
-              <a:t>ForEach</a:t>
-            </a:r>
-            <a:r>
-              <a:rPr lang="en-US" dirty="0" smtClean="0">
-                <a:solidFill>
-                  <a:schemeClr val="bg1"/>
-                </a:solidFill>
-              </a:rPr>
-              <a:t>&lt;</a:t>
-            </a:r>
-            <a:r>
-              <a:rPr lang="en-US" dirty="0" err="1" smtClean="0">
-                <a:solidFill>
-                  <a:schemeClr val="bg1"/>
-                </a:solidFill>
-              </a:rPr>
-              <a:t>TSource</a:t>
-            </a:r>
-            <a:r>
-              <a:rPr lang="en-US" dirty="0" smtClean="0">
-                <a:solidFill>
-                  <a:schemeClr val="bg1"/>
-                </a:solidFill>
-              </a:rPr>
-              <a:t>&gt;(</a:t>
-            </a:r>
-          </a:p>
-          <a:p>
-            <a:r>
-              <a:rPr lang="en-US" dirty="0" smtClean="0">
-                <a:solidFill>
-                  <a:schemeClr val="bg1"/>
-                </a:solidFill>
-              </a:rPr>
-              <a:t>	</a:t>
-            </a:r>
-            <a:r>
-              <a:rPr lang="en-US" dirty="0" err="1" smtClean="0">
-                <a:solidFill>
-                  <a:schemeClr val="bg1"/>
-                </a:solidFill>
-              </a:rPr>
-              <a:t>IEnumerable</a:t>
-            </a:r>
-            <a:r>
-              <a:rPr lang="en-US" dirty="0" smtClean="0">
-                <a:solidFill>
-                  <a:schemeClr val="bg1"/>
-                </a:solidFill>
-              </a:rPr>
-              <a:t>&lt;</a:t>
-            </a:r>
-            <a:r>
-              <a:rPr lang="en-US" dirty="0" err="1" smtClean="0">
-                <a:solidFill>
-                  <a:schemeClr val="bg1"/>
-                </a:solidFill>
-              </a:rPr>
-              <a:t>TSource</a:t>
-            </a:r>
-            <a:r>
-              <a:rPr lang="en-US" dirty="0" smtClean="0">
-                <a:solidFill>
-                  <a:schemeClr val="bg1"/>
-                </a:solidFill>
-              </a:rPr>
-              <a:t>&gt; source,</a:t>
-            </a:r>
-          </a:p>
-          <a:p>
-            <a:r>
-              <a:rPr lang="en-US" dirty="0" smtClean="0">
-                <a:solidFill>
-                  <a:schemeClr val="bg1"/>
-                </a:solidFill>
-              </a:rPr>
-              <a:t>	Action&lt;</a:t>
-            </a:r>
-            <a:r>
-              <a:rPr lang="en-US" dirty="0" err="1" smtClean="0">
-                <a:solidFill>
-                  <a:schemeClr val="bg1"/>
-                </a:solidFill>
-              </a:rPr>
-              <a:t>TSource</a:t>
-            </a:r>
-            <a:r>
-              <a:rPr lang="en-US" dirty="0" smtClean="0">
-                <a:solidFill>
-                  <a:schemeClr val="bg1"/>
-                </a:solidFill>
-              </a:rPr>
-              <a:t>, </a:t>
-            </a:r>
-            <a:r>
-              <a:rPr lang="en-US" dirty="0" err="1" smtClean="0">
-                <a:solidFill>
-                  <a:schemeClr val="bg1"/>
-                </a:solidFill>
-              </a:rPr>
-              <a:t>ParallelLoopState</a:t>
-            </a:r>
-            <a:r>
-              <a:rPr lang="en-US" dirty="0" smtClean="0">
-                <a:solidFill>
-                  <a:schemeClr val="bg1"/>
-                </a:solidFill>
-              </a:rPr>
-              <a:t>&gt; body</a:t>
-            </a:r>
-          </a:p>
-          <a:p>
-            <a:r>
-              <a:rPr lang="en-US" dirty="0" smtClean="0">
-                <a:solidFill>
-                  <a:schemeClr val="bg1"/>
-                </a:solidFill>
-              </a:rPr>
-              <a:t>)</a:t>
-            </a:r>
-            <a:endParaRPr lang="en-GB" dirty="0">
-              <a:solidFill>
-                <a:schemeClr val="bg1"/>
-              </a:solidFill>
-            </a:endParaRPr>
+              <a:t>Overloads are just combinations of these</a:t>
+            </a:r>
           </a:p>
         </p:txBody>
       </p:sp>
@@ -4702,59 +4491,91 @@
           <a:lstStyle/>
           <a:p>
             <a:r>
-              <a:rPr lang="en-GB" dirty="0" smtClean="0"/>
-              <a:t>Iteration Index</a:t>
-            </a:r>
-            <a:endParaRPr lang="en-GB" dirty="0"/>
-          </a:p>
-        </p:txBody>
-      </p:sp>
-      <p:sp>
-        <p:nvSpPr>
-          <p:cNvPr id="3" name="Content Placeholder 2"/>
-          <p:cNvSpPr>
-            <a:spLocks noGrp="1"/>
-          </p:cNvSpPr>
-          <p:nvPr>
-            <p:ph idx="1"/>
-          </p:nvPr>
-        </p:nvSpPr>
-        <p:spPr/>
-        <p:txBody>
-          <a:bodyPr/>
-          <a:lstStyle/>
-          <a:p>
-            <a:r>
-              <a:rPr lang="en-GB" dirty="0" smtClean="0"/>
-              <a:t>Provides each iteration with a loop index</a:t>
-            </a:r>
-          </a:p>
-          <a:p>
-            <a:r>
-              <a:rPr lang="en-GB" dirty="0" smtClean="0"/>
-              <a:t>Saw this in the </a:t>
-            </a:r>
-            <a:r>
               <a:rPr lang="en-GB" dirty="0" err="1" smtClean="0"/>
               <a:t>ParallelLoopState</a:t>
             </a:r>
-            <a:r>
-              <a:rPr lang="en-GB" dirty="0" smtClean="0"/>
-              <a:t> demo</a:t>
-            </a:r>
             <a:endParaRPr lang="en-GB" dirty="0"/>
           </a:p>
         </p:txBody>
       </p:sp>
       <p:sp>
         <p:nvSpPr>
-          <p:cNvPr id="5" name="TextBox 4"/>
+          <p:cNvPr id="3" name="Content Placeholder 2"/>
+          <p:cNvSpPr>
+            <a:spLocks noGrp="1"/>
+          </p:cNvSpPr>
+          <p:nvPr>
+            <p:ph idx="1"/>
+          </p:nvPr>
+        </p:nvSpPr>
+        <p:spPr/>
+        <p:txBody>
+          <a:bodyPr/>
+          <a:lstStyle/>
+          <a:p>
+            <a:r>
+              <a:rPr lang="en-GB" dirty="0" smtClean="0"/>
+              <a:t>Additional parameter that allows the loop to be monitored &amp; </a:t>
+            </a:r>
+            <a:r>
+              <a:rPr lang="en-GB" dirty="0" smtClean="0"/>
+              <a:t>manipulated</a:t>
+            </a:r>
+          </a:p>
+          <a:p>
+            <a:pPr lvl="1"/>
+            <a:r>
+              <a:rPr lang="en-GB" dirty="0" err="1" smtClean="0"/>
+              <a:t>IsStopped</a:t>
+            </a:r>
+            <a:r>
+              <a:rPr lang="en-GB" dirty="0" smtClean="0"/>
+              <a:t>, </a:t>
+            </a:r>
+            <a:r>
+              <a:rPr lang="en-GB" dirty="0" err="1" smtClean="0"/>
+              <a:t>IsExceptional</a:t>
+            </a:r>
+            <a:r>
+              <a:rPr lang="en-GB" dirty="0" smtClean="0"/>
+              <a:t>, </a:t>
+            </a:r>
+            <a:r>
+              <a:rPr lang="en-GB" dirty="0" err="1" smtClean="0"/>
+              <a:t>ShouldExit</a:t>
+            </a:r>
+            <a:r>
+              <a:rPr lang="en-GB" dirty="0" smtClean="0"/>
+              <a:t>, Break(), Stop()</a:t>
+            </a:r>
+            <a:endParaRPr lang="en-GB" dirty="0" smtClean="0"/>
+          </a:p>
+          <a:p>
+            <a:r>
+              <a:rPr lang="en-GB" dirty="0" smtClean="0"/>
+              <a:t>Demo also shows </a:t>
+            </a:r>
+            <a:r>
+              <a:rPr lang="en-GB" dirty="0" err="1" smtClean="0"/>
+              <a:t>ParallelLoopResult</a:t>
+            </a:r>
+            <a:r>
+              <a:rPr lang="en-GB" dirty="0" smtClean="0"/>
+              <a:t> &amp; Index</a:t>
+            </a:r>
+            <a:endParaRPr lang="en-GB" dirty="0"/>
+          </a:p>
+        </p:txBody>
+      </p:sp>
+      <p:sp>
+        <p:nvSpPr>
+          <p:cNvPr id="4" name="TextBox 3"/>
           <p:cNvSpPr txBox="1"/>
           <p:nvPr/>
         </p:nvSpPr>
         <p:spPr>
           <a:xfrm>
-            <a:off x="1970125" y="3264648"/>
+            <a:off x="1905000" y="4696679"/>
             <a:ext cx="5195454" cy="1200329"/>
           </a:xfrm>
           <a:prstGeom prst="rect">
@@ -4788,7 +4609,23 @@
                   <a:schemeClr val="bg1"/>
                 </a:solidFill>
               </a:rPr>
-              <a:t>public static </a:t>
+              <a:t>public </a:t>
+            </a:r>
+            <a:r>
+              <a:rPr lang="en-US" dirty="0" smtClean="0">
+                <a:solidFill>
+                  <a:schemeClr val="bg1"/>
+                </a:solidFill>
+              </a:rPr>
+              <a:t>static</a:t>
+            </a:r>
+            <a:r>
+              <a:rPr lang="en-US" dirty="0" smtClean="0">
+                <a:solidFill>
+                  <a:schemeClr val="bg1"/>
+                </a:solidFill>
+              </a:rPr>
+              <a:t> </a:t>
             </a:r>
             <a:r>
               <a:rPr lang="en-US" dirty="0" err="1" smtClean="0">
@@ -4920,7 +4757,7 @@
                   <a:schemeClr val="bg1"/>
                 </a:solidFill>
               </a:rPr>
-              <a:t>, long&gt; body</a:t>
+              <a:t>&gt; body</a:t>
             </a:r>
           </a:p>
           <a:p>
@@ -4988,20 +4825,45 @@
           <a:lstStyle/>
           <a:p>
             <a:r>
+              <a:rPr lang="en-GB" dirty="0" smtClean="0"/>
+              <a:t>Iteration Index</a:t>
+            </a:r>
+            <a:endParaRPr lang="en-GB" dirty="0"/>
+          </a:p>
+        </p:txBody>
+      </p:sp>
+      <p:sp>
+        <p:nvSpPr>
+          <p:cNvPr id="3" name="Content Placeholder 2"/>
+          <p:cNvSpPr>
+            <a:spLocks noGrp="1"/>
+          </p:cNvSpPr>
+          <p:nvPr>
+            <p:ph idx="1"/>
+          </p:nvPr>
+        </p:nvSpPr>
+        <p:spPr/>
+        <p:txBody>
+          <a:bodyPr/>
+          <a:lstStyle/>
+          <a:p>
+            <a:r>
+              <a:rPr lang="en-GB" dirty="0" smtClean="0"/>
+              <a:t>Provides each iteration with a loop index</a:t>
+            </a:r>
+          </a:p>
+          <a:p>
+            <a:r>
+              <a:rPr lang="en-GB" dirty="0" smtClean="0"/>
+              <a:t>Saw this in the </a:t>
+            </a:r>
+            <a:r>
               <a:rPr lang="en-GB" dirty="0" err="1" smtClean="0"/>
-              <a:t>LocalThreadState</a:t>
-            </a:r>
-            <a:r>
-              <a:rPr lang="en-GB" dirty="0" smtClean="0"/>
-              <a:t> (</a:t>
-            </a:r>
-            <a:r>
-              <a:rPr lang="en-GB" dirty="0" err="1" smtClean="0"/>
-              <a:t>TLocal</a:t>
-            </a:r>
-            <a:r>
-              <a:rPr lang="en-GB" dirty="0" smtClean="0"/>
-              <a:t>)</a:t>
+              <a:t>ParallelLoopState</a:t>
+            </a:r>
+            <a:r>
+              <a:rPr lang="en-GB" dirty="0" smtClean="0"/>
+              <a:t> demo</a:t>
             </a:r>
             <a:endParaRPr lang="en-GB" dirty="0"/>
           </a:p>
@@ -5009,45 +4871,14 @@
       </p:sp>
       <p:sp>
         <p:nvSpPr>
-          <p:cNvPr id="3" name="Content Placeholder 2"/>
-          <p:cNvSpPr>
-            <a:spLocks noGrp="1"/>
-          </p:cNvSpPr>
-          <p:nvPr>
-            <p:ph idx="1"/>
-          </p:nvPr>
-        </p:nvSpPr>
-        <p:spPr/>
-        <p:txBody>
-          <a:bodyPr/>
-          <a:lstStyle/>
-          <a:p>
-            <a:r>
-              <a:rPr lang="en-GB" dirty="0" smtClean="0"/>
-              <a:t>Provides each thread with local data accessible from all iterations performed on that thread</a:t>
-            </a:r>
-          </a:p>
-          <a:p>
-            <a:pPr>
-              <a:buNone/>
-            </a:pPr>
-            <a:endParaRPr lang="en-GB" dirty="0" smtClean="0"/>
-          </a:p>
-          <a:p>
-            <a:endParaRPr lang="en-GB" dirty="0"/>
-          </a:p>
-        </p:txBody>
-      </p:sp>
-      <p:sp>
-        <p:nvSpPr>
-          <p:cNvPr id="6" name="TextBox 5"/>
+          <p:cNvPr id="5" name="TextBox 4"/>
           <p:cNvSpPr txBox="1"/>
           <p:nvPr/>
         </p:nvSpPr>
         <p:spPr>
           <a:xfrm>
-            <a:off x="1530520" y="3646284"/>
-            <a:ext cx="6080991" cy="1754327"/>
+            <a:off x="1970125" y="3264648"/>
+            <a:ext cx="5195454" cy="1200329"/>
           </a:xfrm>
           <a:prstGeom prst="rect">
             <a:avLst/>
@@ -5077,7 +4908,7 @@
             <a:r>
               <a:rPr lang="en-US" dirty="0" smtClean="0">
                 <a:solidFill>
-                  <a:srgbClr val="FFFFFF"/>
+                  <a:schemeClr val="bg1"/>
                 </a:solidFill>
               </a:rPr>
               <a:t>public static </a:t>
@@ -5085,7 +4916,7 @@
             <a:r>
               <a:rPr lang="en-US" dirty="0" err="1" smtClean="0">
                 <a:solidFill>
-                  <a:srgbClr val="FFFFFF"/>
+                  <a:schemeClr val="bg1"/>
                 </a:solidFill>
               </a:rPr>
               <a:t>ParallelLoopResult</a:t>
@@ -5093,7 +4924,7 @@
             <a:r>
               <a:rPr lang="en-US" dirty="0" smtClean="0">
                 <a:solidFill>
-                  <a:srgbClr val="FFFFFF"/>
+                  <a:schemeClr val="bg1"/>
                 </a:solidFill>
               </a:rPr>
               <a:t> </a:t>
@@ -5101,7 +4932,7 @@
             <a:r>
               <a:rPr lang="en-US" dirty="0" err="1" smtClean="0">
                 <a:solidFill>
-                  <a:srgbClr val="FFFFFF"/>
+                  <a:schemeClr val="bg1"/>
                 </a:solidFill>
               </a:rPr>
               <a:t>ForEach</a:t>
@@ -5109,7 +4940,7 @@
             <a:r>
               <a:rPr lang="en-US" dirty="0" smtClean="0">
                 <a:solidFill>
-                  <a:srgbClr val="FFFFFF"/>
+                  <a:schemeClr val="bg1"/>
                 </a:solidFill>
               </a:rPr>
               <a:t>&lt;</a:t>
@@ -5117,7 +4948,7 @@
             <a:r>
               <a:rPr lang="en-US" dirty="0" err="1" smtClean="0">
                 <a:solidFill>
-                  <a:srgbClr val="FFFFFF"/>
+                  <a:schemeClr val="bg1"/>
                 </a:solidFill>
               </a:rPr>
               <a:t>TSource</a:t>
@@ -5125,7 +4956,75 @@
             <a:r>
               <a:rPr lang="en-US" dirty="0" smtClean="0">
                 <a:solidFill>
-                  <a:srgbClr val="FFFFFF"/>
+                  <a:schemeClr val="bg1"/>
+                </a:solidFill>
+              </a:rPr>
+              <a:t>&gt;(</a:t>
+            </a:r>
+          </a:p>
+          <a:p>
+            <a:r>
+              <a:rPr lang="en-US" dirty="0" smtClean="0">
+                <a:solidFill>
+                  <a:schemeClr val="bg1"/>
+                </a:solidFill>
+              </a:rPr>
+              <a:t>	</a:t>
+            </a:r>
+            <a:r>
+              <a:rPr lang="en-US" dirty="0" err="1" smtClean="0">
+                <a:solidFill>
+                  <a:schemeClr val="bg1"/>
+                </a:solidFill>
+              </a:rPr>
+              <a:t>IEnumerable</a:t>
+            </a:r>
+            <a:r>
+              <a:rPr lang="en-US" dirty="0" smtClean="0">
+                <a:solidFill>
+                  <a:schemeClr val="bg1"/>
+                </a:solidFill>
+              </a:rPr>
+              <a:t>&lt;</a:t>
+            </a:r>
+            <a:r>
+              <a:rPr lang="en-US" dirty="0" err="1" smtClean="0">
+                <a:solidFill>
+                  <a:schemeClr val="bg1"/>
+                </a:solidFill>
+              </a:rPr>
+              <a:t>TSource</a:t>
+            </a:r>
+            <a:r>
+              <a:rPr lang="en-US" dirty="0" smtClean="0">
+                <a:solidFill>
+                  <a:schemeClr val="bg1"/>
+                </a:solidFill>
+              </a:rPr>
+              <a:t>&gt; source,</a:t>
+            </a:r>
+          </a:p>
+          <a:p>
+            <a:r>
+              <a:rPr lang="en-US" dirty="0" smtClean="0">
+                <a:solidFill>
+                  <a:schemeClr val="bg1"/>
+                </a:solidFill>
+              </a:rPr>
+              <a:t>	Action&lt;</a:t>
+            </a:r>
+            <a:r>
+              <a:rPr lang="en-US" dirty="0" err="1" smtClean="0">
+                <a:solidFill>
+                  <a:schemeClr val="bg1"/>
+                </a:solidFill>
+              </a:rPr>
+              <a:t>TSource</a:t>
+            </a:r>
+            <a:r>
+              <a:rPr lang="en-US" dirty="0" smtClean="0">
+                <a:solidFill>
+                  <a:schemeClr val="bg1"/>
                 </a:solidFill>
               </a:rPr>
               <a:t>, </a:t>
@@ -5133,269 +5032,32 @@
             <a:r>
               <a:rPr lang="en-US" dirty="0" err="1" smtClean="0">
                 <a:solidFill>
-                  <a:srgbClr val="FFFFFF"/>
-                </a:solidFill>
-              </a:rPr>
-              <a:t>TLocal</a:t>
+                  <a:schemeClr val="bg1"/>
+                </a:solidFill>
+              </a:rPr>
+              <a:t>ParallelLoopState</a:t>
             </a:r>
             <a:r>
               <a:rPr lang="en-US" dirty="0" smtClean="0">
                 <a:solidFill>
-                  <a:srgbClr val="FFFFFF"/>
-                </a:solidFill>
-              </a:rPr>
-              <a:t>&gt;(</a:t>
+                  <a:schemeClr val="bg1"/>
+                </a:solidFill>
+              </a:rPr>
+              <a:t>, long&gt; body</a:t>
             </a:r>
           </a:p>
           <a:p>
             <a:r>
               <a:rPr lang="en-US" dirty="0" smtClean="0">
                 <a:solidFill>
-                  <a:srgbClr val="FFFFFF"/>
-                </a:solidFill>
-              </a:rPr>
-              <a:t>	</a:t>
-            </a:r>
-            <a:r>
-              <a:rPr lang="en-US" dirty="0" err="1" smtClean="0">
-                <a:solidFill>
-                  <a:srgbClr val="FFFFFF"/>
-                </a:solidFill>
-              </a:rPr>
-              <a:t>IEnumerable</a:t>
-            </a:r>
-            <a:r>
-              <a:rPr lang="en-US" dirty="0" smtClean="0">
-                <a:solidFill>
-                  <a:srgbClr val="FFFFFF"/>
-                </a:solidFill>
-              </a:rPr>
-              <a:t>&lt;</a:t>
-            </a:r>
-            <a:r>
-              <a:rPr lang="en-US" dirty="0" err="1" smtClean="0">
-                <a:solidFill>
-                  <a:srgbClr val="FFFFFF"/>
-                </a:solidFill>
-              </a:rPr>
-              <a:t>TSource</a:t>
-            </a:r>
-            <a:r>
-              <a:rPr lang="en-US" dirty="0" smtClean="0">
-                <a:solidFill>
-                  <a:srgbClr val="FFFFFF"/>
-                </a:solidFill>
-              </a:rPr>
-              <a:t>&gt; source,</a:t>
-            </a:r>
-          </a:p>
-          <a:p>
-            <a:r>
-              <a:rPr lang="en-US" dirty="0" smtClean="0">
-                <a:solidFill>
-                  <a:srgbClr val="FFFFFF"/>
-                </a:solidFill>
-              </a:rPr>
-              <a:t>	</a:t>
-            </a:r>
-            <a:r>
-              <a:rPr lang="en-US" dirty="0" err="1" smtClean="0">
-                <a:solidFill>
-                  <a:srgbClr val="FFFFFF"/>
-                </a:solidFill>
-              </a:rPr>
-              <a:t>Func</a:t>
-            </a:r>
-            <a:r>
-              <a:rPr lang="en-US" dirty="0" smtClean="0">
-                <a:solidFill>
-                  <a:srgbClr val="FFFFFF"/>
-                </a:solidFill>
-              </a:rPr>
-              <a:t>&lt;</a:t>
-            </a:r>
-            <a:r>
-              <a:rPr lang="en-US" dirty="0" err="1" smtClean="0">
-                <a:solidFill>
-                  <a:srgbClr val="FFFFFF"/>
-                </a:solidFill>
-              </a:rPr>
-              <a:t>TLocal</a:t>
-            </a:r>
-            <a:r>
-              <a:rPr lang="en-US" dirty="0" smtClean="0">
-                <a:solidFill>
-                  <a:srgbClr val="FFFFFF"/>
-                </a:solidFill>
-              </a:rPr>
-              <a:t>&gt; </a:t>
-            </a:r>
-            <a:r>
-              <a:rPr lang="en-US" dirty="0" err="1" smtClean="0">
-                <a:solidFill>
-                  <a:srgbClr val="FFFFFF"/>
-                </a:solidFill>
-              </a:rPr>
-              <a:t>localInit</a:t>
-            </a:r>
-            <a:r>
-              <a:rPr lang="en-US" dirty="0" smtClean="0">
-                <a:solidFill>
-                  <a:srgbClr val="FFFFFF"/>
-                </a:solidFill>
-              </a:rPr>
-              <a:t>,</a:t>
-            </a:r>
-          </a:p>
-          <a:p>
-            <a:r>
-              <a:rPr lang="en-US" dirty="0" smtClean="0">
-                <a:solidFill>
-                  <a:srgbClr val="FFFFFF"/>
-                </a:solidFill>
-              </a:rPr>
-              <a:t>	</a:t>
-            </a:r>
-            <a:r>
-              <a:rPr lang="en-US" dirty="0" err="1" smtClean="0">
-                <a:solidFill>
-                  <a:srgbClr val="FFFFFF"/>
-                </a:solidFill>
-              </a:rPr>
-              <a:t>Func</a:t>
-            </a:r>
-            <a:r>
-              <a:rPr lang="en-US" dirty="0" smtClean="0">
-                <a:solidFill>
-                  <a:srgbClr val="FFFFFF"/>
-                </a:solidFill>
-              </a:rPr>
-              <a:t>&lt;</a:t>
-            </a:r>
-            <a:r>
-              <a:rPr lang="en-US" dirty="0" err="1" smtClean="0">
-                <a:solidFill>
-                  <a:srgbClr val="FFFFFF"/>
-                </a:solidFill>
-              </a:rPr>
-              <a:t>TSource</a:t>
-            </a:r>
-            <a:r>
-              <a:rPr lang="en-US" dirty="0" smtClean="0">
-                <a:solidFill>
-                  <a:srgbClr val="FFFFFF"/>
-                </a:solidFill>
-              </a:rPr>
-              <a:t>, </a:t>
-            </a:r>
-            <a:r>
-              <a:rPr lang="en-US" dirty="0" err="1" smtClean="0">
-                <a:solidFill>
-                  <a:srgbClr val="FFFFFF"/>
-                </a:solidFill>
-              </a:rPr>
-              <a:t>ParallelLoopState</a:t>
-            </a:r>
-            <a:r>
-              <a:rPr lang="en-US" dirty="0" smtClean="0">
-                <a:solidFill>
-                  <a:srgbClr val="FFFFFF"/>
-                </a:solidFill>
-              </a:rPr>
-              <a:t>,</a:t>
-            </a:r>
-            <a:r>
-              <a:rPr lang="en-US" dirty="0" smtClean="0">
-                <a:solidFill>
-                  <a:srgbClr val="FFFFFF"/>
-                </a:solidFill>
-              </a:rPr>
-              <a:t> </a:t>
-            </a:r>
-            <a:r>
-              <a:rPr lang="en-US" dirty="0" err="1" smtClean="0">
-                <a:solidFill>
-                  <a:srgbClr val="FFFFFF"/>
-                </a:solidFill>
-              </a:rPr>
-              <a:t>TLocal</a:t>
-            </a:r>
-            <a:r>
-              <a:rPr lang="en-US" dirty="0" smtClean="0">
-                <a:solidFill>
-                  <a:srgbClr val="FFFFFF"/>
-                </a:solidFill>
-              </a:rPr>
-              <a:t>, </a:t>
-            </a:r>
-            <a:r>
-              <a:rPr lang="en-US" dirty="0" err="1" smtClean="0">
-                <a:solidFill>
-                  <a:srgbClr val="FFFFFF"/>
-                </a:solidFill>
-              </a:rPr>
-              <a:t>TLocal</a:t>
-            </a:r>
-            <a:r>
-              <a:rPr lang="en-US" dirty="0" smtClean="0">
-                <a:solidFill>
-                  <a:srgbClr val="FFFFFF"/>
-                </a:solidFill>
-              </a:rPr>
-              <a:t>&gt; body,</a:t>
-            </a:r>
-          </a:p>
-          <a:p>
-            <a:r>
-              <a:rPr lang="en-US" dirty="0" smtClean="0">
-                <a:solidFill>
-                  <a:srgbClr val="FFFFFF"/>
-                </a:solidFill>
-              </a:rPr>
-              <a:t>	Action&lt;</a:t>
-            </a:r>
-            <a:r>
-              <a:rPr lang="en-US" dirty="0" err="1" smtClean="0">
-                <a:solidFill>
-                  <a:srgbClr val="FFFFFF"/>
-                </a:solidFill>
-              </a:rPr>
-              <a:t>TLocal</a:t>
-            </a:r>
-            <a:r>
-              <a:rPr lang="en-US" dirty="0" smtClean="0">
-                <a:solidFill>
-                  <a:srgbClr val="FFFFFF"/>
-                </a:solidFill>
-              </a:rPr>
-              <a:t>&gt; </a:t>
-            </a:r>
-            <a:r>
-              <a:rPr lang="en-US" dirty="0" err="1" smtClean="0">
-                <a:solidFill>
-                  <a:srgbClr val="FFFFFF"/>
-                </a:solidFill>
-              </a:rPr>
-              <a:t>localFinally</a:t>
-            </a:r>
-            <a:endParaRPr lang="en-US" dirty="0" smtClean="0">
-              <a:solidFill>
-                <a:srgbClr val="FFFFFF"/>
-              </a:solidFill>
-            </a:endParaRPr>
-          </a:p>
-          <a:p>
-            <a:r>
-              <a:rPr lang="en-US" dirty="0" smtClean="0">
-                <a:solidFill>
-                  <a:srgbClr val="FFFFFF"/>
+                  <a:schemeClr val="bg1"/>
                 </a:solidFill>
               </a:rPr>
               <a:t>)</a:t>
             </a:r>
             <a:endParaRPr lang="en-GB" dirty="0">
               <a:solidFill>
-                <a:srgbClr val="FFFFFF"/>
+                <a:schemeClr val="bg1"/>
               </a:solidFill>
             </a:endParaRPr>
           </a:p>
@@ -5449,8 +5111,20 @@
           <a:lstStyle/>
           <a:p>
             <a:r>
-              <a:rPr lang="en-GB" dirty="0" smtClean="0"/>
-              <a:t>Parallel Options</a:t>
+              <a:rPr lang="en-GB" dirty="0" err="1" smtClean="0"/>
+              <a:t>LocalThreadState</a:t>
+            </a:r>
+            <a:r>
+              <a:rPr lang="en-GB" dirty="0" smtClean="0"/>
+              <a:t> (</a:t>
+            </a:r>
+            <a:r>
+              <a:rPr lang="en-GB" dirty="0" err="1" smtClean="0"/>
+              <a:t>TLocal</a:t>
+            </a:r>
+            <a:r>
+              <a:rPr lang="en-GB" dirty="0" smtClean="0"/>
+              <a:t>)</a:t>
             </a:r>
             <a:endParaRPr lang="en-GB" dirty="0"/>
           </a:p>
@@ -5473,51 +5147,30 @@
           <a:p>
             <a:r>
               <a:rPr lang="en-GB" dirty="0" smtClean="0"/>
-              <a:t>Provides access to execution options:</a:t>
-            </a:r>
-          </a:p>
-          <a:p>
-            <a:pPr lvl="1"/>
-            <a:r>
-              <a:rPr lang="en-GB" dirty="0" smtClean="0"/>
-              <a:t>Degree of </a:t>
-            </a:r>
-            <a:r>
-              <a:rPr lang="en-GB" dirty="0" smtClean="0"/>
-              <a:t>parallelism</a:t>
-            </a:r>
-          </a:p>
-          <a:p>
-            <a:pPr lvl="1"/>
-            <a:r>
-              <a:rPr lang="en-GB" dirty="0" smtClean="0"/>
-              <a:t>Task Scheduler</a:t>
-            </a:r>
-          </a:p>
-          <a:p>
-            <a:pPr lvl="1"/>
-            <a:r>
-              <a:rPr lang="en-GB" dirty="0" smtClean="0"/>
-              <a:t>Cancellation </a:t>
-            </a:r>
-            <a:r>
-              <a:rPr lang="en-GB" dirty="0" smtClean="0"/>
-              <a:t>Token</a:t>
-            </a:r>
+              <a:t>Provides each thread with local data accessible from all iterations performed on that thread</a:t>
+            </a:r>
+          </a:p>
+          <a:p>
+            <a:pPr>
+              <a:buNone/>
+            </a:pPr>
             <a:endParaRPr lang="en-GB" dirty="0" smtClean="0"/>
           </a:p>
-        </p:txBody>
-      </p:sp>
-      <p:sp>
-        <p:nvSpPr>
-          <p:cNvPr id="5" name="TextBox 4"/>
+          <a:p>
+            <a:endParaRPr lang="en-GB" dirty="0"/>
+          </a:p>
+        </p:txBody>
+      </p:sp>
+      <p:sp>
+        <p:nvSpPr>
+          <p:cNvPr id="6" name="TextBox 5"/>
           <p:cNvSpPr txBox="1"/>
           <p:nvPr/>
         </p:nvSpPr>
         <p:spPr>
           <a:xfrm>
-            <a:off x="1970125" y="4288260"/>
-            <a:ext cx="5195454" cy="1477328"/>
+            <a:off x="1530520" y="3646284"/>
+            <a:ext cx="6080991" cy="1754327"/>
           </a:xfrm>
           <a:prstGeom prst="rect">
             <a:avLst/>
@@ -5547,7 +5200,7 @@
             <a:r>
               <a:rPr lang="en-US" dirty="0" smtClean="0">
                 <a:solidFill>
-                  <a:schemeClr val="bg1"/>
+                  <a:srgbClr val="FFFFFF"/>
                 </a:solidFill>
               </a:rPr>
               <a:t>public static </a:t>
@@ -5555,7 +5208,7 @@
             <a:r>
               <a:rPr lang="en-US" dirty="0" err="1" smtClean="0">
                 <a:solidFill>
-                  <a:schemeClr val="bg1"/>
+                  <a:srgbClr val="FFFFFF"/>
                 </a:solidFill>
               </a:rPr>
               <a:t>ParallelLoopResult</a:t>
@@ -5563,7 +5216,7 @@
             <a:r>
               <a:rPr lang="en-US" dirty="0" smtClean="0">
                 <a:solidFill>
-                  <a:schemeClr val="bg1"/>
+                  <a:srgbClr val="FFFFFF"/>
                 </a:solidFill>
               </a:rPr>
               <a:t> </a:t>
@@ -5571,7 +5224,7 @@
             <a:r>
               <a:rPr lang="en-US" dirty="0" err="1" smtClean="0">
                 <a:solidFill>
-                  <a:schemeClr val="bg1"/>
+                  <a:srgbClr val="FFFFFF"/>
                 </a:solidFill>
               </a:rPr>
               <a:t>ForEach</a:t>
@@ -5579,7 +5232,7 @@
             <a:r>
               <a:rPr lang="en-US" dirty="0" smtClean="0">
                 <a:solidFill>
-                  <a:schemeClr val="bg1"/>
+                  <a:srgbClr val="FFFFFF"/>
                 </a:solidFill>
               </a:rPr>
               <a:t>&lt;</a:t>
@@ -5587,7 +5240,7 @@
             <a:r>
               <a:rPr lang="en-US" dirty="0" err="1" smtClean="0">
                 <a:solidFill>
-                  <a:schemeClr val="bg1"/>
+                  <a:srgbClr val="FFFFFF"/>
                 </a:solidFill>
               </a:rPr>
               <a:t>TSource</a:t>
@@ -5595,7 +5248,23 @@
             <a:r>
               <a:rPr lang="en-US" dirty="0" smtClean="0">
                 <a:solidFill>
-                  <a:schemeClr val="bg1"/>
+                  <a:srgbClr val="FFFFFF"/>
+                </a:solidFill>
+              </a:rPr>
+              <a:t>, </a:t>
+            </a:r>
+            <a:r>
+              <a:rPr lang="en-US" dirty="0" err="1" smtClean="0">
+                <a:solidFill>
+                  <a:srgbClr val="FFFFFF"/>
+                </a:solidFill>
+              </a:rPr>
+              <a:t>TLocal</a:t>
+            </a:r>
+            <a:r>
+              <a:rPr lang="en-US" dirty="0" smtClean="0">
+                <a:solidFill>
+                  <a:srgbClr val="FFFFFF"/>
                 </a:solidFill>
               </a:rPr>
               <a:t>&gt;(</a:t>
@@ -5605,7 +5274,7 @@
             <a:r>
               <a:rPr lang="en-US" dirty="0" smtClean="0">
                 <a:solidFill>
-                  <a:schemeClr val="bg1"/>
+                  <a:srgbClr val="FFFFFF"/>
                 </a:solidFill>
               </a:rPr>
               <a:t>	</a:t>
@@ -5613,7 +5282,7 @@
             <a:r>
               <a:rPr lang="en-US" dirty="0" err="1" smtClean="0">
                 <a:solidFill>
-                  <a:schemeClr val="bg1"/>
+                  <a:srgbClr val="FFFFFF"/>
                 </a:solidFill>
               </a:rPr>
               <a:t>IEnumerable</a:t>
@@ -5621,7 +5290,7 @@
             <a:r>
               <a:rPr lang="en-US" dirty="0" smtClean="0">
                 <a:solidFill>
-                  <a:schemeClr val="bg1"/>
+                  <a:srgbClr val="FFFFFF"/>
                 </a:solidFill>
               </a:rPr>
               <a:t>&lt;</a:t>
@@ -5629,7 +5298,7 @@
             <a:r>
               <a:rPr lang="en-US" dirty="0" err="1" smtClean="0">
                 <a:solidFill>
-                  <a:schemeClr val="bg1"/>
+                  <a:srgbClr val="FFFFFF"/>
                 </a:solidFill>
               </a:rPr>
               <a:t>TSource</a:t>
@@ -5637,7 +5306,7 @@
             <a:r>
               <a:rPr lang="en-US" dirty="0" smtClean="0">
                 <a:solidFill>
-                  <a:schemeClr val="bg1"/>
+                  <a:srgbClr val="FFFFFF"/>
                 </a:solidFill>
               </a:rPr>
               <a:t>&gt; source,</a:t>
@@ -5647,7 +5316,7 @@
             <a:r>
               <a:rPr lang="en-US" dirty="0" smtClean="0">
                 <a:solidFill>
-                  <a:schemeClr val="bg1"/>
+                  <a:srgbClr val="FFFFFF"/>
                 </a:solidFill>
               </a:rPr>
               <a:t>	</a:t>
@@ -5655,15 +5324,113 @@
             <a:r>
               <a:rPr lang="en-US" dirty="0" err="1" smtClean="0">
                 <a:solidFill>
-                  <a:schemeClr val="bg1"/>
-                </a:solidFill>
-              </a:rPr>
-              <a:t>ParallelOptions</a:t>
+                  <a:srgbClr val="FFFFFF"/>
+                </a:solidFill>
+              </a:rPr>
+              <a:t>Func</a:t>
             </a:r>
             <a:r>
               <a:rPr lang="en-US" dirty="0" smtClean="0">
                 <a:solidFill>
-                  <a:schemeClr val="bg1"/>
+                  <a:srgbClr val="FFFFFF"/>
+                </a:solidFill>
+              </a:rPr>
+              <a:t>&lt;</a:t>
+            </a:r>
+            <a:r>
+              <a:rPr lang="en-US" dirty="0" err="1" smtClean="0">
+                <a:solidFill>
+                  <a:srgbClr val="FFFFFF"/>
+                </a:solidFill>
+              </a:rPr>
+              <a:t>TLocal</a:t>
+            </a:r>
+            <a:r>
+              <a:rPr lang="en-US" dirty="0" smtClean="0">
+                <a:solidFill>
+                  <a:srgbClr val="FFFFFF"/>
+                </a:solidFill>
+              </a:rPr>
+              <a:t>&gt; </a:t>
+            </a:r>
+            <a:r>
+              <a:rPr lang="en-US" dirty="0" err="1" smtClean="0">
+                <a:solidFill>
+                  <a:srgbClr val="FFFFFF"/>
+                </a:solidFill>
+              </a:rPr>
+              <a:t>localInit</a:t>
+            </a:r>
+            <a:r>
+              <a:rPr lang="en-US" dirty="0" smtClean="0">
+                <a:solidFill>
+                  <a:srgbClr val="FFFFFF"/>
+                </a:solidFill>
+              </a:rPr>
+              <a:t>,</a:t>
+            </a:r>
+          </a:p>
+          <a:p>
+            <a:r>
+              <a:rPr lang="en-US" dirty="0" smtClean="0">
+                <a:solidFill>
+                  <a:srgbClr val="FFFFFF"/>
+                </a:solidFill>
+              </a:rPr>
+              <a:t>	</a:t>
+            </a:r>
+            <a:r>
+              <a:rPr lang="en-US" dirty="0" err="1" smtClean="0">
+                <a:solidFill>
+                  <a:srgbClr val="FFFFFF"/>
+                </a:solidFill>
+              </a:rPr>
+              <a:t>Func</a:t>
+            </a:r>
+            <a:r>
+              <a:rPr lang="en-US" dirty="0" smtClean="0">
+                <a:solidFill>
+                  <a:srgbClr val="FFFFFF"/>
+                </a:solidFill>
+              </a:rPr>
+              <a:t>&lt;</a:t>
+            </a:r>
+            <a:r>
+              <a:rPr lang="en-US" dirty="0" err="1" smtClean="0">
+                <a:solidFill>
+                  <a:srgbClr val="FFFFFF"/>
+                </a:solidFill>
+              </a:rPr>
+              <a:t>TSource</a:t>
+            </a:r>
+            <a:r>
+              <a:rPr lang="en-US" dirty="0" smtClean="0">
+                <a:solidFill>
+                  <a:srgbClr val="FFFFFF"/>
+                </a:solidFill>
+              </a:rPr>
+              <a:t>, </a:t>
+            </a:r>
+            <a:r>
+              <a:rPr lang="en-US" dirty="0" err="1" smtClean="0">
+                <a:solidFill>
+                  <a:srgbClr val="FFFFFF"/>
+                </a:solidFill>
+              </a:rPr>
+              <a:t>ParallelLoopState</a:t>
+            </a:r>
+            <a:r>
+              <a:rPr lang="en-US" dirty="0" smtClean="0">
+                <a:solidFill>
+                  <a:srgbClr val="FFFFFF"/>
+                </a:solidFill>
+              </a:rPr>
+              <a:t>,</a:t>
+            </a:r>
+            <a:r>
+              <a:rPr lang="en-US" dirty="0" smtClean="0">
+                <a:solidFill>
+                  <a:srgbClr val="FFFFFF"/>
                 </a:solidFill>
               </a:rPr>
               <a:t> </a:t>
@@ -5671,25 +5438,41 @@
             <a:r>
               <a:rPr lang="en-US" dirty="0" err="1" smtClean="0">
                 <a:solidFill>
-                  <a:schemeClr val="bg1"/>
-                </a:solidFill>
-              </a:rPr>
-              <a:t>parallelOptions</a:t>
+                  <a:srgbClr val="FFFFFF"/>
+                </a:solidFill>
+              </a:rPr>
+              <a:t>TLocal</a:t>
             </a:r>
             <a:r>
               <a:rPr lang="en-US" dirty="0" smtClean="0">
                 <a:solidFill>
-                  <a:schemeClr val="bg1"/>
-                </a:solidFill>
-              </a:rPr>
-              <a:t>,</a:t>
-            </a:r>
-          </a:p>
-          <a:p>
+                  <a:srgbClr val="FFFFFF"/>
+                </a:solidFill>
+              </a:rPr>
+              <a:t>, </a:t>
+            </a:r>
+            <a:r>
+              <a:rPr lang="en-US" dirty="0" err="1" smtClean="0">
+                <a:solidFill>
+                  <a:srgbClr val="FFFFFF"/>
+                </a:solidFill>
+              </a:rPr>
+              <a:t>TLocal</a:t>
+            </a:r>
             <a:r>
               <a:rPr lang="en-US" dirty="0" smtClean="0">
                 <a:solidFill>
-                  <a:schemeClr val="bg1"/>
+                  <a:srgbClr val="FFFFFF"/>
+                </a:solidFill>
+              </a:rPr>
+              <a:t>&gt; body,</a:t>
+            </a:r>
+          </a:p>
+          <a:p>
+            <a:r>
+              <a:rPr lang="en-US" dirty="0" smtClean="0">
+                <a:solidFill>
+                  <a:srgbClr val="FFFFFF"/>
                 </a:solidFill>
               </a:rPr>
               <a:t>	Action&lt;</a:t>
@@ -5697,32 +5480,45 @@
             <a:r>
               <a:rPr lang="en-US" dirty="0" err="1" smtClean="0">
                 <a:solidFill>
-                  <a:schemeClr val="bg1"/>
-                </a:solidFill>
-              </a:rPr>
-              <a:t>TSource</a:t>
+                  <a:srgbClr val="FFFFFF"/>
+                </a:solidFill>
+              </a:rPr>
+              <a:t>TLocal</a:t>
             </a:r>
             <a:r>
               <a:rPr lang="en-US" dirty="0" smtClean="0">
                 <a:solidFill>
-                  <a:schemeClr val="bg1"/>
-                </a:solidFill>
-              </a:rPr>
-              <a:t>&gt; body</a:t>
-            </a:r>
+                  <a:srgbClr val="FFFFFF"/>
+                </a:solidFill>
+              </a:rPr>
+              <a:t>&gt; </a:t>
+            </a:r>
+            <a:r>
+              <a:rPr lang="en-US" dirty="0" err="1" smtClean="0">
+                <a:solidFill>
+                  <a:srgbClr val="FFFFFF"/>
+                </a:solidFill>
+              </a:rPr>
+              <a:t>localFinally</a:t>
+            </a:r>
+            <a:endParaRPr lang="en-US" dirty="0" smtClean="0">
+              <a:solidFill>
+                <a:srgbClr val="FFFFFF"/>
+              </a:solidFill>
+            </a:endParaRPr>
           </a:p>
           <a:p>
             <a:r>
               <a:rPr lang="en-US" dirty="0" smtClean="0">
                 <a:solidFill>
-                  <a:schemeClr val="bg1"/>
+                  <a:srgbClr val="FFFFFF"/>
                 </a:solidFill>
               </a:rPr>
               <a:t>)</a:t>
             </a:r>
             <a:endParaRPr lang="en-GB" dirty="0">
               <a:solidFill>
-                <a:schemeClr val="bg1"/>
+                <a:srgbClr val="FFFFFF"/>
               </a:solidFill>
             </a:endParaRPr>
           </a:p>
@@ -5777,7 +5573,7 @@
           <a:p>
             <a:r>
               <a:rPr lang="en-GB" dirty="0" smtClean="0"/>
-              <a:t>Task Schedulers</a:t>
+              <a:t>Parallel Options</a:t>
             </a:r>
             <a:endParaRPr lang="en-GB" dirty="0"/>
           </a:p>
@@ -5800,39 +5596,258 @@
           <a:p>
             <a:r>
               <a:rPr lang="en-GB" dirty="0" smtClean="0"/>
-              <a:t>Default is based on the Thread Pool</a:t>
+              <a:t>Provides access to execution options:</a:t>
             </a:r>
           </a:p>
           <a:p>
             <a:pPr lvl="1"/>
             <a:r>
               <a:rPr lang="en-GB" dirty="0" smtClean="0"/>
-              <a:t>Work stealing, thread injection &amp; retirement</a:t>
-            </a:r>
-          </a:p>
-          <a:p>
-            <a:r>
-              <a:rPr lang="en-GB" dirty="0" smtClean="0"/>
-              <a:t>Can write your own custom implementation</a:t>
+              <a:t>Degree of </a:t>
+            </a:r>
+            <a:r>
+              <a:rPr lang="en-GB" dirty="0" smtClean="0"/>
+              <a:t>parallelism</a:t>
             </a:r>
           </a:p>
           <a:p>
             <a:pPr lvl="1"/>
             <a:r>
-              <a:rPr lang="en-GB" i="1" dirty="0" smtClean="0"/>
-              <a:t>May</a:t>
-            </a:r>
-            <a:r>
-              <a:rPr lang="en-GB" dirty="0" smtClean="0"/>
-              <a:t> be able to perform better if you data has very specific characteristics </a:t>
+              <a:rPr lang="en-GB" dirty="0" smtClean="0"/>
+              <a:t>Task Scheduler</a:t>
             </a:r>
           </a:p>
           <a:p>
             <a:pPr lvl="1"/>
             <a:r>
               <a:rPr lang="en-GB" dirty="0" smtClean="0"/>
-              <a:t>But the default does perform well in most scenarios</a:t>
-            </a:r>
+              <a:t>Cancellation </a:t>
+            </a:r>
+            <a:r>
+              <a:rPr lang="en-GB" dirty="0" smtClean="0"/>
+              <a:t>Token</a:t>
+            </a:r>
+            <a:endParaRPr lang="en-GB" dirty="0" smtClean="0"/>
+          </a:p>
+        </p:txBody>
+      </p:sp>
+      <p:sp>
+        <p:nvSpPr>
+          <p:cNvPr id="5" name="TextBox 4"/>
+          <p:cNvSpPr txBox="1"/>
+          <p:nvPr/>
+        </p:nvSpPr>
+        <p:spPr>
+          <a:xfrm>
+            <a:off x="1970125" y="4288260"/>
+            <a:ext cx="5195454" cy="1477328"/>
+          </a:xfrm>
+          <a:prstGeom prst="rect">
+            <a:avLst/>
+          </a:prstGeom>
+          <a:solidFill>
+            <a:schemeClr val="accent5">
+              <a:lumMod val="50000"/>
+            </a:schemeClr>
+          </a:solidFill>
+          <a:ln>
+            <a:solidFill>
+              <a:schemeClr val="tx1"/>
+            </a:solidFill>
+            <a:round/>
+          </a:ln>
+          <a:effectLst>
+            <a:reflection stA="50000" endPos="25000" dist="38100" dir="5400000" sy="-100000" algn="bl" rotWithShape="0"/>
+            <a:softEdge rad="25400"/>
+          </a:effectLst>
+        </p:spPr>
+        <p:txBody>
+          <a:bodyPr wrap="square" rtlCol="0" anchor="ctr" anchorCtr="0">
+            <a:spAutoFit/>
+          </a:bodyPr>
+          <a:lstStyle/>
+          <a:p>
+            <a:r>
+              <a:rPr lang="en-US" dirty="0" smtClean="0">
+                <a:solidFill>
+                  <a:schemeClr val="bg1"/>
+                </a:solidFill>
+              </a:rPr>
+              <a:t>public static </a:t>
+            </a:r>
+            <a:r>
+              <a:rPr lang="en-US" dirty="0" err="1" smtClean="0">
+                <a:solidFill>
+                  <a:schemeClr val="bg1"/>
+                </a:solidFill>
+              </a:rPr>
+              <a:t>ParallelLoopResult</a:t>
+            </a:r>
+            <a:r>
+              <a:rPr lang="en-US" dirty="0" smtClean="0">
+                <a:solidFill>
+                  <a:schemeClr val="bg1"/>
+                </a:solidFill>
+              </a:rPr>
+              <a:t> </a:t>
+            </a:r>
+            <a:r>
+              <a:rPr lang="en-US" dirty="0" err="1" smtClean="0">
+                <a:solidFill>
+                  <a:schemeClr val="bg1"/>
+                </a:solidFill>
+              </a:rPr>
+              <a:t>ForEach</a:t>
+            </a:r>
+            <a:r>
+              <a:rPr lang="en-US" dirty="0" smtClean="0">
+                <a:solidFill>
+                  <a:schemeClr val="bg1"/>
+                </a:solidFill>
+              </a:rPr>
+              <a:t>&lt;</a:t>
+            </a:r>
+            <a:r>
+              <a:rPr lang="en-US" dirty="0" err="1" smtClean="0">
+                <a:solidFill>
+                  <a:schemeClr val="bg1"/>
+                </a:solidFill>
+              </a:rPr>
+              <a:t>TSource</a:t>
+            </a:r>
+            <a:r>
+              <a:rPr lang="en-US" dirty="0" smtClean="0">
+                <a:solidFill>
+                  <a:schemeClr val="bg1"/>
+                </a:solidFill>
+              </a:rPr>
+              <a:t>&gt;(</a:t>
+            </a:r>
+          </a:p>
+          <a:p>
+            <a:r>
+              <a:rPr lang="en-US" dirty="0" smtClean="0">
+                <a:solidFill>
+                  <a:schemeClr val="bg1"/>
+                </a:solidFill>
+              </a:rPr>
+              <a:t>	</a:t>
+            </a:r>
+            <a:r>
+              <a:rPr lang="en-US" dirty="0" err="1" smtClean="0">
+                <a:solidFill>
+                  <a:schemeClr val="bg1"/>
+                </a:solidFill>
+              </a:rPr>
+              <a:t>IEnumerable</a:t>
+            </a:r>
+            <a:r>
+              <a:rPr lang="en-US" dirty="0" smtClean="0">
+                <a:solidFill>
+                  <a:schemeClr val="bg1"/>
+                </a:solidFill>
+              </a:rPr>
+              <a:t>&lt;</a:t>
+            </a:r>
+            <a:r>
+              <a:rPr lang="en-US" dirty="0" err="1" smtClean="0">
+                <a:solidFill>
+                  <a:schemeClr val="bg1"/>
+                </a:solidFill>
+              </a:rPr>
+              <a:t>TSource</a:t>
+            </a:r>
+            <a:r>
+              <a:rPr lang="en-US" dirty="0" smtClean="0">
+                <a:solidFill>
+                  <a:schemeClr val="bg1"/>
+                </a:solidFill>
+              </a:rPr>
+              <a:t>&gt; source,</a:t>
+            </a:r>
+          </a:p>
+          <a:p>
+            <a:r>
+              <a:rPr lang="en-US" dirty="0" smtClean="0">
+                <a:solidFill>
+                  <a:schemeClr val="bg1"/>
+                </a:solidFill>
+              </a:rPr>
+              <a:t>	</a:t>
+            </a:r>
+            <a:r>
+              <a:rPr lang="en-US" dirty="0" err="1" smtClean="0">
+                <a:solidFill>
+                  <a:schemeClr val="bg1"/>
+                </a:solidFill>
+              </a:rPr>
+              <a:t>ParallelOptions</a:t>
+            </a:r>
+            <a:r>
+              <a:rPr lang="en-US" dirty="0" smtClean="0">
+                <a:solidFill>
+                  <a:schemeClr val="bg1"/>
+                </a:solidFill>
+              </a:rPr>
+              <a:t> </a:t>
+            </a:r>
+            <a:r>
+              <a:rPr lang="en-US" dirty="0" err="1" smtClean="0">
+                <a:solidFill>
+                  <a:schemeClr val="bg1"/>
+                </a:solidFill>
+              </a:rPr>
+              <a:t>parallelOptions</a:t>
+            </a:r>
+            <a:r>
+              <a:rPr lang="en-US" dirty="0" smtClean="0">
+                <a:solidFill>
+                  <a:schemeClr val="bg1"/>
+                </a:solidFill>
+              </a:rPr>
+              <a:t>,</a:t>
+            </a:r>
+          </a:p>
+          <a:p>
+            <a:r>
+              <a:rPr lang="en-US" dirty="0" smtClean="0">
+                <a:solidFill>
+                  <a:schemeClr val="bg1"/>
+                </a:solidFill>
+              </a:rPr>
+              <a:t>	Action&lt;</a:t>
+            </a:r>
+            <a:r>
+              <a:rPr lang="en-US" dirty="0" err="1" smtClean="0">
+                <a:solidFill>
+                  <a:schemeClr val="bg1"/>
+                </a:solidFill>
+              </a:rPr>
+              <a:t>TSource</a:t>
+            </a:r>
+            <a:r>
+              <a:rPr lang="en-US" dirty="0" smtClean="0">
+                <a:solidFill>
+                  <a:schemeClr val="bg1"/>
+                </a:solidFill>
+              </a:rPr>
+              <a:t>&gt; body</a:t>
+            </a:r>
+          </a:p>
+          <a:p>
+            <a:r>
+              <a:rPr lang="en-US" dirty="0" smtClean="0">
+                <a:solidFill>
+                  <a:schemeClr val="bg1"/>
+                </a:solidFill>
+              </a:rPr>
+              <a:t>)</a:t>
+            </a:r>
+            <a:endParaRPr lang="en-GB" dirty="0">
+              <a:solidFill>
+                <a:schemeClr val="bg1"/>
+              </a:solidFill>
+            </a:endParaRPr>
           </a:p>
         </p:txBody>
       </p:sp>
@@ -5884,8 +5899,8 @@
           <a:lstStyle/>
           <a:p>
             <a:r>
-              <a:rPr lang="en-GB" dirty="0" err="1" smtClean="0"/>
-              <a:t>Partitioners</a:t>
+              <a:rPr lang="en-GB" dirty="0" smtClean="0"/>
+              <a:t>Task Schedulers</a:t>
             </a:r>
             <a:endParaRPr lang="en-GB" dirty="0"/>
           </a:p>
@@ -5908,212 +5923,39 @@
           <a:p>
             <a:r>
               <a:rPr lang="en-GB" dirty="0" smtClean="0"/>
-              <a:t>Responsible for splitting source data into multiple sets</a:t>
-            </a:r>
-          </a:p>
-          <a:p>
-            <a:r>
-              <a:rPr lang="en-GB" dirty="0" smtClean="0"/>
-              <a:t>As with Schedulers, the defaults work well</a:t>
+              <a:t>Default is based on the Thread Pool</a:t>
             </a:r>
           </a:p>
           <a:p>
             <a:pPr lvl="1"/>
             <a:r>
               <a:rPr lang="en-GB" dirty="0" smtClean="0"/>
-              <a:t>can still </a:t>
-            </a:r>
-            <a:r>
-              <a:rPr lang="en-GB" dirty="0" smtClean="0"/>
-              <a:t>use custom if required</a:t>
-            </a:r>
-          </a:p>
-          <a:p>
-            <a:r>
-              <a:rPr lang="en-GB" dirty="0" smtClean="0"/>
-              <a:t>Demo</a:t>
-            </a:r>
-          </a:p>
-          <a:p>
-            <a:endParaRPr lang="en-GB" dirty="0"/>
-          </a:p>
-        </p:txBody>
-      </p:sp>
-      <p:sp>
-        <p:nvSpPr>
-          <p:cNvPr id="4" name="TextBox 3"/>
-          <p:cNvSpPr txBox="1"/>
-          <p:nvPr/>
-        </p:nvSpPr>
-        <p:spPr>
-          <a:xfrm>
-            <a:off x="1905000" y="4580435"/>
-            <a:ext cx="5195454" cy="1200329"/>
-          </a:xfrm>
-          <a:prstGeom prst="rect">
-            <a:avLst/>
-          </a:prstGeom>
-          <a:solidFill>
-            <a:schemeClr val="accent5">
-              <a:lumMod val="50000"/>
-            </a:schemeClr>
-          </a:solidFill>
-          <a:ln>
-            <a:solidFill>
-              <a:schemeClr val="tx1"/>
-            </a:solidFill>
-            <a:round/>
-          </a:ln>
-          <a:effectLst>
-            <a:reflection stA="50000" endPos="25000" dist="38100" dir="5400000" sy="-100000" algn="bl" rotWithShape="0"/>
-            <a:softEdge rad="25400"/>
-          </a:effectLst>
-        </p:spPr>
-        <p:txBody>
-          <a:bodyPr wrap="square" rtlCol="0" anchor="ctr" anchorCtr="0">
-            <a:spAutoFit/>
-          </a:bodyPr>
-          <a:lstStyle/>
-          <a:p>
-            <a:r>
-              <a:rPr lang="en-US" dirty="0" smtClean="0">
-                <a:solidFill>
-                  <a:schemeClr val="bg1"/>
-                </a:solidFill>
-              </a:rPr>
-              <a:t>public static </a:t>
-            </a:r>
-            <a:r>
-              <a:rPr lang="en-US" dirty="0" err="1" smtClean="0">
-                <a:solidFill>
-                  <a:schemeClr val="bg1"/>
-                </a:solidFill>
-              </a:rPr>
-              <a:t>ParallelLoopResult</a:t>
-            </a:r>
-            <a:r>
-              <a:rPr lang="en-US" dirty="0" smtClean="0">
-                <a:solidFill>
-                  <a:schemeClr val="bg1"/>
-                </a:solidFill>
-              </a:rPr>
-              <a:t> </a:t>
-            </a:r>
-            <a:r>
-              <a:rPr lang="en-US" dirty="0" err="1" smtClean="0">
-                <a:solidFill>
-                  <a:schemeClr val="bg1"/>
-                </a:solidFill>
-              </a:rPr>
-              <a:t>ForEach</a:t>
-            </a:r>
-            <a:r>
-              <a:rPr lang="en-US" dirty="0" smtClean="0">
-                <a:solidFill>
-                  <a:schemeClr val="bg1"/>
-                </a:solidFill>
-              </a:rPr>
-              <a:t>&lt;</a:t>
-            </a:r>
-            <a:r>
-              <a:rPr lang="en-US" dirty="0" err="1" smtClean="0">
-                <a:solidFill>
-                  <a:schemeClr val="bg1"/>
-                </a:solidFill>
-              </a:rPr>
-              <a:t>TSource</a:t>
-            </a:r>
-            <a:r>
-              <a:rPr lang="en-US" dirty="0" smtClean="0">
-                <a:solidFill>
-                  <a:schemeClr val="bg1"/>
-                </a:solidFill>
-              </a:rPr>
-              <a:t>&gt;(</a:t>
-            </a:r>
-          </a:p>
-          <a:p>
-            <a:r>
-              <a:rPr lang="en-US" dirty="0" smtClean="0">
-                <a:solidFill>
-                  <a:schemeClr val="bg1"/>
-                </a:solidFill>
-              </a:rPr>
-              <a:t>	</a:t>
-            </a:r>
-            <a:r>
-              <a:rPr lang="en-US" dirty="0" err="1" smtClean="0">
-                <a:solidFill>
-                  <a:schemeClr val="bg1"/>
-                </a:solidFill>
-              </a:rPr>
-              <a:t>Partitioner</a:t>
-            </a:r>
-            <a:r>
-              <a:rPr lang="en-US" dirty="0" smtClean="0">
-                <a:solidFill>
-                  <a:schemeClr val="bg1"/>
-                </a:solidFill>
-              </a:rPr>
-              <a:t>&lt;</a:t>
-            </a:r>
-            <a:r>
-              <a:rPr lang="en-US" dirty="0" err="1" smtClean="0">
-                <a:solidFill>
-                  <a:schemeClr val="bg1"/>
-                </a:solidFill>
-              </a:rPr>
-              <a:t>TSource</a:t>
-            </a:r>
-            <a:r>
-              <a:rPr lang="en-US" dirty="0" smtClean="0">
-                <a:solidFill>
-                  <a:schemeClr val="bg1"/>
-                </a:solidFill>
-              </a:rPr>
-              <a:t>&gt; source,</a:t>
-            </a:r>
-          </a:p>
-          <a:p>
-            <a:r>
-              <a:rPr lang="en-US" dirty="0" smtClean="0">
-                <a:solidFill>
-                  <a:schemeClr val="bg1"/>
-                </a:solidFill>
-              </a:rPr>
-              <a:t>	Action&lt;</a:t>
-            </a:r>
-            <a:r>
-              <a:rPr lang="en-US" dirty="0" err="1" smtClean="0">
-                <a:solidFill>
-                  <a:schemeClr val="bg1"/>
-                </a:solidFill>
-              </a:rPr>
-              <a:t>TSource</a:t>
-            </a:r>
-            <a:r>
-              <a:rPr lang="en-US" dirty="0" smtClean="0">
-                <a:solidFill>
-                  <a:schemeClr val="bg1"/>
-                </a:solidFill>
-              </a:rPr>
-              <a:t>&gt; body</a:t>
-            </a:r>
-          </a:p>
-          <a:p>
-            <a:r>
-              <a:rPr lang="en-US" dirty="0" smtClean="0">
-                <a:solidFill>
-                  <a:schemeClr val="bg1"/>
-                </a:solidFill>
-              </a:rPr>
-              <a:t>)</a:t>
-            </a:r>
-            <a:endParaRPr lang="en-GB" dirty="0">
-              <a:solidFill>
-                <a:schemeClr val="bg1"/>
-              </a:solidFill>
-            </a:endParaRPr>
+              <a:t>Work stealing, thread injection &amp; retirement</a:t>
+            </a:r>
+          </a:p>
+          <a:p>
+            <a:r>
+              <a:rPr lang="en-GB" dirty="0" smtClean="0"/>
+              <a:t>Can write your own custom implementation</a:t>
+            </a:r>
+          </a:p>
+          <a:p>
+            <a:pPr lvl="1"/>
+            <a:r>
+              <a:rPr lang="en-GB" i="1" dirty="0" smtClean="0"/>
+              <a:t>May</a:t>
+            </a:r>
+            <a:r>
+              <a:rPr lang="en-GB" dirty="0" smtClean="0"/>
+              <a:t> be able to perform better if your data has very specific characteristics </a:t>
+            </a:r>
+          </a:p>
+          <a:p>
+            <a:pPr lvl="1"/>
+            <a:r>
+              <a:rPr lang="en-GB" dirty="0" smtClean="0"/>
+              <a:t>But the default does perform well in most scenarios</a:t>
+            </a:r>
           </a:p>
         </p:txBody>
       </p:sp>
@@ -6165,8 +6007,8 @@
           <a:lstStyle/>
           <a:p>
             <a:r>
-              <a:rPr lang="en-GB" dirty="0" smtClean="0"/>
-              <a:t>Exception Handling</a:t>
+              <a:rPr lang="en-GB" dirty="0" err="1" smtClean="0"/>
+              <a:t>Partitioners</a:t>
             </a:r>
             <a:endParaRPr lang="en-GB" dirty="0"/>
           </a:p>
@@ -6189,74 +6031,24 @@
           <a:p>
             <a:r>
               <a:rPr lang="en-GB" dirty="0" smtClean="0"/>
-              <a:t>Exceptions from iterations are gathered</a:t>
-            </a:r>
-          </a:p>
-          <a:p>
-            <a:r>
-              <a:rPr lang="en-GB" dirty="0" smtClean="0"/>
-              <a:t>When all iterations complete, a single </a:t>
-            </a:r>
-            <a:r>
-              <a:rPr lang="en-GB" dirty="0" err="1" smtClean="0"/>
-              <a:t>AggregateException</a:t>
-            </a:r>
-            <a:r>
-              <a:rPr lang="en-GB" dirty="0" smtClean="0"/>
-              <a:t> is throw</a:t>
+              <a:t>Responsible for splitting source data into multiple sets</a:t>
+            </a:r>
+          </a:p>
+          <a:p>
+            <a:r>
+              <a:rPr lang="en-GB" dirty="0" smtClean="0"/>
+              <a:t>As with Schedulers, the defaults work well</a:t>
             </a:r>
           </a:p>
           <a:p>
             <a:pPr lvl="1"/>
             <a:r>
               <a:rPr lang="en-GB" dirty="0" smtClean="0"/>
-              <a:t>Within the </a:t>
-            </a:r>
-            <a:r>
-              <a:rPr lang="en-GB" dirty="0" err="1" smtClean="0"/>
-              <a:t>AggregateException</a:t>
-            </a:r>
-            <a:r>
-              <a:rPr lang="en-GB" dirty="0" smtClean="0"/>
-              <a:t>, the original </a:t>
-            </a:r>
-            <a:r>
-              <a:rPr lang="en-GB" dirty="0" err="1" smtClean="0"/>
-              <a:t>exception(s</a:t>
-            </a:r>
-            <a:r>
-              <a:rPr lang="en-GB" dirty="0" smtClean="0"/>
-              <a:t>) can be accessed</a:t>
-            </a:r>
-          </a:p>
-          <a:p>
-            <a:pPr lvl="1"/>
-            <a:r>
-              <a:rPr lang="en-GB" dirty="0" smtClean="0"/>
-              <a:t>No indication as to which </a:t>
-            </a:r>
-            <a:r>
-              <a:rPr lang="en-GB" dirty="0" err="1" smtClean="0"/>
-              <a:t>iteration(s</a:t>
-            </a:r>
-            <a:r>
-              <a:rPr lang="en-GB" dirty="0" smtClean="0"/>
-              <a:t>) </a:t>
-            </a:r>
-            <a:r>
-              <a:rPr lang="en-GB" dirty="0" smtClean="0"/>
-              <a:t>threw</a:t>
-            </a:r>
-          </a:p>
-          <a:p>
-            <a:pPr lvl="2"/>
-            <a:r>
-              <a:rPr lang="en-GB" dirty="0" smtClean="0"/>
-              <a:t>If this matters to you, you need to pass it out in the exception</a:t>
-            </a:r>
-            <a:r>
-              <a:rPr lang="en-GB" dirty="0" smtClean="0"/>
-              <a:t/>
+              <a:t>can still </a:t>
+            </a:r>
+            <a:r>
+              <a:rPr lang="en-GB" dirty="0" smtClean="0"/>
+              <a:t>use custom if required</a:t>
             </a:r>
           </a:p>
           <a:p>
@@ -6264,7 +6056,187 @@
               <a:rPr lang="en-GB" dirty="0" smtClean="0"/>
               <a:t>Demo</a:t>
             </a:r>
+          </a:p>
+          <a:p>
             <a:endParaRPr lang="en-GB" dirty="0"/>
+          </a:p>
+        </p:txBody>
+      </p:sp>
+      <p:sp>
+        <p:nvSpPr>
+          <p:cNvPr id="4" name="TextBox 3"/>
+          <p:cNvSpPr txBox="1"/>
+          <p:nvPr/>
+        </p:nvSpPr>
+        <p:spPr>
+          <a:xfrm>
+            <a:off x="1905000" y="4580435"/>
+            <a:ext cx="5195454" cy="1200329"/>
+          </a:xfrm>
+          <a:prstGeom prst="rect">
+            <a:avLst/>
+          </a:prstGeom>
+          <a:solidFill>
+            <a:schemeClr val="accent5">
+              <a:lumMod val="50000"/>
+            </a:schemeClr>
+          </a:solidFill>
+          <a:ln>
+            <a:solidFill>
+              <a:schemeClr val="tx1"/>
+            </a:solidFill>
+            <a:round/>
+          </a:ln>
+          <a:effectLst>
+            <a:reflection stA="50000" endPos="25000" dist="38100" dir="5400000" sy="-100000" algn="bl" rotWithShape="0"/>
+            <a:softEdge rad="25400"/>
+          </a:effectLst>
+        </p:spPr>
+        <p:txBody>
+          <a:bodyPr wrap="square" rtlCol="0" anchor="ctr" anchorCtr="0">
+            <a:spAutoFit/>
+          </a:bodyPr>
+          <a:lstStyle/>
+          <a:p>
+            <a:r>
+              <a:rPr lang="en-US" dirty="0" smtClean="0">
+                <a:solidFill>
+                  <a:schemeClr val="bg1"/>
+                </a:solidFill>
+              </a:rPr>
+              <a:t>public static </a:t>
+            </a:r>
+            <a:r>
+              <a:rPr lang="en-US" dirty="0" err="1" smtClean="0">
+                <a:solidFill>
+                  <a:schemeClr val="bg1"/>
+                </a:solidFill>
+              </a:rPr>
+              <a:t>ParallelLoopResult</a:t>
+            </a:r>
+            <a:r>
+              <a:rPr lang="en-US" dirty="0" smtClean="0">
+                <a:solidFill>
+                  <a:schemeClr val="bg1"/>
+                </a:solidFill>
+              </a:rPr>
+              <a:t> </a:t>
+            </a:r>
+            <a:r>
+              <a:rPr lang="en-US" dirty="0" err="1" smtClean="0">
+                <a:solidFill>
+                  <a:schemeClr val="bg1"/>
+                </a:solidFill>
+              </a:rPr>
+              <a:t>ForEach</a:t>
+            </a:r>
+            <a:r>
+              <a:rPr lang="en-US" dirty="0" smtClean="0">
+                <a:solidFill>
+                  <a:schemeClr val="bg1"/>
+                </a:solidFill>
+              </a:rPr>
+              <a:t>&lt;</a:t>
+            </a:r>
+            <a:r>
+              <a:rPr lang="en-US" dirty="0" err="1" smtClean="0">
+                <a:solidFill>
+                  <a:schemeClr val="bg1"/>
+                </a:solidFill>
+              </a:rPr>
+              <a:t>TSource</a:t>
+            </a:r>
+            <a:r>
+              <a:rPr lang="en-US" dirty="0" smtClean="0">
+                <a:solidFill>
+                  <a:schemeClr val="bg1"/>
+                </a:solidFill>
+              </a:rPr>
+              <a:t>&gt;(</a:t>
+            </a:r>
+          </a:p>
+          <a:p>
+            <a:r>
+              <a:rPr lang="en-US" dirty="0" smtClean="0">
+                <a:solidFill>
+                  <a:schemeClr val="bg1"/>
+                </a:solidFill>
+              </a:rPr>
+              <a:t>	</a:t>
+            </a:r>
+            <a:r>
+              <a:rPr lang="en-US" dirty="0" err="1" smtClean="0">
+                <a:solidFill>
+                  <a:schemeClr val="bg1"/>
+                </a:solidFill>
+              </a:rPr>
+              <a:t>Partitioner</a:t>
+            </a:r>
+            <a:r>
+              <a:rPr lang="en-US" dirty="0" smtClean="0">
+                <a:solidFill>
+                  <a:schemeClr val="bg1"/>
+                </a:solidFill>
+              </a:rPr>
+              <a:t>&lt;</a:t>
+            </a:r>
+            <a:r>
+              <a:rPr lang="en-US" dirty="0" err="1" smtClean="0">
+                <a:solidFill>
+                  <a:schemeClr val="bg1"/>
+                </a:solidFill>
+              </a:rPr>
+              <a:t>TSource</a:t>
+            </a:r>
+            <a:r>
+              <a:rPr lang="en-US" dirty="0" smtClean="0">
+                <a:solidFill>
+                  <a:schemeClr val="bg1"/>
+                </a:solidFill>
+              </a:rPr>
+              <a:t>&gt; source,</a:t>
+            </a:r>
+          </a:p>
+          <a:p>
+            <a:r>
+              <a:rPr lang="en-US" dirty="0" smtClean="0">
+                <a:solidFill>
+                  <a:schemeClr val="bg1"/>
+                </a:solidFill>
+              </a:rPr>
+              <a:t>	Action&lt;</a:t>
+            </a:r>
+            <a:r>
+              <a:rPr lang="en-US" dirty="0" err="1" smtClean="0">
+                <a:solidFill>
+                  <a:schemeClr val="bg1"/>
+                </a:solidFill>
+              </a:rPr>
+              <a:t>TSource</a:t>
+            </a:r>
+            <a:r>
+              <a:rPr lang="en-US" dirty="0" smtClean="0">
+                <a:solidFill>
+                  <a:schemeClr val="bg1"/>
+                </a:solidFill>
+              </a:rPr>
+              <a:t>&gt; body</a:t>
+            </a:r>
+          </a:p>
+          <a:p>
+            <a:r>
+              <a:rPr lang="en-US" dirty="0" smtClean="0">
+                <a:solidFill>
+                  <a:schemeClr val="bg1"/>
+                </a:solidFill>
+              </a:rPr>
+              <a:t>)</a:t>
+            </a:r>
+            <a:endParaRPr lang="en-GB" dirty="0">
+              <a:solidFill>
+                <a:schemeClr val="bg1"/>
+              </a:solidFill>
+            </a:endParaRPr>
           </a:p>
         </p:txBody>
       </p:sp>
@@ -6341,13 +6313,14 @@
           <a:p>
             <a:r>
               <a:rPr lang="en-GB" dirty="0" smtClean="0"/>
-              <a:t>No need to try to write down all the slide or code content</a:t>
-            </a:r>
-          </a:p>
-          <a:p>
-            <a:r>
-              <a:rPr lang="en-GB" dirty="0" smtClean="0"/>
-              <a:t>Except this one </a:t>
+              <a:t>No need to try to remember all the slides or the code</a:t>
+            </a:r>
+          </a:p>
+          <a:p>
+            <a:pPr lvl="1"/>
+            <a:r>
+              <a:rPr lang="en-GB" dirty="0" smtClean="0"/>
+              <a:t>Except this slide </a:t>
             </a:r>
             <a:r>
               <a:rPr lang="en-US" dirty="0" err="1" smtClean="0">
@@ -6493,7 +6466,7 @@
           <a:p>
             <a:r>
               <a:rPr lang="en-GB" dirty="0" smtClean="0"/>
-              <a:t>Cancellation</a:t>
+              <a:t>Exception Handling</a:t>
             </a:r>
             <a:endParaRPr lang="en-GB" dirty="0"/>
           </a:p>
@@ -6516,13 +6489,74 @@
           <a:p>
             <a:r>
               <a:rPr lang="en-GB" dirty="0" smtClean="0"/>
-              <a:t>Already seen .Break &amp; .Stop from within loop</a:t>
-            </a:r>
-          </a:p>
-          <a:p>
-            <a:r>
-              <a:rPr lang="en-GB" dirty="0" smtClean="0"/>
-              <a:t>Can also cancel from outside…</a:t>
+              <a:t>Exceptions from iterations are gathered</a:t>
+            </a:r>
+          </a:p>
+          <a:p>
+            <a:r>
+              <a:rPr lang="en-GB" dirty="0" smtClean="0"/>
+              <a:t>When all iterations complete, a single </a:t>
+            </a:r>
+            <a:r>
+              <a:rPr lang="en-GB" dirty="0" err="1" smtClean="0"/>
+              <a:t>AggregateException</a:t>
+            </a:r>
+            <a:r>
+              <a:rPr lang="en-GB" dirty="0" smtClean="0"/>
+              <a:t> is throw</a:t>
+            </a:r>
+          </a:p>
+          <a:p>
+            <a:pPr lvl="1"/>
+            <a:r>
+              <a:rPr lang="en-GB" dirty="0" smtClean="0"/>
+              <a:t>Within the </a:t>
+            </a:r>
+            <a:r>
+              <a:rPr lang="en-GB" dirty="0" err="1" smtClean="0"/>
+              <a:t>AggregateException</a:t>
+            </a:r>
+            <a:r>
+              <a:rPr lang="en-GB" dirty="0" smtClean="0"/>
+              <a:t>, the original </a:t>
+            </a:r>
+            <a:r>
+              <a:rPr lang="en-GB" dirty="0" err="1" smtClean="0"/>
+              <a:t>exception(s</a:t>
+            </a:r>
+            <a:r>
+              <a:rPr lang="en-GB" dirty="0" smtClean="0"/>
+              <a:t>) can be accessed</a:t>
+            </a:r>
+          </a:p>
+          <a:p>
+            <a:pPr lvl="1"/>
+            <a:r>
+              <a:rPr lang="en-GB" dirty="0" smtClean="0"/>
+              <a:t>No indication as to which </a:t>
+            </a:r>
+            <a:r>
+              <a:rPr lang="en-GB" dirty="0" err="1" smtClean="0"/>
+              <a:t>iteration(s</a:t>
+            </a:r>
+            <a:r>
+              <a:rPr lang="en-GB" dirty="0" smtClean="0"/>
+              <a:t>) </a:t>
+            </a:r>
+            <a:r>
+              <a:rPr lang="en-GB" dirty="0" smtClean="0"/>
+              <a:t>threw</a:t>
+            </a:r>
+          </a:p>
+          <a:p>
+            <a:pPr lvl="2"/>
+            <a:r>
+              <a:rPr lang="en-GB" dirty="0" smtClean="0"/>
+              <a:t>If this matters to you, you need to pass it out in the exception</a:t>
+            </a:r>
+            <a:r>
+              <a:rPr lang="en-GB" dirty="0" smtClean="0"/>
+              <a:t/>
             </a:r>
           </a:p>
           <a:p>
@@ -6583,7 +6617,7 @@
           <a:p>
             <a:r>
               <a:rPr lang="en-GB" dirty="0" smtClean="0"/>
-              <a:t>Cancellation Notes</a:t>
+              <a:t>Cancellation</a:t>
             </a:r>
             <a:endParaRPr lang="en-GB" dirty="0"/>
           </a:p>
@@ -6605,80 +6639,22 @@
           <a:lstStyle/>
           <a:p>
             <a:r>
-              <a:rPr lang="en-GB" sz="2400" dirty="0" err="1" smtClean="0"/>
-              <a:t>CancellationSource</a:t>
-            </a:r>
-            <a:r>
-              <a:rPr lang="en-GB" sz="2400" dirty="0" smtClean="0"/>
-              <a:t> is used to create tokens</a:t>
-            </a:r>
-          </a:p>
-          <a:p>
-            <a:r>
-              <a:rPr lang="en-GB" sz="2400" dirty="0" smtClean="0"/>
-              <a:t>From the source, can “cancel” any of the tokens</a:t>
-            </a:r>
-          </a:p>
-          <a:p>
-            <a:r>
-              <a:rPr lang="en-GB" sz="2400" dirty="0" smtClean="0"/>
-              <a:t>Workers can monitor tokens to determine if they should exit</a:t>
-            </a:r>
-          </a:p>
-          <a:p>
-            <a:r>
-              <a:rPr lang="en-GB" sz="2400" dirty="0" smtClean="0"/>
-              <a:t>Tokens can be combined</a:t>
-            </a:r>
-          </a:p>
-          <a:p>
-            <a:pPr lvl="1"/>
-            <a:r>
-              <a:rPr lang="en-GB" sz="2400" dirty="0" smtClean="0"/>
-              <a:t>So if worker has many cancellation tokens, only needs to check the combo</a:t>
-            </a:r>
-          </a:p>
-          <a:p>
-            <a:r>
-              <a:rPr lang="en-GB" sz="2400" dirty="0" smtClean="0"/>
-              <a:t>Cancellation can trigger method call (such as an </a:t>
-            </a:r>
-            <a:r>
-              <a:rPr lang="en-GB" sz="2400" dirty="0" err="1" smtClean="0"/>
-              <a:t>async</a:t>
-            </a:r>
-            <a:r>
-              <a:rPr lang="en-GB" sz="2400" dirty="0" smtClean="0"/>
-              <a:t> cancel)</a:t>
-            </a:r>
-          </a:p>
-          <a:p>
-            <a:pPr lvl="1"/>
-            <a:r>
-              <a:rPr lang="en-GB" sz="2000" dirty="0" err="1" smtClean="0"/>
-              <a:t>CancellationToken.Register</a:t>
-            </a:r>
-            <a:r>
-              <a:rPr lang="en-GB" sz="2000" dirty="0" smtClean="0"/>
-              <a:t>()</a:t>
-            </a:r>
-          </a:p>
-          <a:p>
-            <a:r>
-              <a:rPr lang="en-GB" sz="2400" dirty="0" smtClean="0"/>
-              <a:t>Token has </a:t>
-            </a:r>
-            <a:r>
-              <a:rPr lang="en-GB" sz="2400" dirty="0" err="1" smtClean="0"/>
-              <a:t>WaitHandle</a:t>
-            </a:r>
-            <a:r>
-              <a:rPr lang="en-GB" sz="2400" dirty="0" smtClean="0"/>
-              <a:t> available, so worker can wait on it efficiently</a:t>
-            </a:r>
-          </a:p>
-          <a:p>
-            <a:endParaRPr lang="en-GB" sz="2400" dirty="0"/>
+              <a:rPr lang="en-GB" dirty="0" smtClean="0"/>
+              <a:t>Already seen .Break &amp; .Stop from within loop</a:t>
+            </a:r>
+          </a:p>
+          <a:p>
+            <a:r>
+              <a:rPr lang="en-GB" dirty="0" smtClean="0"/>
+              <a:t>Can also cancel from outside…</a:t>
+            </a:r>
+          </a:p>
+          <a:p>
+            <a:r>
+              <a:rPr lang="en-GB" dirty="0" smtClean="0"/>
+              <a:t>Demo</a:t>
+            </a:r>
+            <a:endParaRPr lang="en-GB" dirty="0"/>
           </a:p>
         </p:txBody>
       </p:sp>
@@ -6731,7 +6707,7 @@
           <a:p>
             <a:r>
               <a:rPr lang="en-GB" dirty="0" smtClean="0"/>
-              <a:t>Tasks</a:t>
+              <a:t>Cancellation Notes</a:t>
             </a:r>
             <a:endParaRPr lang="en-GB" dirty="0"/>
           </a:p>
@@ -6753,43 +6729,80 @@
           <a:lstStyle/>
           <a:p>
             <a:r>
-              <a:rPr lang="en-GB" dirty="0" smtClean="0"/>
-              <a:t>The </a:t>
-            </a:r>
-            <a:r>
-              <a:rPr lang="en-GB" dirty="0" err="1" smtClean="0"/>
-              <a:t>Parallel.For</a:t>
-            </a:r>
-            <a:r>
-              <a:rPr lang="en-GB" dirty="0" smtClean="0"/>
-              <a:t>() and </a:t>
-            </a:r>
-            <a:r>
-              <a:rPr lang="en-GB" dirty="0" err="1" smtClean="0"/>
-              <a:t>Parallel.ForEach</a:t>
-            </a:r>
-            <a:r>
-              <a:rPr lang="en-GB" dirty="0" smtClean="0"/>
-              <a:t>() methods are great for data parallelism</a:t>
-            </a:r>
-          </a:p>
-          <a:p>
-            <a:r>
-              <a:rPr lang="en-GB" dirty="0" smtClean="0"/>
-              <a:t>The Task class forms the basis for, you guessed it, Task parallelism</a:t>
+              <a:rPr lang="en-GB" sz="2400" dirty="0" err="1" smtClean="0"/>
+              <a:t>CancellationSource</a:t>
+            </a:r>
+            <a:r>
+              <a:rPr lang="en-GB" sz="2400" dirty="0" smtClean="0"/>
+              <a:t> is used to create tokens</a:t>
+            </a:r>
+          </a:p>
+          <a:p>
+            <a:r>
+              <a:rPr lang="en-GB" sz="2400" dirty="0" smtClean="0"/>
+              <a:t>From the source, can “cancel” any of the tokens</a:t>
+            </a:r>
+          </a:p>
+          <a:p>
+            <a:r>
+              <a:rPr lang="en-GB" sz="2400" dirty="0" smtClean="0"/>
+              <a:t>Workers can monitor tokens to determine if they should exit</a:t>
+            </a:r>
+          </a:p>
+          <a:p>
+            <a:r>
+              <a:rPr lang="en-GB" sz="2400" dirty="0" smtClean="0"/>
+              <a:t>Tokens can be combined</a:t>
             </a:r>
           </a:p>
           <a:p>
             <a:pPr lvl="1"/>
             <a:r>
-              <a:rPr lang="en-GB" dirty="0" smtClean="0"/>
-              <a:t>And, incidentally, is what is used internally by Parallel.</a:t>
-            </a:r>
-            <a:r>
-              <a:rPr lang="en-GB" dirty="0" smtClean="0"/>
-              <a:t>*</a:t>
-            </a:r>
-            <a:endParaRPr lang="en-GB" dirty="0"/>
+              <a:rPr lang="en-GB" sz="2400" dirty="0" smtClean="0"/>
+              <a:t>So if worker has many cancellation tokens, only needs to check the combo</a:t>
+            </a:r>
+          </a:p>
+          <a:p>
+            <a:r>
+              <a:rPr lang="en-GB" sz="2400" dirty="0" smtClean="0"/>
+              <a:t>Cancellation can trigger method call (such as an </a:t>
+            </a:r>
+            <a:r>
+              <a:rPr lang="en-GB" sz="2400" dirty="0" err="1" smtClean="0"/>
+              <a:t>async</a:t>
+            </a:r>
+            <a:r>
+              <a:rPr lang="en-GB" sz="2400" dirty="0" smtClean="0"/>
+              <a:t> cancel)</a:t>
+            </a:r>
+          </a:p>
+          <a:p>
+            <a:pPr lvl="1"/>
+            <a:r>
+              <a:rPr lang="en-GB" sz="2000" dirty="0" err="1" smtClean="0"/>
+              <a:t>CancellationToken.Register</a:t>
+            </a:r>
+            <a:r>
+              <a:rPr lang="en-GB" sz="2000" dirty="0" smtClean="0"/>
+              <a:t>()</a:t>
+            </a:r>
+          </a:p>
+          <a:p>
+            <a:r>
+              <a:rPr lang="en-GB" sz="2400" dirty="0" smtClean="0"/>
+              <a:t>Token has </a:t>
+            </a:r>
+            <a:r>
+              <a:rPr lang="en-GB" sz="2400" dirty="0" err="1" smtClean="0"/>
+              <a:t>WaitHandle</a:t>
+            </a:r>
+            <a:r>
+              <a:rPr lang="en-GB" sz="2400" dirty="0" smtClean="0"/>
+              <a:t> available, so worker can wait on it efficiently</a:t>
+            </a:r>
+          </a:p>
+          <a:p>
+            <a:endParaRPr lang="en-GB" sz="2400" dirty="0"/>
           </a:p>
         </p:txBody>
       </p:sp>
@@ -6842,7 +6855,7 @@
           <a:p>
             <a:r>
               <a:rPr lang="en-GB" dirty="0" smtClean="0"/>
-              <a:t>Basic Task Functionality</a:t>
+              <a:t>Tasks</a:t>
             </a:r>
             <a:endParaRPr lang="en-GB" dirty="0"/>
           </a:p>
@@ -6865,59 +6878,41 @@
           <a:p>
             <a:r>
               <a:rPr lang="en-GB" dirty="0" smtClean="0"/>
-              <a:t>Creating and starting</a:t>
-            </a:r>
-          </a:p>
-          <a:p>
-            <a:r>
-              <a:rPr lang="en-GB" dirty="0" smtClean="0"/>
-              <a:t>Return values</a:t>
-            </a:r>
-          </a:p>
-          <a:p>
-            <a:r>
-              <a:rPr lang="en-GB" dirty="0" smtClean="0"/>
-              <a:t>Accessing local variables</a:t>
-            </a:r>
-          </a:p>
-          <a:p>
-            <a:r>
-              <a:rPr lang="en-GB" dirty="0" smtClean="0"/>
-              <a:t>Waiting</a:t>
-            </a:r>
-          </a:p>
-          <a:p>
-            <a:r>
-              <a:rPr lang="en-GB" dirty="0" smtClean="0"/>
-              <a:t>Cancelling</a:t>
-            </a:r>
-          </a:p>
-          <a:p>
-            <a:r>
-              <a:rPr lang="en-GB" dirty="0" smtClean="0"/>
-              <a:t>Exception </a:t>
-            </a:r>
-            <a:r>
-              <a:rPr lang="en-GB" dirty="0" smtClean="0"/>
-              <a:t>handling</a:t>
+              <a:t>The </a:t>
+            </a:r>
+            <a:r>
+              <a:rPr lang="en-GB" dirty="0" err="1" smtClean="0"/>
+              <a:t>Parallel.For</a:t>
+            </a:r>
+            <a:r>
+              <a:rPr lang="en-GB" dirty="0" smtClean="0"/>
+              <a:t>() and </a:t>
+            </a:r>
+            <a:r>
+              <a:rPr lang="en-GB" dirty="0" err="1" smtClean="0"/>
+              <a:t>Parallel.ForEach</a:t>
+            </a:r>
+            <a:r>
+              <a:rPr lang="en-GB" dirty="0" smtClean="0"/>
+              <a:t>() methods are great for data parallelism</a:t>
+            </a:r>
+          </a:p>
+          <a:p>
+            <a:r>
+              <a:rPr lang="en-GB" dirty="0" smtClean="0"/>
+              <a:t>The Task class forms the basis for, you guessed it, Task parallelism</a:t>
             </a:r>
           </a:p>
           <a:p>
             <a:pPr lvl="1"/>
             <a:r>
               <a:rPr lang="en-GB" dirty="0" smtClean="0"/>
-              <a:t>Including handling unhandled exceptions</a:t>
-            </a:r>
-            <a:endParaRPr lang="en-GB" dirty="0" smtClean="0"/>
-          </a:p>
-          <a:p>
-            <a:r>
-              <a:rPr lang="en-GB" dirty="0" smtClean="0"/>
-              <a:t>Demo</a:t>
-            </a:r>
-            <a:endParaRPr lang="en-GB" dirty="0" smtClean="0"/>
-          </a:p>
-          <a:p>
+              <a:t>And, incidentally, is what is used internally by Parallel.</a:t>
+            </a:r>
+            <a:r>
+              <a:rPr lang="en-GB" dirty="0" smtClean="0"/>
+              <a:t>*</a:t>
+            </a:r>
             <a:endParaRPr lang="en-GB" dirty="0"/>
           </a:p>
         </p:txBody>
@@ -6971,7 +6966,7 @@
           <a:p>
             <a:r>
               <a:rPr lang="en-GB" dirty="0" smtClean="0"/>
-              <a:t>Continuations</a:t>
+              <a:t>Basic Task Functionality</a:t>
             </a:r>
             <a:endParaRPr lang="en-GB" dirty="0"/>
           </a:p>
@@ -6994,30 +6989,59 @@
           <a:p>
             <a:r>
               <a:rPr lang="en-GB" dirty="0" smtClean="0"/>
-              <a:t>This is where Tasks get funky</a:t>
-            </a:r>
-          </a:p>
-          <a:p>
-            <a:r>
-              <a:rPr lang="en-GB" dirty="0" smtClean="0"/>
-              <a:t>Allows </a:t>
-            </a:r>
-            <a:r>
-              <a:rPr lang="en-GB" dirty="0" smtClean="0"/>
-              <a:t>the chaining of tasks</a:t>
-            </a:r>
-          </a:p>
-          <a:p>
-            <a:r>
-              <a:rPr lang="en-GB" dirty="0" smtClean="0"/>
-              <a:t>Easy to use, very powerful</a:t>
-            </a:r>
+              <a:t>Creating and starting</a:t>
+            </a:r>
+          </a:p>
+          <a:p>
+            <a:r>
+              <a:rPr lang="en-GB" dirty="0" smtClean="0"/>
+              <a:t>Return values</a:t>
+            </a:r>
+          </a:p>
+          <a:p>
+            <a:r>
+              <a:rPr lang="en-GB" dirty="0" smtClean="0"/>
+              <a:t>Accessing local variables</a:t>
+            </a:r>
+          </a:p>
+          <a:p>
+            <a:r>
+              <a:rPr lang="en-GB" dirty="0" smtClean="0"/>
+              <a:t>Waiting</a:t>
+            </a:r>
+          </a:p>
+          <a:p>
+            <a:r>
+              <a:rPr lang="en-GB" dirty="0" smtClean="0"/>
+              <a:t>Cancelling</a:t>
+            </a:r>
+          </a:p>
+          <a:p>
+            <a:r>
+              <a:rPr lang="en-GB" dirty="0" smtClean="0"/>
+              <a:t>Exception </a:t>
+            </a:r>
+            <a:r>
+              <a:rPr lang="en-GB" dirty="0" smtClean="0"/>
+              <a:t>handling</a:t>
+            </a:r>
+          </a:p>
+          <a:p>
+            <a:pPr lvl="1"/>
+            <a:r>
+              <a:rPr lang="en-GB" dirty="0" smtClean="0"/>
+              <a:t>Including handling unhandled exceptions</a:t>
+            </a:r>
+            <a:endParaRPr lang="en-GB" dirty="0" smtClean="0"/>
           </a:p>
           <a:p>
             <a:r>
               <a:rPr lang="en-GB" dirty="0" smtClean="0"/>
               <a:t>Demo</a:t>
             </a:r>
+            <a:endParaRPr lang="en-GB" dirty="0" smtClean="0"/>
+          </a:p>
+          <a:p>
             <a:endParaRPr lang="en-GB" dirty="0"/>
           </a:p>
         </p:txBody>
@@ -7071,7 +7095,7 @@
           <a:p>
             <a:r>
               <a:rPr lang="en-GB" dirty="0" smtClean="0"/>
-              <a:t>Continuation Options</a:t>
+              <a:t>Continuations</a:t>
             </a:r>
             <a:endParaRPr lang="en-GB" dirty="0"/>
           </a:p>
@@ -7094,78 +7118,31 @@
           <a:p>
             <a:r>
               <a:rPr lang="en-GB" dirty="0" smtClean="0"/>
-              <a:t>Allows you to decide when a continuation is run</a:t>
-            </a:r>
-          </a:p>
-          <a:p>
-            <a:r>
-              <a:rPr lang="en-GB" dirty="0" smtClean="0"/>
-              <a:t>Many options, such as:</a:t>
-            </a:r>
-          </a:p>
-          <a:p>
-            <a:pPr lvl="1"/>
-            <a:r>
-              <a:rPr lang="en-GB" dirty="0" err="1" smtClean="0"/>
-              <a:t>OnRanToCompletion</a:t>
-            </a:r>
-            <a:r>
-              <a:rPr lang="en-GB" dirty="0" smtClean="0"/>
-              <a:t>, </a:t>
-            </a:r>
-            <a:r>
-              <a:rPr lang="en-GB" dirty="0" err="1" smtClean="0"/>
-              <a:t>OnFaulted</a:t>
-            </a:r>
-            <a:r>
-              <a:rPr lang="en-GB" dirty="0" smtClean="0"/>
-              <a:t>, </a:t>
-            </a:r>
-            <a:r>
-              <a:rPr lang="en-GB" dirty="0" err="1" smtClean="0"/>
-              <a:t>OnCancelled</a:t>
-            </a:r>
-            <a:endParaRPr lang="en-GB" dirty="0" smtClean="0"/>
-          </a:p>
-          <a:p>
-            <a:pPr lvl="1"/>
-            <a:r>
-              <a:rPr lang="en-GB" dirty="0" err="1" smtClean="0"/>
-              <a:t>NotOnRanToCompletion</a:t>
-            </a:r>
-            <a:r>
-              <a:rPr lang="en-GB" dirty="0" smtClean="0"/>
-              <a:t>, </a:t>
-            </a:r>
-            <a:r>
-              <a:rPr lang="en-GB" dirty="0" err="1" smtClean="0"/>
-              <a:t>NotOnFaulted</a:t>
-            </a:r>
-            <a:r>
-              <a:rPr lang="en-GB" dirty="0" smtClean="0"/>
-              <a:t>, </a:t>
-            </a:r>
-            <a:r>
-              <a:rPr lang="en-GB" dirty="0" err="1" smtClean="0"/>
-              <a:t>NoOnCancelled</a:t>
-            </a:r>
-            <a:endParaRPr lang="en-GB" dirty="0" smtClean="0"/>
-          </a:p>
-          <a:p>
-            <a:pPr lvl="1"/>
-            <a:r>
-              <a:rPr lang="en-GB" dirty="0" err="1" smtClean="0"/>
-              <a:t>ExecuteSynchronously</a:t>
-            </a:r>
-            <a:r>
-              <a:rPr lang="en-GB" dirty="0" smtClean="0"/>
-              <a:t>, </a:t>
-            </a:r>
-            <a:r>
-              <a:rPr lang="en-GB" dirty="0" err="1" smtClean="0"/>
-              <a:t>LongRunning</a:t>
-            </a:r>
-            <a:endParaRPr lang="en-GB" dirty="0" smtClean="0"/>
+              <a:t>This is where Tasks get funky</a:t>
+            </a:r>
+          </a:p>
+          <a:p>
+            <a:r>
+              <a:rPr lang="en-GB" dirty="0" smtClean="0"/>
+              <a:t>Allows </a:t>
+            </a:r>
+            <a:r>
+              <a:rPr lang="en-GB" dirty="0" smtClean="0"/>
+              <a:t>the chaining of tasks</a:t>
+            </a:r>
+          </a:p>
+          <a:p>
+            <a:r>
+              <a:rPr lang="en-GB" dirty="0" smtClean="0"/>
+              <a:t>Easy to use, very powerful</a:t>
+            </a:r>
+          </a:p>
+          <a:p>
+            <a:r>
+              <a:rPr lang="en-GB" dirty="0" smtClean="0"/>
+              <a:t>Demo</a:t>
+            </a:r>
+            <a:endParaRPr lang="en-GB" dirty="0"/>
           </a:p>
         </p:txBody>
       </p:sp>
@@ -7218,7 +7195,7 @@
           <a:p>
             <a:r>
               <a:rPr lang="en-GB" dirty="0" smtClean="0"/>
-              <a:t>Nested Tasks</a:t>
+              <a:t>Continuation Options</a:t>
             </a:r>
             <a:endParaRPr lang="en-GB" dirty="0"/>
           </a:p>
@@ -7241,38 +7218,78 @@
           <a:p>
             <a:r>
               <a:rPr lang="en-GB" dirty="0" smtClean="0"/>
-              <a:t>Tasks may create other tasks</a:t>
-            </a:r>
-          </a:p>
-          <a:p>
-            <a:r>
-              <a:rPr lang="en-GB" dirty="0" smtClean="0"/>
-              <a:t>By default, there is no strong relationship between them</a:t>
-            </a:r>
-          </a:p>
-          <a:p>
-            <a:r>
-              <a:rPr lang="en-GB" dirty="0" smtClean="0"/>
-              <a:t>But can specify that tasks are created as </a:t>
-            </a:r>
-            <a:r>
-              <a:rPr lang="en-GB" dirty="0" smtClean="0"/>
-              <a:t>children, which changes behaviour</a:t>
-            </a:r>
-          </a:p>
-          <a:p>
-            <a:r>
-              <a:rPr lang="en-GB" dirty="0" smtClean="0"/>
-              <a:t>Watch out for exceptions…</a:t>
+              <a:t>Allows you to decide when a continuation is run</a:t>
+            </a:r>
+          </a:p>
+          <a:p>
+            <a:r>
+              <a:rPr lang="en-GB" dirty="0" smtClean="0"/>
+              <a:t>Many options, such as:</a:t>
+            </a:r>
+          </a:p>
+          <a:p>
+            <a:pPr lvl="1"/>
+            <a:r>
+              <a:rPr lang="en-GB" dirty="0" err="1" smtClean="0"/>
+              <a:t>OnRanToCompletion</a:t>
+            </a:r>
+            <a:r>
+              <a:rPr lang="en-GB" dirty="0" smtClean="0"/>
+              <a:t>, </a:t>
+            </a:r>
+            <a:r>
+              <a:rPr lang="en-GB" dirty="0" err="1" smtClean="0"/>
+              <a:t>OnFaulted</a:t>
+            </a:r>
+            <a:r>
+              <a:rPr lang="en-GB" dirty="0" smtClean="0"/>
+              <a:t>, </a:t>
+            </a:r>
+            <a:r>
+              <a:rPr lang="en-GB" dirty="0" err="1" smtClean="0"/>
+              <a:t>OnCancelled</a:t>
             </a:r>
             <a:endParaRPr lang="en-GB" dirty="0" smtClean="0"/>
           </a:p>
           <a:p>
-            <a:r>
-              <a:rPr lang="en-GB" dirty="0" smtClean="0"/>
-              <a:t>Demo</a:t>
-            </a:r>
-            <a:endParaRPr lang="en-GB" dirty="0"/>
+            <a:pPr lvl="1"/>
+            <a:r>
+              <a:rPr lang="en-GB" dirty="0" err="1" smtClean="0"/>
+              <a:t>NotOnRanToCompletion</a:t>
+            </a:r>
+            <a:r>
+              <a:rPr lang="en-GB" dirty="0" smtClean="0"/>
+              <a:t>, </a:t>
+            </a:r>
+            <a:r>
+              <a:rPr lang="en-GB" dirty="0" err="1" smtClean="0"/>
+              <a:t>NotOnFaulted</a:t>
+            </a:r>
+            <a:r>
+              <a:rPr lang="en-GB" dirty="0" smtClean="0"/>
+              <a:t>, </a:t>
+            </a:r>
+            <a:r>
+              <a:rPr lang="en-GB" dirty="0" err="1" smtClean="0"/>
+              <a:t>NoOnCancelled</a:t>
+            </a:r>
+            <a:endParaRPr lang="en-GB" dirty="0" smtClean="0"/>
+          </a:p>
+          <a:p>
+            <a:pPr lvl="1"/>
+            <a:r>
+              <a:rPr lang="en-GB" dirty="0" err="1" smtClean="0"/>
+              <a:t>ExecuteSynchronously</a:t>
+            </a:r>
+            <a:r>
+              <a:rPr lang="en-GB" dirty="0" smtClean="0"/>
+              <a:t>, </a:t>
+            </a:r>
+            <a:r>
+              <a:rPr lang="en-GB" dirty="0" err="1" smtClean="0"/>
+              <a:t>LongRunning</a:t>
+            </a:r>
+            <a:endParaRPr lang="en-GB" dirty="0" smtClean="0"/>
           </a:p>
         </p:txBody>
       </p:sp>
@@ -7324,12 +7341,8 @@
           <a:lstStyle/>
           <a:p>
             <a:r>
-              <a:rPr lang="en-GB" dirty="0" err="1" smtClean="0"/>
-              <a:t>Async</a:t>
-            </a:r>
-            <a:r>
-              <a:rPr lang="en-GB" dirty="0" smtClean="0"/>
-              <a:t> support in Tasks</a:t>
+              <a:rPr lang="en-GB" dirty="0" smtClean="0"/>
+              <a:t>Nested Tasks</a:t>
             </a:r>
             <a:endParaRPr lang="en-GB" dirty="0"/>
           </a:p>
@@ -7352,63 +7365,36 @@
           <a:p>
             <a:r>
               <a:rPr lang="en-GB" dirty="0" smtClean="0"/>
-              <a:t>Tasks can support for asynchronous operations</a:t>
-            </a:r>
-          </a:p>
-          <a:p>
-            <a:pPr lvl="1"/>
-            <a:r>
-              <a:rPr lang="en-GB" dirty="0" smtClean="0"/>
-              <a:t>Web calls, File IO etc.</a:t>
-            </a:r>
-          </a:p>
-          <a:p>
-            <a:r>
-              <a:rPr lang="en-GB" dirty="0" smtClean="0"/>
-              <a:t>.</a:t>
-            </a:r>
-            <a:r>
-              <a:rPr lang="en-GB" dirty="0" err="1" smtClean="0"/>
-              <a:t>FromAsync</a:t>
-            </a:r>
-            <a:r>
-              <a:rPr lang="en-GB" dirty="0" smtClean="0"/>
-              <a:t>()</a:t>
-            </a:r>
+              <a:t>Tasks may create other tasks</a:t>
+            </a:r>
+          </a:p>
+          <a:p>
+            <a:r>
+              <a:rPr lang="en-GB" dirty="0" smtClean="0"/>
+              <a:t>By default, there is no strong relationship between them</a:t>
+            </a:r>
+          </a:p>
+          <a:p>
+            <a:r>
+              <a:rPr lang="en-GB" dirty="0" smtClean="0"/>
+              <a:t>But can specify that tasks are created as </a:t>
+            </a:r>
+            <a:r>
+              <a:rPr lang="en-GB" dirty="0" smtClean="0"/>
+              <a:t>children, which changes behaviour</a:t>
+            </a:r>
+          </a:p>
+          <a:p>
+            <a:r>
+              <a:rPr lang="en-GB" dirty="0" smtClean="0"/>
+              <a:t>Watch out for exceptions…</a:t>
+            </a:r>
+            <a:endParaRPr lang="en-GB" dirty="0" smtClean="0"/>
           </a:p>
           <a:p>
             <a:r>
               <a:rPr lang="en-GB" dirty="0" smtClean="0"/>
               <a:t>Demo</a:t>
-            </a:r>
-          </a:p>
-          <a:p>
-            <a:pPr lvl="1"/>
-            <a:r>
-              <a:rPr lang="en-GB" dirty="0" smtClean="0"/>
-              <a:t>A basic </a:t>
-            </a:r>
-            <a:r>
-              <a:rPr lang="en-GB" dirty="0" err="1" smtClean="0"/>
-              <a:t>async</a:t>
-            </a:r>
-            <a:r>
-              <a:rPr lang="en-GB" dirty="0" smtClean="0"/>
-              <a:t> example</a:t>
-            </a:r>
-          </a:p>
-          <a:p>
-            <a:pPr lvl="1"/>
-            <a:r>
-              <a:rPr lang="en-GB" dirty="0" smtClean="0"/>
-              <a:t>And a complex one</a:t>
-            </a:r>
-          </a:p>
-          <a:p>
-            <a:pPr lvl="2"/>
-            <a:r>
-              <a:rPr lang="en-GB" dirty="0" smtClean="0"/>
-              <a:t>Which we may skip if time is tight</a:t>
             </a:r>
             <a:endParaRPr lang="en-GB" dirty="0"/>
           </a:p>
@@ -7463,7 +7449,11 @@
           <a:p>
             <a:r>
               <a:rPr lang="en-GB" dirty="0" err="1" smtClean="0"/>
-              <a:t>PLinq</a:t>
+              <a:t>Async</a:t>
+            </a:r>
+            <a:r>
+              <a:rPr lang="en-GB" dirty="0" smtClean="0"/>
+              <a:t> support in Tasks</a:t>
             </a:r>
             <a:endParaRPr lang="en-GB" dirty="0"/>
           </a:p>
@@ -7485,32 +7475,64 @@
           <a:lstStyle/>
           <a:p>
             <a:r>
+              <a:rPr lang="en-GB" dirty="0" smtClean="0"/>
+              <a:t>Tasks can support for asynchronous operations</a:t>
+            </a:r>
+          </a:p>
+          <a:p>
+            <a:pPr lvl="1"/>
+            <a:r>
+              <a:rPr lang="en-GB" dirty="0" smtClean="0"/>
+              <a:t>Web calls, File IO etc.</a:t>
+            </a:r>
+          </a:p>
+          <a:p>
+            <a:r>
+              <a:rPr lang="en-GB" dirty="0" smtClean="0"/>
+              <a:t>.</a:t>
+            </a:r>
+            <a:r>
               <a:rPr lang="en-GB" dirty="0" err="1" smtClean="0"/>
-              <a:t>Linq</a:t>
-            </a:r>
-            <a:r>
-              <a:rPr lang="en-GB" dirty="0" smtClean="0"/>
-              <a:t> (to Objects)</a:t>
+              <a:t>FromAsync</a:t>
+            </a:r>
+            <a:r>
+              <a:rPr lang="en-GB" dirty="0" smtClean="0"/>
+              <a:t>()</a:t>
+            </a:r>
+          </a:p>
+          <a:p>
+            <a:r>
+              <a:rPr lang="en-GB" dirty="0" smtClean="0"/>
+              <a:t>Demo</a:t>
             </a:r>
           </a:p>
           <a:p>
             <a:pPr lvl="1"/>
             <a:r>
               <a:rPr lang="en-GB" dirty="0" smtClean="0"/>
-              <a:t>But Parallel</a:t>
+              <a:t>A basic </a:t>
+            </a:r>
+            <a:r>
+              <a:rPr lang="en-GB" dirty="0" err="1" smtClean="0"/>
+              <a:t>async</a:t>
+            </a:r>
+            <a:r>
+              <a:rPr lang="en-GB" dirty="0" smtClean="0"/>
+              <a:t> example</a:t>
             </a:r>
           </a:p>
           <a:p>
             <a:pPr lvl="1"/>
             <a:r>
               <a:rPr lang="en-GB" dirty="0" smtClean="0"/>
-              <a:t>And easy</a:t>
-            </a:r>
-          </a:p>
-          <a:p>
-            <a:r>
-              <a:rPr lang="en-GB" dirty="0" smtClean="0"/>
-              <a:t>Demo</a:t>
+              <a:t>And a complex one</a:t>
+            </a:r>
+          </a:p>
+          <a:p>
+            <a:pPr lvl="2"/>
+            <a:r>
+              <a:rPr lang="en-GB" dirty="0" smtClean="0"/>
+              <a:t>Which we may skip if time is tight</a:t>
             </a:r>
             <a:endParaRPr lang="en-GB" dirty="0"/>
           </a:p>
@@ -7567,10 +7589,6 @@
               <a:rPr lang="en-GB" dirty="0" err="1" smtClean="0"/>
               <a:t>PLinq</a:t>
             </a:r>
-            <a:r>
-              <a:rPr lang="en-GB" dirty="0" smtClean="0"/>
-              <a:t> Notes</a:t>
-            </a:r>
             <a:endParaRPr lang="en-GB" dirty="0"/>
           </a:p>
         </p:txBody>
@@ -7591,123 +7609,33 @@
           <a:lstStyle/>
           <a:p>
             <a:r>
-              <a:rPr lang="en-GB" dirty="0" smtClean="0"/>
-              <a:t>Query is parallelised if useful</a:t>
+              <a:rPr lang="en-GB" dirty="0" err="1" smtClean="0"/>
+              <a:t>Linq</a:t>
+            </a:r>
+            <a:r>
+              <a:rPr lang="en-GB" dirty="0" smtClean="0"/>
+              <a:t> (to Objects)</a:t>
             </a:r>
           </a:p>
           <a:p>
             <a:pPr lvl="1"/>
             <a:r>
-              <a:rPr lang="en-GB" dirty="0" err="1" smtClean="0"/>
-              <a:t>Plinq</a:t>
-            </a:r>
-            <a:r>
-              <a:rPr lang="en-GB" dirty="0" smtClean="0"/>
-              <a:t> examines query to decide</a:t>
-            </a:r>
-          </a:p>
-          <a:p>
-            <a:r>
-              <a:rPr lang="en-GB" dirty="0" smtClean="0"/>
-              <a:t>Various options</a:t>
+              <a:rPr lang="en-GB" dirty="0" smtClean="0"/>
+              <a:t>But Parallel</a:t>
             </a:r>
           </a:p>
           <a:p>
             <a:pPr lvl="1"/>
             <a:r>
-              <a:rPr lang="en-GB" dirty="0" err="1" smtClean="0"/>
-              <a:t>WithExecutionMode</a:t>
-            </a:r>
-            <a:r>
-              <a:rPr lang="en-GB" dirty="0" smtClean="0"/>
-              <a:t>, </a:t>
-            </a:r>
-            <a:r>
-              <a:rPr lang="en-GB" dirty="0" err="1" smtClean="0"/>
-              <a:t>WithDegreeOfParallelism</a:t>
-            </a:r>
-            <a:r>
-              <a:rPr lang="en-GB" dirty="0" smtClean="0"/>
-              <a:t>,</a:t>
-            </a:r>
-          </a:p>
-          <a:p>
-            <a:pPr lvl="1">
-              <a:buNone/>
-            </a:pPr>
-            <a:r>
-              <a:rPr lang="en-GB" dirty="0" err="1" smtClean="0"/>
-              <a:t>WithCancellation</a:t>
-            </a:r>
-            <a:r>
-              <a:rPr lang="en-GB" dirty="0" smtClean="0"/>
-              <a:t>, </a:t>
-            </a:r>
-            <a:r>
-              <a:rPr lang="en-GB" dirty="0" err="1" smtClean="0"/>
-              <a:t>WithMergeOptions</a:t>
-            </a:r>
-            <a:endParaRPr lang="en-GB" dirty="0" smtClean="0"/>
-          </a:p>
-          <a:p>
-            <a:pPr lvl="1"/>
-            <a:r>
-              <a:rPr lang="en-GB" dirty="0" err="1" smtClean="0"/>
-              <a:t>AsParallel</a:t>
-            </a:r>
-            <a:r>
-              <a:rPr lang="en-GB" dirty="0" smtClean="0"/>
-              <a:t>, </a:t>
-            </a:r>
-            <a:r>
-              <a:rPr lang="en-GB" dirty="0" err="1" smtClean="0"/>
-              <a:t>AsSequential</a:t>
-            </a:r>
-            <a:r>
-              <a:rPr lang="en-GB" dirty="0" smtClean="0"/>
-              <a:t>, </a:t>
-            </a:r>
-            <a:r>
-              <a:rPr lang="en-GB" dirty="0" err="1" smtClean="0"/>
-              <a:t>AsOrdered</a:t>
-            </a:r>
-            <a:r>
-              <a:rPr lang="en-GB" dirty="0" smtClean="0"/>
-              <a:t>, </a:t>
-            </a:r>
-            <a:r>
-              <a:rPr lang="en-GB" dirty="0" err="1" smtClean="0"/>
-              <a:t>AsUnordered</a:t>
-            </a:r>
-            <a:endParaRPr lang="en-GB" dirty="0" smtClean="0"/>
-          </a:p>
-          <a:p>
-            <a:r>
-              <a:rPr lang="en-GB" dirty="0" smtClean="0"/>
-              <a:t>Exception handling, cancellation etc you already know</a:t>
-            </a:r>
-          </a:p>
-          <a:p>
-            <a:pPr lvl="1"/>
-            <a:r>
-              <a:rPr lang="en-GB" dirty="0" smtClean="0"/>
-              <a:t>See, all that previous stuff was worthwhile </a:t>
-            </a:r>
-            <a:r>
-              <a:rPr lang="en-US" dirty="0" err="1" smtClean="0">
-                <a:sym typeface="Wingdings"/>
-              </a:rPr>
-              <a:t></a:t>
-            </a:r>
-            <a:endParaRPr lang="en-GB" dirty="0" smtClean="0"/>
-          </a:p>
-          <a:p>
-            <a:pPr lvl="1">
-              <a:buNone/>
-            </a:pPr>
-            <a:endParaRPr lang="en-GB" dirty="0" smtClean="0"/>
-          </a:p>
-          <a:p>
+              <a:rPr lang="en-GB" dirty="0" smtClean="0"/>
+              <a:t>And easy</a:t>
+            </a:r>
+          </a:p>
+          <a:p>
+            <a:r>
+              <a:rPr lang="en-GB" dirty="0" smtClean="0"/>
+              <a:t>Demo</a:t>
+            </a:r>
             <a:endParaRPr lang="en-GB" dirty="0"/>
           </a:p>
         </p:txBody>
@@ -7746,7 +7674,7 @@
       </p:grpSpPr>
       <p:sp>
         <p:nvSpPr>
-          <p:cNvPr id="4" name="Title 3"/>
+          <p:cNvPr id="2" name="Title 1"/>
           <p:cNvSpPr>
             <a:spLocks noGrp="1"/>
           </p:cNvSpPr>
@@ -7761,7 +7689,15 @@
           <a:p>
             <a:r>
               <a:rPr lang="en-GB" dirty="0" smtClean="0"/>
-              <a:t>Topics</a:t>
+              <a:t>Fill out your </a:t>
+            </a:r>
+            <a:r>
+              <a:rPr lang="en-GB" dirty="0" err="1" smtClean="0"/>
+              <a:t>Eval</a:t>
+            </a:r>
+            <a:r>
+              <a:rPr lang="en-GB" dirty="0" smtClean="0"/>
+              <a:t> forms</a:t>
             </a:r>
             <a:endParaRPr lang="en-GB" dirty="0"/>
           </a:p>
@@ -7769,7 +7705,7 @@
       </p:sp>
       <p:sp>
         <p:nvSpPr>
-          <p:cNvPr id="5" name="Content Placeholder 4"/>
+          <p:cNvPr id="3" name="Content Placeholder 2"/>
           <p:cNvSpPr>
             <a:spLocks noGrp="1"/>
           </p:cNvSpPr>
@@ -7784,65 +7720,8 @@
           <a:p>
             <a:r>
               <a:rPr lang="en-GB" dirty="0" smtClean="0"/>
-              <a:t>Why care about concurrency?</a:t>
-            </a:r>
-          </a:p>
-          <a:p>
-            <a:r>
-              <a:rPr lang="en-GB" dirty="0" smtClean="0"/>
-              <a:t>What’s wrong with what we’ve got?</a:t>
-            </a:r>
-          </a:p>
-          <a:p>
-            <a:r>
-              <a:rPr lang="en-GB" dirty="0" smtClean="0"/>
-              <a:t>TPL – Raising the abstraction</a:t>
-            </a:r>
-          </a:p>
-          <a:p>
-            <a:pPr lvl="1"/>
-            <a:r>
-              <a:rPr lang="en-GB" dirty="0" smtClean="0"/>
-              <a:t>Data parallelism</a:t>
-            </a:r>
-          </a:p>
-          <a:p>
-            <a:pPr lvl="1"/>
-            <a:r>
-              <a:rPr lang="en-GB" dirty="0" smtClean="0"/>
-              <a:t>Task parallelism</a:t>
-            </a:r>
-          </a:p>
-          <a:p>
-            <a:pPr lvl="1"/>
-            <a:r>
-              <a:rPr lang="en-GB" dirty="0" smtClean="0"/>
-              <a:t>Asynchronous </a:t>
-            </a:r>
-            <a:r>
-              <a:rPr lang="en-GB" dirty="0" smtClean="0"/>
-              <a:t>Patterns</a:t>
-            </a:r>
-          </a:p>
-          <a:p>
-            <a:pPr lvl="1"/>
-            <a:r>
-              <a:rPr lang="en-GB" dirty="0" err="1" smtClean="0"/>
-              <a:t>PLinq</a:t>
-            </a:r>
-            <a:endParaRPr lang="en-GB" dirty="0" smtClean="0"/>
-          </a:p>
-          <a:p>
-            <a:r>
-              <a:rPr lang="en-GB" dirty="0" smtClean="0"/>
-              <a:t>Other .Net 4 concurrency features</a:t>
-            </a:r>
-          </a:p>
-          <a:p>
-            <a:pPr lvl="1"/>
-            <a:endParaRPr lang="en-GB" dirty="0" smtClean="0"/>
-          </a:p>
-          <a:p>
+              <a:t>There’s swag later..</a:t>
+            </a:r>
             <a:endParaRPr lang="en-GB" dirty="0"/>
           </a:p>
         </p:txBody>
@@ -7852,13 +7731,6 @@
   <p:clrMapOvr>
     <a:masterClrMapping/>
   </p:clrMapOvr>
-  <p:timing>
-    <p:tnLst>
-      <p:par>
-        <p:cTn id="1" dur="indefinite" restart="never" nodeType="tmRoot"/>
-      </p:par>
-    </p:tnLst>
-  </p:timing>
 </p:sld>
 </file>
 
@@ -7895,8 +7767,12 @@
           <a:lstStyle/>
           <a:p>
             <a:r>
-              <a:rPr lang="en-GB" dirty="0" smtClean="0"/>
-              <a:t>Misc</a:t>
+              <a:rPr lang="en-GB" dirty="0" err="1" smtClean="0"/>
+              <a:t>PLinq</a:t>
+            </a:r>
+            <a:r>
+              <a:rPr lang="en-GB" dirty="0" smtClean="0"/>
+              <a:t> Notes</a:t>
             </a:r>
             <a:endParaRPr lang="en-GB" dirty="0"/>
           </a:p>
@@ -7919,29 +7795,106 @@
           <a:p>
             <a:r>
               <a:rPr lang="en-GB" dirty="0" smtClean="0"/>
-              <a:t>Running tasks on the UI Thread</a:t>
+              <a:t>Query is parallelised if useful</a:t>
             </a:r>
           </a:p>
           <a:p>
             <a:pPr lvl="1"/>
             <a:r>
-              <a:rPr lang="en-GB" dirty="0" smtClean="0"/>
-              <a:t>Demo.  Shows Continuations, </a:t>
-            </a:r>
-            <a:r>
               <a:rPr lang="en-GB" dirty="0" err="1" smtClean="0"/>
-              <a:t>Parallel.For</a:t>
-            </a:r>
-            <a:r>
-              <a:rPr lang="en-GB" dirty="0" smtClean="0"/>
-              <a:t> &amp; UI thread operations</a:t>
-            </a:r>
-          </a:p>
-          <a:p>
-            <a:pPr lvl="2"/>
-            <a:r>
-              <a:rPr lang="en-GB" dirty="0" smtClean="0"/>
-              <a:t>Thanks to MSDN </a:t>
+              <a:t>Plinq</a:t>
+            </a:r>
+            <a:r>
+              <a:rPr lang="en-GB" dirty="0" smtClean="0"/>
+              <a:t> examines query to decide</a:t>
+            </a:r>
+          </a:p>
+          <a:p>
+            <a:r>
+              <a:rPr lang="en-GB" dirty="0" smtClean="0"/>
+              <a:t>Various options</a:t>
+            </a:r>
+          </a:p>
+          <a:p>
+            <a:pPr lvl="1"/>
+            <a:r>
+              <a:rPr lang="en-GB" dirty="0" err="1" smtClean="0"/>
+              <a:t>WithExecutionMode</a:t>
+            </a:r>
+            <a:r>
+              <a:rPr lang="en-GB" dirty="0" smtClean="0"/>
+              <a:t>, </a:t>
+            </a:r>
+            <a:r>
+              <a:rPr lang="en-GB" dirty="0" err="1" smtClean="0"/>
+              <a:t>WithDegreeOfParallelism</a:t>
+            </a:r>
+            <a:r>
+              <a:rPr lang="en-GB" dirty="0" smtClean="0"/>
+              <a:t>,</a:t>
+            </a:r>
+          </a:p>
+          <a:p>
+            <a:pPr lvl="1">
+              <a:buNone/>
+            </a:pPr>
+            <a:r>
+              <a:rPr lang="en-GB" dirty="0" err="1" smtClean="0"/>
+              <a:t>WithCancellation</a:t>
+            </a:r>
+            <a:r>
+              <a:rPr lang="en-GB" dirty="0" smtClean="0"/>
+              <a:t>, </a:t>
+            </a:r>
+            <a:r>
+              <a:rPr lang="en-GB" dirty="0" err="1" smtClean="0"/>
+              <a:t>WithMergeOptions</a:t>
+            </a:r>
+            <a:endParaRPr lang="en-GB" dirty="0" smtClean="0"/>
+          </a:p>
+          <a:p>
+            <a:pPr lvl="1"/>
+            <a:r>
+              <a:rPr lang="en-GB" dirty="0" err="1" smtClean="0"/>
+              <a:t>AsParallel</a:t>
+            </a:r>
+            <a:r>
+              <a:rPr lang="en-GB" dirty="0" smtClean="0"/>
+              <a:t>, </a:t>
+            </a:r>
+            <a:r>
+              <a:rPr lang="en-GB" dirty="0" err="1" smtClean="0"/>
+              <a:t>AsSequential</a:t>
+            </a:r>
+            <a:r>
+              <a:rPr lang="en-GB" dirty="0" smtClean="0"/>
+              <a:t>, </a:t>
+            </a:r>
+            <a:r>
+              <a:rPr lang="en-GB" dirty="0" err="1" smtClean="0"/>
+              <a:t>AsOrdered</a:t>
+            </a:r>
+            <a:r>
+              <a:rPr lang="en-GB" dirty="0" smtClean="0"/>
+              <a:t>, </a:t>
+            </a:r>
+            <a:r>
+              <a:rPr lang="en-GB" dirty="0" err="1" smtClean="0"/>
+              <a:t>AsUnordered</a:t>
+            </a:r>
+            <a:endParaRPr lang="en-GB" dirty="0" smtClean="0"/>
+          </a:p>
+          <a:p>
+            <a:r>
+              <a:rPr lang="en-GB" dirty="0" smtClean="0"/>
+              <a:t>Exception handling, cancellation etc you already know</a:t>
+            </a:r>
+          </a:p>
+          <a:p>
+            <a:pPr lvl="1"/>
+            <a:r>
+              <a:rPr lang="en-GB" dirty="0" smtClean="0"/>
+              <a:t>See, all that previous stuff was worthwhile </a:t>
             </a:r>
             <a:r>
               <a:rPr lang="en-US" dirty="0" err="1" smtClean="0">
@@ -7949,40 +7902,15 @@
               </a:rPr>
               <a:t></a:t>
             </a:r>
-            <a:endParaRPr lang="en-US" dirty="0" smtClean="0">
-              <a:sym typeface="Wingdings"/>
-            </a:endParaRPr>
-          </a:p>
-          <a:p>
-            <a:r>
-              <a:rPr lang="en-US" dirty="0" smtClean="0">
-                <a:sym typeface="Wingdings"/>
-              </a:rPr>
-              <a:t>Concurrency </a:t>
-            </a:r>
-            <a:r>
-              <a:rPr lang="en-US" dirty="0" err="1" smtClean="0">
-                <a:sym typeface="Wingdings"/>
-              </a:rPr>
-              <a:t>Visualizer</a:t>
-            </a:r>
-            <a:endParaRPr lang="en-US" dirty="0" smtClean="0">
-              <a:sym typeface="Wingdings"/>
-            </a:endParaRPr>
-          </a:p>
-          <a:p>
-            <a:pPr lvl="1"/>
-            <a:r>
-              <a:rPr lang="en-US" dirty="0" smtClean="0">
-                <a:sym typeface="Wingdings"/>
-              </a:rPr>
-              <a:t>Useful reports from the VS2010 profiler</a:t>
-            </a:r>
-          </a:p>
-          <a:p>
-            <a:pPr>
+            <a:endParaRPr lang="en-GB" dirty="0" smtClean="0"/>
+          </a:p>
+          <a:p>
+            <a:pPr lvl="1">
               <a:buNone/>
             </a:pPr>
+            <a:endParaRPr lang="en-GB" dirty="0" smtClean="0"/>
+          </a:p>
+          <a:p>
             <a:endParaRPr lang="en-GB" dirty="0"/>
           </a:p>
         </p:txBody>
@@ -8036,7 +7964,7 @@
           <a:p>
             <a:r>
               <a:rPr lang="en-GB" dirty="0" smtClean="0"/>
-              <a:t>And Other Stuff</a:t>
+              <a:t>Misc</a:t>
             </a:r>
             <a:endParaRPr lang="en-GB" dirty="0"/>
           </a:p>
@@ -8058,138 +7986,71 @@
           <a:lstStyle/>
           <a:p>
             <a:r>
+              <a:rPr lang="en-GB" dirty="0" smtClean="0"/>
+              <a:t>Running tasks on the UI Thread</a:t>
+            </a:r>
+          </a:p>
+          <a:p>
+            <a:pPr lvl="1"/>
+            <a:r>
+              <a:rPr lang="en-GB" dirty="0" smtClean="0"/>
+              <a:t>Demo.  Shows Continuations, </a:t>
+            </a:r>
+            <a:r>
               <a:rPr lang="en-GB" dirty="0" err="1" smtClean="0"/>
-              <a:t>System.Collections.Concurrent</a:t>
-            </a:r>
-            <a:endParaRPr lang="en-GB" dirty="0" smtClean="0"/>
+              <a:t>Parallel.For</a:t>
+            </a:r>
+            <a:r>
+              <a:rPr lang="en-GB" dirty="0" smtClean="0"/>
+              <a:t> &amp; UI thread operations</a:t>
+            </a:r>
+          </a:p>
+          <a:p>
+            <a:pPr lvl="2"/>
+            <a:r>
+              <a:rPr lang="en-GB" dirty="0" smtClean="0"/>
+              <a:t>Thanks to MSDN </a:t>
+            </a:r>
+            <a:r>
+              <a:rPr lang="en-US" dirty="0" err="1" smtClean="0">
+                <a:sym typeface="Wingdings"/>
+              </a:rPr>
+              <a:t></a:t>
+            </a:r>
+            <a:endParaRPr lang="en-US" dirty="0" smtClean="0">
+              <a:sym typeface="Wingdings"/>
+            </a:endParaRPr>
+          </a:p>
+          <a:p>
+            <a:r>
+              <a:rPr lang="en-US" dirty="0" smtClean="0">
+                <a:sym typeface="Wingdings"/>
+              </a:rPr>
+              <a:t>Concurrency </a:t>
+            </a:r>
+            <a:r>
+              <a:rPr lang="en-US" dirty="0" err="1" smtClean="0">
+                <a:sym typeface="Wingdings"/>
+              </a:rPr>
+              <a:t>Visualizer</a:t>
+            </a:r>
+            <a:endParaRPr lang="en-US" dirty="0" smtClean="0">
+              <a:sym typeface="Wingdings"/>
+            </a:endParaRPr>
           </a:p>
           <a:p>
             <a:pPr lvl="1"/>
             <a:r>
-              <a:rPr lang="en-GB" dirty="0" err="1" smtClean="0"/>
-              <a:t>ConcurrentDictionary</a:t>
-            </a:r>
-            <a:r>
-              <a:rPr lang="en-GB" dirty="0" smtClean="0"/>
-              <a:t>, </a:t>
-            </a:r>
-            <a:r>
-              <a:rPr lang="en-GB" dirty="0" err="1" smtClean="0"/>
-              <a:t>ConcurrentStack</a:t>
-            </a:r>
-            <a:r>
-              <a:rPr lang="en-GB" dirty="0" smtClean="0"/>
-              <a:t>, </a:t>
-            </a:r>
-            <a:r>
-              <a:rPr lang="en-GB" dirty="0" err="1" smtClean="0"/>
-              <a:t>ConcurrentQueue</a:t>
-            </a:r>
-            <a:r>
-              <a:rPr lang="en-GB" dirty="0" smtClean="0"/>
-              <a:t>, </a:t>
-            </a:r>
-            <a:r>
-              <a:rPr lang="en-GB" dirty="0" err="1" smtClean="0"/>
-              <a:t>ConcurrentBag</a:t>
-            </a:r>
-            <a:r>
-              <a:rPr lang="en-GB" dirty="0" smtClean="0"/>
-              <a:t>, </a:t>
-            </a:r>
-            <a:r>
-              <a:rPr lang="en-GB" dirty="0" err="1" smtClean="0"/>
-              <a:t>BlockingCollection</a:t>
-            </a:r>
-            <a:endParaRPr lang="en-GB" dirty="0" smtClean="0"/>
-          </a:p>
-          <a:p>
-            <a:r>
-              <a:rPr lang="en-GB" dirty="0" err="1" smtClean="0"/>
-              <a:t>System.Threading</a:t>
-            </a:r>
-            <a:endParaRPr lang="en-GB" dirty="0" smtClean="0"/>
-          </a:p>
-          <a:p>
-            <a:pPr lvl="1"/>
-            <a:r>
-              <a:rPr lang="en-GB" dirty="0" smtClean="0"/>
-              <a:t>Barrier, </a:t>
-            </a:r>
-            <a:r>
-              <a:rPr lang="en-GB" dirty="0" err="1" smtClean="0"/>
-              <a:t>CountdownEvent</a:t>
-            </a:r>
-            <a:r>
-              <a:rPr lang="en-GB" dirty="0" smtClean="0"/>
-              <a:t>, </a:t>
-            </a:r>
-            <a:r>
-              <a:rPr lang="en-GB" dirty="0" err="1" smtClean="0"/>
-              <a:t>ManualResetEventSlim</a:t>
-            </a:r>
-            <a:r>
-              <a:rPr lang="en-GB" dirty="0" smtClean="0"/>
-              <a:t>, </a:t>
-            </a:r>
-            <a:r>
-              <a:rPr lang="en-GB" dirty="0" err="1" smtClean="0"/>
-              <a:t>SemaphoreSlim</a:t>
-            </a:r>
-            <a:r>
-              <a:rPr lang="en-GB" dirty="0" smtClean="0"/>
-              <a:t>, </a:t>
-            </a:r>
-            <a:r>
-              <a:rPr lang="en-GB" dirty="0" err="1" smtClean="0"/>
-              <a:t>SpinLock</a:t>
-            </a:r>
-            <a:r>
-              <a:rPr lang="en-GB" dirty="0" smtClean="0"/>
-              <a:t>, </a:t>
-            </a:r>
-            <a:r>
-              <a:rPr lang="en-GB" dirty="0" err="1" smtClean="0"/>
-              <a:t>SpinWait</a:t>
-            </a:r>
-            <a:r>
-              <a:rPr lang="en-GB" dirty="0" smtClean="0"/>
-              <a:t>, </a:t>
-            </a:r>
-            <a:r>
-              <a:rPr lang="en-GB" dirty="0" err="1" smtClean="0"/>
-              <a:t>ThreadLocal</a:t>
-            </a:r>
-            <a:r>
-              <a:rPr lang="en-GB" dirty="0" smtClean="0"/>
-              <a:t>&lt;T&gt;, </a:t>
-            </a:r>
-            <a:r>
-              <a:rPr lang="en-GB" dirty="0" err="1" smtClean="0"/>
-              <a:t>LazyInitializer</a:t>
-            </a:r>
-            <a:endParaRPr lang="en-GB" dirty="0" smtClean="0"/>
-          </a:p>
-          <a:p>
-            <a:r>
-              <a:rPr lang="en-GB" dirty="0" err="1" smtClean="0"/>
-              <a:t>System.Lazy</a:t>
-            </a:r>
-            <a:r>
-              <a:rPr lang="en-GB" dirty="0" smtClean="0"/>
-              <a:t>&lt;T&gt;</a:t>
+              <a:rPr lang="en-US" dirty="0" smtClean="0">
+                <a:sym typeface="Wingdings"/>
+              </a:rPr>
+              <a:t>Useful reports from the VS2010 profiler</a:t>
             </a:r>
           </a:p>
           <a:p>
             <a:pPr>
               <a:buNone/>
             </a:pPr>
-            <a:endParaRPr lang="en-GB" dirty="0" smtClean="0"/>
-          </a:p>
-          <a:p>
-            <a:endParaRPr lang="en-GB" dirty="0" smtClean="0"/>
-          </a:p>
-          <a:p>
             <a:endParaRPr lang="en-GB" dirty="0"/>
           </a:p>
         </p:txBody>
@@ -8242,8 +8103,8 @@
           <a:lstStyle/>
           <a:p>
             <a:r>
-              <a:rPr lang="en-GB" smtClean="0"/>
-              <a:t>Remember</a:t>
+              <a:rPr lang="en-GB" dirty="0" smtClean="0"/>
+              <a:t>And Other Stuff</a:t>
             </a:r>
             <a:endParaRPr lang="en-GB" dirty="0"/>
           </a:p>
@@ -8265,56 +8126,138 @@
           <a:lstStyle/>
           <a:p>
             <a:r>
-              <a:rPr lang="en-GB" sz="2400" dirty="0" smtClean="0"/>
-              <a:t>Always measure; do not assume parallel is faster</a:t>
-            </a:r>
-          </a:p>
-          <a:p>
-            <a:r>
-              <a:rPr lang="en-GB" sz="2400" dirty="0" smtClean="0"/>
-              <a:t>Avoid shared memory</a:t>
-            </a:r>
-          </a:p>
-          <a:p>
-            <a:r>
-              <a:rPr lang="en-GB" sz="2400" dirty="0" smtClean="0"/>
-              <a:t>Avoid too much parallelism</a:t>
-            </a:r>
-          </a:p>
-          <a:p>
-            <a:r>
-              <a:rPr lang="en-GB" sz="2400" dirty="0" smtClean="0"/>
-              <a:t>Avoid non-thread-safe methods</a:t>
-            </a:r>
-          </a:p>
-          <a:p>
-            <a:r>
-              <a:rPr lang="en-GB" sz="2400" dirty="0" smtClean="0"/>
-              <a:t>Limit calls to “thread safe” methods</a:t>
-            </a:r>
+              <a:rPr lang="en-GB" dirty="0" err="1" smtClean="0"/>
+              <a:t>System.Collections.Concurrent</a:t>
+            </a:r>
+            <a:endParaRPr lang="en-GB" dirty="0" smtClean="0"/>
           </a:p>
           <a:p>
             <a:pPr lvl="1"/>
             <a:r>
-              <a:rPr lang="en-GB" sz="2400" dirty="0" smtClean="0"/>
-              <a:t>They may be locking, and hence killing your concurrency</a:t>
-            </a:r>
-          </a:p>
-          <a:p>
-            <a:r>
-              <a:rPr lang="en-GB" sz="2400" dirty="0" smtClean="0"/>
-              <a:t>Don’t assume parallelism =&gt; potential for deadlock</a:t>
-            </a:r>
+              <a:rPr lang="en-GB" dirty="0" err="1" smtClean="0"/>
+              <a:t>ConcurrentDictionary</a:t>
+            </a:r>
+            <a:r>
+              <a:rPr lang="en-GB" dirty="0" smtClean="0"/>
+              <a:t>, </a:t>
+            </a:r>
+            <a:r>
+              <a:rPr lang="en-GB" dirty="0" err="1" smtClean="0"/>
+              <a:t>ConcurrentStack</a:t>
+            </a:r>
+            <a:r>
+              <a:rPr lang="en-GB" dirty="0" smtClean="0"/>
+              <a:t>, </a:t>
+            </a:r>
+            <a:r>
+              <a:rPr lang="en-GB" dirty="0" err="1" smtClean="0"/>
+              <a:t>ConcurrentQueue</a:t>
+            </a:r>
+            <a:r>
+              <a:rPr lang="en-GB" dirty="0" smtClean="0"/>
+              <a:t>, </a:t>
+            </a:r>
+            <a:r>
+              <a:rPr lang="en-GB" dirty="0" err="1" smtClean="0"/>
+              <a:t>ConcurrentBag</a:t>
+            </a:r>
+            <a:r>
+              <a:rPr lang="en-GB" dirty="0" smtClean="0"/>
+              <a:t>, </a:t>
+            </a:r>
+            <a:r>
+              <a:rPr lang="en-GB" dirty="0" err="1" smtClean="0"/>
+              <a:t>BlockingCollection</a:t>
+            </a:r>
+            <a:endParaRPr lang="en-GB" dirty="0" smtClean="0"/>
+          </a:p>
+          <a:p>
+            <a:r>
+              <a:rPr lang="en-GB" dirty="0" err="1" smtClean="0"/>
+              <a:t>System.Threading</a:t>
+            </a:r>
+            <a:endParaRPr lang="en-GB" dirty="0" smtClean="0"/>
           </a:p>
           <a:p>
             <a:pPr lvl="1"/>
             <a:r>
-              <a:rPr lang="en-GB" sz="2400" dirty="0" smtClean="0"/>
-              <a:t>One iteration should never wait on the completion of another iteration</a:t>
-            </a:r>
-          </a:p>
-          <a:p>
-            <a:pPr lvl="2"/>
+              <a:rPr lang="en-GB" dirty="0" smtClean="0"/>
+              <a:t>Barrier, </a:t>
+            </a:r>
+            <a:r>
+              <a:rPr lang="en-GB" dirty="0" err="1" smtClean="0"/>
+              <a:t>CountdownEvent</a:t>
+            </a:r>
+            <a:r>
+              <a:rPr lang="en-GB" dirty="0" smtClean="0"/>
+              <a:t>, </a:t>
+            </a:r>
+            <a:r>
+              <a:rPr lang="en-GB" dirty="0" err="1" smtClean="0"/>
+              <a:t>ManualResetEventSlim</a:t>
+            </a:r>
+            <a:r>
+              <a:rPr lang="en-GB" dirty="0" smtClean="0"/>
+              <a:t>, </a:t>
+            </a:r>
+            <a:r>
+              <a:rPr lang="en-GB" dirty="0" err="1" smtClean="0"/>
+              <a:t>SemaphoreSlim</a:t>
+            </a:r>
+            <a:r>
+              <a:rPr lang="en-GB" dirty="0" smtClean="0"/>
+              <a:t>, </a:t>
+            </a:r>
+            <a:r>
+              <a:rPr lang="en-GB" dirty="0" err="1" smtClean="0"/>
+              <a:t>SpinLock</a:t>
+            </a:r>
+            <a:r>
+              <a:rPr lang="en-GB" dirty="0" smtClean="0"/>
+              <a:t>, </a:t>
+            </a:r>
+            <a:r>
+              <a:rPr lang="en-GB" dirty="0" err="1" smtClean="0"/>
+              <a:t>SpinWait</a:t>
+            </a:r>
+            <a:r>
+              <a:rPr lang="en-GB" dirty="0" smtClean="0"/>
+              <a:t>, </a:t>
+            </a:r>
+            <a:r>
+              <a:rPr lang="en-GB" dirty="0" err="1" smtClean="0"/>
+              <a:t>ThreadLocal</a:t>
+            </a:r>
+            <a:r>
+              <a:rPr lang="en-GB" dirty="0" smtClean="0"/>
+              <a:t>&lt;T&gt;, </a:t>
+            </a:r>
+            <a:r>
+              <a:rPr lang="en-GB" dirty="0" err="1" smtClean="0"/>
+              <a:t>LazyInitializer</a:t>
+            </a:r>
+            <a:endParaRPr lang="en-GB" dirty="0" smtClean="0"/>
+          </a:p>
+          <a:p>
+            <a:r>
+              <a:rPr lang="en-GB" dirty="0" err="1" smtClean="0"/>
+              <a:t>System.Lazy</a:t>
+            </a:r>
+            <a:r>
+              <a:rPr lang="en-GB" dirty="0" smtClean="0"/>
+              <a:t>&lt;T&gt;</a:t>
+            </a:r>
+          </a:p>
+          <a:p>
+            <a:pPr>
+              <a:buNone/>
+            </a:pPr>
+            <a:endParaRPr lang="en-GB" dirty="0" smtClean="0"/>
+          </a:p>
+          <a:p>
+            <a:endParaRPr lang="en-GB" dirty="0" smtClean="0"/>
+          </a:p>
+          <a:p>
             <a:endParaRPr lang="en-GB" dirty="0"/>
           </a:p>
         </p:txBody>
@@ -8367,8 +8310,8 @@
           <a:lstStyle/>
           <a:p>
             <a:r>
-              <a:rPr lang="en-GB" dirty="0" smtClean="0"/>
-              <a:t>References</a:t>
+              <a:rPr lang="en-GB" smtClean="0"/>
+              <a:t>Remember</a:t>
             </a:r>
             <a:endParaRPr lang="en-GB" dirty="0"/>
           </a:p>
@@ -8390,142 +8333,57 @@
           <a:lstStyle/>
           <a:p>
             <a:r>
-              <a:rPr lang="en-US" sz="1600" dirty="0" smtClean="0"/>
-              <a:t>Slides and Source on </a:t>
-            </a:r>
-            <a:r>
-              <a:rPr lang="en-US" sz="1600" dirty="0" err="1" smtClean="0"/>
-              <a:t>Github</a:t>
-            </a:r>
-            <a:endParaRPr lang="en-US" sz="1600" dirty="0" smtClean="0"/>
+              <a:rPr lang="en-GB" sz="2400" dirty="0" smtClean="0"/>
+              <a:t>Always measure; do not assume parallel is faster</a:t>
+            </a:r>
+          </a:p>
+          <a:p>
+            <a:r>
+              <a:rPr lang="en-GB" sz="2400" dirty="0" smtClean="0"/>
+              <a:t>Avoid shared memory</a:t>
+            </a:r>
+          </a:p>
+          <a:p>
+            <a:r>
+              <a:rPr lang="en-GB" sz="2400" dirty="0" smtClean="0"/>
+              <a:t>Avoid too much parallelism</a:t>
+            </a:r>
+          </a:p>
+          <a:p>
+            <a:r>
+              <a:rPr lang="en-GB" sz="2400" dirty="0" smtClean="0"/>
+              <a:t>Avoid non-thread-safe methods</a:t>
+            </a:r>
+          </a:p>
+          <a:p>
+            <a:r>
+              <a:rPr lang="en-GB" sz="2400" dirty="0" smtClean="0"/>
+              <a:t>Limit calls to “thread safe” methods</a:t>
+            </a:r>
           </a:p>
           <a:p>
             <a:pPr lvl="1"/>
             <a:r>
-              <a:rPr lang="en-US" sz="1600" dirty="0" smtClean="0"/>
-              <a:t>http://github.com/srstrong/DDDSW2010</a:t>
-            </a:r>
-          </a:p>
-          <a:p>
-            <a:r>
-              <a:rPr lang="en-US" sz="1600" dirty="0" smtClean="0"/>
-              <a:t>MSDN Parallel Computing Site</a:t>
+              <a:rPr lang="en-GB" sz="2400" dirty="0" smtClean="0"/>
+              <a:t>They may be locking, and hence killing your concurrency</a:t>
+            </a:r>
+          </a:p>
+          <a:p>
+            <a:r>
+              <a:rPr lang="en-GB" sz="2400" dirty="0" smtClean="0"/>
+              <a:t>Don’t assume parallelism =&gt; potential for deadlock</a:t>
             </a:r>
           </a:p>
           <a:p>
             <a:pPr lvl="1"/>
             <a:r>
-              <a:rPr lang="en-US" sz="1600" dirty="0" smtClean="0"/>
-              <a:t>http://msdn.microsoft.com/en-us/concurrency/</a:t>
-            </a:r>
-            <a:r>
-              <a:rPr lang="en-US" sz="1600" dirty="0" smtClean="0"/>
-              <a:t>default.aspx </a:t>
-            </a:r>
-          </a:p>
-          <a:p>
-            <a:r>
-              <a:rPr lang="en-US" sz="1600" dirty="0" smtClean="0"/>
-              <a:t>.Net Parallel Programming</a:t>
-            </a:r>
-          </a:p>
-          <a:p>
-            <a:pPr lvl="1"/>
-            <a:r>
-              <a:rPr lang="en-US" sz="1600" dirty="0" smtClean="0"/>
-              <a:t>http://msdn.microsoft.com/en-us/library/dd460693(VS.100).</a:t>
-            </a:r>
-            <a:r>
-              <a:rPr lang="en-US" sz="1600" dirty="0" smtClean="0"/>
-              <a:t>aspx </a:t>
-            </a:r>
-          </a:p>
-          <a:p>
-            <a:r>
-              <a:rPr lang="en-US" sz="1600" dirty="0" smtClean="0"/>
-              <a:t>MSDN Parallel Programming Blog</a:t>
-            </a:r>
-          </a:p>
-          <a:p>
-            <a:pPr lvl="1"/>
-            <a:r>
-              <a:rPr lang="en-US" sz="1600" dirty="0" smtClean="0"/>
-              <a:t>http://blogs.msdn.com/b/pfxteam</a:t>
-            </a:r>
-            <a:r>
-              <a:rPr lang="en-US" sz="1600" dirty="0" smtClean="0"/>
-              <a:t>/ </a:t>
-            </a:r>
-          </a:p>
-          <a:p>
-            <a:r>
-              <a:rPr lang="en-US" sz="1600" dirty="0" smtClean="0"/>
-              <a:t>Task Parallel Library</a:t>
-            </a:r>
-          </a:p>
-          <a:p>
-            <a:pPr lvl="1"/>
-            <a:r>
-              <a:rPr lang="en-US" sz="1600" dirty="0" smtClean="0"/>
-              <a:t>http://msdn.microsoft.com/en-us/library/dd460717.aspx</a:t>
-            </a:r>
-          </a:p>
-          <a:p>
-            <a:r>
-              <a:rPr lang="en-US" sz="1600" dirty="0" smtClean="0"/>
-              <a:t>Extensive </a:t>
-            </a:r>
-            <a:r>
-              <a:rPr lang="en-US" sz="1600" dirty="0" err="1" smtClean="0"/>
-              <a:t>Samples</a:t>
-            </a:r>
-          </a:p>
-          <a:p>
-            <a:pPr lvl="1"/>
-            <a:r>
-              <a:rPr lang="en-US" sz="1600" dirty="0" smtClean="0"/>
-              <a:t>http</a:t>
-            </a:r>
-            <a:r>
-              <a:rPr lang="en-US" sz="1600" dirty="0" smtClean="0"/>
-              <a:t>://code.msdn.microsoft.com/Project/Download/FileDownload.aspx?ProjectName=ParExtSamples&amp;DownloadId=</a:t>
-            </a:r>
-            <a:r>
-              <a:rPr lang="en-US" sz="1600" dirty="0" smtClean="0"/>
-              <a:t>10226 </a:t>
-            </a:r>
-          </a:p>
-          <a:p>
-            <a:pPr marL="342900" lvl="1" indent="-342900">
-              <a:buFont typeface="Arial" pitchFamily="34" charset="0"/>
-              <a:buChar char="•"/>
-            </a:pPr>
-            <a:r>
-              <a:rPr lang="en-US" sz="1600" dirty="0" smtClean="0"/>
-              <a:t>Concurrency </a:t>
-            </a:r>
-            <a:r>
-              <a:rPr lang="en-US" sz="1600" dirty="0" err="1" smtClean="0"/>
-              <a:t>Visualizer</a:t>
-            </a:r>
-            <a:endParaRPr lang="en-US" sz="1600" dirty="0" smtClean="0"/>
-          </a:p>
-          <a:p>
-            <a:pPr marL="742950" lvl="2" indent="-342900"/>
-            <a:r>
-              <a:rPr lang="en-US" sz="1600" dirty="0" smtClean="0"/>
-              <a:t>http://msdn.microsoft.com/en-us/library/dd537632.</a:t>
-            </a:r>
-            <a:r>
-              <a:rPr lang="en-US" sz="1600" dirty="0" smtClean="0"/>
-              <a:t>aspx </a:t>
-            </a:r>
-          </a:p>
-          <a:p>
-            <a:pPr marL="742950" lvl="2" indent="-342900">
-              <a:buNone/>
-            </a:pPr>
-            <a:endParaRPr lang="en-GB" sz="1600" dirty="0"/>
+              <a:rPr lang="en-GB" sz="2400" dirty="0" smtClean="0"/>
+              <a:t>One iteration should never wait on the completion of another iteration</a:t>
+            </a:r>
+          </a:p>
+          <a:p>
+            <a:pPr lvl="2"/>
+            <a:endParaRPr lang="en-GB" dirty="0"/>
           </a:p>
         </p:txBody>
       </p:sp>
@@ -8541,6 +8399,299 @@
       </p:par>
     </p:tnLst>
   </p:timing>
+</p:sld>
+</file>
+
+<file path=ppt/slides/slide34.xml><?xml version="1.0" encoding="utf-8"?>
+<p:sld xmlns:a="http://schemas.openxmlformats.org/drawingml/2006/main" xmlns:r="http://schemas.openxmlformats.org/officeDocument/2006/relationships" xmlns:mc="http://schemas.openxmlformats.org/markup-compatibility/2006" xmlns:mv="urn:schemas-microsoft-com:mac:vml" xmlns:p="http://schemas.openxmlformats.org/presentationml/2006/main" mc:Ignorable="mv" mc:PreserveAttributes="mv:*">
+  <p:cSld>
+    <p:spTree>
+      <p:nvGrpSpPr>
+        <p:cNvPr id="1" name=""/>
+        <p:cNvGrpSpPr/>
+        <p:nvPr/>
+      </p:nvGrpSpPr>
+      <p:grpSpPr>
+        <a:xfrm>
+          <a:off x="0" y="0"/>
+          <a:ext cx="0" cy="0"/>
+          <a:chOff x="0" y="0"/>
+          <a:chExt cx="0" cy="0"/>
+        </a:xfrm>
+      </p:grpSpPr>
+      <p:sp>
+        <p:nvSpPr>
+          <p:cNvPr id="2" name="Title 1"/>
+          <p:cNvSpPr>
+            <a:spLocks noGrp="1"/>
+          </p:cNvSpPr>
+          <p:nvPr>
+            <p:ph type="title"/>
+          </p:nvPr>
+        </p:nvSpPr>
+        <p:spPr/>
+        <p:txBody>
+          <a:bodyPr/>
+          <a:lstStyle/>
+          <a:p>
+            <a:r>
+              <a:rPr lang="en-GB" dirty="0" smtClean="0"/>
+              <a:t>References</a:t>
+            </a:r>
+            <a:endParaRPr lang="en-GB" dirty="0"/>
+          </a:p>
+        </p:txBody>
+      </p:sp>
+      <p:sp>
+        <p:nvSpPr>
+          <p:cNvPr id="3" name="Content Placeholder 2"/>
+          <p:cNvSpPr>
+            <a:spLocks noGrp="1"/>
+          </p:cNvSpPr>
+          <p:nvPr>
+            <p:ph idx="1"/>
+          </p:nvPr>
+        </p:nvSpPr>
+        <p:spPr/>
+        <p:txBody>
+          <a:bodyPr/>
+          <a:lstStyle/>
+          <a:p>
+            <a:r>
+              <a:rPr lang="en-US" sz="1600" dirty="0" smtClean="0"/>
+              <a:t>Slides and Source on </a:t>
+            </a:r>
+            <a:r>
+              <a:rPr lang="en-US" sz="1600" dirty="0" err="1" smtClean="0"/>
+              <a:t>Github</a:t>
+            </a:r>
+            <a:endParaRPr lang="en-US" sz="1600" dirty="0" smtClean="0"/>
+          </a:p>
+          <a:p>
+            <a:pPr lvl="1"/>
+            <a:r>
+              <a:rPr lang="en-US" sz="1600" dirty="0" smtClean="0"/>
+              <a:t>http://github.com/srstrong/DDDSW2010</a:t>
+            </a:r>
+          </a:p>
+          <a:p>
+            <a:r>
+              <a:rPr lang="en-US" sz="1600" dirty="0" smtClean="0"/>
+              <a:t>MSDN Parallel Computing Site</a:t>
+            </a:r>
+          </a:p>
+          <a:p>
+            <a:pPr lvl="1"/>
+            <a:r>
+              <a:rPr lang="en-US" sz="1600" dirty="0" smtClean="0"/>
+              <a:t>http://msdn.microsoft.com/en-us/concurrency/</a:t>
+            </a:r>
+            <a:r>
+              <a:rPr lang="en-US" sz="1600" dirty="0" smtClean="0"/>
+              <a:t>default.aspx </a:t>
+            </a:r>
+          </a:p>
+          <a:p>
+            <a:r>
+              <a:rPr lang="en-US" sz="1600" dirty="0" smtClean="0"/>
+              <a:t>.Net Parallel Programming</a:t>
+            </a:r>
+          </a:p>
+          <a:p>
+            <a:pPr lvl="1"/>
+            <a:r>
+              <a:rPr lang="en-US" sz="1600" dirty="0" smtClean="0"/>
+              <a:t>http://msdn.microsoft.com/en-us/library/dd460693(VS.100).</a:t>
+            </a:r>
+            <a:r>
+              <a:rPr lang="en-US" sz="1600" dirty="0" smtClean="0"/>
+              <a:t>aspx </a:t>
+            </a:r>
+          </a:p>
+          <a:p>
+            <a:r>
+              <a:rPr lang="en-US" sz="1600" dirty="0" smtClean="0"/>
+              <a:t>MSDN Parallel Programming Blog</a:t>
+            </a:r>
+          </a:p>
+          <a:p>
+            <a:pPr lvl="1"/>
+            <a:r>
+              <a:rPr lang="en-US" sz="1600" dirty="0" smtClean="0"/>
+              <a:t>http://blogs.msdn.com/b/pfxteam</a:t>
+            </a:r>
+            <a:r>
+              <a:rPr lang="en-US" sz="1600" dirty="0" smtClean="0"/>
+              <a:t>/ </a:t>
+            </a:r>
+          </a:p>
+          <a:p>
+            <a:r>
+              <a:rPr lang="en-US" sz="1600" dirty="0" smtClean="0"/>
+              <a:t>Task Parallel Library</a:t>
+            </a:r>
+          </a:p>
+          <a:p>
+            <a:pPr lvl="1"/>
+            <a:r>
+              <a:rPr lang="en-US" sz="1600" dirty="0" smtClean="0"/>
+              <a:t>http://msdn.microsoft.com/en-us/library/dd460717.aspx</a:t>
+            </a:r>
+          </a:p>
+          <a:p>
+            <a:r>
+              <a:rPr lang="en-US" sz="1600" dirty="0" smtClean="0"/>
+              <a:t>Extensive </a:t>
+            </a:r>
+            <a:r>
+              <a:rPr lang="en-US" sz="1600" dirty="0" err="1" smtClean="0"/>
+              <a:t>Samples</a:t>
+            </a:r>
+          </a:p>
+          <a:p>
+            <a:pPr lvl="1"/>
+            <a:r>
+              <a:rPr lang="en-US" sz="1600" dirty="0" smtClean="0"/>
+              <a:t>http</a:t>
+            </a:r>
+            <a:r>
+              <a:rPr lang="en-US" sz="1600" dirty="0" smtClean="0"/>
+              <a:t>://code.msdn.microsoft.com/Project/Download/FileDownload.aspx?ProjectName=ParExtSamples&amp;DownloadId=</a:t>
+            </a:r>
+            <a:r>
+              <a:rPr lang="en-US" sz="1600" dirty="0" smtClean="0"/>
+              <a:t>10226 </a:t>
+            </a:r>
+          </a:p>
+          <a:p>
+            <a:pPr marL="342900" lvl="1" indent="-342900">
+              <a:buFont typeface="Arial" pitchFamily="34" charset="0"/>
+              <a:buChar char="•"/>
+            </a:pPr>
+            <a:r>
+              <a:rPr lang="en-US" sz="1600" dirty="0" smtClean="0"/>
+              <a:t>Concurrency </a:t>
+            </a:r>
+            <a:r>
+              <a:rPr lang="en-US" sz="1600" dirty="0" err="1" smtClean="0"/>
+              <a:t>Visualizer</a:t>
+            </a:r>
+            <a:endParaRPr lang="en-US" sz="1600" dirty="0" smtClean="0"/>
+          </a:p>
+          <a:p>
+            <a:pPr marL="742950" lvl="2" indent="-342900"/>
+            <a:r>
+              <a:rPr lang="en-US" sz="1600" dirty="0" smtClean="0"/>
+              <a:t>http://msdn.microsoft.com/en-us/library/dd537632.</a:t>
+            </a:r>
+            <a:r>
+              <a:rPr lang="en-US" sz="1600" dirty="0" smtClean="0"/>
+              <a:t>aspx </a:t>
+            </a:r>
+          </a:p>
+          <a:p>
+            <a:pPr marL="742950" lvl="2" indent="-342900">
+              <a:buNone/>
+            </a:pPr>
+            <a:endParaRPr lang="en-GB" sz="1600" dirty="0"/>
+          </a:p>
+        </p:txBody>
+      </p:sp>
+    </p:spTree>
+  </p:cSld>
+  <p:clrMapOvr>
+    <a:masterClrMapping/>
+  </p:clrMapOvr>
+  <p:timing>
+    <p:tnLst>
+      <p:par>
+        <p:cTn id="1" dur="indefinite" restart="never" nodeType="tmRoot"/>
+      </p:par>
+    </p:tnLst>
+  </p:timing>
+</p:sld>
+</file>
+
+<file path=ppt/slides/slide35.xml><?xml version="1.0" encoding="utf-8"?>
+<p:sld xmlns:a="http://schemas.openxmlformats.org/drawingml/2006/main" xmlns:r="http://schemas.openxmlformats.org/officeDocument/2006/relationships" xmlns:mc="http://schemas.openxmlformats.org/markup-compatibility/2006" xmlns:mv="urn:schemas-microsoft-com:mac:vml" xmlns:p="http://schemas.openxmlformats.org/presentationml/2006/main" mc:Ignorable="mv" mc:PreserveAttributes="mv:*">
+  <p:cSld>
+    <p:spTree>
+      <p:nvGrpSpPr>
+        <p:cNvPr id="1" name=""/>
+        <p:cNvGrpSpPr/>
+        <p:nvPr/>
+      </p:nvGrpSpPr>
+      <p:grpSpPr>
+        <a:xfrm>
+          <a:off x="0" y="0"/>
+          <a:ext cx="0" cy="0"/>
+          <a:chOff x="0" y="0"/>
+          <a:chExt cx="0" cy="0"/>
+        </a:xfrm>
+      </p:grpSpPr>
+      <p:sp>
+        <p:nvSpPr>
+          <p:cNvPr id="2" name="Title 1"/>
+          <p:cNvSpPr>
+            <a:spLocks noGrp="1"/>
+          </p:cNvSpPr>
+          <p:nvPr>
+            <p:ph type="title"/>
+          </p:nvPr>
+        </p:nvSpPr>
+        <p:spPr/>
+        <p:txBody>
+          <a:bodyPr/>
+          <a:lstStyle/>
+          <a:p>
+            <a:r>
+              <a:rPr lang="en-GB" smtClean="0"/>
+              <a:t>Again, fill </a:t>
+            </a:r>
+            <a:r>
+              <a:rPr lang="en-GB" dirty="0" smtClean="0"/>
+              <a:t>out your </a:t>
+            </a:r>
+            <a:r>
+              <a:rPr lang="en-GB" dirty="0" err="1" smtClean="0"/>
+              <a:t>Eval</a:t>
+            </a:r>
+            <a:r>
+              <a:rPr lang="en-GB" dirty="0" smtClean="0"/>
+              <a:t> forms</a:t>
+            </a:r>
+            <a:endParaRPr lang="en-GB" dirty="0"/>
+          </a:p>
+        </p:txBody>
+      </p:sp>
+      <p:sp>
+        <p:nvSpPr>
+          <p:cNvPr id="3" name="Content Placeholder 2"/>
+          <p:cNvSpPr>
+            <a:spLocks noGrp="1"/>
+          </p:cNvSpPr>
+          <p:nvPr>
+            <p:ph idx="1"/>
+          </p:nvPr>
+        </p:nvSpPr>
+        <p:spPr/>
+        <p:txBody>
+          <a:bodyPr/>
+          <a:lstStyle/>
+          <a:p>
+            <a:r>
+              <a:rPr lang="en-GB" dirty="0" smtClean="0"/>
+              <a:t>There’s swag later..</a:t>
+            </a:r>
+            <a:endParaRPr lang="en-GB" dirty="0"/>
+          </a:p>
+        </p:txBody>
+      </p:sp>
+    </p:spTree>
+  </p:cSld>
+  <p:clrMapOvr>
+    <a:masterClrMapping/>
+  </p:clrMapOvr>
 </p:sld>
 </file>
 
@@ -8568,22 +8719,17 @@
             <a:spLocks noGrp="1"/>
           </p:cNvSpPr>
           <p:nvPr>
-            <p:ph type="ctrTitle"/>
-          </p:nvPr>
-        </p:nvSpPr>
-        <p:spPr>
-          <a:xfrm>
-            <a:off x="685800" y="2130425"/>
-            <a:ext cx="7772400" cy="1470025"/>
-          </a:xfrm>
-        </p:spPr>
-        <p:txBody>
-          <a:bodyPr/>
-          <a:lstStyle/>
-          <a:p>
-            <a:r>
-              <a:rPr lang="en-GB" dirty="0" smtClean="0"/>
-              <a:t>Why Concurrency?</a:t>
+            <p:ph type="title"/>
+          </p:nvPr>
+        </p:nvSpPr>
+        <p:spPr/>
+        <p:txBody>
+          <a:bodyPr/>
+          <a:lstStyle/>
+          <a:p>
+            <a:r>
+              <a:rPr lang="en-GB" dirty="0" smtClean="0"/>
+              <a:t>Topics</a:t>
             </a:r>
             <a:endParaRPr lang="en-GB" dirty="0"/>
           </a:p>
@@ -8591,20 +8737,81 @@
       </p:sp>
       <p:sp>
         <p:nvSpPr>
-          <p:cNvPr id="5" name="Subtitle 4"/>
-          <p:cNvSpPr>
-            <a:spLocks noGrp="1"/>
-          </p:cNvSpPr>
-          <p:nvPr>
-            <p:ph type="subTitle" idx="1"/>
-          </p:nvPr>
-        </p:nvSpPr>
-        <p:spPr/>
-        <p:txBody>
-          <a:bodyPr/>
-          <a:lstStyle/>
-          <a:p>
-            <a:endParaRPr lang="en-GB"/>
+          <p:cNvPr id="5" name="Content Placeholder 4"/>
+          <p:cNvSpPr>
+            <a:spLocks noGrp="1"/>
+          </p:cNvSpPr>
+          <p:nvPr>
+            <p:ph idx="1"/>
+          </p:nvPr>
+        </p:nvSpPr>
+        <p:spPr/>
+        <p:txBody>
+          <a:bodyPr/>
+          <a:lstStyle/>
+          <a:p>
+            <a:r>
+              <a:rPr lang="en-GB" dirty="0" smtClean="0"/>
+              <a:t>Why care about concurrency?</a:t>
+            </a:r>
+          </a:p>
+          <a:p>
+            <a:r>
+              <a:rPr lang="en-GB" dirty="0" smtClean="0"/>
+              <a:t>What’s wrong with what we’ve got?</a:t>
+            </a:r>
+          </a:p>
+          <a:p>
+            <a:r>
+              <a:rPr lang="en-GB" dirty="0" smtClean="0"/>
+              <a:t>TPL – Raising the abstraction</a:t>
+            </a:r>
+          </a:p>
+          <a:p>
+            <a:pPr lvl="1"/>
+            <a:r>
+              <a:rPr lang="en-GB" dirty="0" smtClean="0"/>
+              <a:t>Data parallelism</a:t>
+            </a:r>
+          </a:p>
+          <a:p>
+            <a:pPr lvl="1"/>
+            <a:r>
+              <a:rPr lang="en-GB" dirty="0" smtClean="0"/>
+              <a:t>Task parallelism</a:t>
+            </a:r>
+          </a:p>
+          <a:p>
+            <a:pPr lvl="1"/>
+            <a:r>
+              <a:rPr lang="en-GB" dirty="0" smtClean="0"/>
+              <a:t>Asynchronous </a:t>
+            </a:r>
+            <a:r>
+              <a:rPr lang="en-GB" dirty="0" smtClean="0"/>
+              <a:t>Patterns</a:t>
+            </a:r>
+          </a:p>
+          <a:p>
+            <a:pPr lvl="1"/>
+            <a:r>
+              <a:rPr lang="en-GB" dirty="0" err="1" smtClean="0"/>
+              <a:t>PLinq</a:t>
+            </a:r>
+            <a:endParaRPr lang="en-GB" dirty="0" smtClean="0"/>
+          </a:p>
+          <a:p>
+            <a:r>
+              <a:rPr lang="en-GB" dirty="0" smtClean="0"/>
+              <a:t>Other .Net 4 concurrency features</a:t>
+            </a:r>
+          </a:p>
+          <a:p>
+            <a:pPr lvl="1"/>
+            <a:endParaRPr lang="en-GB" dirty="0" smtClean="0"/>
+          </a:p>
+          <a:p>
+            <a:endParaRPr lang="en-GB" dirty="0"/>
           </a:p>
         </p:txBody>
       </p:sp>
@@ -8624,6 +8831,85 @@
 </file>
 
 <file path=ppt/slides/slide5.xml><?xml version="1.0" encoding="utf-8"?>
+<p:sld xmlns:a="http://schemas.openxmlformats.org/drawingml/2006/main" xmlns:r="http://schemas.openxmlformats.org/officeDocument/2006/relationships" xmlns:mc="http://schemas.openxmlformats.org/markup-compatibility/2006" xmlns:mv="urn:schemas-microsoft-com:mac:vml" xmlns:p="http://schemas.openxmlformats.org/presentationml/2006/main" mc:Ignorable="mv" mc:PreserveAttributes="mv:*">
+  <p:cSld>
+    <p:spTree>
+      <p:nvGrpSpPr>
+        <p:cNvPr id="1" name=""/>
+        <p:cNvGrpSpPr/>
+        <p:nvPr/>
+      </p:nvGrpSpPr>
+      <p:grpSpPr>
+        <a:xfrm>
+          <a:off x="0" y="0"/>
+          <a:ext cx="0" cy="0"/>
+          <a:chOff x="0" y="0"/>
+          <a:chExt cx="0" cy="0"/>
+        </a:xfrm>
+      </p:grpSpPr>
+      <p:sp>
+        <p:nvSpPr>
+          <p:cNvPr id="4" name="Title 3"/>
+          <p:cNvSpPr>
+            <a:spLocks noGrp="1"/>
+          </p:cNvSpPr>
+          <p:nvPr>
+            <p:ph type="ctrTitle"/>
+          </p:nvPr>
+        </p:nvSpPr>
+        <p:spPr>
+          <a:xfrm>
+            <a:off x="685800" y="2130425"/>
+            <a:ext cx="7772400" cy="1470025"/>
+          </a:xfrm>
+        </p:spPr>
+        <p:txBody>
+          <a:bodyPr/>
+          <a:lstStyle/>
+          <a:p>
+            <a:r>
+              <a:rPr lang="en-GB" dirty="0" smtClean="0"/>
+              <a:t>Why Concurrency?</a:t>
+            </a:r>
+            <a:endParaRPr lang="en-GB" dirty="0"/>
+          </a:p>
+        </p:txBody>
+      </p:sp>
+      <p:sp>
+        <p:nvSpPr>
+          <p:cNvPr id="5" name="Subtitle 4"/>
+          <p:cNvSpPr>
+            <a:spLocks noGrp="1"/>
+          </p:cNvSpPr>
+          <p:nvPr>
+            <p:ph type="subTitle" idx="1"/>
+          </p:nvPr>
+        </p:nvSpPr>
+        <p:spPr/>
+        <p:txBody>
+          <a:bodyPr/>
+          <a:lstStyle/>
+          <a:p>
+            <a:endParaRPr lang="en-GB"/>
+          </a:p>
+        </p:txBody>
+      </p:sp>
+    </p:spTree>
+  </p:cSld>
+  <p:clrMapOvr>
+    <a:masterClrMapping/>
+  </p:clrMapOvr>
+  <p:timing>
+    <p:tnLst>
+      <p:par>
+        <p:cTn id="1" dur="indefinite" restart="never" nodeType="tmRoot"/>
+      </p:par>
+    </p:tnLst>
+  </p:timing>
+</p:sld>
+</file>
+
+<file path=ppt/slides/slide6.xml><?xml version="1.0" encoding="utf-8"?>
 <p:sld xmlns:a="http://schemas.openxmlformats.org/drawingml/2006/main" xmlns:r="http://schemas.openxmlformats.org/officeDocument/2006/relationships" xmlns:mc="http://schemas.openxmlformats.org/markup-compatibility/2006" xmlns:mv="urn:schemas-microsoft-com:mac:vml" xmlns:p="http://schemas.openxmlformats.org/presentationml/2006/main" mc:Ignorable="mv" mc:PreserveAttributes="mv:*">
   <p:cSld>
     <p:spTree>
@@ -8718,7 +9004,7 @@
 </p:sld>
 </file>
 
-<file path=ppt/slides/slide6.xml><?xml version="1.0" encoding="utf-8"?>
+<file path=ppt/slides/slide7.xml><?xml version="1.0" encoding="utf-8"?>
 <p:sld xmlns:a="http://schemas.openxmlformats.org/drawingml/2006/main" xmlns:r="http://schemas.openxmlformats.org/officeDocument/2006/relationships" xmlns:mc="http://schemas.openxmlformats.org/markup-compatibility/2006" xmlns:mv="urn:schemas-microsoft-com:mac:vml" xmlns:p="http://schemas.openxmlformats.org/presentationml/2006/main" mc:Ignorable="mv" mc:PreserveAttributes="mv:*">
   <p:cSld>
     <p:spTree>
@@ -8812,127 +9098,6 @@
 </p:sld>
 </file>
 
-<file path=ppt/slides/slide7.xml><?xml version="1.0" encoding="utf-8"?>
-<p:sld xmlns:a="http://schemas.openxmlformats.org/drawingml/2006/main" xmlns:r="http://schemas.openxmlformats.org/officeDocument/2006/relationships" xmlns:mc="http://schemas.openxmlformats.org/markup-compatibility/2006" xmlns:mv="urn:schemas-microsoft-com:mac:vml" xmlns:p="http://schemas.openxmlformats.org/presentationml/2006/main" mc:Ignorable="mv" mc:PreserveAttributes="mv:*">
-  <p:cSld>
-    <p:spTree>
-      <p:nvGrpSpPr>
-        <p:cNvPr id="1" name=""/>
-        <p:cNvGrpSpPr/>
-        <p:nvPr/>
-      </p:nvGrpSpPr>
-      <p:grpSpPr>
-        <a:xfrm>
-          <a:off x="0" y="0"/>
-          <a:ext cx="0" cy="0"/>
-          <a:chOff x="0" y="0"/>
-          <a:chExt cx="0" cy="0"/>
-        </a:xfrm>
-      </p:grpSpPr>
-      <p:sp>
-        <p:nvSpPr>
-          <p:cNvPr id="2" name="Title 1"/>
-          <p:cNvSpPr>
-            <a:spLocks noGrp="1"/>
-          </p:cNvSpPr>
-          <p:nvPr>
-            <p:ph type="title"/>
-          </p:nvPr>
-        </p:nvSpPr>
-        <p:spPr/>
-        <p:txBody>
-          <a:bodyPr/>
-          <a:lstStyle/>
-          <a:p>
-            <a:r>
-              <a:rPr lang="en-GB" dirty="0" smtClean="0"/>
-              <a:t>Concurrency is hard</a:t>
-            </a:r>
-            <a:endParaRPr lang="en-GB" dirty="0"/>
-          </a:p>
-        </p:txBody>
-      </p:sp>
-      <p:sp>
-        <p:nvSpPr>
-          <p:cNvPr id="3" name="Content Placeholder 2"/>
-          <p:cNvSpPr>
-            <a:spLocks noGrp="1"/>
-          </p:cNvSpPr>
-          <p:nvPr>
-            <p:ph idx="1"/>
-          </p:nvPr>
-        </p:nvSpPr>
-        <p:spPr/>
-        <p:txBody>
-          <a:bodyPr/>
-          <a:lstStyle/>
-          <a:p>
-            <a:r>
-              <a:rPr lang="en-GB" dirty="0" smtClean="0"/>
-              <a:t>Reasoning about sequential code is easy</a:t>
-            </a:r>
-          </a:p>
-          <a:p>
-            <a:r>
-              <a:rPr lang="en-GB" dirty="0" smtClean="0"/>
-              <a:t>Shared state is the norm</a:t>
-            </a:r>
-          </a:p>
-          <a:p>
-            <a:r>
-              <a:rPr lang="en-GB" dirty="0" smtClean="0"/>
-              <a:t>Moving to concurrent code means:</a:t>
-            </a:r>
-          </a:p>
-          <a:p>
-            <a:pPr lvl="1"/>
-            <a:r>
-              <a:rPr lang="en-GB" dirty="0" smtClean="0"/>
-              <a:t>Reasoning about the possible execution paths becomes very hard</a:t>
-            </a:r>
-          </a:p>
-          <a:p>
-            <a:pPr lvl="1"/>
-            <a:r>
-              <a:rPr lang="en-GB" dirty="0" smtClean="0"/>
-              <a:t>Need for locks etc to protect share state</a:t>
-            </a:r>
-          </a:p>
-          <a:p>
-            <a:pPr lvl="1"/>
-            <a:r>
-              <a:rPr lang="en-GB" dirty="0" smtClean="0"/>
-              <a:t>Data races / deadlocks are difficult to reproduce and debug</a:t>
-            </a:r>
-          </a:p>
-          <a:p>
-            <a:pPr lvl="1"/>
-            <a:r>
-              <a:rPr lang="en-GB" dirty="0" smtClean="0"/>
-              <a:t>Need for global understanding</a:t>
-            </a:r>
-          </a:p>
-          <a:p>
-            <a:pPr lvl="1"/>
-            <a:endParaRPr lang="en-GB" dirty="0" smtClean="0"/>
-          </a:p>
-        </p:txBody>
-      </p:sp>
-    </p:spTree>
-  </p:cSld>
-  <p:clrMapOvr>
-    <a:masterClrMapping/>
-  </p:clrMapOvr>
-  <p:timing>
-    <p:tnLst>
-      <p:par>
-        <p:cTn id="1" dur="indefinite" restart="never" nodeType="tmRoot"/>
-      </p:par>
-    </p:tnLst>
-  </p:timing>
-</p:sld>
-</file>
-
 <file path=ppt/slides/slide8.xml><?xml version="1.0" encoding="utf-8"?>
 <p:sld xmlns:a="http://schemas.openxmlformats.org/drawingml/2006/main" xmlns:r="http://schemas.openxmlformats.org/officeDocument/2006/relationships" xmlns:mc="http://schemas.openxmlformats.org/markup-compatibility/2006" xmlns:mv="urn:schemas-microsoft-com:mac:vml" xmlns:p="http://schemas.openxmlformats.org/presentationml/2006/main" mc:Ignorable="mv" mc:PreserveAttributes="mv:*">
   <p:cSld>
@@ -8967,7 +9132,7 @@
           <a:p>
             <a:r>
               <a:rPr lang="en-GB" dirty="0" smtClean="0"/>
-              <a:t>Task Parallel Library</a:t>
+              <a:t>Concurrency is hard</a:t>
             </a:r>
             <a:endParaRPr lang="en-GB" dirty="0"/>
           </a:p>
@@ -8990,31 +9155,60 @@
           <a:p>
             <a:r>
               <a:rPr lang="en-GB" dirty="0" smtClean="0"/>
-              <a:t>New in .Net 4.0</a:t>
-            </a:r>
-          </a:p>
-          <a:p>
-            <a:r>
-              <a:rPr lang="en-GB" dirty="0" smtClean="0"/>
-              <a:t>Doesn’t “solve” concurrency</a:t>
+              <a:t>Reasoning about sequential code is easy</a:t>
+            </a:r>
+          </a:p>
+          <a:p>
+            <a:r>
+              <a:rPr lang="en-GB" dirty="0" smtClean="0"/>
+              <a:t>Shared, mutable </a:t>
+            </a:r>
+            <a:r>
+              <a:rPr lang="en-GB" dirty="0" smtClean="0"/>
+              <a:t>state is the norm</a:t>
+            </a:r>
+          </a:p>
+          <a:p>
+            <a:r>
+              <a:rPr lang="en-GB" dirty="0" smtClean="0"/>
+              <a:t>Moving to concurrent code means:</a:t>
             </a:r>
           </a:p>
           <a:p>
             <a:pPr lvl="1"/>
             <a:r>
-              <a:rPr lang="en-GB" dirty="0" smtClean="0"/>
-              <a:t>But does provide some new tools</a:t>
+              <a:rPr lang="en-GB" sz="2400" dirty="0" smtClean="0"/>
+              <a:t>Reasoning about the possible execution paths becomes very hard</a:t>
             </a:r>
           </a:p>
           <a:p>
             <a:pPr lvl="1"/>
             <a:r>
-              <a:rPr lang="en-GB" dirty="0" smtClean="0"/>
-              <a:t>Higher level of abstraction</a:t>
-            </a:r>
-          </a:p>
-          <a:p>
-            <a:endParaRPr lang="en-GB" dirty="0"/>
+              <a:rPr lang="en-GB" sz="2400" dirty="0" smtClean="0"/>
+              <a:t>Need for locks etc to protect share </a:t>
+            </a:r>
+            <a:r>
+              <a:rPr lang="en-GB" sz="2400" dirty="0" smtClean="0"/>
+              <a:t>state and to synchronise execution</a:t>
+            </a:r>
+          </a:p>
+          <a:p>
+            <a:pPr lvl="1"/>
+            <a:r>
+              <a:rPr lang="en-GB" sz="2400" dirty="0" smtClean="0"/>
+              <a:t>Data races / deadlocks are difficult to reproduce and debug</a:t>
+            </a:r>
+          </a:p>
+          <a:p>
+            <a:pPr lvl="1"/>
+            <a:r>
+              <a:rPr lang="en-GB" sz="2400" dirty="0" smtClean="0"/>
+              <a:t>Need for global understanding</a:t>
+            </a:r>
+          </a:p>
+          <a:p>
+            <a:pPr lvl="1"/>
+            <a:endParaRPr lang="en-GB" dirty="0" smtClean="0"/>
           </a:p>
         </p:txBody>
       </p:sp>
@@ -9066,8 +9260,8 @@
           <a:lstStyle/>
           <a:p>
             <a:r>
-              <a:rPr lang="en-GB" dirty="0" err="1" smtClean="0"/>
-              <a:t>Parallel.For</a:t>
+              <a:rPr lang="en-GB" dirty="0" smtClean="0"/>
+              <a:t>Task Parallel Library</a:t>
             </a:r>
             <a:endParaRPr lang="en-GB" dirty="0"/>
           </a:p>
@@ -9090,47 +9284,30 @@
           <a:p>
             <a:r>
               <a:rPr lang="en-GB" dirty="0" smtClean="0"/>
-              <a:t>Concurrent version of sequential for loop</a:t>
-            </a:r>
-          </a:p>
-          <a:p>
-            <a:r>
-              <a:rPr lang="en-GB" dirty="0" smtClean="0"/>
-              <a:t>12 overloads providing variety of options</a:t>
-            </a:r>
-          </a:p>
-          <a:p>
-            <a:r>
-              <a:rPr lang="en-GB" dirty="0" smtClean="0"/>
-              <a:t>Basic (and most common) is simply:</a:t>
+              <a:t>New in .Net 4.0</a:t>
+            </a:r>
+          </a:p>
+          <a:p>
+            <a:r>
+              <a:rPr lang="en-GB" dirty="0" smtClean="0"/>
+              <a:t>Doesn’t “solve” concurrency</a:t>
             </a:r>
           </a:p>
           <a:p>
             <a:pPr lvl="1"/>
             <a:r>
               <a:rPr lang="en-GB" dirty="0" smtClean="0"/>
-              <a:t>Initial value</a:t>
+              <a:t>But does provide some new tools</a:t>
             </a:r>
           </a:p>
           <a:p>
             <a:pPr lvl="1"/>
             <a:r>
               <a:rPr lang="en-GB" dirty="0" smtClean="0"/>
-              <a:t>Max value</a:t>
-            </a:r>
-          </a:p>
-          <a:p>
-            <a:pPr lvl="1"/>
-            <a:r>
-              <a:rPr lang="en-GB" dirty="0" smtClean="0"/>
-              <a:t>Delegate</a:t>
-            </a:r>
-          </a:p>
-          <a:p>
-            <a:r>
-              <a:rPr lang="en-GB" dirty="0" smtClean="0"/>
-              <a:t>Demo</a:t>
-            </a:r>
+              <a:t>Higher level of abstraction</a:t>
+            </a:r>
+          </a:p>
+          <a:p>
             <a:endParaRPr lang="en-GB" dirty="0"/>
           </a:p>
         </p:txBody>
